--- a/slides/React 入门.pptx
+++ b/slides/React 入门.pptx
@@ -5,14 +5,22 @@
     <p:sldMasterId id="2147483648" r:id="rId1"/>
   </p:sldMasterIdLst>
   <p:notesMasterIdLst>
-    <p:notesMasterId r:id="rId7"/>
+    <p:notesMasterId r:id="rId15"/>
   </p:notesMasterIdLst>
   <p:sldIdLst>
     <p:sldId id="256" r:id="rId2"/>
     <p:sldId id="257" r:id="rId3"/>
-    <p:sldId id="258" r:id="rId4"/>
-    <p:sldId id="259" r:id="rId5"/>
-    <p:sldId id="260" r:id="rId6"/>
+    <p:sldId id="262" r:id="rId4"/>
+    <p:sldId id="258" r:id="rId5"/>
+    <p:sldId id="259" r:id="rId6"/>
+    <p:sldId id="260" r:id="rId7"/>
+    <p:sldId id="263" r:id="rId8"/>
+    <p:sldId id="261" r:id="rId9"/>
+    <p:sldId id="264" r:id="rId10"/>
+    <p:sldId id="265" r:id="rId11"/>
+    <p:sldId id="266" r:id="rId12"/>
+    <p:sldId id="267" r:id="rId13"/>
+    <p:sldId id="268" r:id="rId14"/>
   </p:sldIdLst>
   <p:sldSz cx="12192000" cy="6858000"/>
   <p:notesSz cx="6858000" cy="9144000"/>
@@ -111,6 +119,11 @@
       </a:defRPr>
     </a:lvl9pPr>
   </p:defaultTextStyle>
+  <p:extLst>
+    <p:ext uri="{EFAFB233-063F-42B5-8137-9DF3F51BA10A}">
+      <p15:sldGuideLst xmlns:p15="http://schemas.microsoft.com/office/powerpoint/2012/main"/>
+    </p:ext>
+  </p:extLst>
 </p:presentation>
 </file>
 
@@ -196,7 +209,7 @@
           <a:p>
             <a:fld id="{C7EA81BB-58F1-4FB5-8B9E-97CA0D987065}" type="datetimeFigureOut">
               <a:rPr lang="zh-CN" altLang="en-US" smtClean="0"/>
-              <a:t>2018/10/29</a:t>
+              <a:t>2018/10/30</a:t>
             </a:fld>
             <a:endParaRPr lang="zh-CN" altLang="en-US"/>
           </a:p>
@@ -553,7 +566,7 @@
           <a:p>
             <a:fld id="{933F5AFF-D81E-4C08-8F4D-34ABD7A65093}" type="slidenum">
               <a:rPr lang="zh-CN" altLang="en-US" smtClean="0"/>
-              <a:t>3</a:t>
+              <a:t>4</a:t>
             </a:fld>
             <a:endParaRPr lang="zh-CN" altLang="en-US"/>
           </a:p>
@@ -737,7 +750,7 @@
           <a:p>
             <a:fld id="{933F5AFF-D81E-4C08-8F4D-34ABD7A65093}" type="slidenum">
               <a:rPr lang="zh-CN" altLang="en-US" smtClean="0"/>
-              <a:t>4</a:t>
+              <a:t>5</a:t>
             </a:fld>
             <a:endParaRPr lang="zh-CN" altLang="en-US"/>
           </a:p>
@@ -950,7 +963,7 @@
           <a:p>
             <a:fld id="{933F5AFF-D81E-4C08-8F4D-34ABD7A65093}" type="slidenum">
               <a:rPr lang="zh-CN" altLang="en-US" smtClean="0"/>
-              <a:t>5</a:t>
+              <a:t>6</a:t>
             </a:fld>
             <a:endParaRPr lang="zh-CN" altLang="en-US"/>
           </a:p>
@@ -960,6 +973,664 @@
     <p:extLst>
       <p:ext uri="{BB962C8B-B14F-4D97-AF65-F5344CB8AC3E}">
         <p14:creationId xmlns:p14="http://schemas.microsoft.com/office/powerpoint/2010/main" val="263229402"/>
+      </p:ext>
+    </p:extLst>
+  </p:cSld>
+  <p:clrMapOvr>
+    <a:masterClrMapping/>
+  </p:clrMapOvr>
+</p:notes>
+</file>
+
+<file path=ppt/notesSlides/notesSlide4.xml><?xml version="1.0" encoding="utf-8"?>
+<p:notes xmlns:a="http://schemas.openxmlformats.org/drawingml/2006/main" xmlns:r="http://schemas.openxmlformats.org/officeDocument/2006/relationships" xmlns:p="http://schemas.openxmlformats.org/presentationml/2006/main">
+  <p:cSld>
+    <p:spTree>
+      <p:nvGrpSpPr>
+        <p:cNvPr id="1" name=""/>
+        <p:cNvGrpSpPr/>
+        <p:nvPr/>
+      </p:nvGrpSpPr>
+      <p:grpSpPr>
+        <a:xfrm>
+          <a:off x="0" y="0"/>
+          <a:ext cx="0" cy="0"/>
+          <a:chOff x="0" y="0"/>
+          <a:chExt cx="0" cy="0"/>
+        </a:xfrm>
+      </p:grpSpPr>
+      <p:sp>
+        <p:nvSpPr>
+          <p:cNvPr id="2" name="幻灯片图像占位符 1"/>
+          <p:cNvSpPr>
+            <a:spLocks noGrp="1" noRot="1" noChangeAspect="1"/>
+          </p:cNvSpPr>
+          <p:nvPr>
+            <p:ph type="sldImg"/>
+          </p:nvPr>
+        </p:nvSpPr>
+        <p:spPr/>
+      </p:sp>
+      <p:sp>
+        <p:nvSpPr>
+          <p:cNvPr id="3" name="备注占位符 2"/>
+          <p:cNvSpPr>
+            <a:spLocks noGrp="1"/>
+          </p:cNvSpPr>
+          <p:nvPr>
+            <p:ph type="body" idx="1"/>
+          </p:nvPr>
+        </p:nvSpPr>
+        <p:spPr/>
+        <p:txBody>
+          <a:bodyPr/>
+          <a:lstStyle/>
+          <a:p>
+            <a:r>
+              <a:rPr lang="zh-CN" altLang="en-US" dirty="0" smtClean="0"/>
+              <a:t>只能写表达式，所以不能用 </a:t>
+            </a:r>
+            <a:r>
+              <a:rPr lang="en-US" altLang="zh-CN" dirty="0" smtClean="0"/>
+              <a:t>if </a:t>
+            </a:r>
+            <a:r>
+              <a:rPr lang="zh-CN" altLang="en-US" dirty="0" smtClean="0"/>
+              <a:t>语句，可以用三元运算符 </a:t>
+            </a:r>
+            <a:r>
+              <a:rPr lang="en-US" altLang="zh-CN" dirty="0" smtClean="0"/>
+              <a:t>?: </a:t>
+            </a:r>
+            <a:r>
+              <a:rPr lang="zh-CN" altLang="en-US" dirty="0" smtClean="0"/>
+              <a:t>代替</a:t>
+            </a:r>
+            <a:endParaRPr lang="zh-CN" altLang="en-US" dirty="0"/>
+          </a:p>
+        </p:txBody>
+      </p:sp>
+      <p:sp>
+        <p:nvSpPr>
+          <p:cNvPr id="4" name="灯片编号占位符 3"/>
+          <p:cNvSpPr>
+            <a:spLocks noGrp="1"/>
+          </p:cNvSpPr>
+          <p:nvPr>
+            <p:ph type="sldNum" sz="quarter" idx="10"/>
+          </p:nvPr>
+        </p:nvSpPr>
+        <p:spPr/>
+        <p:txBody>
+          <a:bodyPr/>
+          <a:lstStyle/>
+          <a:p>
+            <a:fld id="{933F5AFF-D81E-4C08-8F4D-34ABD7A65093}" type="slidenum">
+              <a:rPr lang="zh-CN" altLang="en-US" smtClean="0"/>
+              <a:t>8</a:t>
+            </a:fld>
+            <a:endParaRPr lang="zh-CN" altLang="en-US"/>
+          </a:p>
+        </p:txBody>
+      </p:sp>
+    </p:spTree>
+    <p:extLst>
+      <p:ext uri="{BB962C8B-B14F-4D97-AF65-F5344CB8AC3E}">
+        <p14:creationId xmlns:p14="http://schemas.microsoft.com/office/powerpoint/2010/main" val="1608966362"/>
+      </p:ext>
+    </p:extLst>
+  </p:cSld>
+  <p:clrMapOvr>
+    <a:masterClrMapping/>
+  </p:clrMapOvr>
+</p:notes>
+</file>
+
+<file path=ppt/notesSlides/notesSlide5.xml><?xml version="1.0" encoding="utf-8"?>
+<p:notes xmlns:a="http://schemas.openxmlformats.org/drawingml/2006/main" xmlns:r="http://schemas.openxmlformats.org/officeDocument/2006/relationships" xmlns:p="http://schemas.openxmlformats.org/presentationml/2006/main">
+  <p:cSld>
+    <p:spTree>
+      <p:nvGrpSpPr>
+        <p:cNvPr id="1" name=""/>
+        <p:cNvGrpSpPr/>
+        <p:nvPr/>
+      </p:nvGrpSpPr>
+      <p:grpSpPr>
+        <a:xfrm>
+          <a:off x="0" y="0"/>
+          <a:ext cx="0" cy="0"/>
+          <a:chOff x="0" y="0"/>
+          <a:chExt cx="0" cy="0"/>
+        </a:xfrm>
+      </p:grpSpPr>
+      <p:sp>
+        <p:nvSpPr>
+          <p:cNvPr id="2" name="幻灯片图像占位符 1"/>
+          <p:cNvSpPr>
+            <a:spLocks noGrp="1" noRot="1" noChangeAspect="1"/>
+          </p:cNvSpPr>
+          <p:nvPr>
+            <p:ph type="sldImg"/>
+          </p:nvPr>
+        </p:nvSpPr>
+        <p:spPr/>
+      </p:sp>
+      <p:sp>
+        <p:nvSpPr>
+          <p:cNvPr id="3" name="备注占位符 2"/>
+          <p:cNvSpPr>
+            <a:spLocks noGrp="1"/>
+          </p:cNvSpPr>
+          <p:nvPr>
+            <p:ph type="body" idx="1"/>
+          </p:nvPr>
+        </p:nvSpPr>
+        <p:spPr/>
+        <p:txBody>
+          <a:bodyPr/>
+          <a:lstStyle/>
+          <a:p>
+            <a:r>
+              <a:rPr lang="en-US" altLang="zh-CN" dirty="0" smtClean="0"/>
+              <a:t>react.js </a:t>
+            </a:r>
+            <a:r>
+              <a:rPr lang="zh-CN" altLang="en-US" dirty="0" smtClean="0"/>
+              <a:t>是 </a:t>
+            </a:r>
+            <a:r>
+              <a:rPr lang="en-US" altLang="zh-CN" dirty="0" smtClean="0"/>
+              <a:t>react </a:t>
+            </a:r>
+            <a:r>
+              <a:rPr lang="zh-CN" altLang="en-US" dirty="0" smtClean="0"/>
+              <a:t>的核心库</a:t>
+            </a:r>
+            <a:endParaRPr lang="en-US" altLang="zh-CN" dirty="0" smtClean="0"/>
+          </a:p>
+          <a:p>
+            <a:r>
+              <a:rPr lang="en-US" altLang="zh-CN" dirty="0" smtClean="0"/>
+              <a:t>react-dom.js </a:t>
+            </a:r>
+            <a:r>
+              <a:rPr lang="zh-CN" altLang="en-US" sz="1200" b="0" i="0" kern="1200" dirty="0" smtClean="0">
+                <a:solidFill>
+                  <a:schemeClr val="tx1"/>
+                </a:solidFill>
+                <a:effectLst/>
+                <a:latin typeface="+mn-lt"/>
+                <a:ea typeface="+mn-ea"/>
+                <a:cs typeface="+mn-cs"/>
+              </a:rPr>
+              <a:t>提供与 </a:t>
+            </a:r>
+            <a:r>
+              <a:rPr lang="en-US" altLang="zh-CN" sz="1200" b="0" i="0" kern="1200" dirty="0" smtClean="0">
+                <a:solidFill>
+                  <a:schemeClr val="tx1"/>
+                </a:solidFill>
+                <a:effectLst/>
+                <a:latin typeface="+mn-lt"/>
+                <a:ea typeface="+mn-ea"/>
+                <a:cs typeface="+mn-cs"/>
+              </a:rPr>
+              <a:t>DOM </a:t>
+            </a:r>
+            <a:r>
+              <a:rPr lang="zh-CN" altLang="en-US" sz="1200" b="0" i="0" kern="1200" dirty="0" smtClean="0">
+                <a:solidFill>
+                  <a:schemeClr val="tx1"/>
+                </a:solidFill>
+                <a:effectLst/>
+                <a:latin typeface="+mn-lt"/>
+                <a:ea typeface="+mn-ea"/>
+                <a:cs typeface="+mn-cs"/>
+              </a:rPr>
+              <a:t>相关的</a:t>
+            </a:r>
+            <a:r>
+              <a:rPr lang="zh-CN" altLang="en-US" sz="1200" b="0" i="0" kern="1200" dirty="0" smtClean="0">
+                <a:solidFill>
+                  <a:schemeClr val="tx1"/>
+                </a:solidFill>
+                <a:effectLst/>
+                <a:latin typeface="+mn-lt"/>
+                <a:ea typeface="+mn-ea"/>
+                <a:cs typeface="+mn-cs"/>
+              </a:rPr>
+              <a:t>功能</a:t>
+            </a:r>
+            <a:endParaRPr lang="en-US" altLang="zh-CN" sz="1200" b="0" i="0" kern="1200" dirty="0" smtClean="0">
+              <a:solidFill>
+                <a:schemeClr val="tx1"/>
+              </a:solidFill>
+              <a:effectLst/>
+              <a:latin typeface="+mn-lt"/>
+              <a:ea typeface="+mn-ea"/>
+              <a:cs typeface="+mn-cs"/>
+            </a:endParaRPr>
+          </a:p>
+          <a:p>
+            <a:r>
+              <a:rPr lang="en-US" altLang="zh-CN" sz="1200" b="0" i="0" kern="1200" dirty="0" smtClean="0">
+                <a:solidFill>
+                  <a:schemeClr val="tx1"/>
+                </a:solidFill>
+                <a:effectLst/>
+                <a:latin typeface="+mn-lt"/>
+                <a:ea typeface="+mn-ea"/>
+                <a:cs typeface="+mn-cs"/>
+              </a:rPr>
+              <a:t>Babel.js </a:t>
+            </a:r>
+            <a:r>
+              <a:rPr lang="zh-CN" altLang="en-US" sz="1200" b="0" i="0" kern="1200" dirty="0" smtClean="0">
+                <a:solidFill>
+                  <a:schemeClr val="tx1"/>
+                </a:solidFill>
+                <a:effectLst/>
+                <a:latin typeface="+mn-lt"/>
+                <a:ea typeface="+mn-ea"/>
+                <a:cs typeface="+mn-cs"/>
+              </a:rPr>
+              <a:t>用于对 </a:t>
+            </a:r>
+            <a:r>
+              <a:rPr lang="en-US" altLang="zh-CN" sz="1200" b="0" i="0" kern="1200" dirty="0" smtClean="0">
+                <a:solidFill>
+                  <a:schemeClr val="tx1"/>
+                </a:solidFill>
+                <a:effectLst/>
+                <a:latin typeface="+mn-lt"/>
+                <a:ea typeface="+mn-ea"/>
+                <a:cs typeface="+mn-cs"/>
+              </a:rPr>
+              <a:t>ES6 </a:t>
+            </a:r>
+            <a:r>
+              <a:rPr lang="zh-CN" altLang="en-US" sz="1200" b="0" i="0" kern="1200" dirty="0" smtClean="0">
+                <a:solidFill>
+                  <a:schemeClr val="tx1"/>
+                </a:solidFill>
+                <a:effectLst/>
+                <a:latin typeface="+mn-lt"/>
+                <a:ea typeface="+mn-ea"/>
+                <a:cs typeface="+mn-cs"/>
+              </a:rPr>
+              <a:t>和 </a:t>
+            </a:r>
+            <a:r>
+              <a:rPr lang="en-US" altLang="zh-CN" sz="1200" b="0" i="0" kern="1200" dirty="0" smtClean="0">
+                <a:solidFill>
+                  <a:schemeClr val="tx1"/>
+                </a:solidFill>
+                <a:effectLst/>
+                <a:latin typeface="+mn-lt"/>
+                <a:ea typeface="+mn-ea"/>
+                <a:cs typeface="+mn-cs"/>
+              </a:rPr>
+              <a:t>JSX </a:t>
+            </a:r>
+            <a:r>
+              <a:rPr lang="zh-CN" altLang="en-US" sz="1200" b="0" i="0" kern="1200" dirty="0" smtClean="0">
+                <a:solidFill>
+                  <a:schemeClr val="tx1"/>
+                </a:solidFill>
+                <a:effectLst/>
+                <a:latin typeface="+mn-lt"/>
+                <a:ea typeface="+mn-ea"/>
+                <a:cs typeface="+mn-cs"/>
+              </a:rPr>
+              <a:t>进行转码</a:t>
+            </a:r>
+            <a:endParaRPr lang="en-US" altLang="zh-CN" sz="1200" b="0" i="0" kern="1200" dirty="0" smtClean="0">
+              <a:solidFill>
+                <a:schemeClr val="tx1"/>
+              </a:solidFill>
+              <a:effectLst/>
+              <a:latin typeface="+mn-lt"/>
+              <a:ea typeface="+mn-ea"/>
+              <a:cs typeface="+mn-cs"/>
+            </a:endParaRPr>
+          </a:p>
+          <a:p>
+            <a:endParaRPr lang="en-US" altLang="zh-CN" sz="1200" b="0" i="0" kern="1200" dirty="0" smtClean="0">
+              <a:solidFill>
+                <a:schemeClr val="tx1"/>
+              </a:solidFill>
+              <a:effectLst/>
+              <a:latin typeface="+mn-lt"/>
+              <a:ea typeface="+mn-ea"/>
+              <a:cs typeface="+mn-cs"/>
+            </a:endParaRPr>
+          </a:p>
+          <a:p>
+            <a:r>
+              <a:rPr lang="en-US" altLang="zh-CN" sz="1200" b="0" i="0" kern="1200" dirty="0" err="1" smtClean="0">
+                <a:solidFill>
+                  <a:schemeClr val="tx1"/>
+                </a:solidFill>
+                <a:effectLst/>
+                <a:latin typeface="+mn-lt"/>
+                <a:ea typeface="+mn-ea"/>
+                <a:cs typeface="+mn-cs"/>
+              </a:rPr>
+              <a:t>ReactDOM.render</a:t>
+            </a:r>
+            <a:r>
+              <a:rPr lang="en-US" altLang="zh-CN" sz="1200" b="0" i="0" kern="1200" dirty="0" smtClean="0">
+                <a:solidFill>
+                  <a:schemeClr val="tx1"/>
+                </a:solidFill>
+                <a:effectLst/>
+                <a:latin typeface="+mn-lt"/>
+                <a:ea typeface="+mn-ea"/>
+                <a:cs typeface="+mn-cs"/>
+              </a:rPr>
+              <a:t> </a:t>
+            </a:r>
+            <a:r>
+              <a:rPr lang="zh-CN" altLang="en-US" sz="1200" b="0" i="0" kern="1200" dirty="0" smtClean="0">
+                <a:solidFill>
+                  <a:schemeClr val="tx1"/>
+                </a:solidFill>
+                <a:effectLst/>
+                <a:latin typeface="+mn-lt"/>
+                <a:ea typeface="+mn-ea"/>
+                <a:cs typeface="+mn-cs"/>
+              </a:rPr>
+              <a:t>将组件转化为 </a:t>
+            </a:r>
+            <a:r>
+              <a:rPr lang="en-US" altLang="zh-CN" sz="1200" b="0" i="0" kern="1200" dirty="0" smtClean="0">
+                <a:solidFill>
+                  <a:schemeClr val="tx1"/>
+                </a:solidFill>
+                <a:effectLst/>
+                <a:latin typeface="+mn-lt"/>
+                <a:ea typeface="+mn-ea"/>
+                <a:cs typeface="+mn-cs"/>
+              </a:rPr>
+              <a:t>HTML </a:t>
+            </a:r>
+            <a:r>
+              <a:rPr lang="zh-CN" altLang="en-US" sz="1200" b="0" i="0" kern="1200" dirty="0" smtClean="0">
+                <a:solidFill>
+                  <a:schemeClr val="tx1"/>
+                </a:solidFill>
+                <a:effectLst/>
+                <a:latin typeface="+mn-lt"/>
+                <a:ea typeface="+mn-ea"/>
+                <a:cs typeface="+mn-cs"/>
+              </a:rPr>
+              <a:t>并插入指定 </a:t>
+            </a:r>
+            <a:r>
+              <a:rPr lang="en-US" altLang="zh-CN" sz="1200" b="0" i="0" kern="1200" dirty="0" smtClean="0">
+                <a:solidFill>
+                  <a:schemeClr val="tx1"/>
+                </a:solidFill>
+                <a:effectLst/>
+                <a:latin typeface="+mn-lt"/>
+                <a:ea typeface="+mn-ea"/>
+                <a:cs typeface="+mn-cs"/>
+              </a:rPr>
+              <a:t>DOM </a:t>
+            </a:r>
+            <a:r>
+              <a:rPr lang="zh-CN" altLang="en-US" sz="1200" b="0" i="0" kern="1200" dirty="0" smtClean="0">
+                <a:solidFill>
+                  <a:schemeClr val="tx1"/>
+                </a:solidFill>
+                <a:effectLst/>
+                <a:latin typeface="+mn-lt"/>
+                <a:ea typeface="+mn-ea"/>
+                <a:cs typeface="+mn-cs"/>
+              </a:rPr>
+              <a:t>节点</a:t>
+            </a:r>
+            <a:endParaRPr lang="en-US" altLang="zh-CN" sz="1200" b="0" i="0" kern="1200" dirty="0" smtClean="0">
+              <a:solidFill>
+                <a:schemeClr val="tx1"/>
+              </a:solidFill>
+              <a:effectLst/>
+              <a:latin typeface="+mn-lt"/>
+              <a:ea typeface="+mn-ea"/>
+              <a:cs typeface="+mn-cs"/>
+            </a:endParaRPr>
+          </a:p>
+          <a:p>
+            <a:endParaRPr lang="en-US" altLang="zh-CN" sz="1200" b="0" i="0" kern="1200" dirty="0" smtClean="0">
+              <a:solidFill>
+                <a:schemeClr val="tx1"/>
+              </a:solidFill>
+              <a:effectLst/>
+              <a:latin typeface="+mn-lt"/>
+              <a:ea typeface="+mn-ea"/>
+              <a:cs typeface="+mn-cs"/>
+            </a:endParaRPr>
+          </a:p>
+          <a:p>
+            <a:r>
+              <a:rPr lang="zh-CN" altLang="en-US" sz="1200" b="0" i="0" kern="1200" dirty="0" smtClean="0">
+                <a:solidFill>
+                  <a:schemeClr val="tx1"/>
+                </a:solidFill>
+                <a:effectLst/>
+                <a:latin typeface="+mn-lt"/>
+                <a:ea typeface="+mn-ea"/>
+                <a:cs typeface="+mn-cs"/>
+              </a:rPr>
+              <a:t>组件名大写</a:t>
+            </a:r>
+            <a:endParaRPr lang="zh-CN" altLang="en-US" dirty="0"/>
+          </a:p>
+        </p:txBody>
+      </p:sp>
+      <p:sp>
+        <p:nvSpPr>
+          <p:cNvPr id="4" name="灯片编号占位符 3"/>
+          <p:cNvSpPr>
+            <a:spLocks noGrp="1"/>
+          </p:cNvSpPr>
+          <p:nvPr>
+            <p:ph type="sldNum" sz="quarter" idx="10"/>
+          </p:nvPr>
+        </p:nvSpPr>
+        <p:spPr/>
+        <p:txBody>
+          <a:bodyPr/>
+          <a:lstStyle/>
+          <a:p>
+            <a:fld id="{933F5AFF-D81E-4C08-8F4D-34ABD7A65093}" type="slidenum">
+              <a:rPr lang="zh-CN" altLang="en-US" smtClean="0"/>
+              <a:t>10</a:t>
+            </a:fld>
+            <a:endParaRPr lang="zh-CN" altLang="en-US"/>
+          </a:p>
+        </p:txBody>
+      </p:sp>
+    </p:spTree>
+    <p:extLst>
+      <p:ext uri="{BB962C8B-B14F-4D97-AF65-F5344CB8AC3E}">
+        <p14:creationId xmlns:p14="http://schemas.microsoft.com/office/powerpoint/2010/main" val="1173122969"/>
+      </p:ext>
+    </p:extLst>
+  </p:cSld>
+  <p:clrMapOvr>
+    <a:masterClrMapping/>
+  </p:clrMapOvr>
+</p:notes>
+</file>
+
+<file path=ppt/notesSlides/notesSlide6.xml><?xml version="1.0" encoding="utf-8"?>
+<p:notes xmlns:a="http://schemas.openxmlformats.org/drawingml/2006/main" xmlns:r="http://schemas.openxmlformats.org/officeDocument/2006/relationships" xmlns:p="http://schemas.openxmlformats.org/presentationml/2006/main">
+  <p:cSld>
+    <p:spTree>
+      <p:nvGrpSpPr>
+        <p:cNvPr id="1" name=""/>
+        <p:cNvGrpSpPr/>
+        <p:nvPr/>
+      </p:nvGrpSpPr>
+      <p:grpSpPr>
+        <a:xfrm>
+          <a:off x="0" y="0"/>
+          <a:ext cx="0" cy="0"/>
+          <a:chOff x="0" y="0"/>
+          <a:chExt cx="0" cy="0"/>
+        </a:xfrm>
+      </p:grpSpPr>
+      <p:sp>
+        <p:nvSpPr>
+          <p:cNvPr id="2" name="幻灯片图像占位符 1"/>
+          <p:cNvSpPr>
+            <a:spLocks noGrp="1" noRot="1" noChangeAspect="1"/>
+          </p:cNvSpPr>
+          <p:nvPr>
+            <p:ph type="sldImg"/>
+          </p:nvPr>
+        </p:nvSpPr>
+        <p:spPr/>
+      </p:sp>
+      <p:sp>
+        <p:nvSpPr>
+          <p:cNvPr id="3" name="备注占位符 2"/>
+          <p:cNvSpPr>
+            <a:spLocks noGrp="1"/>
+          </p:cNvSpPr>
+          <p:nvPr>
+            <p:ph type="body" idx="1"/>
+          </p:nvPr>
+        </p:nvSpPr>
+        <p:spPr/>
+        <p:txBody>
+          <a:bodyPr/>
+          <a:lstStyle/>
+          <a:p>
+            <a:r>
+              <a:rPr lang="en-US" altLang="zh-CN" dirty="0" smtClean="0"/>
+              <a:t>App1</a:t>
+            </a:r>
+            <a:endParaRPr lang="zh-CN" altLang="en-US" dirty="0"/>
+          </a:p>
+        </p:txBody>
+      </p:sp>
+      <p:sp>
+        <p:nvSpPr>
+          <p:cNvPr id="4" name="灯片编号占位符 3"/>
+          <p:cNvSpPr>
+            <a:spLocks noGrp="1"/>
+          </p:cNvSpPr>
+          <p:nvPr>
+            <p:ph type="sldNum" sz="quarter" idx="10"/>
+          </p:nvPr>
+        </p:nvSpPr>
+        <p:spPr/>
+        <p:txBody>
+          <a:bodyPr/>
+          <a:lstStyle/>
+          <a:p>
+            <a:fld id="{933F5AFF-D81E-4C08-8F4D-34ABD7A65093}" type="slidenum">
+              <a:rPr lang="zh-CN" altLang="en-US" smtClean="0"/>
+              <a:t>11</a:t>
+            </a:fld>
+            <a:endParaRPr lang="zh-CN" altLang="en-US"/>
+          </a:p>
+        </p:txBody>
+      </p:sp>
+    </p:spTree>
+    <p:extLst>
+      <p:ext uri="{BB962C8B-B14F-4D97-AF65-F5344CB8AC3E}">
+        <p14:creationId xmlns:p14="http://schemas.microsoft.com/office/powerpoint/2010/main" val="3557015610"/>
+      </p:ext>
+    </p:extLst>
+  </p:cSld>
+  <p:clrMapOvr>
+    <a:masterClrMapping/>
+  </p:clrMapOvr>
+</p:notes>
+</file>
+
+<file path=ppt/notesSlides/notesSlide7.xml><?xml version="1.0" encoding="utf-8"?>
+<p:notes xmlns:a="http://schemas.openxmlformats.org/drawingml/2006/main" xmlns:r="http://schemas.openxmlformats.org/officeDocument/2006/relationships" xmlns:p="http://schemas.openxmlformats.org/presentationml/2006/main">
+  <p:cSld>
+    <p:spTree>
+      <p:nvGrpSpPr>
+        <p:cNvPr id="1" name=""/>
+        <p:cNvGrpSpPr/>
+        <p:nvPr/>
+      </p:nvGrpSpPr>
+      <p:grpSpPr>
+        <a:xfrm>
+          <a:off x="0" y="0"/>
+          <a:ext cx="0" cy="0"/>
+          <a:chOff x="0" y="0"/>
+          <a:chExt cx="0" cy="0"/>
+        </a:xfrm>
+      </p:grpSpPr>
+      <p:sp>
+        <p:nvSpPr>
+          <p:cNvPr id="2" name="幻灯片图像占位符 1"/>
+          <p:cNvSpPr>
+            <a:spLocks noGrp="1" noRot="1" noChangeAspect="1"/>
+          </p:cNvSpPr>
+          <p:nvPr>
+            <p:ph type="sldImg"/>
+          </p:nvPr>
+        </p:nvSpPr>
+        <p:spPr/>
+      </p:sp>
+      <p:sp>
+        <p:nvSpPr>
+          <p:cNvPr id="3" name="备注占位符 2"/>
+          <p:cNvSpPr>
+            <a:spLocks noGrp="1"/>
+          </p:cNvSpPr>
+          <p:nvPr>
+            <p:ph type="body" idx="1"/>
+          </p:nvPr>
+        </p:nvSpPr>
+        <p:spPr/>
+        <p:txBody>
+          <a:bodyPr/>
+          <a:lstStyle/>
+          <a:p>
+            <a:r>
+              <a:rPr lang="en-US" altLang="zh-CN" dirty="0" smtClean="0"/>
+              <a:t>App2</a:t>
+            </a:r>
+            <a:endParaRPr lang="zh-CN" altLang="en-US" dirty="0"/>
+          </a:p>
+        </p:txBody>
+      </p:sp>
+      <p:sp>
+        <p:nvSpPr>
+          <p:cNvPr id="4" name="灯片编号占位符 3"/>
+          <p:cNvSpPr>
+            <a:spLocks noGrp="1"/>
+          </p:cNvSpPr>
+          <p:nvPr>
+            <p:ph type="sldNum" sz="quarter" idx="10"/>
+          </p:nvPr>
+        </p:nvSpPr>
+        <p:spPr/>
+        <p:txBody>
+          <a:bodyPr/>
+          <a:lstStyle/>
+          <a:p>
+            <a:fld id="{933F5AFF-D81E-4C08-8F4D-34ABD7A65093}" type="slidenum">
+              <a:rPr lang="zh-CN" altLang="en-US" smtClean="0"/>
+              <a:t>12</a:t>
+            </a:fld>
+            <a:endParaRPr lang="zh-CN" altLang="en-US"/>
+          </a:p>
+        </p:txBody>
+      </p:sp>
+    </p:spTree>
+    <p:extLst>
+      <p:ext uri="{BB962C8B-B14F-4D97-AF65-F5344CB8AC3E}">
+        <p14:creationId xmlns:p14="http://schemas.microsoft.com/office/powerpoint/2010/main" val="1968403507"/>
       </p:ext>
     </p:extLst>
   </p:cSld>
@@ -1100,7 +1771,7 @@
           <a:p>
             <a:fld id="{526B8B47-29F2-4AB1-95E5-A1E1ABC128C6}" type="datetimeFigureOut">
               <a:rPr lang="zh-CN" altLang="en-US" smtClean="0"/>
-              <a:t>2018/10/29</a:t>
+              <a:t>2018/10/30</a:t>
             </a:fld>
             <a:endParaRPr lang="zh-CN" altLang="en-US"/>
           </a:p>
@@ -1270,7 +1941,7 @@
           <a:p>
             <a:fld id="{526B8B47-29F2-4AB1-95E5-A1E1ABC128C6}" type="datetimeFigureOut">
               <a:rPr lang="zh-CN" altLang="en-US" smtClean="0"/>
-              <a:t>2018/10/29</a:t>
+              <a:t>2018/10/30</a:t>
             </a:fld>
             <a:endParaRPr lang="zh-CN" altLang="en-US"/>
           </a:p>
@@ -1450,7 +2121,7 @@
           <a:p>
             <a:fld id="{526B8B47-29F2-4AB1-95E5-A1E1ABC128C6}" type="datetimeFigureOut">
               <a:rPr lang="zh-CN" altLang="en-US" smtClean="0"/>
-              <a:t>2018/10/29</a:t>
+              <a:t>2018/10/30</a:t>
             </a:fld>
             <a:endParaRPr lang="zh-CN" altLang="en-US"/>
           </a:p>
@@ -1620,7 +2291,7 @@
           <a:p>
             <a:fld id="{526B8B47-29F2-4AB1-95E5-A1E1ABC128C6}" type="datetimeFigureOut">
               <a:rPr lang="zh-CN" altLang="en-US" smtClean="0"/>
-              <a:t>2018/10/29</a:t>
+              <a:t>2018/10/30</a:t>
             </a:fld>
             <a:endParaRPr lang="zh-CN" altLang="en-US"/>
           </a:p>
@@ -1866,7 +2537,7 @@
           <a:p>
             <a:fld id="{526B8B47-29F2-4AB1-95E5-A1E1ABC128C6}" type="datetimeFigureOut">
               <a:rPr lang="zh-CN" altLang="en-US" smtClean="0"/>
-              <a:t>2018/10/29</a:t>
+              <a:t>2018/10/30</a:t>
             </a:fld>
             <a:endParaRPr lang="zh-CN" altLang="en-US"/>
           </a:p>
@@ -2098,7 +2769,7 @@
           <a:p>
             <a:fld id="{526B8B47-29F2-4AB1-95E5-A1E1ABC128C6}" type="datetimeFigureOut">
               <a:rPr lang="zh-CN" altLang="en-US" smtClean="0"/>
-              <a:t>2018/10/29</a:t>
+              <a:t>2018/10/30</a:t>
             </a:fld>
             <a:endParaRPr lang="zh-CN" altLang="en-US"/>
           </a:p>
@@ -2465,7 +3136,7 @@
           <a:p>
             <a:fld id="{526B8B47-29F2-4AB1-95E5-A1E1ABC128C6}" type="datetimeFigureOut">
               <a:rPr lang="zh-CN" altLang="en-US" smtClean="0"/>
-              <a:t>2018/10/29</a:t>
+              <a:t>2018/10/30</a:t>
             </a:fld>
             <a:endParaRPr lang="zh-CN" altLang="en-US"/>
           </a:p>
@@ -2583,7 +3254,7 @@
           <a:p>
             <a:fld id="{526B8B47-29F2-4AB1-95E5-A1E1ABC128C6}" type="datetimeFigureOut">
               <a:rPr lang="zh-CN" altLang="en-US" smtClean="0"/>
-              <a:t>2018/10/29</a:t>
+              <a:t>2018/10/30</a:t>
             </a:fld>
             <a:endParaRPr lang="zh-CN" altLang="en-US"/>
           </a:p>
@@ -2678,7 +3349,7 @@
           <a:p>
             <a:fld id="{526B8B47-29F2-4AB1-95E5-A1E1ABC128C6}" type="datetimeFigureOut">
               <a:rPr lang="zh-CN" altLang="en-US" smtClean="0"/>
-              <a:t>2018/10/29</a:t>
+              <a:t>2018/10/30</a:t>
             </a:fld>
             <a:endParaRPr lang="zh-CN" altLang="en-US"/>
           </a:p>
@@ -2955,7 +3626,7 @@
           <a:p>
             <a:fld id="{526B8B47-29F2-4AB1-95E5-A1E1ABC128C6}" type="datetimeFigureOut">
               <a:rPr lang="zh-CN" altLang="en-US" smtClean="0"/>
-              <a:t>2018/10/29</a:t>
+              <a:t>2018/10/30</a:t>
             </a:fld>
             <a:endParaRPr lang="zh-CN" altLang="en-US"/>
           </a:p>
@@ -3208,7 +3879,7 @@
           <a:p>
             <a:fld id="{526B8B47-29F2-4AB1-95E5-A1E1ABC128C6}" type="datetimeFigureOut">
               <a:rPr lang="zh-CN" altLang="en-US" smtClean="0"/>
-              <a:t>2018/10/29</a:t>
+              <a:t>2018/10/30</a:t>
             </a:fld>
             <a:endParaRPr lang="zh-CN" altLang="en-US"/>
           </a:p>
@@ -3421,7 +4092,7 @@
           <a:p>
             <a:fld id="{526B8B47-29F2-4AB1-95E5-A1E1ABC128C6}" type="datetimeFigureOut">
               <a:rPr lang="zh-CN" altLang="en-US" smtClean="0"/>
-              <a:t>2018/10/29</a:t>
+              <a:t>2018/10/30</a:t>
             </a:fld>
             <a:endParaRPr lang="zh-CN" altLang="en-US"/>
           </a:p>
@@ -3945,6 +4616,1528 @@
 </p:sld>
 </file>
 
+<file path=ppt/slides/slide10.xml><?xml version="1.0" encoding="utf-8"?>
+<p:sld xmlns:a="http://schemas.openxmlformats.org/drawingml/2006/main" xmlns:r="http://schemas.openxmlformats.org/officeDocument/2006/relationships" xmlns:p="http://schemas.openxmlformats.org/presentationml/2006/main">
+  <p:cSld>
+    <p:spTree>
+      <p:nvGrpSpPr>
+        <p:cNvPr id="1" name=""/>
+        <p:cNvGrpSpPr/>
+        <p:nvPr/>
+      </p:nvGrpSpPr>
+      <p:grpSpPr>
+        <a:xfrm>
+          <a:off x="0" y="0"/>
+          <a:ext cx="0" cy="0"/>
+          <a:chOff x="0" y="0"/>
+          <a:chExt cx="0" cy="0"/>
+        </a:xfrm>
+      </p:grpSpPr>
+      <p:sp>
+        <p:nvSpPr>
+          <p:cNvPr id="5" name="标题 4"/>
+          <p:cNvSpPr>
+            <a:spLocks noGrp="1"/>
+          </p:cNvSpPr>
+          <p:nvPr>
+            <p:ph type="title"/>
+          </p:nvPr>
+        </p:nvSpPr>
+        <p:spPr/>
+        <p:txBody>
+          <a:bodyPr/>
+          <a:lstStyle/>
+          <a:p>
+            <a:r>
+              <a:rPr lang="en-US" altLang="zh-CN" dirty="0" smtClean="0"/>
+              <a:t>2.2 Hello, world!</a:t>
+            </a:r>
+            <a:endParaRPr lang="zh-CN" altLang="en-US" dirty="0"/>
+          </a:p>
+        </p:txBody>
+      </p:sp>
+      <p:sp>
+        <p:nvSpPr>
+          <p:cNvPr id="6" name="内容占位符 5"/>
+          <p:cNvSpPr>
+            <a:spLocks noGrp="1"/>
+          </p:cNvSpPr>
+          <p:nvPr>
+            <p:ph idx="1"/>
+          </p:nvPr>
+        </p:nvSpPr>
+        <p:spPr>
+          <a:xfrm>
+            <a:off x="838200" y="1825625"/>
+            <a:ext cx="10515600" cy="4745656"/>
+          </a:xfrm>
+          <a:solidFill>
+            <a:schemeClr val="tx2"/>
+          </a:solidFill>
+        </p:spPr>
+        <p:txBody>
+          <a:bodyPr>
+            <a:normAutofit fontScale="92500" lnSpcReduction="10000"/>
+          </a:bodyPr>
+          <a:lstStyle/>
+          <a:p>
+            <a:pPr marL="0" indent="0">
+              <a:buNone/>
+            </a:pPr>
+            <a:r>
+              <a:rPr lang="en-US" altLang="zh-CN" sz="2400" dirty="0">
+                <a:solidFill>
+                  <a:srgbClr val="BBBBBB"/>
+                </a:solidFill>
+                <a:latin typeface="Consolas" panose="020B0609020204030204" pitchFamily="49" charset="0"/>
+              </a:rPr>
+              <a:t>&lt;</a:t>
+            </a:r>
+            <a:r>
+              <a:rPr lang="en-US" altLang="zh-CN" sz="2400" dirty="0">
+                <a:solidFill>
+                  <a:srgbClr val="EF596F"/>
+                </a:solidFill>
+                <a:latin typeface="Consolas" panose="020B0609020204030204" pitchFamily="49" charset="0"/>
+              </a:rPr>
+              <a:t>script</a:t>
+            </a:r>
+            <a:r>
+              <a:rPr lang="en-US" altLang="zh-CN" sz="2400" dirty="0">
+                <a:solidFill>
+                  <a:srgbClr val="BBBBBB"/>
+                </a:solidFill>
+                <a:latin typeface="Consolas" panose="020B0609020204030204" pitchFamily="49" charset="0"/>
+              </a:rPr>
+              <a:t> </a:t>
+            </a:r>
+            <a:r>
+              <a:rPr lang="en-US" altLang="zh-CN" sz="2400" dirty="0" err="1">
+                <a:solidFill>
+                  <a:srgbClr val="D19A66"/>
+                </a:solidFill>
+                <a:latin typeface="Consolas" panose="020B0609020204030204" pitchFamily="49" charset="0"/>
+              </a:rPr>
+              <a:t>src</a:t>
+            </a:r>
+            <a:r>
+              <a:rPr lang="en-US" altLang="zh-CN" sz="2400" dirty="0">
+                <a:solidFill>
+                  <a:srgbClr val="BBBBBB"/>
+                </a:solidFill>
+                <a:latin typeface="Consolas" panose="020B0609020204030204" pitchFamily="49" charset="0"/>
+              </a:rPr>
+              <a:t>=</a:t>
+            </a:r>
+            <a:r>
+              <a:rPr lang="en-US" altLang="zh-CN" sz="2400" dirty="0">
+                <a:solidFill>
+                  <a:srgbClr val="89CA78"/>
+                </a:solidFill>
+                <a:latin typeface="Consolas" panose="020B0609020204030204" pitchFamily="49" charset="0"/>
+              </a:rPr>
+              <a:t>"./</a:t>
+            </a:r>
+            <a:r>
+              <a:rPr lang="en-US" altLang="zh-CN" sz="2400" dirty="0" smtClean="0">
+                <a:solidFill>
+                  <a:srgbClr val="89CA78"/>
+                </a:solidFill>
+                <a:latin typeface="Consolas" panose="020B0609020204030204" pitchFamily="49" charset="0"/>
+              </a:rPr>
+              <a:t>react.js</a:t>
+            </a:r>
+            <a:r>
+              <a:rPr lang="en-US" altLang="zh-CN" sz="2400" dirty="0">
+                <a:solidFill>
+                  <a:srgbClr val="89CA78"/>
+                </a:solidFill>
+                <a:latin typeface="Consolas" panose="020B0609020204030204" pitchFamily="49" charset="0"/>
+              </a:rPr>
+              <a:t>"</a:t>
+            </a:r>
+            <a:r>
+              <a:rPr lang="en-US" altLang="zh-CN" sz="2400" dirty="0">
+                <a:solidFill>
+                  <a:srgbClr val="BBBBBB"/>
+                </a:solidFill>
+                <a:latin typeface="Consolas" panose="020B0609020204030204" pitchFamily="49" charset="0"/>
+              </a:rPr>
+              <a:t>&gt;&lt;/</a:t>
+            </a:r>
+            <a:r>
+              <a:rPr lang="en-US" altLang="zh-CN" sz="2400" dirty="0">
+                <a:solidFill>
+                  <a:srgbClr val="EF596F"/>
+                </a:solidFill>
+                <a:latin typeface="Consolas" panose="020B0609020204030204" pitchFamily="49" charset="0"/>
+              </a:rPr>
+              <a:t>script</a:t>
+            </a:r>
+            <a:r>
+              <a:rPr lang="en-US" altLang="zh-CN" sz="2400" dirty="0">
+                <a:solidFill>
+                  <a:srgbClr val="BBBBBB"/>
+                </a:solidFill>
+                <a:latin typeface="Consolas" panose="020B0609020204030204" pitchFamily="49" charset="0"/>
+              </a:rPr>
+              <a:t>&gt;</a:t>
+            </a:r>
+          </a:p>
+          <a:p>
+            <a:pPr marL="0" indent="0">
+              <a:buNone/>
+            </a:pPr>
+            <a:r>
+              <a:rPr lang="en-US" altLang="zh-CN" sz="2400" dirty="0">
+                <a:solidFill>
+                  <a:srgbClr val="BBBBBB"/>
+                </a:solidFill>
+                <a:latin typeface="Consolas" panose="020B0609020204030204" pitchFamily="49" charset="0"/>
+              </a:rPr>
+              <a:t>&lt;</a:t>
+            </a:r>
+            <a:r>
+              <a:rPr lang="en-US" altLang="zh-CN" sz="2400" dirty="0">
+                <a:solidFill>
+                  <a:srgbClr val="EF596F"/>
+                </a:solidFill>
+                <a:latin typeface="Consolas" panose="020B0609020204030204" pitchFamily="49" charset="0"/>
+              </a:rPr>
+              <a:t>script</a:t>
+            </a:r>
+            <a:r>
+              <a:rPr lang="en-US" altLang="zh-CN" sz="2400" dirty="0">
+                <a:solidFill>
+                  <a:srgbClr val="BBBBBB"/>
+                </a:solidFill>
+                <a:latin typeface="Consolas" panose="020B0609020204030204" pitchFamily="49" charset="0"/>
+              </a:rPr>
+              <a:t> </a:t>
+            </a:r>
+            <a:r>
+              <a:rPr lang="en-US" altLang="zh-CN" sz="2400" dirty="0" err="1">
+                <a:solidFill>
+                  <a:srgbClr val="D19A66"/>
+                </a:solidFill>
+                <a:latin typeface="Consolas" panose="020B0609020204030204" pitchFamily="49" charset="0"/>
+              </a:rPr>
+              <a:t>src</a:t>
+            </a:r>
+            <a:r>
+              <a:rPr lang="en-US" altLang="zh-CN" sz="2400" dirty="0">
+                <a:solidFill>
+                  <a:srgbClr val="BBBBBB"/>
+                </a:solidFill>
+                <a:latin typeface="Consolas" panose="020B0609020204030204" pitchFamily="49" charset="0"/>
+              </a:rPr>
+              <a:t>=</a:t>
+            </a:r>
+            <a:r>
+              <a:rPr lang="en-US" altLang="zh-CN" sz="2400" dirty="0">
+                <a:solidFill>
+                  <a:srgbClr val="89CA78"/>
+                </a:solidFill>
+                <a:latin typeface="Consolas" panose="020B0609020204030204" pitchFamily="49" charset="0"/>
+              </a:rPr>
+              <a:t>"./</a:t>
+            </a:r>
+            <a:r>
+              <a:rPr lang="en-US" altLang="zh-CN" sz="2400" dirty="0" smtClean="0">
+                <a:solidFill>
+                  <a:srgbClr val="89CA78"/>
+                </a:solidFill>
+                <a:latin typeface="Consolas" panose="020B0609020204030204" pitchFamily="49" charset="0"/>
+              </a:rPr>
+              <a:t>react-dom.js</a:t>
+            </a:r>
+            <a:r>
+              <a:rPr lang="en-US" altLang="zh-CN" sz="2400" dirty="0">
+                <a:solidFill>
+                  <a:srgbClr val="89CA78"/>
+                </a:solidFill>
+                <a:latin typeface="Consolas" panose="020B0609020204030204" pitchFamily="49" charset="0"/>
+              </a:rPr>
+              <a:t>"</a:t>
+            </a:r>
+            <a:r>
+              <a:rPr lang="en-US" altLang="zh-CN" sz="2400" dirty="0">
+                <a:solidFill>
+                  <a:srgbClr val="BBBBBB"/>
+                </a:solidFill>
+                <a:latin typeface="Consolas" panose="020B0609020204030204" pitchFamily="49" charset="0"/>
+              </a:rPr>
+              <a:t>&gt;&lt;/</a:t>
+            </a:r>
+            <a:r>
+              <a:rPr lang="en-US" altLang="zh-CN" sz="2400" dirty="0">
+                <a:solidFill>
+                  <a:srgbClr val="EF596F"/>
+                </a:solidFill>
+                <a:latin typeface="Consolas" panose="020B0609020204030204" pitchFamily="49" charset="0"/>
+              </a:rPr>
+              <a:t>script</a:t>
+            </a:r>
+            <a:r>
+              <a:rPr lang="en-US" altLang="zh-CN" sz="2400" dirty="0">
+                <a:solidFill>
+                  <a:srgbClr val="BBBBBB"/>
+                </a:solidFill>
+                <a:latin typeface="Consolas" panose="020B0609020204030204" pitchFamily="49" charset="0"/>
+              </a:rPr>
+              <a:t>&gt;</a:t>
+            </a:r>
+          </a:p>
+          <a:p>
+            <a:pPr marL="0" indent="0">
+              <a:buNone/>
+            </a:pPr>
+            <a:r>
+              <a:rPr lang="en-US" altLang="zh-CN" sz="2400" dirty="0">
+                <a:solidFill>
+                  <a:srgbClr val="BBBBBB"/>
+                </a:solidFill>
+                <a:latin typeface="Consolas" panose="020B0609020204030204" pitchFamily="49" charset="0"/>
+              </a:rPr>
+              <a:t>&lt;</a:t>
+            </a:r>
+            <a:r>
+              <a:rPr lang="en-US" altLang="zh-CN" sz="2400" dirty="0">
+                <a:solidFill>
+                  <a:srgbClr val="EF596F"/>
+                </a:solidFill>
+                <a:latin typeface="Consolas" panose="020B0609020204030204" pitchFamily="49" charset="0"/>
+              </a:rPr>
+              <a:t>script</a:t>
+            </a:r>
+            <a:r>
+              <a:rPr lang="en-US" altLang="zh-CN" sz="2400" dirty="0">
+                <a:solidFill>
+                  <a:srgbClr val="BBBBBB"/>
+                </a:solidFill>
+                <a:latin typeface="Consolas" panose="020B0609020204030204" pitchFamily="49" charset="0"/>
+              </a:rPr>
+              <a:t> </a:t>
+            </a:r>
+            <a:r>
+              <a:rPr lang="en-US" altLang="zh-CN" sz="2400" dirty="0" err="1">
+                <a:solidFill>
+                  <a:srgbClr val="D19A66"/>
+                </a:solidFill>
+                <a:latin typeface="Consolas" panose="020B0609020204030204" pitchFamily="49" charset="0"/>
+              </a:rPr>
+              <a:t>src</a:t>
+            </a:r>
+            <a:r>
+              <a:rPr lang="en-US" altLang="zh-CN" sz="2400" dirty="0">
+                <a:solidFill>
+                  <a:srgbClr val="BBBBBB"/>
+                </a:solidFill>
+                <a:latin typeface="Consolas" panose="020B0609020204030204" pitchFamily="49" charset="0"/>
+              </a:rPr>
+              <a:t>=</a:t>
+            </a:r>
+            <a:r>
+              <a:rPr lang="en-US" altLang="zh-CN" sz="2400" dirty="0">
+                <a:solidFill>
+                  <a:srgbClr val="89CA78"/>
+                </a:solidFill>
+                <a:latin typeface="Consolas" panose="020B0609020204030204" pitchFamily="49" charset="0"/>
+              </a:rPr>
+              <a:t>"./babel.min.js"</a:t>
+            </a:r>
+            <a:r>
+              <a:rPr lang="en-US" altLang="zh-CN" sz="2400" dirty="0">
+                <a:solidFill>
+                  <a:srgbClr val="BBBBBB"/>
+                </a:solidFill>
+                <a:latin typeface="Consolas" panose="020B0609020204030204" pitchFamily="49" charset="0"/>
+              </a:rPr>
+              <a:t>&gt;&lt;/</a:t>
+            </a:r>
+            <a:r>
+              <a:rPr lang="en-US" altLang="zh-CN" sz="2400" dirty="0">
+                <a:solidFill>
+                  <a:srgbClr val="EF596F"/>
+                </a:solidFill>
+                <a:latin typeface="Consolas" panose="020B0609020204030204" pitchFamily="49" charset="0"/>
+              </a:rPr>
+              <a:t>script</a:t>
+            </a:r>
+            <a:r>
+              <a:rPr lang="en-US" altLang="zh-CN" sz="2400" dirty="0">
+                <a:solidFill>
+                  <a:srgbClr val="BBBBBB"/>
+                </a:solidFill>
+                <a:latin typeface="Consolas" panose="020B0609020204030204" pitchFamily="49" charset="0"/>
+              </a:rPr>
+              <a:t>&gt;</a:t>
+            </a:r>
+          </a:p>
+          <a:p>
+            <a:pPr marL="0" indent="0">
+              <a:buNone/>
+            </a:pPr>
+            <a:r>
+              <a:rPr lang="en-US" altLang="zh-CN" sz="2400" dirty="0" smtClean="0">
+                <a:solidFill>
+                  <a:srgbClr val="BBBBBB"/>
+                </a:solidFill>
+                <a:latin typeface="Consolas" panose="020B0609020204030204" pitchFamily="49" charset="0"/>
+              </a:rPr>
+              <a:t>&lt;</a:t>
+            </a:r>
+            <a:r>
+              <a:rPr lang="en-US" altLang="zh-CN" sz="2400" dirty="0">
+                <a:solidFill>
+                  <a:srgbClr val="EF596F"/>
+                </a:solidFill>
+                <a:latin typeface="Consolas" panose="020B0609020204030204" pitchFamily="49" charset="0"/>
+              </a:rPr>
+              <a:t>script</a:t>
+            </a:r>
+            <a:r>
+              <a:rPr lang="en-US" altLang="zh-CN" sz="2400" dirty="0">
+                <a:solidFill>
+                  <a:srgbClr val="BBBBBB"/>
+                </a:solidFill>
+                <a:latin typeface="Consolas" panose="020B0609020204030204" pitchFamily="49" charset="0"/>
+              </a:rPr>
+              <a:t> </a:t>
+            </a:r>
+            <a:r>
+              <a:rPr lang="en-US" altLang="zh-CN" sz="2400" dirty="0">
+                <a:solidFill>
+                  <a:srgbClr val="D19A66"/>
+                </a:solidFill>
+                <a:latin typeface="Consolas" panose="020B0609020204030204" pitchFamily="49" charset="0"/>
+              </a:rPr>
+              <a:t>type</a:t>
+            </a:r>
+            <a:r>
+              <a:rPr lang="en-US" altLang="zh-CN" sz="2400" dirty="0">
+                <a:solidFill>
+                  <a:srgbClr val="BBBBBB"/>
+                </a:solidFill>
+                <a:latin typeface="Consolas" panose="020B0609020204030204" pitchFamily="49" charset="0"/>
+              </a:rPr>
+              <a:t>=</a:t>
+            </a:r>
+            <a:r>
+              <a:rPr lang="en-US" altLang="zh-CN" sz="2400" dirty="0">
+                <a:solidFill>
+                  <a:srgbClr val="89CA78"/>
+                </a:solidFill>
+                <a:latin typeface="Consolas" panose="020B0609020204030204" pitchFamily="49" charset="0"/>
+              </a:rPr>
+              <a:t>"text/babel"</a:t>
+            </a:r>
+            <a:r>
+              <a:rPr lang="en-US" altLang="zh-CN" sz="2400" dirty="0">
+                <a:solidFill>
+                  <a:srgbClr val="BBBBBB"/>
+                </a:solidFill>
+                <a:latin typeface="Consolas" panose="020B0609020204030204" pitchFamily="49" charset="0"/>
+              </a:rPr>
+              <a:t>&gt;</a:t>
+            </a:r>
+          </a:p>
+          <a:p>
+            <a:pPr marL="0" indent="0">
+              <a:buNone/>
+            </a:pPr>
+            <a:r>
+              <a:rPr lang="en-US" altLang="zh-CN" sz="2400" dirty="0" smtClean="0">
+                <a:solidFill>
+                  <a:srgbClr val="D55FDE"/>
+                </a:solidFill>
+                <a:latin typeface="Consolas" panose="020B0609020204030204" pitchFamily="49" charset="0"/>
+              </a:rPr>
+              <a:t>  </a:t>
+            </a:r>
+            <a:r>
+              <a:rPr lang="en-US" altLang="zh-CN" sz="2400" dirty="0" err="1" smtClean="0">
+                <a:solidFill>
+                  <a:srgbClr val="D55FDE"/>
+                </a:solidFill>
+                <a:latin typeface="Consolas" panose="020B0609020204030204" pitchFamily="49" charset="0"/>
+              </a:rPr>
+              <a:t>const</a:t>
+            </a:r>
+            <a:r>
+              <a:rPr lang="en-US" altLang="zh-CN" sz="2400" dirty="0" smtClean="0">
+                <a:solidFill>
+                  <a:srgbClr val="BBBBBB"/>
+                </a:solidFill>
+                <a:latin typeface="Consolas" panose="020B0609020204030204" pitchFamily="49" charset="0"/>
+              </a:rPr>
+              <a:t> </a:t>
+            </a:r>
+            <a:r>
+              <a:rPr lang="en-US" altLang="zh-CN" sz="2400" dirty="0" err="1">
+                <a:solidFill>
+                  <a:srgbClr val="61AFEF"/>
+                </a:solidFill>
+                <a:latin typeface="Consolas" panose="020B0609020204030204" pitchFamily="49" charset="0"/>
+              </a:rPr>
+              <a:t>MyComponent</a:t>
+            </a:r>
+            <a:r>
+              <a:rPr lang="en-US" altLang="zh-CN" sz="2400" dirty="0">
+                <a:solidFill>
+                  <a:srgbClr val="BBBBBB"/>
+                </a:solidFill>
+                <a:latin typeface="Consolas" panose="020B0609020204030204" pitchFamily="49" charset="0"/>
+              </a:rPr>
+              <a:t> </a:t>
+            </a:r>
+            <a:r>
+              <a:rPr lang="en-US" altLang="zh-CN" sz="2400" dirty="0">
+                <a:solidFill>
+                  <a:srgbClr val="2BBAC5"/>
+                </a:solidFill>
+                <a:latin typeface="Consolas" panose="020B0609020204030204" pitchFamily="49" charset="0"/>
+              </a:rPr>
+              <a:t>=</a:t>
+            </a:r>
+            <a:r>
+              <a:rPr lang="en-US" altLang="zh-CN" sz="2400" dirty="0">
+                <a:solidFill>
+                  <a:srgbClr val="BBBBBB"/>
+                </a:solidFill>
+                <a:latin typeface="Consolas" panose="020B0609020204030204" pitchFamily="49" charset="0"/>
+              </a:rPr>
+              <a:t> () </a:t>
+            </a:r>
+            <a:r>
+              <a:rPr lang="en-US" altLang="zh-CN" sz="2400" dirty="0">
+                <a:solidFill>
+                  <a:srgbClr val="D55FDE"/>
+                </a:solidFill>
+                <a:latin typeface="Consolas" panose="020B0609020204030204" pitchFamily="49" charset="0"/>
+              </a:rPr>
+              <a:t>=&gt;</a:t>
+            </a:r>
+            <a:r>
+              <a:rPr lang="en-US" altLang="zh-CN" sz="2400" dirty="0">
+                <a:solidFill>
+                  <a:srgbClr val="BBBBBB"/>
+                </a:solidFill>
+                <a:latin typeface="Consolas" panose="020B0609020204030204" pitchFamily="49" charset="0"/>
+              </a:rPr>
+              <a:t> &lt;</a:t>
+            </a:r>
+            <a:r>
+              <a:rPr lang="en-US" altLang="zh-CN" sz="2400" dirty="0">
+                <a:solidFill>
+                  <a:srgbClr val="EF596F"/>
+                </a:solidFill>
+                <a:latin typeface="Consolas" panose="020B0609020204030204" pitchFamily="49" charset="0"/>
+              </a:rPr>
+              <a:t>h1</a:t>
+            </a:r>
+            <a:r>
+              <a:rPr lang="en-US" altLang="zh-CN" sz="2400" dirty="0">
+                <a:solidFill>
+                  <a:srgbClr val="BBBBBB"/>
+                </a:solidFill>
+                <a:latin typeface="Consolas" panose="020B0609020204030204" pitchFamily="49" charset="0"/>
+              </a:rPr>
+              <a:t>&gt;Hello, world!&lt;/</a:t>
+            </a:r>
+            <a:r>
+              <a:rPr lang="en-US" altLang="zh-CN" sz="2400" dirty="0">
+                <a:solidFill>
+                  <a:srgbClr val="EF596F"/>
+                </a:solidFill>
+                <a:latin typeface="Consolas" panose="020B0609020204030204" pitchFamily="49" charset="0"/>
+              </a:rPr>
+              <a:t>h1</a:t>
+            </a:r>
+            <a:r>
+              <a:rPr lang="en-US" altLang="zh-CN" sz="2400" dirty="0" smtClean="0">
+                <a:solidFill>
+                  <a:srgbClr val="BBBBBB"/>
+                </a:solidFill>
+                <a:latin typeface="Consolas" panose="020B0609020204030204" pitchFamily="49" charset="0"/>
+              </a:rPr>
+              <a:t>&gt;</a:t>
+            </a:r>
+          </a:p>
+          <a:p>
+            <a:pPr marL="0" indent="0">
+              <a:buNone/>
+            </a:pPr>
+            <a:r>
+              <a:rPr lang="en-US" altLang="zh-CN" sz="2400" dirty="0">
+                <a:solidFill>
+                  <a:srgbClr val="BBBBBB"/>
+                </a:solidFill>
+                <a:latin typeface="Consolas" panose="020B0609020204030204" pitchFamily="49" charset="0"/>
+              </a:rPr>
+              <a:t/>
+            </a:r>
+            <a:br>
+              <a:rPr lang="en-US" altLang="zh-CN" sz="2400" dirty="0">
+                <a:solidFill>
+                  <a:srgbClr val="BBBBBB"/>
+                </a:solidFill>
+                <a:latin typeface="Consolas" panose="020B0609020204030204" pitchFamily="49" charset="0"/>
+              </a:rPr>
+            </a:br>
+            <a:r>
+              <a:rPr lang="en-US" altLang="zh-CN" sz="2400" dirty="0" smtClean="0">
+                <a:solidFill>
+                  <a:srgbClr val="BBBBBB"/>
+                </a:solidFill>
+                <a:latin typeface="Consolas" panose="020B0609020204030204" pitchFamily="49" charset="0"/>
+              </a:rPr>
+              <a:t>  </a:t>
+            </a:r>
+            <a:r>
+              <a:rPr lang="en-US" altLang="zh-CN" sz="2400" dirty="0" err="1" smtClean="0">
+                <a:solidFill>
+                  <a:srgbClr val="EF596F"/>
+                </a:solidFill>
+                <a:latin typeface="Consolas" panose="020B0609020204030204" pitchFamily="49" charset="0"/>
+              </a:rPr>
+              <a:t>ReactDOM</a:t>
+            </a:r>
+            <a:r>
+              <a:rPr lang="en-US" altLang="zh-CN" sz="2400" dirty="0" err="1" smtClean="0">
+                <a:solidFill>
+                  <a:srgbClr val="BBBBBB"/>
+                </a:solidFill>
+                <a:latin typeface="Consolas" panose="020B0609020204030204" pitchFamily="49" charset="0"/>
+              </a:rPr>
+              <a:t>.</a:t>
+            </a:r>
+            <a:r>
+              <a:rPr lang="en-US" altLang="zh-CN" sz="2400" dirty="0" err="1" smtClean="0">
+                <a:solidFill>
+                  <a:srgbClr val="61AFEF"/>
+                </a:solidFill>
+                <a:latin typeface="Consolas" panose="020B0609020204030204" pitchFamily="49" charset="0"/>
+              </a:rPr>
+              <a:t>render</a:t>
+            </a:r>
+            <a:r>
+              <a:rPr lang="en-US" altLang="zh-CN" sz="2400" dirty="0">
+                <a:solidFill>
+                  <a:srgbClr val="BBBBBB"/>
+                </a:solidFill>
+                <a:latin typeface="Consolas" panose="020B0609020204030204" pitchFamily="49" charset="0"/>
+              </a:rPr>
+              <a:t>(</a:t>
+            </a:r>
+          </a:p>
+          <a:p>
+            <a:pPr marL="0" indent="0">
+              <a:buNone/>
+            </a:pPr>
+            <a:r>
+              <a:rPr lang="en-US" altLang="zh-CN" sz="2400" dirty="0" smtClean="0">
+                <a:solidFill>
+                  <a:srgbClr val="BBBBBB"/>
+                </a:solidFill>
+                <a:latin typeface="Consolas" panose="020B0609020204030204" pitchFamily="49" charset="0"/>
+              </a:rPr>
+              <a:t>    &lt;</a:t>
+            </a:r>
+            <a:r>
+              <a:rPr lang="en-US" altLang="zh-CN" sz="2400" dirty="0" err="1">
+                <a:solidFill>
+                  <a:srgbClr val="E5C07B"/>
+                </a:solidFill>
+                <a:latin typeface="Consolas" panose="020B0609020204030204" pitchFamily="49" charset="0"/>
+              </a:rPr>
+              <a:t>MyComponent</a:t>
+            </a:r>
+            <a:r>
+              <a:rPr lang="en-US" altLang="zh-CN" sz="2400" dirty="0">
+                <a:solidFill>
+                  <a:srgbClr val="BBBBBB"/>
+                </a:solidFill>
+                <a:latin typeface="Consolas" panose="020B0609020204030204" pitchFamily="49" charset="0"/>
+              </a:rPr>
+              <a:t> /&gt;,</a:t>
+            </a:r>
+          </a:p>
+          <a:p>
+            <a:pPr marL="0" indent="0">
+              <a:buNone/>
+            </a:pPr>
+            <a:r>
+              <a:rPr lang="en-US" altLang="zh-CN" sz="2400" dirty="0" smtClean="0">
+                <a:solidFill>
+                  <a:srgbClr val="EF596F"/>
+                </a:solidFill>
+                <a:latin typeface="Consolas" panose="020B0609020204030204" pitchFamily="49" charset="0"/>
+              </a:rPr>
+              <a:t>    </a:t>
+            </a:r>
+            <a:r>
+              <a:rPr lang="en-US" altLang="zh-CN" sz="2400" dirty="0" err="1" smtClean="0">
+                <a:solidFill>
+                  <a:srgbClr val="EF596F"/>
+                </a:solidFill>
+                <a:latin typeface="Consolas" panose="020B0609020204030204" pitchFamily="49" charset="0"/>
+              </a:rPr>
+              <a:t>document</a:t>
+            </a:r>
+            <a:r>
+              <a:rPr lang="en-US" altLang="zh-CN" sz="2400" dirty="0" err="1" smtClean="0">
+                <a:solidFill>
+                  <a:srgbClr val="BBBBBB"/>
+                </a:solidFill>
+                <a:latin typeface="Consolas" panose="020B0609020204030204" pitchFamily="49" charset="0"/>
+              </a:rPr>
+              <a:t>.</a:t>
+            </a:r>
+            <a:r>
+              <a:rPr lang="en-US" altLang="zh-CN" sz="2400" dirty="0" err="1" smtClean="0">
+                <a:solidFill>
+                  <a:srgbClr val="2BBAC5"/>
+                </a:solidFill>
+                <a:latin typeface="Consolas" panose="020B0609020204030204" pitchFamily="49" charset="0"/>
+              </a:rPr>
+              <a:t>getElementById</a:t>
+            </a:r>
+            <a:r>
+              <a:rPr lang="en-US" altLang="zh-CN" sz="2400" dirty="0">
+                <a:solidFill>
+                  <a:srgbClr val="BBBBBB"/>
+                </a:solidFill>
+                <a:latin typeface="Consolas" panose="020B0609020204030204" pitchFamily="49" charset="0"/>
+              </a:rPr>
+              <a:t>(</a:t>
+            </a:r>
+            <a:r>
+              <a:rPr lang="en-US" altLang="zh-CN" sz="2400" dirty="0">
+                <a:solidFill>
+                  <a:srgbClr val="89CA78"/>
+                </a:solidFill>
+                <a:latin typeface="Consolas" panose="020B0609020204030204" pitchFamily="49" charset="0"/>
+              </a:rPr>
+              <a:t>'app'</a:t>
+            </a:r>
+            <a:r>
+              <a:rPr lang="en-US" altLang="zh-CN" sz="2400" dirty="0">
+                <a:solidFill>
+                  <a:srgbClr val="BBBBBB"/>
+                </a:solidFill>
+                <a:latin typeface="Consolas" panose="020B0609020204030204" pitchFamily="49" charset="0"/>
+              </a:rPr>
+              <a:t>)</a:t>
+            </a:r>
+          </a:p>
+          <a:p>
+            <a:pPr marL="0" indent="0">
+              <a:buNone/>
+            </a:pPr>
+            <a:r>
+              <a:rPr lang="en-US" altLang="zh-CN" sz="2400" dirty="0" smtClean="0">
+                <a:solidFill>
+                  <a:srgbClr val="BBBBBB"/>
+                </a:solidFill>
+                <a:latin typeface="Consolas" panose="020B0609020204030204" pitchFamily="49" charset="0"/>
+              </a:rPr>
+              <a:t>  );</a:t>
+            </a:r>
+            <a:endParaRPr lang="en-US" altLang="zh-CN" sz="2400" dirty="0">
+              <a:solidFill>
+                <a:srgbClr val="BBBBBB"/>
+              </a:solidFill>
+              <a:latin typeface="Consolas" panose="020B0609020204030204" pitchFamily="49" charset="0"/>
+            </a:endParaRPr>
+          </a:p>
+          <a:p>
+            <a:pPr marL="0" indent="0">
+              <a:buNone/>
+            </a:pPr>
+            <a:r>
+              <a:rPr lang="en-US" altLang="zh-CN" sz="2400" dirty="0">
+                <a:solidFill>
+                  <a:srgbClr val="BBBBBB"/>
+                </a:solidFill>
+                <a:latin typeface="Consolas" panose="020B0609020204030204" pitchFamily="49" charset="0"/>
+              </a:rPr>
+              <a:t>&lt;/</a:t>
+            </a:r>
+            <a:r>
+              <a:rPr lang="en-US" altLang="zh-CN" sz="2400" dirty="0">
+                <a:solidFill>
+                  <a:srgbClr val="EF596F"/>
+                </a:solidFill>
+                <a:latin typeface="Consolas" panose="020B0609020204030204" pitchFamily="49" charset="0"/>
+              </a:rPr>
+              <a:t>script</a:t>
+            </a:r>
+            <a:r>
+              <a:rPr lang="en-US" altLang="zh-CN" sz="2400" dirty="0" smtClean="0">
+                <a:solidFill>
+                  <a:srgbClr val="BBBBBB"/>
+                </a:solidFill>
+                <a:latin typeface="Consolas" panose="020B0609020204030204" pitchFamily="49" charset="0"/>
+              </a:rPr>
+              <a:t>&gt;</a:t>
+            </a:r>
+          </a:p>
+          <a:p>
+            <a:pPr marL="0" indent="0">
+              <a:buNone/>
+            </a:pPr>
+            <a:r>
+              <a:rPr lang="en-US" altLang="zh-CN" sz="2400" dirty="0">
+                <a:solidFill>
+                  <a:srgbClr val="BBBBBB"/>
+                </a:solidFill>
+                <a:latin typeface="Consolas" panose="020B0609020204030204" pitchFamily="49" charset="0"/>
+              </a:rPr>
+              <a:t>&lt;</a:t>
+            </a:r>
+            <a:r>
+              <a:rPr lang="en-US" altLang="zh-CN" sz="2400" dirty="0">
+                <a:solidFill>
+                  <a:srgbClr val="EF596F"/>
+                </a:solidFill>
+                <a:latin typeface="Consolas" panose="020B0609020204030204" pitchFamily="49" charset="0"/>
+              </a:rPr>
+              <a:t>div</a:t>
+            </a:r>
+            <a:r>
+              <a:rPr lang="en-US" altLang="zh-CN" sz="2400" dirty="0">
+                <a:solidFill>
+                  <a:srgbClr val="BBBBBB"/>
+                </a:solidFill>
+                <a:latin typeface="Consolas" panose="020B0609020204030204" pitchFamily="49" charset="0"/>
+              </a:rPr>
+              <a:t> </a:t>
+            </a:r>
+            <a:r>
+              <a:rPr lang="en-US" altLang="zh-CN" sz="2400" dirty="0">
+                <a:solidFill>
+                  <a:srgbClr val="D19A66"/>
+                </a:solidFill>
+                <a:latin typeface="Consolas" panose="020B0609020204030204" pitchFamily="49" charset="0"/>
+              </a:rPr>
+              <a:t>id</a:t>
+            </a:r>
+            <a:r>
+              <a:rPr lang="en-US" altLang="zh-CN" sz="2400" dirty="0">
+                <a:solidFill>
+                  <a:srgbClr val="BBBBBB"/>
+                </a:solidFill>
+                <a:latin typeface="Consolas" panose="020B0609020204030204" pitchFamily="49" charset="0"/>
+              </a:rPr>
+              <a:t>=</a:t>
+            </a:r>
+            <a:r>
+              <a:rPr lang="en-US" altLang="zh-CN" sz="2400" dirty="0">
+                <a:solidFill>
+                  <a:srgbClr val="89CA78"/>
+                </a:solidFill>
+                <a:latin typeface="Consolas" panose="020B0609020204030204" pitchFamily="49" charset="0"/>
+              </a:rPr>
+              <a:t>"app"</a:t>
+            </a:r>
+            <a:r>
+              <a:rPr lang="en-US" altLang="zh-CN" sz="2400" dirty="0">
+                <a:solidFill>
+                  <a:srgbClr val="BBBBBB"/>
+                </a:solidFill>
+                <a:latin typeface="Consolas" panose="020B0609020204030204" pitchFamily="49" charset="0"/>
+              </a:rPr>
+              <a:t>&gt;&lt;/</a:t>
+            </a:r>
+            <a:r>
+              <a:rPr lang="en-US" altLang="zh-CN" sz="2400" dirty="0">
+                <a:solidFill>
+                  <a:srgbClr val="EF596F"/>
+                </a:solidFill>
+                <a:latin typeface="Consolas" panose="020B0609020204030204" pitchFamily="49" charset="0"/>
+              </a:rPr>
+              <a:t>div</a:t>
+            </a:r>
+            <a:r>
+              <a:rPr lang="en-US" altLang="zh-CN" sz="2400" dirty="0">
+                <a:solidFill>
+                  <a:srgbClr val="BBBBBB"/>
+                </a:solidFill>
+                <a:latin typeface="Consolas" panose="020B0609020204030204" pitchFamily="49" charset="0"/>
+              </a:rPr>
+              <a:t>&gt;</a:t>
+            </a:r>
+          </a:p>
+          <a:p>
+            <a:pPr marL="0" indent="0">
+              <a:buNone/>
+            </a:pPr>
+            <a:endParaRPr lang="en-US" altLang="zh-CN" sz="2600" dirty="0">
+              <a:solidFill>
+                <a:srgbClr val="BBBBBB"/>
+              </a:solidFill>
+              <a:latin typeface="Consolas" panose="020B0609020204030204" pitchFamily="49" charset="0"/>
+            </a:endParaRPr>
+          </a:p>
+          <a:p>
+            <a:pPr marL="0" indent="0">
+              <a:buNone/>
+            </a:pPr>
+            <a:endParaRPr lang="zh-CN" altLang="en-US" dirty="0"/>
+          </a:p>
+        </p:txBody>
+      </p:sp>
+    </p:spTree>
+    <p:extLst>
+      <p:ext uri="{BB962C8B-B14F-4D97-AF65-F5344CB8AC3E}">
+        <p14:creationId xmlns:p14="http://schemas.microsoft.com/office/powerpoint/2010/main" val="565446870"/>
+      </p:ext>
+    </p:extLst>
+  </p:cSld>
+  <p:clrMapOvr>
+    <a:masterClrMapping/>
+  </p:clrMapOvr>
+  <p:timing>
+    <p:tnLst>
+      <p:par>
+        <p:cTn id="1" dur="indefinite" restart="never" nodeType="tmRoot"/>
+      </p:par>
+    </p:tnLst>
+  </p:timing>
+</p:sld>
+</file>
+
+<file path=ppt/slides/slide11.xml><?xml version="1.0" encoding="utf-8"?>
+<p:sld xmlns:a="http://schemas.openxmlformats.org/drawingml/2006/main" xmlns:r="http://schemas.openxmlformats.org/officeDocument/2006/relationships" xmlns:p="http://schemas.openxmlformats.org/presentationml/2006/main">
+  <p:cSld>
+    <p:spTree>
+      <p:nvGrpSpPr>
+        <p:cNvPr id="1" name=""/>
+        <p:cNvGrpSpPr/>
+        <p:nvPr/>
+      </p:nvGrpSpPr>
+      <p:grpSpPr>
+        <a:xfrm>
+          <a:off x="0" y="0"/>
+          <a:ext cx="0" cy="0"/>
+          <a:chOff x="0" y="0"/>
+          <a:chExt cx="0" cy="0"/>
+        </a:xfrm>
+      </p:grpSpPr>
+      <p:sp>
+        <p:nvSpPr>
+          <p:cNvPr id="5" name="标题 4"/>
+          <p:cNvSpPr>
+            <a:spLocks noGrp="1"/>
+          </p:cNvSpPr>
+          <p:nvPr>
+            <p:ph type="title"/>
+          </p:nvPr>
+        </p:nvSpPr>
+        <p:spPr/>
+        <p:txBody>
+          <a:bodyPr/>
+          <a:lstStyle/>
+          <a:p>
+            <a:r>
+              <a:rPr lang="en-US" altLang="zh-CN" dirty="0" smtClean="0"/>
+              <a:t>2.2 Hello, world!</a:t>
+            </a:r>
+            <a:endParaRPr lang="zh-CN" altLang="en-US" dirty="0"/>
+          </a:p>
+        </p:txBody>
+      </p:sp>
+      <p:sp>
+        <p:nvSpPr>
+          <p:cNvPr id="6" name="内容占位符 5"/>
+          <p:cNvSpPr>
+            <a:spLocks noGrp="1"/>
+          </p:cNvSpPr>
+          <p:nvPr>
+            <p:ph idx="1"/>
+          </p:nvPr>
+        </p:nvSpPr>
+        <p:spPr>
+          <a:xfrm>
+            <a:off x="838200" y="1825625"/>
+            <a:ext cx="10515600" cy="2561439"/>
+          </a:xfrm>
+          <a:solidFill>
+            <a:schemeClr val="tx2"/>
+          </a:solidFill>
+        </p:spPr>
+        <p:txBody>
+          <a:bodyPr>
+            <a:normAutofit/>
+          </a:bodyPr>
+          <a:lstStyle/>
+          <a:p>
+            <a:pPr marL="0" indent="0">
+              <a:buNone/>
+            </a:pPr>
+            <a:r>
+              <a:rPr lang="en-US" altLang="zh-CN" sz="2400" dirty="0" smtClean="0">
+                <a:solidFill>
+                  <a:srgbClr val="D55FDE"/>
+                </a:solidFill>
+                <a:latin typeface="Consolas" panose="020B0609020204030204" pitchFamily="49" charset="0"/>
+              </a:rPr>
+              <a:t>import</a:t>
+            </a:r>
+            <a:r>
+              <a:rPr lang="en-US" altLang="zh-CN" sz="2400" dirty="0" smtClean="0">
+                <a:solidFill>
+                  <a:srgbClr val="BBBBBB"/>
+                </a:solidFill>
+                <a:latin typeface="Consolas" panose="020B0609020204030204" pitchFamily="49" charset="0"/>
+              </a:rPr>
+              <a:t> </a:t>
+            </a:r>
+            <a:r>
+              <a:rPr lang="en-US" altLang="zh-CN" sz="2400" dirty="0">
+                <a:solidFill>
+                  <a:srgbClr val="EF596F"/>
+                </a:solidFill>
+                <a:latin typeface="Consolas" panose="020B0609020204030204" pitchFamily="49" charset="0"/>
+              </a:rPr>
+              <a:t>React</a:t>
+            </a:r>
+            <a:r>
+              <a:rPr lang="en-US" altLang="zh-CN" sz="2400" dirty="0">
+                <a:solidFill>
+                  <a:srgbClr val="BBBBBB"/>
+                </a:solidFill>
+                <a:latin typeface="Consolas" panose="020B0609020204030204" pitchFamily="49" charset="0"/>
+              </a:rPr>
+              <a:t> </a:t>
+            </a:r>
+            <a:r>
+              <a:rPr lang="en-US" altLang="zh-CN" sz="2400" dirty="0">
+                <a:solidFill>
+                  <a:srgbClr val="D55FDE"/>
+                </a:solidFill>
+                <a:latin typeface="Consolas" panose="020B0609020204030204" pitchFamily="49" charset="0"/>
+              </a:rPr>
+              <a:t>from</a:t>
+            </a:r>
+            <a:r>
+              <a:rPr lang="en-US" altLang="zh-CN" sz="2400" dirty="0">
+                <a:solidFill>
+                  <a:srgbClr val="BBBBBB"/>
+                </a:solidFill>
+                <a:latin typeface="Consolas" panose="020B0609020204030204" pitchFamily="49" charset="0"/>
+              </a:rPr>
+              <a:t> </a:t>
+            </a:r>
+            <a:r>
+              <a:rPr lang="en-US" altLang="zh-CN" sz="2400" dirty="0">
+                <a:solidFill>
+                  <a:srgbClr val="89CA78"/>
+                </a:solidFill>
+                <a:latin typeface="Consolas" panose="020B0609020204030204" pitchFamily="49" charset="0"/>
+              </a:rPr>
+              <a:t>'react'</a:t>
+            </a:r>
+            <a:endParaRPr lang="en-US" altLang="zh-CN" sz="2400" dirty="0">
+              <a:solidFill>
+                <a:srgbClr val="BBBBBB"/>
+              </a:solidFill>
+              <a:latin typeface="Consolas" panose="020B0609020204030204" pitchFamily="49" charset="0"/>
+            </a:endParaRPr>
+          </a:p>
+          <a:p>
+            <a:pPr marL="0" indent="0">
+              <a:buNone/>
+            </a:pPr>
+            <a:r>
+              <a:rPr lang="en-US" altLang="zh-CN" sz="2400" dirty="0">
+                <a:solidFill>
+                  <a:srgbClr val="BBBBBB"/>
+                </a:solidFill>
+                <a:latin typeface="Consolas" panose="020B0609020204030204" pitchFamily="49" charset="0"/>
+              </a:rPr>
+              <a:t/>
+            </a:r>
+            <a:br>
+              <a:rPr lang="en-US" altLang="zh-CN" sz="2400" dirty="0">
+                <a:solidFill>
+                  <a:srgbClr val="BBBBBB"/>
+                </a:solidFill>
+                <a:latin typeface="Consolas" panose="020B0609020204030204" pitchFamily="49" charset="0"/>
+              </a:rPr>
+            </a:br>
+            <a:r>
+              <a:rPr lang="en-US" altLang="zh-CN" sz="2400" dirty="0" err="1">
+                <a:solidFill>
+                  <a:srgbClr val="D55FDE"/>
+                </a:solidFill>
+                <a:latin typeface="Consolas" panose="020B0609020204030204" pitchFamily="49" charset="0"/>
+              </a:rPr>
+              <a:t>const</a:t>
+            </a:r>
+            <a:r>
+              <a:rPr lang="en-US" altLang="zh-CN" sz="2400" dirty="0">
+                <a:solidFill>
+                  <a:srgbClr val="BBBBBB"/>
+                </a:solidFill>
+                <a:latin typeface="Consolas" panose="020B0609020204030204" pitchFamily="49" charset="0"/>
+              </a:rPr>
+              <a:t> </a:t>
+            </a:r>
+            <a:r>
+              <a:rPr lang="en-US" altLang="zh-CN" sz="2400" dirty="0" err="1">
+                <a:solidFill>
+                  <a:srgbClr val="61AFEF"/>
+                </a:solidFill>
+                <a:latin typeface="Consolas" panose="020B0609020204030204" pitchFamily="49" charset="0"/>
+              </a:rPr>
+              <a:t>MyComponent</a:t>
+            </a:r>
+            <a:r>
+              <a:rPr lang="en-US" altLang="zh-CN" sz="2400" dirty="0">
+                <a:solidFill>
+                  <a:srgbClr val="BBBBBB"/>
+                </a:solidFill>
+                <a:latin typeface="Consolas" panose="020B0609020204030204" pitchFamily="49" charset="0"/>
+              </a:rPr>
+              <a:t> </a:t>
+            </a:r>
+            <a:r>
+              <a:rPr lang="en-US" altLang="zh-CN" sz="2400" dirty="0">
+                <a:solidFill>
+                  <a:srgbClr val="2BBAC5"/>
+                </a:solidFill>
+                <a:latin typeface="Consolas" panose="020B0609020204030204" pitchFamily="49" charset="0"/>
+              </a:rPr>
+              <a:t>=</a:t>
+            </a:r>
+            <a:r>
+              <a:rPr lang="en-US" altLang="zh-CN" sz="2400" dirty="0">
+                <a:solidFill>
+                  <a:srgbClr val="BBBBBB"/>
+                </a:solidFill>
+                <a:latin typeface="Consolas" panose="020B0609020204030204" pitchFamily="49" charset="0"/>
+              </a:rPr>
+              <a:t> () </a:t>
+            </a:r>
+            <a:r>
+              <a:rPr lang="en-US" altLang="zh-CN" sz="2400" dirty="0">
+                <a:solidFill>
+                  <a:srgbClr val="D55FDE"/>
+                </a:solidFill>
+                <a:latin typeface="Consolas" panose="020B0609020204030204" pitchFamily="49" charset="0"/>
+              </a:rPr>
+              <a:t>=&gt;</a:t>
+            </a:r>
+            <a:r>
+              <a:rPr lang="en-US" altLang="zh-CN" sz="2400" dirty="0">
+                <a:solidFill>
+                  <a:srgbClr val="BBBBBB"/>
+                </a:solidFill>
+                <a:latin typeface="Consolas" panose="020B0609020204030204" pitchFamily="49" charset="0"/>
+              </a:rPr>
+              <a:t> &lt;</a:t>
+            </a:r>
+            <a:r>
+              <a:rPr lang="en-US" altLang="zh-CN" sz="2400" dirty="0">
+                <a:solidFill>
+                  <a:srgbClr val="EF596F"/>
+                </a:solidFill>
+                <a:latin typeface="Consolas" panose="020B0609020204030204" pitchFamily="49" charset="0"/>
+              </a:rPr>
+              <a:t>h1</a:t>
+            </a:r>
+            <a:r>
+              <a:rPr lang="en-US" altLang="zh-CN" sz="2400" dirty="0">
+                <a:solidFill>
+                  <a:srgbClr val="BBBBBB"/>
+                </a:solidFill>
+                <a:latin typeface="Consolas" panose="020B0609020204030204" pitchFamily="49" charset="0"/>
+              </a:rPr>
+              <a:t>&gt;Hello, world!&lt;/</a:t>
+            </a:r>
+            <a:r>
+              <a:rPr lang="en-US" altLang="zh-CN" sz="2400" dirty="0">
+                <a:solidFill>
+                  <a:srgbClr val="EF596F"/>
+                </a:solidFill>
+                <a:latin typeface="Consolas" panose="020B0609020204030204" pitchFamily="49" charset="0"/>
+              </a:rPr>
+              <a:t>h1</a:t>
+            </a:r>
+            <a:r>
+              <a:rPr lang="en-US" altLang="zh-CN" sz="2400" dirty="0">
+                <a:solidFill>
+                  <a:srgbClr val="BBBBBB"/>
+                </a:solidFill>
+                <a:latin typeface="Consolas" panose="020B0609020204030204" pitchFamily="49" charset="0"/>
+              </a:rPr>
+              <a:t>&gt;</a:t>
+            </a:r>
+          </a:p>
+          <a:p>
+            <a:pPr marL="0" indent="0">
+              <a:buNone/>
+            </a:pPr>
+            <a:r>
+              <a:rPr lang="en-US" altLang="zh-CN" sz="2400" dirty="0">
+                <a:solidFill>
+                  <a:srgbClr val="BBBBBB"/>
+                </a:solidFill>
+                <a:latin typeface="Consolas" panose="020B0609020204030204" pitchFamily="49" charset="0"/>
+              </a:rPr>
+              <a:t/>
+            </a:r>
+            <a:br>
+              <a:rPr lang="en-US" altLang="zh-CN" sz="2400" dirty="0">
+                <a:solidFill>
+                  <a:srgbClr val="BBBBBB"/>
+                </a:solidFill>
+                <a:latin typeface="Consolas" panose="020B0609020204030204" pitchFamily="49" charset="0"/>
+              </a:rPr>
+            </a:br>
+            <a:r>
+              <a:rPr lang="en-US" altLang="zh-CN" sz="2400" dirty="0">
+                <a:solidFill>
+                  <a:srgbClr val="D55FDE"/>
+                </a:solidFill>
+                <a:latin typeface="Consolas" panose="020B0609020204030204" pitchFamily="49" charset="0"/>
+              </a:rPr>
+              <a:t>export</a:t>
+            </a:r>
+            <a:r>
+              <a:rPr lang="en-US" altLang="zh-CN" sz="2400" dirty="0">
+                <a:solidFill>
+                  <a:srgbClr val="BBBBBB"/>
+                </a:solidFill>
+                <a:latin typeface="Consolas" panose="020B0609020204030204" pitchFamily="49" charset="0"/>
+              </a:rPr>
+              <a:t> </a:t>
+            </a:r>
+            <a:r>
+              <a:rPr lang="en-US" altLang="zh-CN" sz="2400" dirty="0">
+                <a:solidFill>
+                  <a:srgbClr val="D55FDE"/>
+                </a:solidFill>
+                <a:latin typeface="Consolas" panose="020B0609020204030204" pitchFamily="49" charset="0"/>
+              </a:rPr>
+              <a:t>default</a:t>
+            </a:r>
+            <a:r>
+              <a:rPr lang="en-US" altLang="zh-CN" sz="2400" dirty="0">
+                <a:solidFill>
+                  <a:srgbClr val="BBBBBB"/>
+                </a:solidFill>
+                <a:latin typeface="Consolas" panose="020B0609020204030204" pitchFamily="49" charset="0"/>
+              </a:rPr>
+              <a:t> </a:t>
+            </a:r>
+            <a:r>
+              <a:rPr lang="en-US" altLang="zh-CN" sz="2400" dirty="0" err="1" smtClean="0">
+                <a:solidFill>
+                  <a:srgbClr val="EF596F"/>
+                </a:solidFill>
+                <a:latin typeface="Consolas" panose="020B0609020204030204" pitchFamily="49" charset="0"/>
+              </a:rPr>
+              <a:t>MyComponent</a:t>
+            </a:r>
+            <a:endParaRPr lang="en-US" altLang="zh-CN" sz="2600" dirty="0">
+              <a:solidFill>
+                <a:srgbClr val="BBBBBB"/>
+              </a:solidFill>
+              <a:latin typeface="Consolas" panose="020B0609020204030204" pitchFamily="49" charset="0"/>
+            </a:endParaRPr>
+          </a:p>
+          <a:p>
+            <a:pPr marL="0" indent="0">
+              <a:buNone/>
+            </a:pPr>
+            <a:endParaRPr lang="zh-CN" altLang="en-US" dirty="0"/>
+          </a:p>
+        </p:txBody>
+      </p:sp>
+    </p:spTree>
+    <p:extLst>
+      <p:ext uri="{BB962C8B-B14F-4D97-AF65-F5344CB8AC3E}">
+        <p14:creationId xmlns:p14="http://schemas.microsoft.com/office/powerpoint/2010/main" val="2229121697"/>
+      </p:ext>
+    </p:extLst>
+  </p:cSld>
+  <p:clrMapOvr>
+    <a:masterClrMapping/>
+  </p:clrMapOvr>
+  <p:timing>
+    <p:tnLst>
+      <p:par>
+        <p:cTn id="1" dur="indefinite" restart="never" nodeType="tmRoot"/>
+      </p:par>
+    </p:tnLst>
+  </p:timing>
+</p:sld>
+</file>
+
+<file path=ppt/slides/slide12.xml><?xml version="1.0" encoding="utf-8"?>
+<p:sld xmlns:a="http://schemas.openxmlformats.org/drawingml/2006/main" xmlns:r="http://schemas.openxmlformats.org/officeDocument/2006/relationships" xmlns:p="http://schemas.openxmlformats.org/presentationml/2006/main">
+  <p:cSld>
+    <p:spTree>
+      <p:nvGrpSpPr>
+        <p:cNvPr id="1" name=""/>
+        <p:cNvGrpSpPr/>
+        <p:nvPr/>
+      </p:nvGrpSpPr>
+      <p:grpSpPr>
+        <a:xfrm>
+          <a:off x="0" y="0"/>
+          <a:ext cx="0" cy="0"/>
+          <a:chOff x="0" y="0"/>
+          <a:chExt cx="0" cy="0"/>
+        </a:xfrm>
+      </p:grpSpPr>
+      <p:sp>
+        <p:nvSpPr>
+          <p:cNvPr id="2" name="标题 1"/>
+          <p:cNvSpPr>
+            <a:spLocks noGrp="1"/>
+          </p:cNvSpPr>
+          <p:nvPr>
+            <p:ph type="title"/>
+          </p:nvPr>
+        </p:nvSpPr>
+        <p:spPr/>
+        <p:txBody>
+          <a:bodyPr/>
+          <a:lstStyle/>
+          <a:p>
+            <a:r>
+              <a:rPr lang="en-US" altLang="zh-CN" dirty="0" smtClean="0"/>
+              <a:t>2.3 props</a:t>
+            </a:r>
+            <a:endParaRPr lang="zh-CN" altLang="en-US" dirty="0"/>
+          </a:p>
+        </p:txBody>
+      </p:sp>
+      <p:sp>
+        <p:nvSpPr>
+          <p:cNvPr id="3" name="内容占位符 2"/>
+          <p:cNvSpPr>
+            <a:spLocks noGrp="1"/>
+          </p:cNvSpPr>
+          <p:nvPr>
+            <p:ph idx="1"/>
+          </p:nvPr>
+        </p:nvSpPr>
+        <p:spPr/>
+        <p:txBody>
+          <a:bodyPr/>
+          <a:lstStyle/>
+          <a:p>
+            <a:r>
+              <a:rPr lang="zh-CN" altLang="en-US" dirty="0" smtClean="0"/>
+              <a:t>当 </a:t>
+            </a:r>
+            <a:r>
+              <a:rPr lang="en-US" altLang="zh-CN" dirty="0" smtClean="0"/>
+              <a:t>React </a:t>
+            </a:r>
+            <a:r>
+              <a:rPr lang="zh-CN" altLang="en-US" dirty="0" smtClean="0"/>
+              <a:t>遇到</a:t>
+            </a:r>
+            <a:r>
+              <a:rPr lang="zh-CN" altLang="en-US" dirty="0"/>
+              <a:t>的元素是用户自定义的组件，它会</a:t>
+            </a:r>
+            <a:r>
+              <a:rPr lang="zh-CN" altLang="en-US" dirty="0" smtClean="0"/>
+              <a:t>将 </a:t>
+            </a:r>
+            <a:r>
+              <a:rPr lang="en-US" altLang="zh-CN" dirty="0" smtClean="0"/>
+              <a:t>JSX </a:t>
+            </a:r>
+            <a:r>
+              <a:rPr lang="zh-CN" altLang="en-US" dirty="0" smtClean="0"/>
+              <a:t>的属性作为对象</a:t>
+            </a:r>
+            <a:r>
+              <a:rPr lang="zh-CN" altLang="en-US" dirty="0"/>
+              <a:t>传递给该组件，这个对象</a:t>
+            </a:r>
+            <a:r>
+              <a:rPr lang="zh-CN" altLang="en-US" dirty="0" smtClean="0"/>
+              <a:t>称之为 </a:t>
+            </a:r>
+            <a:r>
+              <a:rPr lang="en-US" altLang="zh-CN" dirty="0" smtClean="0"/>
+              <a:t>props</a:t>
+            </a:r>
+          </a:p>
+          <a:p>
+            <a:endParaRPr lang="en-US" altLang="zh-CN" dirty="0"/>
+          </a:p>
+          <a:p>
+            <a:r>
+              <a:rPr lang="en-US" altLang="zh-CN" dirty="0" smtClean="0"/>
+              <a:t>props </a:t>
+            </a:r>
+            <a:r>
+              <a:rPr lang="zh-CN" altLang="en-US" dirty="0" smtClean="0"/>
+              <a:t>是只读的</a:t>
+            </a:r>
+            <a:endParaRPr lang="en-US" altLang="zh-CN" dirty="0" smtClean="0"/>
+          </a:p>
+          <a:p>
+            <a:endParaRPr lang="en-US" altLang="zh-CN" dirty="0"/>
+          </a:p>
+          <a:p>
+            <a:r>
+              <a:rPr lang="zh-CN" altLang="en-US" dirty="0" smtClean="0"/>
+              <a:t>通过传递不同的 </a:t>
+            </a:r>
+            <a:r>
+              <a:rPr lang="en-US" altLang="zh-CN" dirty="0" smtClean="0"/>
+              <a:t>props </a:t>
+            </a:r>
+            <a:r>
+              <a:rPr lang="zh-CN" altLang="en-US" dirty="0" smtClean="0"/>
+              <a:t>可以轻松实现组件的复用</a:t>
+            </a:r>
+            <a:endParaRPr lang="zh-CN" altLang="en-US" dirty="0"/>
+          </a:p>
+        </p:txBody>
+      </p:sp>
+    </p:spTree>
+    <p:extLst>
+      <p:ext uri="{BB962C8B-B14F-4D97-AF65-F5344CB8AC3E}">
+        <p14:creationId xmlns:p14="http://schemas.microsoft.com/office/powerpoint/2010/main" val="2289138941"/>
+      </p:ext>
+    </p:extLst>
+  </p:cSld>
+  <p:clrMapOvr>
+    <a:masterClrMapping/>
+  </p:clrMapOvr>
+</p:sld>
+</file>
+
+<file path=ppt/slides/slide13.xml><?xml version="1.0" encoding="utf-8"?>
+<p:sld xmlns:a="http://schemas.openxmlformats.org/drawingml/2006/main" xmlns:r="http://schemas.openxmlformats.org/officeDocument/2006/relationships" xmlns:p="http://schemas.openxmlformats.org/presentationml/2006/main">
+  <p:cSld>
+    <p:spTree>
+      <p:nvGrpSpPr>
+        <p:cNvPr id="1" name=""/>
+        <p:cNvGrpSpPr/>
+        <p:nvPr/>
+      </p:nvGrpSpPr>
+      <p:grpSpPr>
+        <a:xfrm>
+          <a:off x="0" y="0"/>
+          <a:ext cx="0" cy="0"/>
+          <a:chOff x="0" y="0"/>
+          <a:chExt cx="0" cy="0"/>
+        </a:xfrm>
+      </p:grpSpPr>
+      <p:sp>
+        <p:nvSpPr>
+          <p:cNvPr id="2" name="标题 1"/>
+          <p:cNvSpPr>
+            <a:spLocks noGrp="1"/>
+          </p:cNvSpPr>
+          <p:nvPr>
+            <p:ph type="title"/>
+          </p:nvPr>
+        </p:nvSpPr>
+        <p:spPr/>
+        <p:txBody>
+          <a:bodyPr/>
+          <a:lstStyle/>
+          <a:p>
+            <a:r>
+              <a:rPr lang="en-US" altLang="zh-CN" dirty="0" smtClean="0"/>
+              <a:t>2.4 state</a:t>
+            </a:r>
+            <a:endParaRPr lang="zh-CN" altLang="en-US" dirty="0"/>
+          </a:p>
+        </p:txBody>
+      </p:sp>
+      <p:sp>
+        <p:nvSpPr>
+          <p:cNvPr id="3" name="内容占位符 2"/>
+          <p:cNvSpPr>
+            <a:spLocks noGrp="1"/>
+          </p:cNvSpPr>
+          <p:nvPr>
+            <p:ph idx="1"/>
+          </p:nvPr>
+        </p:nvSpPr>
+        <p:spPr/>
+        <p:txBody>
+          <a:bodyPr/>
+          <a:lstStyle/>
+          <a:p>
+            <a:r>
+              <a:rPr lang="en-US" altLang="zh-CN" dirty="0" smtClean="0"/>
+              <a:t>state </a:t>
+            </a:r>
+            <a:r>
+              <a:rPr lang="zh-CN" altLang="en-US" dirty="0" smtClean="0"/>
+              <a:t>是</a:t>
+            </a:r>
+            <a:r>
+              <a:rPr lang="zh-CN" altLang="en-US" dirty="0"/>
+              <a:t>私有的，完全受控于当前</a:t>
+            </a:r>
+            <a:r>
+              <a:rPr lang="zh-CN" altLang="en-US" dirty="0" smtClean="0"/>
+              <a:t>组件</a:t>
+            </a:r>
+            <a:endParaRPr lang="en-US" altLang="zh-CN" dirty="0" smtClean="0"/>
+          </a:p>
+          <a:p>
+            <a:endParaRPr lang="en-US" altLang="zh-CN" dirty="0"/>
+          </a:p>
+          <a:p>
+            <a:r>
+              <a:rPr lang="en-US" altLang="zh-CN" dirty="0" smtClean="0"/>
+              <a:t>state </a:t>
+            </a:r>
+            <a:r>
+              <a:rPr lang="zh-CN" altLang="en-US" dirty="0" smtClean="0"/>
+              <a:t>可以通过 </a:t>
+            </a:r>
+            <a:r>
+              <a:rPr lang="en-US" altLang="zh-CN" dirty="0" err="1" smtClean="0">
+                <a:latin typeface="Consolas" panose="020B0609020204030204" pitchFamily="49" charset="0"/>
+              </a:rPr>
+              <a:t>this.setState</a:t>
+            </a:r>
+            <a:r>
+              <a:rPr lang="en-US" altLang="zh-CN" dirty="0" smtClean="0">
+                <a:latin typeface="Consolas" panose="020B0609020204030204" pitchFamily="49" charset="0"/>
+              </a:rPr>
+              <a:t>() </a:t>
+            </a:r>
+            <a:r>
+              <a:rPr lang="zh-CN" altLang="en-US" dirty="0" smtClean="0"/>
+              <a:t>进行修改</a:t>
+            </a:r>
+            <a:endParaRPr lang="zh-CN" altLang="en-US" dirty="0"/>
+          </a:p>
+        </p:txBody>
+      </p:sp>
+    </p:spTree>
+    <p:extLst>
+      <p:ext uri="{BB962C8B-B14F-4D97-AF65-F5344CB8AC3E}">
+        <p14:creationId xmlns:p14="http://schemas.microsoft.com/office/powerpoint/2010/main" val="3949287158"/>
+      </p:ext>
+    </p:extLst>
+  </p:cSld>
+  <p:clrMapOvr>
+    <a:masterClrMapping/>
+  </p:clrMapOvr>
+</p:sld>
+</file>
+
 <file path=ppt/slides/slide2.xml><?xml version="1.0" encoding="utf-8"?>
 <p:sld xmlns:a="http://schemas.openxmlformats.org/drawingml/2006/main" xmlns:r="http://schemas.openxmlformats.org/officeDocument/2006/relationships" xmlns:p="http://schemas.openxmlformats.org/presentationml/2006/main">
   <p:cSld>
@@ -4099,110 +6292,81 @@
           <a:lstStyle/>
           <a:p>
             <a:r>
+              <a:rPr lang="zh-CN" altLang="en-US" dirty="0" smtClean="0"/>
+              <a:t>主要内容</a:t>
+            </a:r>
+            <a:endParaRPr lang="zh-CN" altLang="en-US" dirty="0"/>
+          </a:p>
+        </p:txBody>
+      </p:sp>
+      <p:sp>
+        <p:nvSpPr>
+          <p:cNvPr id="3" name="内容占位符 2"/>
+          <p:cNvSpPr>
+            <a:spLocks noGrp="1"/>
+          </p:cNvSpPr>
+          <p:nvPr>
+            <p:ph idx="1"/>
+          </p:nvPr>
+        </p:nvSpPr>
+        <p:spPr/>
+        <p:txBody>
+          <a:bodyPr/>
+          <a:lstStyle/>
+          <a:p>
+            <a:r>
+              <a:rPr lang="en-US" altLang="zh-CN" sz="4000" dirty="0" smtClean="0">
+                <a:solidFill>
+                  <a:schemeClr val="accent5"/>
+                </a:solidFill>
+              </a:rPr>
+              <a:t>1. </a:t>
+            </a:r>
+            <a:r>
+              <a:rPr lang="zh-CN" altLang="en-US" sz="4000" dirty="0" smtClean="0">
+                <a:solidFill>
+                  <a:schemeClr val="accent5"/>
+                </a:solidFill>
+              </a:rPr>
+              <a:t>关于 </a:t>
+            </a:r>
+            <a:r>
+              <a:rPr lang="en-US" altLang="zh-CN" sz="4000" dirty="0" smtClean="0">
+                <a:solidFill>
+                  <a:schemeClr val="accent5"/>
+                </a:solidFill>
+              </a:rPr>
+              <a:t>React</a:t>
+            </a:r>
+          </a:p>
+          <a:p>
+            <a:pPr marL="0" indent="0">
+              <a:buNone/>
+            </a:pPr>
+            <a:endParaRPr lang="en-US" altLang="zh-CN" dirty="0" smtClean="0"/>
+          </a:p>
+          <a:p>
+            <a:r>
               <a:rPr lang="en-US" altLang="zh-CN" dirty="0" smtClean="0"/>
-              <a:t>1. </a:t>
+              <a:t>2. React </a:t>
             </a:r>
             <a:r>
               <a:rPr lang="zh-CN" altLang="en-US" dirty="0" smtClean="0"/>
-              <a:t>关于 </a:t>
-            </a:r>
+              <a:t>语法简介</a:t>
+            </a:r>
+            <a:endParaRPr lang="en-US" altLang="zh-CN" dirty="0" smtClean="0"/>
+          </a:p>
+          <a:p>
+            <a:endParaRPr lang="en-US" altLang="zh-CN" dirty="0" smtClean="0"/>
+          </a:p>
+          <a:p>
             <a:r>
               <a:rPr lang="en-US" altLang="zh-CN" dirty="0" smtClean="0"/>
-              <a:t>React</a:t>
-            </a:r>
-            <a:endParaRPr lang="en-US" altLang="zh-CN" dirty="0" smtClean="0"/>
-          </a:p>
-        </p:txBody>
-      </p:sp>
-      <p:sp>
-        <p:nvSpPr>
-          <p:cNvPr id="3" name="内容占位符 2"/>
-          <p:cNvSpPr>
-            <a:spLocks noGrp="1"/>
-          </p:cNvSpPr>
-          <p:nvPr>
-            <p:ph idx="1"/>
-          </p:nvPr>
-        </p:nvSpPr>
-        <p:spPr/>
-        <p:txBody>
-          <a:bodyPr/>
-          <a:lstStyle/>
-          <a:p>
-            <a:r>
-              <a:rPr lang="en-US" altLang="zh-CN" dirty="0" smtClean="0"/>
-              <a:t>React </a:t>
+              <a:t>3. </a:t>
             </a:r>
             <a:r>
               <a:rPr lang="zh-CN" altLang="en-US" dirty="0" smtClean="0"/>
-              <a:t>是一个由 </a:t>
-            </a:r>
-            <a:r>
-              <a:rPr lang="en-US" altLang="zh-CN" dirty="0" smtClean="0"/>
-              <a:t>Facebook </a:t>
-            </a:r>
-            <a:r>
-              <a:rPr lang="zh-CN" altLang="en-US" dirty="0" smtClean="0"/>
-              <a:t>开发的用于构建 </a:t>
-            </a:r>
-            <a:r>
-              <a:rPr lang="en-US" altLang="zh-CN" dirty="0" smtClean="0"/>
-              <a:t>UI </a:t>
-            </a:r>
-            <a:r>
-              <a:rPr lang="zh-CN" altLang="en-US" dirty="0" smtClean="0"/>
-              <a:t>的 </a:t>
-            </a:r>
-            <a:r>
-              <a:rPr lang="en-US" altLang="zh-CN" dirty="0" smtClean="0"/>
-              <a:t>JavaScript </a:t>
-            </a:r>
-            <a:r>
-              <a:rPr lang="zh-CN" altLang="en-US" dirty="0" smtClean="0"/>
-              <a:t>库</a:t>
-            </a:r>
-            <a:endParaRPr lang="en-US" altLang="zh-CN" dirty="0" smtClean="0"/>
-          </a:p>
-          <a:p>
-            <a:endParaRPr lang="en-US" altLang="zh-CN" dirty="0" smtClean="0"/>
-          </a:p>
-          <a:p>
-            <a:r>
-              <a:rPr lang="en-US" altLang="zh-CN" dirty="0" smtClean="0"/>
-              <a:t>2013</a:t>
-            </a:r>
-            <a:r>
-              <a:rPr lang="zh-CN" altLang="en-US" dirty="0" smtClean="0"/>
-              <a:t>年开源，</a:t>
-            </a:r>
-            <a:r>
-              <a:rPr lang="en-US" altLang="zh-CN" dirty="0" smtClean="0"/>
-              <a:t>v0.14.8 (</a:t>
-            </a:r>
-            <a:r>
-              <a:rPr lang="en-US" altLang="zh-CN" dirty="0"/>
-              <a:t>30 Mar 2016</a:t>
-            </a:r>
-            <a:r>
-              <a:rPr lang="en-US" altLang="zh-CN" dirty="0" smtClean="0"/>
-              <a:t>) -&gt; v15.0.0 (9 Apr 2016)</a:t>
-            </a:r>
-          </a:p>
-          <a:p>
-            <a:endParaRPr lang="en-US" altLang="zh-CN" dirty="0"/>
-          </a:p>
-          <a:p>
-            <a:r>
-              <a:rPr lang="zh-CN" altLang="en-US" dirty="0"/>
-              <a:t>最新版</a:t>
-            </a:r>
-            <a:r>
-              <a:rPr lang="zh-CN" altLang="en-US" dirty="0" smtClean="0"/>
-              <a:t>本 </a:t>
-            </a:r>
-            <a:r>
-              <a:rPr lang="en-US" altLang="zh-CN" dirty="0" smtClean="0"/>
-              <a:t>v16.6.0 (23 Oct 2018)</a:t>
+              <a:t>相关技术</a:t>
             </a:r>
             <a:endParaRPr lang="zh-CN" altLang="en-US" dirty="0"/>
           </a:p>
@@ -4211,7 +6375,7 @@
     </p:spTree>
     <p:extLst>
       <p:ext uri="{BB962C8B-B14F-4D97-AF65-F5344CB8AC3E}">
-        <p14:creationId xmlns:p14="http://schemas.microsoft.com/office/powerpoint/2010/main" val="1706535654"/>
+        <p14:creationId xmlns:p14="http://schemas.microsoft.com/office/powerpoint/2010/main" val="1549907304"/>
       </p:ext>
     </p:extLst>
   </p:cSld>
@@ -4272,119 +6436,98 @@
               <a:rPr lang="en-US" altLang="zh-CN" dirty="0" smtClean="0"/>
               <a:t>React</a:t>
             </a:r>
+          </a:p>
+        </p:txBody>
+      </p:sp>
+      <p:sp>
+        <p:nvSpPr>
+          <p:cNvPr id="3" name="内容占位符 2"/>
+          <p:cNvSpPr>
+            <a:spLocks noGrp="1"/>
+          </p:cNvSpPr>
+          <p:nvPr>
+            <p:ph idx="1"/>
+          </p:nvPr>
+        </p:nvSpPr>
+        <p:spPr/>
+        <p:txBody>
+          <a:bodyPr/>
+          <a:lstStyle/>
+          <a:p>
+            <a:r>
+              <a:rPr lang="en-US" altLang="zh-CN" dirty="0" smtClean="0"/>
+              <a:t>React </a:t>
+            </a:r>
+            <a:r>
+              <a:rPr lang="zh-CN" altLang="en-US" dirty="0" smtClean="0"/>
+              <a:t>是一个由 </a:t>
+            </a:r>
+            <a:r>
+              <a:rPr lang="en-US" altLang="zh-CN" dirty="0" smtClean="0"/>
+              <a:t>Facebook </a:t>
+            </a:r>
+            <a:r>
+              <a:rPr lang="zh-CN" altLang="en-US" dirty="0" smtClean="0"/>
+              <a:t>开发的用于构建 </a:t>
+            </a:r>
+            <a:r>
+              <a:rPr lang="en-US" altLang="zh-CN" dirty="0" smtClean="0"/>
+              <a:t>UI </a:t>
+            </a:r>
+            <a:r>
+              <a:rPr lang="zh-CN" altLang="en-US" dirty="0" smtClean="0"/>
+              <a:t>的 </a:t>
+            </a:r>
+            <a:r>
+              <a:rPr lang="en-US" altLang="zh-CN" dirty="0" smtClean="0"/>
+              <a:t>JavaScript </a:t>
+            </a:r>
+            <a:r>
+              <a:rPr lang="zh-CN" altLang="en-US" dirty="0" smtClean="0"/>
+              <a:t>库</a:t>
+            </a:r>
             <a:endParaRPr lang="en-US" altLang="zh-CN" dirty="0" smtClean="0"/>
           </a:p>
-        </p:txBody>
-      </p:sp>
-      <p:sp>
-        <p:nvSpPr>
-          <p:cNvPr id="3" name="内容占位符 2"/>
-          <p:cNvSpPr>
-            <a:spLocks noGrp="1"/>
-          </p:cNvSpPr>
-          <p:nvPr>
-            <p:ph idx="1"/>
-          </p:nvPr>
-        </p:nvSpPr>
-        <p:spPr/>
-        <p:txBody>
-          <a:bodyPr/>
-          <a:lstStyle/>
-          <a:p>
+          <a:p>
+            <a:endParaRPr lang="en-US" altLang="zh-CN" dirty="0" smtClean="0"/>
+          </a:p>
+          <a:p>
+            <a:r>
+              <a:rPr lang="en-US" altLang="zh-CN" dirty="0" smtClean="0"/>
+              <a:t>2013</a:t>
+            </a:r>
             <a:r>
               <a:rPr lang="zh-CN" altLang="en-US" dirty="0" smtClean="0"/>
-              <a:t>与 </a:t>
+              <a:t>年开源，</a:t>
             </a:r>
             <a:r>
               <a:rPr lang="en-US" altLang="zh-CN" dirty="0" smtClean="0"/>
-              <a:t>Vue </a:t>
+              <a:t>v0.14.8 (</a:t>
+            </a:r>
+            <a:r>
+              <a:rPr lang="en-US" altLang="zh-CN" dirty="0"/>
+              <a:t>30 Mar 2016</a:t>
+            </a:r>
+            <a:r>
+              <a:rPr lang="en-US" altLang="zh-CN" dirty="0" smtClean="0"/>
+              <a:t>) -&gt; v15.0.0 (9 Apr 2016)</a:t>
+            </a:r>
+          </a:p>
+          <a:p>
+            <a:endParaRPr lang="en-US" altLang="zh-CN" dirty="0"/>
+          </a:p>
+          <a:p>
+            <a:r>
+              <a:rPr lang="zh-CN" altLang="en-US" dirty="0"/>
+              <a:t>最新版</a:t>
             </a:r>
             <a:r>
               <a:rPr lang="zh-CN" altLang="en-US" dirty="0" smtClean="0"/>
-              <a:t>的相同点</a:t>
-            </a:r>
-            <a:endParaRPr lang="en-US" altLang="zh-CN" dirty="0" smtClean="0"/>
-          </a:p>
-          <a:p>
+              <a:t>本 </a:t>
+            </a:r>
             <a:r>
               <a:rPr lang="en-US" altLang="zh-CN" dirty="0" smtClean="0"/>
-              <a:t>1. </a:t>
-            </a:r>
-            <a:r>
-              <a:rPr lang="zh-CN" altLang="en-US" dirty="0" smtClean="0"/>
-              <a:t>虚拟 </a:t>
-            </a:r>
-            <a:r>
-              <a:rPr lang="en-US" altLang="zh-CN" dirty="0" smtClean="0"/>
-              <a:t>DOM</a:t>
-            </a:r>
-          </a:p>
-          <a:p>
-            <a:r>
-              <a:rPr lang="en-US" altLang="zh-CN" dirty="0" smtClean="0"/>
-              <a:t>2. </a:t>
-            </a:r>
-            <a:r>
-              <a:rPr lang="zh-CN" altLang="en-US" dirty="0" smtClean="0"/>
-              <a:t>组件化开发</a:t>
-            </a:r>
-            <a:endParaRPr lang="en-US" altLang="zh-CN" dirty="0" smtClean="0"/>
-          </a:p>
-          <a:p>
-            <a:r>
-              <a:rPr lang="en-US" altLang="zh-CN" dirty="0" smtClean="0"/>
-              <a:t>3. </a:t>
-            </a:r>
-            <a:r>
-              <a:rPr lang="zh-CN" altLang="en-US" dirty="0" smtClean="0"/>
-              <a:t>单向数据流</a:t>
-            </a:r>
-            <a:endParaRPr lang="en-US" altLang="zh-CN" dirty="0" smtClean="0"/>
-          </a:p>
-          <a:p>
-            <a:endParaRPr lang="en-US" altLang="zh-CN" dirty="0"/>
-          </a:p>
-          <a:p>
-            <a:r>
-              <a:rPr lang="zh-CN" altLang="en-US" dirty="0" smtClean="0"/>
-              <a:t>与 </a:t>
-            </a:r>
-            <a:r>
-              <a:rPr lang="en-US" altLang="zh-CN" dirty="0" smtClean="0"/>
-              <a:t>Vue </a:t>
-            </a:r>
-            <a:r>
-              <a:rPr lang="zh-CN" altLang="en-US" dirty="0" smtClean="0"/>
-              <a:t>的不同点</a:t>
-            </a:r>
-            <a:endParaRPr lang="en-US" altLang="zh-CN" dirty="0" smtClean="0"/>
-          </a:p>
-          <a:p>
-            <a:r>
-              <a:rPr lang="en-US" altLang="zh-CN" dirty="0" smtClean="0"/>
-              <a:t>1. JSX vs Templates</a:t>
-            </a:r>
-          </a:p>
-          <a:p>
-            <a:r>
-              <a:rPr lang="en-US" altLang="zh-CN" smtClean="0"/>
-              <a:t>2. </a:t>
-            </a:r>
-            <a:r>
-              <a:rPr lang="zh-CN" altLang="en-US" smtClean="0"/>
-              <a:t>渲</a:t>
-            </a:r>
-            <a:r>
-              <a:rPr lang="zh-CN" altLang="en-US" dirty="0" smtClean="0"/>
-              <a:t>染整个子树 </a:t>
-            </a:r>
-            <a:r>
-              <a:rPr lang="en-US" altLang="zh-CN" dirty="0" smtClean="0"/>
-              <a:t>vs </a:t>
-            </a:r>
-            <a:r>
-              <a:rPr lang="zh-CN" altLang="en-US" dirty="0" smtClean="0"/>
-              <a:t>自动追踪</a:t>
+              <a:t>v16.6.0 (23 Oct 2018)</a:t>
             </a:r>
             <a:endParaRPr lang="zh-CN" altLang="en-US" dirty="0"/>
           </a:p>
@@ -4393,7 +6536,7 @@
     </p:spTree>
     <p:extLst>
       <p:ext uri="{BB962C8B-B14F-4D97-AF65-F5344CB8AC3E}">
-        <p14:creationId xmlns:p14="http://schemas.microsoft.com/office/powerpoint/2010/main" val="127579430"/>
+        <p14:creationId xmlns:p14="http://schemas.microsoft.com/office/powerpoint/2010/main" val="1706535654"/>
       </p:ext>
     </p:extLst>
   </p:cSld>
@@ -4454,7 +6597,187 @@
               <a:rPr lang="en-US" altLang="zh-CN" dirty="0" smtClean="0"/>
               <a:t>React</a:t>
             </a:r>
+          </a:p>
+        </p:txBody>
+      </p:sp>
+      <p:sp>
+        <p:nvSpPr>
+          <p:cNvPr id="3" name="内容占位符 2"/>
+          <p:cNvSpPr>
+            <a:spLocks noGrp="1"/>
+          </p:cNvSpPr>
+          <p:nvPr>
+            <p:ph idx="1"/>
+          </p:nvPr>
+        </p:nvSpPr>
+        <p:spPr/>
+        <p:txBody>
+          <a:bodyPr/>
+          <a:lstStyle/>
+          <a:p>
+            <a:r>
+              <a:rPr lang="zh-CN" altLang="en-US" dirty="0" smtClean="0"/>
+              <a:t>与 </a:t>
+            </a:r>
+            <a:r>
+              <a:rPr lang="en-US" altLang="zh-CN" dirty="0" smtClean="0"/>
+              <a:t>Vue </a:t>
+            </a:r>
+            <a:r>
+              <a:rPr lang="zh-CN" altLang="en-US" dirty="0" smtClean="0"/>
+              <a:t>的相同点</a:t>
+            </a:r>
             <a:endParaRPr lang="en-US" altLang="zh-CN" dirty="0" smtClean="0"/>
+          </a:p>
+          <a:p>
+            <a:r>
+              <a:rPr lang="en-US" altLang="zh-CN" dirty="0" smtClean="0"/>
+              <a:t>1. </a:t>
+            </a:r>
+            <a:r>
+              <a:rPr lang="zh-CN" altLang="en-US" dirty="0" smtClean="0"/>
+              <a:t>虚拟 </a:t>
+            </a:r>
+            <a:r>
+              <a:rPr lang="en-US" altLang="zh-CN" dirty="0" smtClean="0"/>
+              <a:t>DOM</a:t>
+            </a:r>
+          </a:p>
+          <a:p>
+            <a:r>
+              <a:rPr lang="en-US" altLang="zh-CN" dirty="0" smtClean="0"/>
+              <a:t>2. </a:t>
+            </a:r>
+            <a:r>
+              <a:rPr lang="zh-CN" altLang="en-US" dirty="0" smtClean="0"/>
+              <a:t>组件化开发</a:t>
+            </a:r>
+            <a:endParaRPr lang="en-US" altLang="zh-CN" dirty="0" smtClean="0"/>
+          </a:p>
+          <a:p>
+            <a:r>
+              <a:rPr lang="en-US" altLang="zh-CN" dirty="0" smtClean="0"/>
+              <a:t>3. </a:t>
+            </a:r>
+            <a:r>
+              <a:rPr lang="zh-CN" altLang="en-US" dirty="0" smtClean="0"/>
+              <a:t>单向数据流</a:t>
+            </a:r>
+            <a:endParaRPr lang="en-US" altLang="zh-CN" dirty="0" smtClean="0"/>
+          </a:p>
+          <a:p>
+            <a:endParaRPr lang="en-US" altLang="zh-CN" dirty="0"/>
+          </a:p>
+          <a:p>
+            <a:r>
+              <a:rPr lang="zh-CN" altLang="en-US" dirty="0" smtClean="0"/>
+              <a:t>与 </a:t>
+            </a:r>
+            <a:r>
+              <a:rPr lang="en-US" altLang="zh-CN" dirty="0" smtClean="0"/>
+              <a:t>Vue </a:t>
+            </a:r>
+            <a:r>
+              <a:rPr lang="zh-CN" altLang="en-US" dirty="0" smtClean="0"/>
+              <a:t>的不同点</a:t>
+            </a:r>
+            <a:endParaRPr lang="en-US" altLang="zh-CN" dirty="0" smtClean="0"/>
+          </a:p>
+          <a:p>
+            <a:r>
+              <a:rPr lang="en-US" altLang="zh-CN" dirty="0" smtClean="0"/>
+              <a:t>1. JSX vs Templates</a:t>
+            </a:r>
+          </a:p>
+          <a:p>
+            <a:r>
+              <a:rPr lang="en-US" altLang="zh-CN" smtClean="0"/>
+              <a:t>2. </a:t>
+            </a:r>
+            <a:r>
+              <a:rPr lang="zh-CN" altLang="en-US" smtClean="0"/>
+              <a:t>渲</a:t>
+            </a:r>
+            <a:r>
+              <a:rPr lang="zh-CN" altLang="en-US" dirty="0" smtClean="0"/>
+              <a:t>染整个子树 </a:t>
+            </a:r>
+            <a:r>
+              <a:rPr lang="en-US" altLang="zh-CN" dirty="0" smtClean="0"/>
+              <a:t>vs </a:t>
+            </a:r>
+            <a:r>
+              <a:rPr lang="zh-CN" altLang="en-US" dirty="0" smtClean="0"/>
+              <a:t>自动追踪</a:t>
+            </a:r>
+            <a:endParaRPr lang="zh-CN" altLang="en-US" dirty="0"/>
+          </a:p>
+        </p:txBody>
+      </p:sp>
+    </p:spTree>
+    <p:extLst>
+      <p:ext uri="{BB962C8B-B14F-4D97-AF65-F5344CB8AC3E}">
+        <p14:creationId xmlns:p14="http://schemas.microsoft.com/office/powerpoint/2010/main" val="127579430"/>
+      </p:ext>
+    </p:extLst>
+  </p:cSld>
+  <p:clrMapOvr>
+    <a:masterClrMapping/>
+  </p:clrMapOvr>
+  <p:timing>
+    <p:tnLst>
+      <p:par>
+        <p:cTn id="1" dur="indefinite" restart="never" nodeType="tmRoot"/>
+      </p:par>
+    </p:tnLst>
+  </p:timing>
+</p:sld>
+</file>
+
+<file path=ppt/slides/slide6.xml><?xml version="1.0" encoding="utf-8"?>
+<p:sld xmlns:a="http://schemas.openxmlformats.org/drawingml/2006/main" xmlns:r="http://schemas.openxmlformats.org/officeDocument/2006/relationships" xmlns:p="http://schemas.openxmlformats.org/presentationml/2006/main">
+  <p:cSld>
+    <p:spTree>
+      <p:nvGrpSpPr>
+        <p:cNvPr id="1" name=""/>
+        <p:cNvGrpSpPr/>
+        <p:nvPr/>
+      </p:nvGrpSpPr>
+      <p:grpSpPr>
+        <a:xfrm>
+          <a:off x="0" y="0"/>
+          <a:ext cx="0" cy="0"/>
+          <a:chOff x="0" y="0"/>
+          <a:chExt cx="0" cy="0"/>
+        </a:xfrm>
+      </p:grpSpPr>
+      <p:sp>
+        <p:nvSpPr>
+          <p:cNvPr id="2" name="标题 1"/>
+          <p:cNvSpPr>
+            <a:spLocks noGrp="1"/>
+          </p:cNvSpPr>
+          <p:nvPr>
+            <p:ph type="title"/>
+          </p:nvPr>
+        </p:nvSpPr>
+        <p:spPr/>
+        <p:txBody>
+          <a:bodyPr/>
+          <a:lstStyle/>
+          <a:p>
+            <a:r>
+              <a:rPr lang="en-US" altLang="zh-CN" dirty="0" smtClean="0"/>
+              <a:t>1. </a:t>
+            </a:r>
+            <a:r>
+              <a:rPr lang="zh-CN" altLang="en-US" dirty="0" smtClean="0"/>
+              <a:t>关于 </a:t>
+            </a:r>
+            <a:r>
+              <a:rPr lang="en-US" altLang="zh-CN" dirty="0" smtClean="0"/>
+              <a:t>React</a:t>
+            </a:r>
           </a:p>
         </p:txBody>
       </p:sp>
@@ -4499,7 +6822,6 @@
               <a:rPr lang="en-US" altLang="zh-CN" dirty="0" smtClean="0"/>
               <a:t>React VR</a:t>
             </a:r>
-            <a:endParaRPr lang="en-US" altLang="zh-CN" dirty="0" smtClean="0"/>
           </a:p>
           <a:p>
             <a:pPr marL="0" indent="0">
@@ -4536,6 +6858,1403 @@
     <p:extLst>
       <p:ext uri="{BB962C8B-B14F-4D97-AF65-F5344CB8AC3E}">
         <p14:creationId xmlns:p14="http://schemas.microsoft.com/office/powerpoint/2010/main" val="3360769060"/>
+      </p:ext>
+    </p:extLst>
+  </p:cSld>
+  <p:clrMapOvr>
+    <a:masterClrMapping/>
+  </p:clrMapOvr>
+  <p:timing>
+    <p:tnLst>
+      <p:par>
+        <p:cTn id="1" dur="indefinite" restart="never" nodeType="tmRoot"/>
+      </p:par>
+    </p:tnLst>
+  </p:timing>
+</p:sld>
+</file>
+
+<file path=ppt/slides/slide7.xml><?xml version="1.0" encoding="utf-8"?>
+<p:sld xmlns:a="http://schemas.openxmlformats.org/drawingml/2006/main" xmlns:r="http://schemas.openxmlformats.org/officeDocument/2006/relationships" xmlns:p="http://schemas.openxmlformats.org/presentationml/2006/main">
+  <p:cSld>
+    <p:spTree>
+      <p:nvGrpSpPr>
+        <p:cNvPr id="1" name=""/>
+        <p:cNvGrpSpPr/>
+        <p:nvPr/>
+      </p:nvGrpSpPr>
+      <p:grpSpPr>
+        <a:xfrm>
+          <a:off x="0" y="0"/>
+          <a:ext cx="0" cy="0"/>
+          <a:chOff x="0" y="0"/>
+          <a:chExt cx="0" cy="0"/>
+        </a:xfrm>
+      </p:grpSpPr>
+      <p:sp>
+        <p:nvSpPr>
+          <p:cNvPr id="2" name="标题 1"/>
+          <p:cNvSpPr>
+            <a:spLocks noGrp="1"/>
+          </p:cNvSpPr>
+          <p:nvPr>
+            <p:ph type="title"/>
+          </p:nvPr>
+        </p:nvSpPr>
+        <p:spPr/>
+        <p:txBody>
+          <a:bodyPr/>
+          <a:lstStyle/>
+          <a:p>
+            <a:r>
+              <a:rPr lang="zh-CN" altLang="en-US" dirty="0" smtClean="0"/>
+              <a:t>主要内容</a:t>
+            </a:r>
+            <a:endParaRPr lang="zh-CN" altLang="en-US" dirty="0"/>
+          </a:p>
+        </p:txBody>
+      </p:sp>
+      <p:sp>
+        <p:nvSpPr>
+          <p:cNvPr id="3" name="内容占位符 2"/>
+          <p:cNvSpPr>
+            <a:spLocks noGrp="1"/>
+          </p:cNvSpPr>
+          <p:nvPr>
+            <p:ph idx="1"/>
+          </p:nvPr>
+        </p:nvSpPr>
+        <p:spPr/>
+        <p:txBody>
+          <a:bodyPr/>
+          <a:lstStyle/>
+          <a:p>
+            <a:r>
+              <a:rPr lang="en-US" altLang="zh-CN" dirty="0" smtClean="0"/>
+              <a:t>1. </a:t>
+            </a:r>
+            <a:r>
+              <a:rPr lang="zh-CN" altLang="en-US" dirty="0" smtClean="0"/>
+              <a:t>关于 </a:t>
+            </a:r>
+            <a:r>
+              <a:rPr lang="en-US" altLang="zh-CN" dirty="0" smtClean="0"/>
+              <a:t>React</a:t>
+            </a:r>
+          </a:p>
+          <a:p>
+            <a:pPr marL="0" indent="0">
+              <a:buNone/>
+            </a:pPr>
+            <a:endParaRPr lang="en-US" altLang="zh-CN" dirty="0" smtClean="0"/>
+          </a:p>
+          <a:p>
+            <a:r>
+              <a:rPr lang="en-US" altLang="zh-CN" sz="4000" dirty="0">
+                <a:solidFill>
+                  <a:schemeClr val="accent5"/>
+                </a:solidFill>
+              </a:rPr>
+              <a:t>2. React </a:t>
+            </a:r>
+            <a:r>
+              <a:rPr lang="zh-CN" altLang="en-US" sz="4000" dirty="0">
+                <a:solidFill>
+                  <a:schemeClr val="accent5"/>
+                </a:solidFill>
+              </a:rPr>
+              <a:t>语法简介</a:t>
+            </a:r>
+            <a:endParaRPr lang="en-US" altLang="zh-CN" sz="4000" dirty="0">
+              <a:solidFill>
+                <a:schemeClr val="accent5"/>
+              </a:solidFill>
+            </a:endParaRPr>
+          </a:p>
+          <a:p>
+            <a:endParaRPr lang="en-US" altLang="zh-CN" dirty="0" smtClean="0"/>
+          </a:p>
+          <a:p>
+            <a:r>
+              <a:rPr lang="en-US" altLang="zh-CN" dirty="0" smtClean="0"/>
+              <a:t>3. </a:t>
+            </a:r>
+            <a:r>
+              <a:rPr lang="zh-CN" altLang="en-US" dirty="0" smtClean="0"/>
+              <a:t>相关技术</a:t>
+            </a:r>
+            <a:endParaRPr lang="zh-CN" altLang="en-US" dirty="0"/>
+          </a:p>
+        </p:txBody>
+      </p:sp>
+    </p:spTree>
+    <p:extLst>
+      <p:ext uri="{BB962C8B-B14F-4D97-AF65-F5344CB8AC3E}">
+        <p14:creationId xmlns:p14="http://schemas.microsoft.com/office/powerpoint/2010/main" val="3725042830"/>
+      </p:ext>
+    </p:extLst>
+  </p:cSld>
+  <p:clrMapOvr>
+    <a:masterClrMapping/>
+  </p:clrMapOvr>
+  <p:timing>
+    <p:tnLst>
+      <p:par>
+        <p:cTn id="1" dur="indefinite" restart="never" nodeType="tmRoot"/>
+      </p:par>
+    </p:tnLst>
+  </p:timing>
+</p:sld>
+</file>
+
+<file path=ppt/slides/slide8.xml><?xml version="1.0" encoding="utf-8"?>
+<p:sld xmlns:a="http://schemas.openxmlformats.org/drawingml/2006/main" xmlns:r="http://schemas.openxmlformats.org/officeDocument/2006/relationships" xmlns:p="http://schemas.openxmlformats.org/presentationml/2006/main">
+  <p:cSld>
+    <p:spTree>
+      <p:nvGrpSpPr>
+        <p:cNvPr id="1" name=""/>
+        <p:cNvGrpSpPr/>
+        <p:nvPr/>
+      </p:nvGrpSpPr>
+      <p:grpSpPr>
+        <a:xfrm>
+          <a:off x="0" y="0"/>
+          <a:ext cx="0" cy="0"/>
+          <a:chOff x="0" y="0"/>
+          <a:chExt cx="0" cy="0"/>
+        </a:xfrm>
+      </p:grpSpPr>
+      <p:sp>
+        <p:nvSpPr>
+          <p:cNvPr id="2" name="标题 1"/>
+          <p:cNvSpPr>
+            <a:spLocks noGrp="1"/>
+          </p:cNvSpPr>
+          <p:nvPr>
+            <p:ph type="title"/>
+          </p:nvPr>
+        </p:nvSpPr>
+        <p:spPr/>
+        <p:txBody>
+          <a:bodyPr/>
+          <a:lstStyle/>
+          <a:p>
+            <a:r>
+              <a:rPr lang="en-US" altLang="zh-CN" dirty="0" smtClean="0"/>
+              <a:t>2.1 JSX </a:t>
+            </a:r>
+            <a:r>
+              <a:rPr lang="zh-CN" altLang="en-US" dirty="0" smtClean="0"/>
+              <a:t>语法</a:t>
+            </a:r>
+            <a:endParaRPr lang="zh-CN" altLang="en-US" dirty="0"/>
+          </a:p>
+        </p:txBody>
+      </p:sp>
+      <p:sp>
+        <p:nvSpPr>
+          <p:cNvPr id="3" name="内容占位符 2"/>
+          <p:cNvSpPr>
+            <a:spLocks noGrp="1"/>
+          </p:cNvSpPr>
+          <p:nvPr>
+            <p:ph idx="1"/>
+          </p:nvPr>
+        </p:nvSpPr>
+        <p:spPr>
+          <a:xfrm>
+            <a:off x="838200" y="1825625"/>
+            <a:ext cx="10515600" cy="390633"/>
+          </a:xfrm>
+          <a:solidFill>
+            <a:schemeClr val="tx2"/>
+          </a:solidFill>
+        </p:spPr>
+        <p:txBody>
+          <a:bodyPr>
+            <a:normAutofit lnSpcReduction="10000"/>
+          </a:bodyPr>
+          <a:lstStyle/>
+          <a:p>
+            <a:pPr marL="228600" lvl="1">
+              <a:spcBef>
+                <a:spcPts val="1000"/>
+              </a:spcBef>
+            </a:pPr>
+            <a:r>
+              <a:rPr lang="en-US" altLang="zh-CN" dirty="0" err="1">
+                <a:solidFill>
+                  <a:srgbClr val="D55FDE"/>
+                </a:solidFill>
+                <a:latin typeface="Consolas" panose="020B0609020204030204" pitchFamily="49" charset="0"/>
+              </a:rPr>
+              <a:t>const</a:t>
+            </a:r>
+            <a:r>
+              <a:rPr lang="en-US" altLang="zh-CN" dirty="0">
+                <a:solidFill>
+                  <a:srgbClr val="BBBBBB"/>
+                </a:solidFill>
+                <a:latin typeface="Consolas" panose="020B0609020204030204" pitchFamily="49" charset="0"/>
+              </a:rPr>
+              <a:t> </a:t>
+            </a:r>
+            <a:r>
+              <a:rPr lang="en-US" altLang="zh-CN" dirty="0">
+                <a:solidFill>
+                  <a:srgbClr val="61AFEF"/>
+                </a:solidFill>
+                <a:latin typeface="Consolas" panose="020B0609020204030204" pitchFamily="49" charset="0"/>
+              </a:rPr>
+              <a:t>element</a:t>
+            </a:r>
+            <a:r>
+              <a:rPr lang="en-US" altLang="zh-CN" dirty="0">
+                <a:solidFill>
+                  <a:srgbClr val="BBBBBB"/>
+                </a:solidFill>
+                <a:latin typeface="Consolas" panose="020B0609020204030204" pitchFamily="49" charset="0"/>
+              </a:rPr>
+              <a:t> </a:t>
+            </a:r>
+            <a:r>
+              <a:rPr lang="en-US" altLang="zh-CN" dirty="0">
+                <a:solidFill>
+                  <a:srgbClr val="2BBAC5"/>
+                </a:solidFill>
+                <a:latin typeface="Consolas" panose="020B0609020204030204" pitchFamily="49" charset="0"/>
+              </a:rPr>
+              <a:t>=</a:t>
+            </a:r>
+            <a:r>
+              <a:rPr lang="en-US" altLang="zh-CN" dirty="0">
+                <a:solidFill>
+                  <a:srgbClr val="BBBBBB"/>
+                </a:solidFill>
+                <a:latin typeface="Consolas" panose="020B0609020204030204" pitchFamily="49" charset="0"/>
+              </a:rPr>
+              <a:t> &lt;</a:t>
+            </a:r>
+            <a:r>
+              <a:rPr lang="en-US" altLang="zh-CN" dirty="0">
+                <a:solidFill>
+                  <a:srgbClr val="EF596F"/>
+                </a:solidFill>
+                <a:latin typeface="Consolas" panose="020B0609020204030204" pitchFamily="49" charset="0"/>
+              </a:rPr>
+              <a:t>h1</a:t>
+            </a:r>
+            <a:r>
+              <a:rPr lang="en-US" altLang="zh-CN" dirty="0">
+                <a:solidFill>
+                  <a:srgbClr val="BBBBBB"/>
+                </a:solidFill>
+                <a:latin typeface="Consolas" panose="020B0609020204030204" pitchFamily="49" charset="0"/>
+              </a:rPr>
+              <a:t>&gt;Hello, </a:t>
+            </a:r>
+            <a:r>
+              <a:rPr lang="en-US" altLang="zh-CN" dirty="0" smtClean="0">
+                <a:solidFill>
+                  <a:srgbClr val="BBBBBB"/>
+                </a:solidFill>
+                <a:latin typeface="Consolas" panose="020B0609020204030204" pitchFamily="49" charset="0"/>
+              </a:rPr>
+              <a:t>{name}&lt;/</a:t>
+            </a:r>
+            <a:r>
+              <a:rPr lang="en-US" altLang="zh-CN" dirty="0">
+                <a:solidFill>
+                  <a:srgbClr val="EF596F"/>
+                </a:solidFill>
+                <a:latin typeface="Consolas" panose="020B0609020204030204" pitchFamily="49" charset="0"/>
+              </a:rPr>
+              <a:t>h1</a:t>
+            </a:r>
+            <a:r>
+              <a:rPr lang="en-US" altLang="zh-CN" dirty="0">
+                <a:solidFill>
+                  <a:srgbClr val="BBBBBB"/>
+                </a:solidFill>
+                <a:latin typeface="Consolas" panose="020B0609020204030204" pitchFamily="49" charset="0"/>
+              </a:rPr>
+              <a:t>&gt;</a:t>
+            </a:r>
+          </a:p>
+          <a:p>
+            <a:endParaRPr lang="en-US" altLang="zh-CN" dirty="0" smtClean="0"/>
+          </a:p>
+          <a:p>
+            <a:pPr lvl="1"/>
+            <a:endParaRPr lang="en-US" altLang="zh-CN" dirty="0" smtClean="0"/>
+          </a:p>
+          <a:p>
+            <a:pPr lvl="1"/>
+            <a:endParaRPr lang="zh-CN" altLang="en-US" dirty="0"/>
+          </a:p>
+        </p:txBody>
+      </p:sp>
+      <p:sp>
+        <p:nvSpPr>
+          <p:cNvPr id="6" name="内容占位符 2"/>
+          <p:cNvSpPr txBox="1">
+            <a:spLocks/>
+          </p:cNvSpPr>
+          <p:nvPr/>
+        </p:nvSpPr>
+        <p:spPr>
+          <a:xfrm>
+            <a:off x="838200" y="2351195"/>
+            <a:ext cx="10515600" cy="4018609"/>
+          </a:xfrm>
+          <a:prstGeom prst="rect">
+            <a:avLst/>
+          </a:prstGeom>
+          <a:solidFill>
+            <a:schemeClr val="bg1"/>
+          </a:solidFill>
+        </p:spPr>
+        <p:txBody>
+          <a:bodyPr vert="horz" lIns="91440" tIns="45720" rIns="91440" bIns="45720" rtlCol="0">
+            <a:normAutofit/>
+          </a:bodyPr>
+          <a:lstStyle>
+            <a:lvl1pPr marL="228600" indent="-228600" algn="l" defTabSz="914400" rtl="0" eaLnBrk="1" latinLnBrk="0" hangingPunct="1">
+              <a:lnSpc>
+                <a:spcPct val="90000"/>
+              </a:lnSpc>
+              <a:spcBef>
+                <a:spcPts val="1000"/>
+              </a:spcBef>
+              <a:buFont typeface="Arial" panose="020B0604020202020204" pitchFamily="34" charset="0"/>
+              <a:buChar char="•"/>
+              <a:defRPr sz="2800" kern="1200">
+                <a:solidFill>
+                  <a:schemeClr val="tx1"/>
+                </a:solidFill>
+                <a:latin typeface="+mn-lt"/>
+                <a:ea typeface="+mn-ea"/>
+                <a:cs typeface="+mn-cs"/>
+              </a:defRPr>
+            </a:lvl1pPr>
+            <a:lvl2pPr marL="685800" indent="-228600" algn="l" defTabSz="914400" rtl="0" eaLnBrk="1" latinLnBrk="0" hangingPunct="1">
+              <a:lnSpc>
+                <a:spcPct val="90000"/>
+              </a:lnSpc>
+              <a:spcBef>
+                <a:spcPts val="500"/>
+              </a:spcBef>
+              <a:buFont typeface="Arial" panose="020B0604020202020204" pitchFamily="34" charset="0"/>
+              <a:buChar char="•"/>
+              <a:defRPr sz="2400" kern="1200">
+                <a:solidFill>
+                  <a:schemeClr val="tx1"/>
+                </a:solidFill>
+                <a:latin typeface="+mn-lt"/>
+                <a:ea typeface="+mn-ea"/>
+                <a:cs typeface="+mn-cs"/>
+              </a:defRPr>
+            </a:lvl2pPr>
+            <a:lvl3pPr marL="1143000" indent="-228600" algn="l" defTabSz="914400" rtl="0" eaLnBrk="1" latinLnBrk="0" hangingPunct="1">
+              <a:lnSpc>
+                <a:spcPct val="90000"/>
+              </a:lnSpc>
+              <a:spcBef>
+                <a:spcPts val="500"/>
+              </a:spcBef>
+              <a:buFont typeface="Arial" panose="020B0604020202020204" pitchFamily="34" charset="0"/>
+              <a:buChar char="•"/>
+              <a:defRPr sz="2000" kern="1200">
+                <a:solidFill>
+                  <a:schemeClr val="tx1"/>
+                </a:solidFill>
+                <a:latin typeface="+mn-lt"/>
+                <a:ea typeface="+mn-ea"/>
+                <a:cs typeface="+mn-cs"/>
+              </a:defRPr>
+            </a:lvl3pPr>
+            <a:lvl4pPr marL="1600200" indent="-228600" algn="l" defTabSz="914400" rtl="0" eaLnBrk="1" latinLnBrk="0" hangingPunct="1">
+              <a:lnSpc>
+                <a:spcPct val="90000"/>
+              </a:lnSpc>
+              <a:spcBef>
+                <a:spcPts val="500"/>
+              </a:spcBef>
+              <a:buFont typeface="Arial" panose="020B0604020202020204" pitchFamily="34" charset="0"/>
+              <a:buChar char="•"/>
+              <a:defRPr sz="1800" kern="1200">
+                <a:solidFill>
+                  <a:schemeClr val="tx1"/>
+                </a:solidFill>
+                <a:latin typeface="+mn-lt"/>
+                <a:ea typeface="+mn-ea"/>
+                <a:cs typeface="+mn-cs"/>
+              </a:defRPr>
+            </a:lvl4pPr>
+            <a:lvl5pPr marL="2057400" indent="-228600" algn="l" defTabSz="914400" rtl="0" eaLnBrk="1" latinLnBrk="0" hangingPunct="1">
+              <a:lnSpc>
+                <a:spcPct val="90000"/>
+              </a:lnSpc>
+              <a:spcBef>
+                <a:spcPts val="500"/>
+              </a:spcBef>
+              <a:buFont typeface="Arial" panose="020B0604020202020204" pitchFamily="34" charset="0"/>
+              <a:buChar char="•"/>
+              <a:defRPr sz="1800" kern="1200">
+                <a:solidFill>
+                  <a:schemeClr val="tx1"/>
+                </a:solidFill>
+                <a:latin typeface="+mn-lt"/>
+                <a:ea typeface="+mn-ea"/>
+                <a:cs typeface="+mn-cs"/>
+              </a:defRPr>
+            </a:lvl5pPr>
+            <a:lvl6pPr marL="2514600" indent="-228600" algn="l" defTabSz="914400" rtl="0" eaLnBrk="1" latinLnBrk="0" hangingPunct="1">
+              <a:lnSpc>
+                <a:spcPct val="90000"/>
+              </a:lnSpc>
+              <a:spcBef>
+                <a:spcPts val="500"/>
+              </a:spcBef>
+              <a:buFont typeface="Arial" panose="020B0604020202020204" pitchFamily="34" charset="0"/>
+              <a:buChar char="•"/>
+              <a:defRPr sz="1800" kern="1200">
+                <a:solidFill>
+                  <a:schemeClr val="tx1"/>
+                </a:solidFill>
+                <a:latin typeface="+mn-lt"/>
+                <a:ea typeface="+mn-ea"/>
+                <a:cs typeface="+mn-cs"/>
+              </a:defRPr>
+            </a:lvl6pPr>
+            <a:lvl7pPr marL="2971800" indent="-228600" algn="l" defTabSz="914400" rtl="0" eaLnBrk="1" latinLnBrk="0" hangingPunct="1">
+              <a:lnSpc>
+                <a:spcPct val="90000"/>
+              </a:lnSpc>
+              <a:spcBef>
+                <a:spcPts val="500"/>
+              </a:spcBef>
+              <a:buFont typeface="Arial" panose="020B0604020202020204" pitchFamily="34" charset="0"/>
+              <a:buChar char="•"/>
+              <a:defRPr sz="1800" kern="1200">
+                <a:solidFill>
+                  <a:schemeClr val="tx1"/>
+                </a:solidFill>
+                <a:latin typeface="+mn-lt"/>
+                <a:ea typeface="+mn-ea"/>
+                <a:cs typeface="+mn-cs"/>
+              </a:defRPr>
+            </a:lvl7pPr>
+            <a:lvl8pPr marL="3429000" indent="-228600" algn="l" defTabSz="914400" rtl="0" eaLnBrk="1" latinLnBrk="0" hangingPunct="1">
+              <a:lnSpc>
+                <a:spcPct val="90000"/>
+              </a:lnSpc>
+              <a:spcBef>
+                <a:spcPts val="500"/>
+              </a:spcBef>
+              <a:buFont typeface="Arial" panose="020B0604020202020204" pitchFamily="34" charset="0"/>
+              <a:buChar char="•"/>
+              <a:defRPr sz="1800" kern="1200">
+                <a:solidFill>
+                  <a:schemeClr val="tx1"/>
+                </a:solidFill>
+                <a:latin typeface="+mn-lt"/>
+                <a:ea typeface="+mn-ea"/>
+                <a:cs typeface="+mn-cs"/>
+              </a:defRPr>
+            </a:lvl8pPr>
+            <a:lvl9pPr marL="3886200" indent="-228600" algn="l" defTabSz="914400" rtl="0" eaLnBrk="1" latinLnBrk="0" hangingPunct="1">
+              <a:lnSpc>
+                <a:spcPct val="90000"/>
+              </a:lnSpc>
+              <a:spcBef>
+                <a:spcPts val="500"/>
+              </a:spcBef>
+              <a:buFont typeface="Arial" panose="020B0604020202020204" pitchFamily="34" charset="0"/>
+              <a:buChar char="•"/>
+              <a:defRPr sz="1800" kern="1200">
+                <a:solidFill>
+                  <a:schemeClr val="tx1"/>
+                </a:solidFill>
+                <a:latin typeface="+mn-lt"/>
+                <a:ea typeface="+mn-ea"/>
+                <a:cs typeface="+mn-cs"/>
+              </a:defRPr>
+            </a:lvl9pPr>
+          </a:lstStyle>
+          <a:p>
+            <a:pPr marL="228600" lvl="1">
+              <a:spcBef>
+                <a:spcPts val="1000"/>
+              </a:spcBef>
+            </a:pPr>
+            <a:r>
+              <a:rPr lang="zh-CN" altLang="en-US" sz="2800" dirty="0"/>
+              <a:t>是一种 </a:t>
+            </a:r>
+            <a:r>
+              <a:rPr lang="en-US" altLang="zh-CN" sz="2800" dirty="0"/>
+              <a:t>JavaScript </a:t>
+            </a:r>
+            <a:r>
+              <a:rPr lang="zh-CN" altLang="en-US" sz="2800" dirty="0" smtClean="0"/>
+              <a:t>和 </a:t>
+            </a:r>
+            <a:r>
+              <a:rPr lang="en-US" altLang="zh-CN" sz="2800" dirty="0" smtClean="0"/>
+              <a:t>HTML </a:t>
+            </a:r>
+            <a:r>
+              <a:rPr lang="zh-CN" altLang="en-US" sz="2800" dirty="0" smtClean="0"/>
+              <a:t>混写的语法，实际上完全由 </a:t>
+            </a:r>
+            <a:r>
+              <a:rPr lang="en-US" altLang="zh-CN" sz="2800" dirty="0" smtClean="0"/>
+              <a:t>JS </a:t>
+            </a:r>
+            <a:r>
+              <a:rPr lang="zh-CN" altLang="en-US" sz="2800" dirty="0" smtClean="0"/>
+              <a:t>实现</a:t>
+            </a:r>
+            <a:endParaRPr lang="en-US" altLang="zh-CN" sz="2800" dirty="0" smtClean="0"/>
+          </a:p>
+          <a:p>
+            <a:pPr marL="228600" lvl="1">
+              <a:spcBef>
+                <a:spcPts val="1000"/>
+              </a:spcBef>
+            </a:pPr>
+            <a:endParaRPr lang="en-US" altLang="zh-CN" sz="2800" dirty="0" smtClean="0"/>
+          </a:p>
+          <a:p>
+            <a:pPr marL="228600" lvl="1">
+              <a:spcBef>
+                <a:spcPts val="1000"/>
+              </a:spcBef>
+            </a:pPr>
+            <a:r>
+              <a:rPr lang="en-US" altLang="zh-CN" sz="2800" dirty="0" smtClean="0"/>
+              <a:t>JSX </a:t>
+            </a:r>
+            <a:r>
+              <a:rPr lang="zh-CN" altLang="en-US" sz="2800" dirty="0" smtClean="0"/>
+              <a:t>中，可以任意地在大括号中使用 </a:t>
+            </a:r>
+            <a:r>
+              <a:rPr lang="en-US" altLang="zh-CN" sz="2800" dirty="0" smtClean="0">
+                <a:solidFill>
+                  <a:srgbClr val="FF0000"/>
+                </a:solidFill>
+              </a:rPr>
+              <a:t>JS </a:t>
+            </a:r>
+            <a:r>
+              <a:rPr lang="zh-CN" altLang="en-US" sz="2800" dirty="0" smtClean="0">
+                <a:solidFill>
+                  <a:srgbClr val="FF0000"/>
+                </a:solidFill>
+              </a:rPr>
+              <a:t>表达式</a:t>
+            </a:r>
+            <a:r>
+              <a:rPr lang="zh-CN" altLang="en-US" sz="2800" dirty="0" smtClean="0"/>
+              <a:t> </a:t>
+            </a:r>
+            <a:endParaRPr lang="en-US" altLang="zh-CN" sz="2800" dirty="0" smtClean="0"/>
+          </a:p>
+          <a:p>
+            <a:pPr marL="228600" lvl="1">
+              <a:spcBef>
+                <a:spcPts val="1000"/>
+              </a:spcBef>
+            </a:pPr>
+            <a:endParaRPr lang="en-US" altLang="zh-CN" sz="2800" dirty="0"/>
+          </a:p>
+          <a:p>
+            <a:r>
+              <a:rPr lang="zh-CN" altLang="en-US" dirty="0" smtClean="0"/>
+              <a:t>因为 </a:t>
+            </a:r>
+            <a:r>
+              <a:rPr lang="en-US" altLang="zh-CN" dirty="0" smtClean="0"/>
+              <a:t>JSX </a:t>
+            </a:r>
+            <a:r>
+              <a:rPr lang="zh-CN" altLang="en-US" dirty="0" smtClean="0"/>
+              <a:t>更加接近 </a:t>
+            </a:r>
+            <a:r>
+              <a:rPr lang="en-US" altLang="zh-CN" dirty="0" smtClean="0"/>
+              <a:t>JS</a:t>
+            </a:r>
+            <a:r>
+              <a:rPr lang="zh-CN" altLang="en-US" dirty="0" smtClean="0"/>
+              <a:t>，因此 </a:t>
+            </a:r>
+            <a:r>
+              <a:rPr lang="en-US" altLang="zh-CN" dirty="0" smtClean="0"/>
+              <a:t>React </a:t>
+            </a:r>
+            <a:r>
+              <a:rPr lang="zh-CN" altLang="en-US" dirty="0" smtClean="0"/>
+              <a:t>使用 </a:t>
+            </a:r>
+            <a:r>
+              <a:rPr lang="en-US" altLang="zh-CN" dirty="0" err="1"/>
+              <a:t>camelCase</a:t>
+            </a:r>
+            <a:r>
+              <a:rPr lang="en-US" altLang="zh-CN" dirty="0"/>
+              <a:t> </a:t>
+            </a:r>
+            <a:r>
+              <a:rPr lang="zh-CN" altLang="en-US" dirty="0"/>
+              <a:t>小驼峰</a:t>
+            </a:r>
+            <a:r>
+              <a:rPr lang="zh-CN" altLang="en-US" dirty="0" smtClean="0"/>
+              <a:t>命名来</a:t>
+            </a:r>
+            <a:r>
+              <a:rPr lang="zh-CN" altLang="en-US" dirty="0"/>
+              <a:t>定义属性的</a:t>
+            </a:r>
+            <a:r>
+              <a:rPr lang="zh-CN" altLang="en-US" dirty="0" smtClean="0"/>
+              <a:t>名称。</a:t>
+            </a:r>
+            <a:endParaRPr lang="en-US" altLang="zh-CN" dirty="0"/>
+          </a:p>
+          <a:p>
+            <a:pPr lvl="1"/>
+            <a:r>
+              <a:rPr lang="zh-CN" altLang="en-US" dirty="0" smtClean="0"/>
+              <a:t>例</a:t>
+            </a:r>
+            <a:r>
+              <a:rPr lang="en-US" altLang="zh-CN" dirty="0" smtClean="0"/>
+              <a:t>: </a:t>
+            </a:r>
+            <a:r>
+              <a:rPr lang="en-US" altLang="zh-CN" dirty="0" smtClean="0">
+                <a:latin typeface="Consolas" panose="020B0609020204030204" pitchFamily="49" charset="0"/>
+              </a:rPr>
+              <a:t>&lt;button </a:t>
+            </a:r>
+            <a:r>
+              <a:rPr lang="en-US" altLang="zh-CN" dirty="0" err="1" smtClean="0">
+                <a:solidFill>
+                  <a:srgbClr val="FF0000"/>
+                </a:solidFill>
+                <a:latin typeface="Consolas" panose="020B0609020204030204" pitchFamily="49" charset="0"/>
+              </a:rPr>
+              <a:t>onClick</a:t>
+            </a:r>
+            <a:r>
+              <a:rPr lang="en-US" altLang="zh-CN" dirty="0" smtClean="0">
+                <a:latin typeface="Consolas" panose="020B0609020204030204" pitchFamily="49" charset="0"/>
+              </a:rPr>
+              <a:t>={</a:t>
+            </a:r>
+            <a:r>
+              <a:rPr lang="en-US" altLang="zh-CN" dirty="0" err="1" smtClean="0">
+                <a:latin typeface="Consolas" panose="020B0609020204030204" pitchFamily="49" charset="0"/>
+              </a:rPr>
+              <a:t>func</a:t>
+            </a:r>
+            <a:r>
+              <a:rPr lang="en-US" altLang="zh-CN" dirty="0" smtClean="0">
+                <a:latin typeface="Consolas" panose="020B0609020204030204" pitchFamily="49" charset="0"/>
+              </a:rPr>
+              <a:t>}&gt;</a:t>
+            </a:r>
+            <a:r>
+              <a:rPr lang="en-US" altLang="zh-CN" dirty="0" err="1" smtClean="0">
+                <a:latin typeface="Consolas" panose="020B0609020204030204" pitchFamily="49" charset="0"/>
+              </a:rPr>
+              <a:t>btn</a:t>
+            </a:r>
+            <a:r>
+              <a:rPr lang="en-US" altLang="zh-CN" dirty="0" smtClean="0">
+                <a:latin typeface="Consolas" panose="020B0609020204030204" pitchFamily="49" charset="0"/>
+              </a:rPr>
+              <a:t>&lt;/button&gt;</a:t>
+            </a:r>
+          </a:p>
+          <a:p>
+            <a:pPr lvl="1"/>
+            <a:endParaRPr lang="en-US" altLang="zh-CN" dirty="0" smtClean="0"/>
+          </a:p>
+          <a:p>
+            <a:pPr lvl="1"/>
+            <a:endParaRPr lang="zh-CN" altLang="en-US" dirty="0"/>
+          </a:p>
+        </p:txBody>
+      </p:sp>
+    </p:spTree>
+    <p:extLst>
+      <p:ext uri="{BB962C8B-B14F-4D97-AF65-F5344CB8AC3E}">
+        <p14:creationId xmlns:p14="http://schemas.microsoft.com/office/powerpoint/2010/main" val="2501922285"/>
+      </p:ext>
+    </p:extLst>
+  </p:cSld>
+  <p:clrMapOvr>
+    <a:masterClrMapping/>
+  </p:clrMapOvr>
+  <p:timing>
+    <p:tnLst>
+      <p:par>
+        <p:cTn id="1" dur="indefinite" restart="never" nodeType="tmRoot"/>
+      </p:par>
+    </p:tnLst>
+  </p:timing>
+</p:sld>
+</file>
+
+<file path=ppt/slides/slide9.xml><?xml version="1.0" encoding="utf-8"?>
+<p:sld xmlns:a="http://schemas.openxmlformats.org/drawingml/2006/main" xmlns:r="http://schemas.openxmlformats.org/officeDocument/2006/relationships" xmlns:p="http://schemas.openxmlformats.org/presentationml/2006/main">
+  <p:cSld>
+    <p:spTree>
+      <p:nvGrpSpPr>
+        <p:cNvPr id="1" name=""/>
+        <p:cNvGrpSpPr/>
+        <p:nvPr/>
+      </p:nvGrpSpPr>
+      <p:grpSpPr>
+        <a:xfrm>
+          <a:off x="0" y="0"/>
+          <a:ext cx="0" cy="0"/>
+          <a:chOff x="0" y="0"/>
+          <a:chExt cx="0" cy="0"/>
+        </a:xfrm>
+      </p:grpSpPr>
+      <p:sp>
+        <p:nvSpPr>
+          <p:cNvPr id="2" name="标题 1"/>
+          <p:cNvSpPr>
+            <a:spLocks noGrp="1"/>
+          </p:cNvSpPr>
+          <p:nvPr>
+            <p:ph type="title"/>
+          </p:nvPr>
+        </p:nvSpPr>
+        <p:spPr/>
+        <p:txBody>
+          <a:bodyPr/>
+          <a:lstStyle/>
+          <a:p>
+            <a:r>
+              <a:rPr lang="en-US" altLang="zh-CN" dirty="0" smtClean="0"/>
+              <a:t>2.1 JSX </a:t>
+            </a:r>
+            <a:r>
+              <a:rPr lang="zh-CN" altLang="en-US" dirty="0" smtClean="0"/>
+              <a:t>语法</a:t>
+            </a:r>
+            <a:endParaRPr lang="zh-CN" altLang="en-US" dirty="0"/>
+          </a:p>
+        </p:txBody>
+      </p:sp>
+      <p:sp>
+        <p:nvSpPr>
+          <p:cNvPr id="3" name="内容占位符 2"/>
+          <p:cNvSpPr>
+            <a:spLocks noGrp="1"/>
+          </p:cNvSpPr>
+          <p:nvPr>
+            <p:ph sz="half" idx="1"/>
+          </p:nvPr>
+        </p:nvSpPr>
+        <p:spPr>
+          <a:xfrm>
+            <a:off x="838200" y="2568171"/>
+            <a:ext cx="10515600" cy="531490"/>
+          </a:xfrm>
+          <a:solidFill>
+            <a:schemeClr val="tx2"/>
+          </a:solidFill>
+        </p:spPr>
+        <p:txBody>
+          <a:bodyPr>
+            <a:normAutofit/>
+          </a:bodyPr>
+          <a:lstStyle/>
+          <a:p>
+            <a:pPr marL="0" indent="0">
+              <a:buNone/>
+            </a:pPr>
+            <a:r>
+              <a:rPr lang="en-US" altLang="zh-CN" dirty="0" err="1" smtClean="0">
+                <a:solidFill>
+                  <a:srgbClr val="D55FDE"/>
+                </a:solidFill>
+                <a:latin typeface="Consolas" panose="020B0609020204030204" pitchFamily="49" charset="0"/>
+              </a:rPr>
+              <a:t>const</a:t>
+            </a:r>
+            <a:r>
+              <a:rPr lang="en-US" altLang="zh-CN" dirty="0" smtClean="0">
+                <a:solidFill>
+                  <a:srgbClr val="BBBBBB"/>
+                </a:solidFill>
+                <a:latin typeface="Consolas" panose="020B0609020204030204" pitchFamily="49" charset="0"/>
+              </a:rPr>
+              <a:t> </a:t>
+            </a:r>
+            <a:r>
+              <a:rPr lang="en-US" altLang="zh-CN" dirty="0" smtClean="0">
+                <a:solidFill>
+                  <a:srgbClr val="E5C07B"/>
+                </a:solidFill>
+                <a:latin typeface="Consolas" panose="020B0609020204030204" pitchFamily="49" charset="0"/>
+              </a:rPr>
+              <a:t>element</a:t>
+            </a:r>
+            <a:r>
+              <a:rPr lang="en-US" altLang="zh-CN" dirty="0" smtClean="0">
+                <a:solidFill>
+                  <a:srgbClr val="BBBBBB"/>
+                </a:solidFill>
+                <a:latin typeface="Consolas" panose="020B0609020204030204" pitchFamily="49" charset="0"/>
+              </a:rPr>
+              <a:t> </a:t>
+            </a:r>
+            <a:r>
+              <a:rPr lang="en-US" altLang="zh-CN" dirty="0">
+                <a:solidFill>
+                  <a:srgbClr val="2BBAC5"/>
+                </a:solidFill>
+                <a:latin typeface="Consolas" panose="020B0609020204030204" pitchFamily="49" charset="0"/>
+              </a:rPr>
+              <a:t>=</a:t>
+            </a:r>
+            <a:r>
+              <a:rPr lang="en-US" altLang="zh-CN" dirty="0">
+                <a:solidFill>
+                  <a:srgbClr val="BBBBBB"/>
+                </a:solidFill>
+                <a:latin typeface="Consolas" panose="020B0609020204030204" pitchFamily="49" charset="0"/>
+              </a:rPr>
+              <a:t> </a:t>
+            </a:r>
+            <a:r>
+              <a:rPr lang="en-US" altLang="zh-CN" dirty="0" smtClean="0">
+                <a:solidFill>
+                  <a:srgbClr val="BBBBBB"/>
+                </a:solidFill>
+                <a:latin typeface="Consolas" panose="020B0609020204030204" pitchFamily="49" charset="0"/>
+              </a:rPr>
+              <a:t>&lt;</a:t>
+            </a:r>
+            <a:r>
+              <a:rPr lang="en-US" altLang="zh-CN" dirty="0">
+                <a:solidFill>
+                  <a:srgbClr val="EF596F"/>
+                </a:solidFill>
+                <a:latin typeface="Consolas" panose="020B0609020204030204" pitchFamily="49" charset="0"/>
+              </a:rPr>
+              <a:t>h1</a:t>
+            </a:r>
+            <a:r>
+              <a:rPr lang="en-US" altLang="zh-CN" dirty="0">
+                <a:solidFill>
+                  <a:srgbClr val="BBBBBB"/>
+                </a:solidFill>
+                <a:latin typeface="Consolas" panose="020B0609020204030204" pitchFamily="49" charset="0"/>
+              </a:rPr>
+              <a:t>&gt;Hello, world!&lt;/</a:t>
+            </a:r>
+            <a:r>
+              <a:rPr lang="en-US" altLang="zh-CN" dirty="0">
+                <a:solidFill>
+                  <a:srgbClr val="EF596F"/>
+                </a:solidFill>
+                <a:latin typeface="Consolas" panose="020B0609020204030204" pitchFamily="49" charset="0"/>
+              </a:rPr>
+              <a:t>h1</a:t>
+            </a:r>
+            <a:r>
+              <a:rPr lang="en-US" altLang="zh-CN" dirty="0">
+                <a:solidFill>
+                  <a:srgbClr val="BBBBBB"/>
+                </a:solidFill>
+                <a:latin typeface="Consolas" panose="020B0609020204030204" pitchFamily="49" charset="0"/>
+              </a:rPr>
+              <a:t>&gt;</a:t>
+            </a:r>
+          </a:p>
+          <a:p>
+            <a:pPr marL="0" indent="0">
+              <a:buNone/>
+            </a:pPr>
+            <a:endParaRPr lang="zh-CN" altLang="en-US" dirty="0"/>
+          </a:p>
+        </p:txBody>
+      </p:sp>
+      <p:sp>
+        <p:nvSpPr>
+          <p:cNvPr id="5" name="内容占位符 4"/>
+          <p:cNvSpPr>
+            <a:spLocks noGrp="1"/>
+          </p:cNvSpPr>
+          <p:nvPr>
+            <p:ph sz="half" idx="2"/>
+          </p:nvPr>
+        </p:nvSpPr>
+        <p:spPr>
+          <a:xfrm>
+            <a:off x="838200" y="3471620"/>
+            <a:ext cx="10515600" cy="2665709"/>
+          </a:xfrm>
+          <a:solidFill>
+            <a:schemeClr val="tx2"/>
+          </a:solidFill>
+        </p:spPr>
+        <p:txBody>
+          <a:bodyPr>
+            <a:normAutofit/>
+          </a:bodyPr>
+          <a:lstStyle/>
+          <a:p>
+            <a:pPr marL="0" indent="0">
+              <a:buNone/>
+            </a:pPr>
+            <a:r>
+              <a:rPr lang="en-US" altLang="zh-CN" dirty="0" err="1" smtClean="0">
+                <a:solidFill>
+                  <a:srgbClr val="D55FDE"/>
+                </a:solidFill>
+                <a:latin typeface="Consolas" panose="020B0609020204030204" pitchFamily="49" charset="0"/>
+              </a:rPr>
+              <a:t>const</a:t>
+            </a:r>
+            <a:r>
+              <a:rPr lang="en-US" altLang="zh-CN" dirty="0" smtClean="0">
+                <a:solidFill>
+                  <a:srgbClr val="BBBBBB"/>
+                </a:solidFill>
+                <a:latin typeface="Consolas" panose="020B0609020204030204" pitchFamily="49" charset="0"/>
+              </a:rPr>
+              <a:t> </a:t>
+            </a:r>
+            <a:r>
+              <a:rPr lang="en-US" altLang="zh-CN" dirty="0">
+                <a:solidFill>
+                  <a:srgbClr val="E5C07B"/>
+                </a:solidFill>
+                <a:latin typeface="Consolas" panose="020B0609020204030204" pitchFamily="49" charset="0"/>
+              </a:rPr>
+              <a:t>element</a:t>
+            </a:r>
+            <a:r>
+              <a:rPr lang="en-US" altLang="zh-CN" dirty="0">
+                <a:solidFill>
+                  <a:srgbClr val="BBBBBB"/>
+                </a:solidFill>
+                <a:latin typeface="Consolas" panose="020B0609020204030204" pitchFamily="49" charset="0"/>
+              </a:rPr>
+              <a:t> </a:t>
+            </a:r>
+            <a:r>
+              <a:rPr lang="en-US" altLang="zh-CN" dirty="0" smtClean="0">
+                <a:solidFill>
+                  <a:srgbClr val="2BBAC5"/>
+                </a:solidFill>
+                <a:latin typeface="Consolas" panose="020B0609020204030204" pitchFamily="49" charset="0"/>
+              </a:rPr>
+              <a:t>= </a:t>
+            </a:r>
+            <a:r>
+              <a:rPr lang="en-US" altLang="zh-CN" dirty="0" err="1" smtClean="0">
+                <a:solidFill>
+                  <a:srgbClr val="EF596F"/>
+                </a:solidFill>
+                <a:latin typeface="Consolas" panose="020B0609020204030204" pitchFamily="49" charset="0"/>
+              </a:rPr>
+              <a:t>React</a:t>
+            </a:r>
+            <a:r>
+              <a:rPr lang="en-US" altLang="zh-CN" dirty="0" err="1" smtClean="0">
+                <a:solidFill>
+                  <a:srgbClr val="BBBBBB"/>
+                </a:solidFill>
+                <a:latin typeface="Consolas" panose="020B0609020204030204" pitchFamily="49" charset="0"/>
+              </a:rPr>
+              <a:t>.</a:t>
+            </a:r>
+            <a:r>
+              <a:rPr lang="en-US" altLang="zh-CN" dirty="0" err="1" smtClean="0">
+                <a:solidFill>
+                  <a:srgbClr val="2BBAC5"/>
+                </a:solidFill>
+                <a:latin typeface="Consolas" panose="020B0609020204030204" pitchFamily="49" charset="0"/>
+              </a:rPr>
+              <a:t>createElement</a:t>
+            </a:r>
+            <a:r>
+              <a:rPr lang="en-US" altLang="zh-CN" dirty="0" smtClean="0">
+                <a:solidFill>
+                  <a:srgbClr val="BBBBBB"/>
+                </a:solidFill>
+                <a:latin typeface="Consolas" panose="020B0609020204030204" pitchFamily="49" charset="0"/>
+              </a:rPr>
+              <a:t>(</a:t>
+            </a:r>
+          </a:p>
+          <a:p>
+            <a:pPr marL="0" indent="0">
+              <a:buNone/>
+            </a:pPr>
+            <a:r>
+              <a:rPr lang="en-US" altLang="zh-CN" dirty="0" smtClean="0">
+                <a:solidFill>
+                  <a:srgbClr val="89CA78"/>
+                </a:solidFill>
+                <a:latin typeface="Consolas" panose="020B0609020204030204" pitchFamily="49" charset="0"/>
+              </a:rPr>
+              <a:t>  'h1'</a:t>
+            </a:r>
+            <a:r>
+              <a:rPr lang="en-US" altLang="zh-CN" dirty="0" smtClean="0">
+                <a:solidFill>
+                  <a:srgbClr val="BBBBBB"/>
+                </a:solidFill>
+                <a:latin typeface="Consolas" panose="020B0609020204030204" pitchFamily="49" charset="0"/>
+              </a:rPr>
+              <a:t>, </a:t>
+            </a:r>
+          </a:p>
+          <a:p>
+            <a:pPr marL="0" indent="0">
+              <a:buNone/>
+            </a:pPr>
+            <a:r>
+              <a:rPr lang="en-US" altLang="zh-CN" dirty="0">
+                <a:solidFill>
+                  <a:srgbClr val="BBBBBB"/>
+                </a:solidFill>
+                <a:latin typeface="Consolas" panose="020B0609020204030204" pitchFamily="49" charset="0"/>
+              </a:rPr>
+              <a:t> </a:t>
+            </a:r>
+            <a:r>
+              <a:rPr lang="en-US" altLang="zh-CN" dirty="0" smtClean="0">
+                <a:solidFill>
+                  <a:srgbClr val="BBBBBB"/>
+                </a:solidFill>
+                <a:latin typeface="Consolas" panose="020B0609020204030204" pitchFamily="49" charset="0"/>
+              </a:rPr>
+              <a:t> </a:t>
+            </a:r>
+            <a:r>
+              <a:rPr lang="en-US" altLang="zh-CN" dirty="0" smtClean="0">
+                <a:solidFill>
+                  <a:srgbClr val="D19A66"/>
+                </a:solidFill>
+                <a:latin typeface="Consolas" panose="020B0609020204030204" pitchFamily="49" charset="0"/>
+              </a:rPr>
+              <a:t>null</a:t>
+            </a:r>
+            <a:r>
+              <a:rPr lang="en-US" altLang="zh-CN" dirty="0">
+                <a:solidFill>
+                  <a:srgbClr val="BBBBBB"/>
+                </a:solidFill>
+                <a:latin typeface="Consolas" panose="020B0609020204030204" pitchFamily="49" charset="0"/>
+              </a:rPr>
+              <a:t>, </a:t>
+            </a:r>
+            <a:endParaRPr lang="en-US" altLang="zh-CN" dirty="0" smtClean="0">
+              <a:solidFill>
+                <a:srgbClr val="BBBBBB"/>
+              </a:solidFill>
+              <a:latin typeface="Consolas" panose="020B0609020204030204" pitchFamily="49" charset="0"/>
+            </a:endParaRPr>
+          </a:p>
+          <a:p>
+            <a:pPr marL="0" indent="0">
+              <a:buNone/>
+            </a:pPr>
+            <a:r>
+              <a:rPr lang="en-US" altLang="zh-CN" dirty="0">
+                <a:solidFill>
+                  <a:srgbClr val="BBBBBB"/>
+                </a:solidFill>
+                <a:latin typeface="Consolas" panose="020B0609020204030204" pitchFamily="49" charset="0"/>
+              </a:rPr>
+              <a:t> </a:t>
+            </a:r>
+            <a:r>
+              <a:rPr lang="en-US" altLang="zh-CN" dirty="0" smtClean="0">
+                <a:solidFill>
+                  <a:srgbClr val="BBBBBB"/>
+                </a:solidFill>
+                <a:latin typeface="Consolas" panose="020B0609020204030204" pitchFamily="49" charset="0"/>
+              </a:rPr>
+              <a:t> </a:t>
+            </a:r>
+            <a:r>
+              <a:rPr lang="en-US" altLang="zh-CN" dirty="0" smtClean="0">
+                <a:solidFill>
+                  <a:srgbClr val="89CA78"/>
+                </a:solidFill>
+                <a:latin typeface="Consolas" panose="020B0609020204030204" pitchFamily="49" charset="0"/>
+              </a:rPr>
+              <a:t>'Hello, world!' </a:t>
+            </a:r>
+          </a:p>
+          <a:p>
+            <a:pPr marL="0" indent="0">
+              <a:buNone/>
+            </a:pPr>
+            <a:r>
+              <a:rPr lang="en-US" altLang="zh-CN" dirty="0" smtClean="0">
+                <a:solidFill>
+                  <a:srgbClr val="BBBBBB"/>
+                </a:solidFill>
+                <a:latin typeface="Consolas" panose="020B0609020204030204" pitchFamily="49" charset="0"/>
+              </a:rPr>
+              <a:t>)</a:t>
+            </a:r>
+            <a:endParaRPr lang="en-US" altLang="zh-CN" dirty="0">
+              <a:solidFill>
+                <a:srgbClr val="BBBBBB"/>
+              </a:solidFill>
+              <a:latin typeface="Consolas" panose="020B0609020204030204" pitchFamily="49" charset="0"/>
+            </a:endParaRPr>
+          </a:p>
+          <a:p>
+            <a:pPr marL="0" indent="0">
+              <a:buNone/>
+            </a:pPr>
+            <a:endParaRPr lang="zh-CN" altLang="en-US" dirty="0"/>
+          </a:p>
+        </p:txBody>
+      </p:sp>
+      <p:sp>
+        <p:nvSpPr>
+          <p:cNvPr id="6" name="内容占位符 2"/>
+          <p:cNvSpPr txBox="1">
+            <a:spLocks/>
+          </p:cNvSpPr>
+          <p:nvPr/>
+        </p:nvSpPr>
+        <p:spPr>
+          <a:xfrm>
+            <a:off x="838200" y="1825625"/>
+            <a:ext cx="10515600" cy="607609"/>
+          </a:xfrm>
+          <a:prstGeom prst="rect">
+            <a:avLst/>
+          </a:prstGeom>
+        </p:spPr>
+        <p:txBody>
+          <a:bodyPr vert="horz" lIns="91440" tIns="45720" rIns="91440" bIns="45720" rtlCol="0">
+            <a:normAutofit/>
+          </a:bodyPr>
+          <a:lstStyle>
+            <a:lvl1pPr marL="228600" indent="-228600" algn="l" defTabSz="914400" rtl="0" eaLnBrk="1" latinLnBrk="0" hangingPunct="1">
+              <a:lnSpc>
+                <a:spcPct val="90000"/>
+              </a:lnSpc>
+              <a:spcBef>
+                <a:spcPts val="1000"/>
+              </a:spcBef>
+              <a:buFont typeface="Arial" panose="020B0604020202020204" pitchFamily="34" charset="0"/>
+              <a:buChar char="•"/>
+              <a:defRPr sz="2800" kern="1200">
+                <a:solidFill>
+                  <a:schemeClr val="tx1"/>
+                </a:solidFill>
+                <a:latin typeface="+mn-lt"/>
+                <a:ea typeface="+mn-ea"/>
+                <a:cs typeface="+mn-cs"/>
+              </a:defRPr>
+            </a:lvl1pPr>
+            <a:lvl2pPr marL="685800" indent="-228600" algn="l" defTabSz="914400" rtl="0" eaLnBrk="1" latinLnBrk="0" hangingPunct="1">
+              <a:lnSpc>
+                <a:spcPct val="90000"/>
+              </a:lnSpc>
+              <a:spcBef>
+                <a:spcPts val="500"/>
+              </a:spcBef>
+              <a:buFont typeface="Arial" panose="020B0604020202020204" pitchFamily="34" charset="0"/>
+              <a:buChar char="•"/>
+              <a:defRPr sz="2400" kern="1200">
+                <a:solidFill>
+                  <a:schemeClr val="tx1"/>
+                </a:solidFill>
+                <a:latin typeface="+mn-lt"/>
+                <a:ea typeface="+mn-ea"/>
+                <a:cs typeface="+mn-cs"/>
+              </a:defRPr>
+            </a:lvl2pPr>
+            <a:lvl3pPr marL="1143000" indent="-228600" algn="l" defTabSz="914400" rtl="0" eaLnBrk="1" latinLnBrk="0" hangingPunct="1">
+              <a:lnSpc>
+                <a:spcPct val="90000"/>
+              </a:lnSpc>
+              <a:spcBef>
+                <a:spcPts val="500"/>
+              </a:spcBef>
+              <a:buFont typeface="Arial" panose="020B0604020202020204" pitchFamily="34" charset="0"/>
+              <a:buChar char="•"/>
+              <a:defRPr sz="2000" kern="1200">
+                <a:solidFill>
+                  <a:schemeClr val="tx1"/>
+                </a:solidFill>
+                <a:latin typeface="+mn-lt"/>
+                <a:ea typeface="+mn-ea"/>
+                <a:cs typeface="+mn-cs"/>
+              </a:defRPr>
+            </a:lvl3pPr>
+            <a:lvl4pPr marL="1600200" indent="-228600" algn="l" defTabSz="914400" rtl="0" eaLnBrk="1" latinLnBrk="0" hangingPunct="1">
+              <a:lnSpc>
+                <a:spcPct val="90000"/>
+              </a:lnSpc>
+              <a:spcBef>
+                <a:spcPts val="500"/>
+              </a:spcBef>
+              <a:buFont typeface="Arial" panose="020B0604020202020204" pitchFamily="34" charset="0"/>
+              <a:buChar char="•"/>
+              <a:defRPr sz="1800" kern="1200">
+                <a:solidFill>
+                  <a:schemeClr val="tx1"/>
+                </a:solidFill>
+                <a:latin typeface="+mn-lt"/>
+                <a:ea typeface="+mn-ea"/>
+                <a:cs typeface="+mn-cs"/>
+              </a:defRPr>
+            </a:lvl4pPr>
+            <a:lvl5pPr marL="2057400" indent="-228600" algn="l" defTabSz="914400" rtl="0" eaLnBrk="1" latinLnBrk="0" hangingPunct="1">
+              <a:lnSpc>
+                <a:spcPct val="90000"/>
+              </a:lnSpc>
+              <a:spcBef>
+                <a:spcPts val="500"/>
+              </a:spcBef>
+              <a:buFont typeface="Arial" panose="020B0604020202020204" pitchFamily="34" charset="0"/>
+              <a:buChar char="•"/>
+              <a:defRPr sz="1800" kern="1200">
+                <a:solidFill>
+                  <a:schemeClr val="tx1"/>
+                </a:solidFill>
+                <a:latin typeface="+mn-lt"/>
+                <a:ea typeface="+mn-ea"/>
+                <a:cs typeface="+mn-cs"/>
+              </a:defRPr>
+            </a:lvl5pPr>
+            <a:lvl6pPr marL="2514600" indent="-228600" algn="l" defTabSz="914400" rtl="0" eaLnBrk="1" latinLnBrk="0" hangingPunct="1">
+              <a:lnSpc>
+                <a:spcPct val="90000"/>
+              </a:lnSpc>
+              <a:spcBef>
+                <a:spcPts val="500"/>
+              </a:spcBef>
+              <a:buFont typeface="Arial" panose="020B0604020202020204" pitchFamily="34" charset="0"/>
+              <a:buChar char="•"/>
+              <a:defRPr sz="1800" kern="1200">
+                <a:solidFill>
+                  <a:schemeClr val="tx1"/>
+                </a:solidFill>
+                <a:latin typeface="+mn-lt"/>
+                <a:ea typeface="+mn-ea"/>
+                <a:cs typeface="+mn-cs"/>
+              </a:defRPr>
+            </a:lvl6pPr>
+            <a:lvl7pPr marL="2971800" indent="-228600" algn="l" defTabSz="914400" rtl="0" eaLnBrk="1" latinLnBrk="0" hangingPunct="1">
+              <a:lnSpc>
+                <a:spcPct val="90000"/>
+              </a:lnSpc>
+              <a:spcBef>
+                <a:spcPts val="500"/>
+              </a:spcBef>
+              <a:buFont typeface="Arial" panose="020B0604020202020204" pitchFamily="34" charset="0"/>
+              <a:buChar char="•"/>
+              <a:defRPr sz="1800" kern="1200">
+                <a:solidFill>
+                  <a:schemeClr val="tx1"/>
+                </a:solidFill>
+                <a:latin typeface="+mn-lt"/>
+                <a:ea typeface="+mn-ea"/>
+                <a:cs typeface="+mn-cs"/>
+              </a:defRPr>
+            </a:lvl7pPr>
+            <a:lvl8pPr marL="3429000" indent="-228600" algn="l" defTabSz="914400" rtl="0" eaLnBrk="1" latinLnBrk="0" hangingPunct="1">
+              <a:lnSpc>
+                <a:spcPct val="90000"/>
+              </a:lnSpc>
+              <a:spcBef>
+                <a:spcPts val="500"/>
+              </a:spcBef>
+              <a:buFont typeface="Arial" panose="020B0604020202020204" pitchFamily="34" charset="0"/>
+              <a:buChar char="•"/>
+              <a:defRPr sz="1800" kern="1200">
+                <a:solidFill>
+                  <a:schemeClr val="tx1"/>
+                </a:solidFill>
+                <a:latin typeface="+mn-lt"/>
+                <a:ea typeface="+mn-ea"/>
+                <a:cs typeface="+mn-cs"/>
+              </a:defRPr>
+            </a:lvl8pPr>
+            <a:lvl9pPr marL="3886200" indent="-228600" algn="l" defTabSz="914400" rtl="0" eaLnBrk="1" latinLnBrk="0" hangingPunct="1">
+              <a:lnSpc>
+                <a:spcPct val="90000"/>
+              </a:lnSpc>
+              <a:spcBef>
+                <a:spcPts val="500"/>
+              </a:spcBef>
+              <a:buFont typeface="Arial" panose="020B0604020202020204" pitchFamily="34" charset="0"/>
+              <a:buChar char="•"/>
+              <a:defRPr sz="1800" kern="1200">
+                <a:solidFill>
+                  <a:schemeClr val="tx1"/>
+                </a:solidFill>
+                <a:latin typeface="+mn-lt"/>
+                <a:ea typeface="+mn-ea"/>
+                <a:cs typeface="+mn-cs"/>
+              </a:defRPr>
+            </a:lvl9pPr>
+          </a:lstStyle>
+          <a:p>
+            <a:r>
+              <a:rPr lang="zh-CN" altLang="en-US" dirty="0" smtClean="0"/>
+              <a:t>编译时 </a:t>
+            </a:r>
+            <a:r>
+              <a:rPr lang="en-US" altLang="zh-CN" dirty="0" smtClean="0"/>
+              <a:t>JSX </a:t>
+            </a:r>
+            <a:r>
+              <a:rPr lang="zh-CN" altLang="en-US" dirty="0" smtClean="0"/>
+              <a:t>会被转换为 </a:t>
+            </a:r>
+            <a:r>
+              <a:rPr lang="en-US" altLang="zh-CN" dirty="0" err="1" smtClean="0">
+                <a:latin typeface="Consolas" panose="020B0609020204030204" pitchFamily="49" charset="0"/>
+              </a:rPr>
+              <a:t>React.createElement</a:t>
+            </a:r>
+            <a:r>
+              <a:rPr lang="en-US" altLang="zh-CN" dirty="0" smtClean="0">
+                <a:latin typeface="Consolas" panose="020B0609020204030204" pitchFamily="49" charset="0"/>
+              </a:rPr>
+              <a:t>() </a:t>
+            </a:r>
+            <a:r>
+              <a:rPr lang="zh-CN" altLang="en-US" dirty="0" smtClean="0"/>
+              <a:t>的调用</a:t>
+            </a:r>
+          </a:p>
+          <a:p>
+            <a:endParaRPr lang="zh-CN" altLang="en-US" dirty="0"/>
+          </a:p>
+        </p:txBody>
+      </p:sp>
+    </p:spTree>
+    <p:extLst>
+      <p:ext uri="{BB962C8B-B14F-4D97-AF65-F5344CB8AC3E}">
+        <p14:creationId xmlns:p14="http://schemas.microsoft.com/office/powerpoint/2010/main" val="1853898844"/>
       </p:ext>
     </p:extLst>
   </p:cSld>

--- a/slides/React 入门.pptx
+++ b/slides/React 入门.pptx
@@ -5,7 +5,7 @@
     <p:sldMasterId id="2147483648" r:id="rId1"/>
   </p:sldMasterIdLst>
   <p:notesMasterIdLst>
-    <p:notesMasterId r:id="rId15"/>
+    <p:notesMasterId r:id="rId19"/>
   </p:notesMasterIdLst>
   <p:sldIdLst>
     <p:sldId id="256" r:id="rId2"/>
@@ -21,6 +21,10 @@
     <p:sldId id="266" r:id="rId12"/>
     <p:sldId id="267" r:id="rId13"/>
     <p:sldId id="268" r:id="rId14"/>
+    <p:sldId id="269" r:id="rId15"/>
+    <p:sldId id="270" r:id="rId16"/>
+    <p:sldId id="271" r:id="rId17"/>
+    <p:sldId id="272" r:id="rId18"/>
   </p:sldIdLst>
   <p:sldSz cx="12192000" cy="6858000"/>
   <p:notesSz cx="6858000" cy="9144000"/>
@@ -209,7 +213,7 @@
           <a:p>
             <a:fld id="{C7EA81BB-58F1-4FB5-8B9E-97CA0D987065}" type="datetimeFigureOut">
               <a:rPr lang="zh-CN" altLang="en-US" smtClean="0"/>
-              <a:t>2018/10/30</a:t>
+              <a:t>2018/10/31</a:t>
             </a:fld>
             <a:endParaRPr lang="zh-CN" altLang="en-US"/>
           </a:p>
@@ -585,6 +589,110 @@
 </p:notes>
 </file>
 
+<file path=ppt/notesSlides/notesSlide10.xml><?xml version="1.0" encoding="utf-8"?>
+<p:notes xmlns:a="http://schemas.openxmlformats.org/drawingml/2006/main" xmlns:r="http://schemas.openxmlformats.org/officeDocument/2006/relationships" xmlns:p="http://schemas.openxmlformats.org/presentationml/2006/main">
+  <p:cSld>
+    <p:spTree>
+      <p:nvGrpSpPr>
+        <p:cNvPr id="1" name=""/>
+        <p:cNvGrpSpPr/>
+        <p:nvPr/>
+      </p:nvGrpSpPr>
+      <p:grpSpPr>
+        <a:xfrm>
+          <a:off x="0" y="0"/>
+          <a:ext cx="0" cy="0"/>
+          <a:chOff x="0" y="0"/>
+          <a:chExt cx="0" cy="0"/>
+        </a:xfrm>
+      </p:grpSpPr>
+      <p:sp>
+        <p:nvSpPr>
+          <p:cNvPr id="2" name="幻灯片图像占位符 1"/>
+          <p:cNvSpPr>
+            <a:spLocks noGrp="1" noRot="1" noChangeAspect="1"/>
+          </p:cNvSpPr>
+          <p:nvPr>
+            <p:ph type="sldImg"/>
+          </p:nvPr>
+        </p:nvSpPr>
+        <p:spPr/>
+      </p:sp>
+      <p:sp>
+        <p:nvSpPr>
+          <p:cNvPr id="3" name="备注占位符 2"/>
+          <p:cNvSpPr>
+            <a:spLocks noGrp="1"/>
+          </p:cNvSpPr>
+          <p:nvPr>
+            <p:ph type="body" idx="1"/>
+          </p:nvPr>
+        </p:nvSpPr>
+        <p:spPr/>
+        <p:txBody>
+          <a:bodyPr/>
+          <a:lstStyle/>
+          <a:p>
+            <a:r>
+              <a:rPr lang="zh-CN" altLang="en-US" dirty="0" smtClean="0"/>
+              <a:t>目前被 </a:t>
+            </a:r>
+            <a:r>
+              <a:rPr lang="en-US" altLang="zh-CN" dirty="0" smtClean="0"/>
+              <a:t>deprecate </a:t>
+            </a:r>
+            <a:r>
+              <a:rPr lang="zh-CN" altLang="en-US" dirty="0" smtClean="0"/>
+              <a:t>的 </a:t>
+            </a:r>
+            <a:r>
+              <a:rPr lang="en-US" altLang="zh-CN" dirty="0" smtClean="0"/>
+              <a:t>3 </a:t>
+            </a:r>
+            <a:r>
+              <a:rPr lang="zh-CN" altLang="en-US" dirty="0" smtClean="0"/>
+              <a:t>个生命周期函数目前还能使用，但是只要用了，开发模式下会有红色警告</a:t>
+            </a:r>
+            <a:endParaRPr lang="zh-CN" altLang="en-US" dirty="0"/>
+          </a:p>
+        </p:txBody>
+      </p:sp>
+      <p:sp>
+        <p:nvSpPr>
+          <p:cNvPr id="4" name="灯片编号占位符 3"/>
+          <p:cNvSpPr>
+            <a:spLocks noGrp="1"/>
+          </p:cNvSpPr>
+          <p:nvPr>
+            <p:ph type="sldNum" sz="quarter" idx="10"/>
+          </p:nvPr>
+        </p:nvSpPr>
+        <p:spPr/>
+        <p:txBody>
+          <a:bodyPr/>
+          <a:lstStyle/>
+          <a:p>
+            <a:fld id="{933F5AFF-D81E-4C08-8F4D-34ABD7A65093}" type="slidenum">
+              <a:rPr lang="zh-CN" altLang="en-US" smtClean="0"/>
+              <a:t>15</a:t>
+            </a:fld>
+            <a:endParaRPr lang="zh-CN" altLang="en-US"/>
+          </a:p>
+        </p:txBody>
+      </p:sp>
+    </p:spTree>
+    <p:extLst>
+      <p:ext uri="{BB962C8B-B14F-4D97-AF65-F5344CB8AC3E}">
+        <p14:creationId xmlns:p14="http://schemas.microsoft.com/office/powerpoint/2010/main" val="237909181"/>
+      </p:ext>
+    </p:extLst>
+  </p:cSld>
+  <p:clrMapOvr>
+    <a:masterClrMapping/>
+  </p:clrMapOvr>
+</p:notes>
+</file>
+
 <file path=ppt/notesSlides/notesSlide2.xml><?xml version="1.0" encoding="utf-8"?>
 <p:notes xmlns:a="http://schemas.openxmlformats.org/drawingml/2006/main" xmlns:r="http://schemas.openxmlformats.org/officeDocument/2006/relationships" xmlns:p="http://schemas.openxmlformats.org/presentationml/2006/main">
   <p:cSld>
@@ -1187,19 +1295,7 @@
                 <a:ea typeface="+mn-ea"/>
                 <a:cs typeface="+mn-cs"/>
               </a:rPr>
-              <a:t>相关的</a:t>
-            </a:r>
-            <a:r>
-              <a:rPr lang="zh-CN" altLang="en-US" sz="1200" b="0" i="0" kern="1200" dirty="0" smtClean="0">
-                <a:solidFill>
-                  <a:schemeClr val="tx1"/>
-                </a:solidFill>
-                <a:effectLst/>
-                <a:latin typeface="+mn-lt"/>
-                <a:ea typeface="+mn-ea"/>
-                <a:cs typeface="+mn-cs"/>
-              </a:rPr>
-              <a:t>功能</a:t>
+              <a:t>相关的功能</a:t>
             </a:r>
             <a:endParaRPr lang="en-US" altLang="zh-CN" sz="1200" b="0" i="0" kern="1200" dirty="0" smtClean="0">
               <a:solidFill>
@@ -1600,6 +1696,19 @@
               <a:rPr lang="en-US" altLang="zh-CN" dirty="0" smtClean="0"/>
               <a:t>App2</a:t>
             </a:r>
+          </a:p>
+          <a:p>
+            <a:endParaRPr lang="en-US" altLang="zh-CN" dirty="0" smtClean="0"/>
+          </a:p>
+          <a:p>
+            <a:r>
+              <a:rPr lang="en-US" altLang="zh-CN" dirty="0" smtClean="0"/>
+              <a:t>Props </a:t>
+            </a:r>
+            <a:r>
+              <a:rPr lang="zh-CN" altLang="en-US" dirty="0" smtClean="0"/>
+              <a:t>是由父组件传向子组件的内容</a:t>
+            </a:r>
             <a:endParaRPr lang="zh-CN" altLang="en-US" dirty="0"/>
           </a:p>
         </p:txBody>
@@ -1631,6 +1740,233 @@
     <p:extLst>
       <p:ext uri="{BB962C8B-B14F-4D97-AF65-F5344CB8AC3E}">
         <p14:creationId xmlns:p14="http://schemas.microsoft.com/office/powerpoint/2010/main" val="1968403507"/>
+      </p:ext>
+    </p:extLst>
+  </p:cSld>
+  <p:clrMapOvr>
+    <a:masterClrMapping/>
+  </p:clrMapOvr>
+</p:notes>
+</file>
+
+<file path=ppt/notesSlides/notesSlide8.xml><?xml version="1.0" encoding="utf-8"?>
+<p:notes xmlns:a="http://schemas.openxmlformats.org/drawingml/2006/main" xmlns:r="http://schemas.openxmlformats.org/officeDocument/2006/relationships" xmlns:p="http://schemas.openxmlformats.org/presentationml/2006/main">
+  <p:cSld>
+    <p:spTree>
+      <p:nvGrpSpPr>
+        <p:cNvPr id="1" name=""/>
+        <p:cNvGrpSpPr/>
+        <p:nvPr/>
+      </p:nvGrpSpPr>
+      <p:grpSpPr>
+        <a:xfrm>
+          <a:off x="0" y="0"/>
+          <a:ext cx="0" cy="0"/>
+          <a:chOff x="0" y="0"/>
+          <a:chExt cx="0" cy="0"/>
+        </a:xfrm>
+      </p:grpSpPr>
+      <p:sp>
+        <p:nvSpPr>
+          <p:cNvPr id="2" name="幻灯片图像占位符 1"/>
+          <p:cNvSpPr>
+            <a:spLocks noGrp="1" noRot="1" noChangeAspect="1"/>
+          </p:cNvSpPr>
+          <p:nvPr>
+            <p:ph type="sldImg"/>
+          </p:nvPr>
+        </p:nvSpPr>
+        <p:spPr/>
+      </p:sp>
+      <p:sp>
+        <p:nvSpPr>
+          <p:cNvPr id="3" name="备注占位符 2"/>
+          <p:cNvSpPr>
+            <a:spLocks noGrp="1"/>
+          </p:cNvSpPr>
+          <p:nvPr>
+            <p:ph type="body" idx="1"/>
+          </p:nvPr>
+        </p:nvSpPr>
+        <p:spPr/>
+        <p:txBody>
+          <a:bodyPr/>
+          <a:lstStyle/>
+          <a:p>
+            <a:r>
+              <a:rPr lang="en-US" altLang="zh-CN" dirty="0" smtClean="0"/>
+              <a:t>App3</a:t>
+            </a:r>
+            <a:endParaRPr lang="zh-CN" altLang="en-US" dirty="0"/>
+          </a:p>
+        </p:txBody>
+      </p:sp>
+      <p:sp>
+        <p:nvSpPr>
+          <p:cNvPr id="4" name="灯片编号占位符 3"/>
+          <p:cNvSpPr>
+            <a:spLocks noGrp="1"/>
+          </p:cNvSpPr>
+          <p:nvPr>
+            <p:ph type="sldNum" sz="quarter" idx="10"/>
+          </p:nvPr>
+        </p:nvSpPr>
+        <p:spPr/>
+        <p:txBody>
+          <a:bodyPr/>
+          <a:lstStyle/>
+          <a:p>
+            <a:fld id="{933F5AFF-D81E-4C08-8F4D-34ABD7A65093}" type="slidenum">
+              <a:rPr lang="zh-CN" altLang="en-US" smtClean="0"/>
+              <a:t>13</a:t>
+            </a:fld>
+            <a:endParaRPr lang="zh-CN" altLang="en-US"/>
+          </a:p>
+        </p:txBody>
+      </p:sp>
+    </p:spTree>
+    <p:extLst>
+      <p:ext uri="{BB962C8B-B14F-4D97-AF65-F5344CB8AC3E}">
+        <p14:creationId xmlns:p14="http://schemas.microsoft.com/office/powerpoint/2010/main" val="3976538426"/>
+      </p:ext>
+    </p:extLst>
+  </p:cSld>
+  <p:clrMapOvr>
+    <a:masterClrMapping/>
+  </p:clrMapOvr>
+</p:notes>
+</file>
+
+<file path=ppt/notesSlides/notesSlide9.xml><?xml version="1.0" encoding="utf-8"?>
+<p:notes xmlns:a="http://schemas.openxmlformats.org/drawingml/2006/main" xmlns:r="http://schemas.openxmlformats.org/officeDocument/2006/relationships" xmlns:p="http://schemas.openxmlformats.org/presentationml/2006/main">
+  <p:cSld>
+    <p:spTree>
+      <p:nvGrpSpPr>
+        <p:cNvPr id="1" name=""/>
+        <p:cNvGrpSpPr/>
+        <p:nvPr/>
+      </p:nvGrpSpPr>
+      <p:grpSpPr>
+        <a:xfrm>
+          <a:off x="0" y="0"/>
+          <a:ext cx="0" cy="0"/>
+          <a:chOff x="0" y="0"/>
+          <a:chExt cx="0" cy="0"/>
+        </a:xfrm>
+      </p:grpSpPr>
+      <p:sp>
+        <p:nvSpPr>
+          <p:cNvPr id="2" name="幻灯片图像占位符 1"/>
+          <p:cNvSpPr>
+            <a:spLocks noGrp="1" noRot="1" noChangeAspect="1"/>
+          </p:cNvSpPr>
+          <p:nvPr>
+            <p:ph type="sldImg"/>
+          </p:nvPr>
+        </p:nvSpPr>
+        <p:spPr/>
+      </p:sp>
+      <p:sp>
+        <p:nvSpPr>
+          <p:cNvPr id="3" name="备注占位符 2"/>
+          <p:cNvSpPr>
+            <a:spLocks noGrp="1"/>
+          </p:cNvSpPr>
+          <p:nvPr>
+            <p:ph type="body" idx="1"/>
+          </p:nvPr>
+        </p:nvSpPr>
+        <p:spPr/>
+        <p:txBody>
+          <a:bodyPr/>
+          <a:lstStyle/>
+          <a:p>
+            <a:pPr marL="0" marR="0" indent="0" algn="l" defTabSz="914400" rtl="0" eaLnBrk="1" fontAlgn="auto" latinLnBrk="0" hangingPunct="1">
+              <a:lnSpc>
+                <a:spcPct val="100000"/>
+              </a:lnSpc>
+              <a:spcBef>
+                <a:spcPts val="0"/>
+              </a:spcBef>
+              <a:spcAft>
+                <a:spcPts val="0"/>
+              </a:spcAft>
+              <a:buClrTx/>
+              <a:buSzTx/>
+              <a:buFontTx/>
+              <a:buNone/>
+              <a:tabLst/>
+              <a:defRPr/>
+            </a:pPr>
+            <a:r>
+              <a:rPr lang="en-US" altLang="zh-CN" sz="1200" dirty="0" err="1" smtClean="0">
+                <a:latin typeface="Consolas" panose="020B0609020204030204" pitchFamily="49" charset="0"/>
+              </a:rPr>
+              <a:t>getDerivedStateFromProps</a:t>
+            </a:r>
+            <a:r>
+              <a:rPr lang="en-US" altLang="zh-CN" sz="1200" dirty="0" smtClean="0">
+                <a:latin typeface="Consolas" panose="020B0609020204030204" pitchFamily="49" charset="0"/>
+              </a:rPr>
+              <a:t>() </a:t>
+            </a:r>
+            <a:r>
+              <a:rPr lang="zh-CN" altLang="en-US" sz="1200" b="0" i="0" kern="1200" dirty="0" smtClean="0">
+                <a:solidFill>
+                  <a:schemeClr val="tx1"/>
+                </a:solidFill>
+                <a:effectLst/>
+                <a:latin typeface="+mn-lt"/>
+                <a:ea typeface="+mn-ea"/>
+                <a:cs typeface="+mn-cs"/>
+              </a:rPr>
+              <a:t>是一个静态函数，所以函数体内不能访问</a:t>
+            </a:r>
+            <a:r>
+              <a:rPr lang="en-US" altLang="zh-CN" sz="1200" b="0" i="0" kern="1200" dirty="0" smtClean="0">
+                <a:solidFill>
+                  <a:schemeClr val="tx1"/>
+                </a:solidFill>
+                <a:effectLst/>
+                <a:latin typeface="+mn-lt"/>
+                <a:ea typeface="+mn-ea"/>
+                <a:cs typeface="+mn-cs"/>
+              </a:rPr>
+              <a:t>this</a:t>
+            </a:r>
+            <a:endParaRPr lang="en-US" altLang="zh-CN" sz="1200" dirty="0" smtClean="0">
+              <a:latin typeface="Consolas" panose="020B0609020204030204" pitchFamily="49" charset="0"/>
+            </a:endParaRPr>
+          </a:p>
+        </p:txBody>
+      </p:sp>
+      <p:sp>
+        <p:nvSpPr>
+          <p:cNvPr id="4" name="灯片编号占位符 3"/>
+          <p:cNvSpPr>
+            <a:spLocks noGrp="1"/>
+          </p:cNvSpPr>
+          <p:nvPr>
+            <p:ph type="sldNum" sz="quarter" idx="10"/>
+          </p:nvPr>
+        </p:nvSpPr>
+        <p:spPr/>
+        <p:txBody>
+          <a:bodyPr/>
+          <a:lstStyle/>
+          <a:p>
+            <a:fld id="{933F5AFF-D81E-4C08-8F4D-34ABD7A65093}" type="slidenum">
+              <a:rPr lang="zh-CN" altLang="en-US" smtClean="0"/>
+              <a:t>14</a:t>
+            </a:fld>
+            <a:endParaRPr lang="zh-CN" altLang="en-US"/>
+          </a:p>
+        </p:txBody>
+      </p:sp>
+    </p:spTree>
+    <p:extLst>
+      <p:ext uri="{BB962C8B-B14F-4D97-AF65-F5344CB8AC3E}">
+        <p14:creationId xmlns:p14="http://schemas.microsoft.com/office/powerpoint/2010/main" val="2629392671"/>
       </p:ext>
     </p:extLst>
   </p:cSld>
@@ -1771,7 +2107,7 @@
           <a:p>
             <a:fld id="{526B8B47-29F2-4AB1-95E5-A1E1ABC128C6}" type="datetimeFigureOut">
               <a:rPr lang="zh-CN" altLang="en-US" smtClean="0"/>
-              <a:t>2018/10/30</a:t>
+              <a:t>2018/10/31</a:t>
             </a:fld>
             <a:endParaRPr lang="zh-CN" altLang="en-US"/>
           </a:p>
@@ -1941,7 +2277,7 @@
           <a:p>
             <a:fld id="{526B8B47-29F2-4AB1-95E5-A1E1ABC128C6}" type="datetimeFigureOut">
               <a:rPr lang="zh-CN" altLang="en-US" smtClean="0"/>
-              <a:t>2018/10/30</a:t>
+              <a:t>2018/10/31</a:t>
             </a:fld>
             <a:endParaRPr lang="zh-CN" altLang="en-US"/>
           </a:p>
@@ -2121,7 +2457,7 @@
           <a:p>
             <a:fld id="{526B8B47-29F2-4AB1-95E5-A1E1ABC128C6}" type="datetimeFigureOut">
               <a:rPr lang="zh-CN" altLang="en-US" smtClean="0"/>
-              <a:t>2018/10/30</a:t>
+              <a:t>2018/10/31</a:t>
             </a:fld>
             <a:endParaRPr lang="zh-CN" altLang="en-US"/>
           </a:p>
@@ -2291,7 +2627,7 @@
           <a:p>
             <a:fld id="{526B8B47-29F2-4AB1-95E5-A1E1ABC128C6}" type="datetimeFigureOut">
               <a:rPr lang="zh-CN" altLang="en-US" smtClean="0"/>
-              <a:t>2018/10/30</a:t>
+              <a:t>2018/10/31</a:t>
             </a:fld>
             <a:endParaRPr lang="zh-CN" altLang="en-US"/>
           </a:p>
@@ -2537,7 +2873,7 @@
           <a:p>
             <a:fld id="{526B8B47-29F2-4AB1-95E5-A1E1ABC128C6}" type="datetimeFigureOut">
               <a:rPr lang="zh-CN" altLang="en-US" smtClean="0"/>
-              <a:t>2018/10/30</a:t>
+              <a:t>2018/10/31</a:t>
             </a:fld>
             <a:endParaRPr lang="zh-CN" altLang="en-US"/>
           </a:p>
@@ -2769,7 +3105,7 @@
           <a:p>
             <a:fld id="{526B8B47-29F2-4AB1-95E5-A1E1ABC128C6}" type="datetimeFigureOut">
               <a:rPr lang="zh-CN" altLang="en-US" smtClean="0"/>
-              <a:t>2018/10/30</a:t>
+              <a:t>2018/10/31</a:t>
             </a:fld>
             <a:endParaRPr lang="zh-CN" altLang="en-US"/>
           </a:p>
@@ -3136,7 +3472,7 @@
           <a:p>
             <a:fld id="{526B8B47-29F2-4AB1-95E5-A1E1ABC128C6}" type="datetimeFigureOut">
               <a:rPr lang="zh-CN" altLang="en-US" smtClean="0"/>
-              <a:t>2018/10/30</a:t>
+              <a:t>2018/10/31</a:t>
             </a:fld>
             <a:endParaRPr lang="zh-CN" altLang="en-US"/>
           </a:p>
@@ -3254,7 +3590,7 @@
           <a:p>
             <a:fld id="{526B8B47-29F2-4AB1-95E5-A1E1ABC128C6}" type="datetimeFigureOut">
               <a:rPr lang="zh-CN" altLang="en-US" smtClean="0"/>
-              <a:t>2018/10/30</a:t>
+              <a:t>2018/10/31</a:t>
             </a:fld>
             <a:endParaRPr lang="zh-CN" altLang="en-US"/>
           </a:p>
@@ -3349,7 +3685,7 @@
           <a:p>
             <a:fld id="{526B8B47-29F2-4AB1-95E5-A1E1ABC128C6}" type="datetimeFigureOut">
               <a:rPr lang="zh-CN" altLang="en-US" smtClean="0"/>
-              <a:t>2018/10/30</a:t>
+              <a:t>2018/10/31</a:t>
             </a:fld>
             <a:endParaRPr lang="zh-CN" altLang="en-US"/>
           </a:p>
@@ -3626,7 +3962,7 @@
           <a:p>
             <a:fld id="{526B8B47-29F2-4AB1-95E5-A1E1ABC128C6}" type="datetimeFigureOut">
               <a:rPr lang="zh-CN" altLang="en-US" smtClean="0"/>
-              <a:t>2018/10/30</a:t>
+              <a:t>2018/10/31</a:t>
             </a:fld>
             <a:endParaRPr lang="zh-CN" altLang="en-US"/>
           </a:p>
@@ -3879,7 +4215,7 @@
           <a:p>
             <a:fld id="{526B8B47-29F2-4AB1-95E5-A1E1ABC128C6}" type="datetimeFigureOut">
               <a:rPr lang="zh-CN" altLang="en-US" smtClean="0"/>
-              <a:t>2018/10/30</a:t>
+              <a:t>2018/10/31</a:t>
             </a:fld>
             <a:endParaRPr lang="zh-CN" altLang="en-US"/>
           </a:p>
@@ -4092,7 +4428,7 @@
           <a:p>
             <a:fld id="{526B8B47-29F2-4AB1-95E5-A1E1ABC128C6}" type="datetimeFigureOut">
               <a:rPr lang="zh-CN" altLang="en-US" smtClean="0"/>
-              <a:t>2018/10/30</a:t>
+              <a:t>2018/10/31</a:t>
             </a:fld>
             <a:endParaRPr lang="zh-CN" altLang="en-US"/>
           </a:p>
@@ -6017,6 +6353,13 @@
   <p:clrMapOvr>
     <a:masterClrMapping/>
   </p:clrMapOvr>
+  <p:timing>
+    <p:tnLst>
+      <p:par>
+        <p:cTn id="1" dur="indefinite" restart="never" nodeType="tmRoot"/>
+      </p:par>
+    </p:tnLst>
+  </p:timing>
 </p:sld>
 </file>
 
@@ -6094,16 +6437,42 @@
             <a:endParaRPr lang="en-US" altLang="zh-CN" dirty="0" smtClean="0"/>
           </a:p>
           <a:p>
-            <a:endParaRPr lang="en-US" altLang="zh-CN" dirty="0"/>
-          </a:p>
-          <a:p>
+            <a:endParaRPr lang="en-US" altLang="zh-CN" dirty="0" smtClean="0"/>
+          </a:p>
+          <a:p>
+            <a:r>
+              <a:rPr lang="zh-CN" altLang="en-US" dirty="0" smtClean="0"/>
+              <a:t>构造函数</a:t>
+            </a:r>
+            <a:r>
+              <a:rPr lang="en-US" altLang="zh-CN" dirty="0" smtClean="0"/>
+              <a:t>(constructor)</a:t>
+            </a:r>
+            <a:r>
+              <a:rPr lang="zh-CN" altLang="en-US" dirty="0" smtClean="0"/>
+              <a:t>是唯一可以初始化 </a:t>
+            </a:r>
             <a:r>
               <a:rPr lang="en-US" altLang="zh-CN" dirty="0" smtClean="0"/>
               <a:t>state </a:t>
             </a:r>
             <a:r>
               <a:rPr lang="zh-CN" altLang="en-US" dirty="0" smtClean="0"/>
-              <a:t>可以通过 </a:t>
+              <a:t>的地方</a:t>
+            </a:r>
+            <a:endParaRPr lang="en-US" altLang="zh-CN" dirty="0" smtClean="0"/>
+          </a:p>
+          <a:p>
+            <a:endParaRPr lang="en-US" altLang="zh-CN" dirty="0"/>
+          </a:p>
+          <a:p>
+            <a:r>
+              <a:rPr lang="en-US" altLang="zh-CN" dirty="0" smtClean="0"/>
+              <a:t>state </a:t>
+            </a:r>
+            <a:r>
+              <a:rPr lang="zh-CN" altLang="en-US" dirty="0" smtClean="0"/>
+              <a:t>能且仅能通过 </a:t>
             </a:r>
             <a:r>
               <a:rPr lang="en-US" altLang="zh-CN" dirty="0" err="1" smtClean="0">
@@ -6121,7 +6490,55 @@
               <a:rPr lang="zh-CN" altLang="en-US" dirty="0" smtClean="0"/>
               <a:t>进行修改</a:t>
             </a:r>
-            <a:endParaRPr lang="zh-CN" altLang="en-US" dirty="0"/>
+            <a:endParaRPr lang="en-US" altLang="zh-CN" dirty="0" smtClean="0"/>
+          </a:p>
+          <a:p>
+            <a:pPr lvl="1"/>
+            <a:r>
+              <a:rPr lang="en-US" altLang="zh-CN" dirty="0" err="1" smtClean="0">
+                <a:solidFill>
+                  <a:srgbClr val="FF0000"/>
+                </a:solidFill>
+                <a:latin typeface="Consolas" panose="020B0609020204030204" pitchFamily="49" charset="0"/>
+              </a:rPr>
+              <a:t>this.state.key</a:t>
+            </a:r>
+            <a:r>
+              <a:rPr lang="en-US" altLang="zh-CN" dirty="0" smtClean="0">
+                <a:solidFill>
+                  <a:srgbClr val="FF0000"/>
+                </a:solidFill>
+                <a:latin typeface="Consolas" panose="020B0609020204030204" pitchFamily="49" charset="0"/>
+              </a:rPr>
+              <a:t> = </a:t>
+            </a:r>
+            <a:r>
+              <a:rPr lang="en-US" altLang="zh-CN" dirty="0" err="1" smtClean="0">
+                <a:solidFill>
+                  <a:srgbClr val="FF0000"/>
+                </a:solidFill>
+                <a:latin typeface="Consolas" panose="020B0609020204030204" pitchFamily="49" charset="0"/>
+              </a:rPr>
+              <a:t>newValue</a:t>
+            </a:r>
+            <a:r>
+              <a:rPr lang="en-US" altLang="zh-CN" dirty="0" smtClean="0">
+                <a:solidFill>
+                  <a:srgbClr val="FF0000"/>
+                </a:solidFill>
+                <a:latin typeface="Consolas" panose="020B0609020204030204" pitchFamily="49" charset="0"/>
+              </a:rPr>
+              <a:t> </a:t>
+            </a:r>
+            <a:r>
+              <a:rPr lang="zh-CN" altLang="en-US" dirty="0" smtClean="0"/>
+              <a:t>这种写法是错误的</a:t>
+            </a:r>
+            <a:endParaRPr lang="en-US" altLang="zh-CN" dirty="0" smtClean="0">
+              <a:solidFill>
+                <a:srgbClr val="FF0000"/>
+              </a:solidFill>
+            </a:endParaRPr>
           </a:p>
         </p:txBody>
       </p:sp>
@@ -6135,6 +6552,1279 @@
   <p:clrMapOvr>
     <a:masterClrMapping/>
   </p:clrMapOvr>
+  <p:timing>
+    <p:tnLst>
+      <p:par>
+        <p:cTn id="1" dur="indefinite" restart="never" nodeType="tmRoot"/>
+      </p:par>
+    </p:tnLst>
+  </p:timing>
+</p:sld>
+</file>
+
+<file path=ppt/slides/slide14.xml><?xml version="1.0" encoding="utf-8"?>
+<p:sld xmlns:a="http://schemas.openxmlformats.org/drawingml/2006/main" xmlns:r="http://schemas.openxmlformats.org/officeDocument/2006/relationships" xmlns:p="http://schemas.openxmlformats.org/presentationml/2006/main">
+  <p:cSld>
+    <p:spTree>
+      <p:nvGrpSpPr>
+        <p:cNvPr id="1" name=""/>
+        <p:cNvGrpSpPr/>
+        <p:nvPr/>
+      </p:nvGrpSpPr>
+      <p:grpSpPr>
+        <a:xfrm>
+          <a:off x="0" y="0"/>
+          <a:ext cx="0" cy="0"/>
+          <a:chOff x="0" y="0"/>
+          <a:chExt cx="0" cy="0"/>
+        </a:xfrm>
+      </p:grpSpPr>
+      <p:sp>
+        <p:nvSpPr>
+          <p:cNvPr id="2" name="标题 1"/>
+          <p:cNvSpPr>
+            <a:spLocks noGrp="1"/>
+          </p:cNvSpPr>
+          <p:nvPr>
+            <p:ph type="title"/>
+          </p:nvPr>
+        </p:nvSpPr>
+        <p:spPr/>
+        <p:txBody>
+          <a:bodyPr/>
+          <a:lstStyle/>
+          <a:p>
+            <a:r>
+              <a:rPr lang="en-US" altLang="zh-CN" dirty="0" smtClean="0"/>
+              <a:t>2.5 </a:t>
+            </a:r>
+            <a:r>
+              <a:rPr lang="zh-CN" altLang="en-US" dirty="0" smtClean="0"/>
+              <a:t>组件生命周期 </a:t>
+            </a:r>
+            <a:r>
+              <a:rPr lang="en-US" altLang="zh-CN" dirty="0"/>
+              <a:t>(v16.3</a:t>
+            </a:r>
+            <a:r>
+              <a:rPr lang="zh-CN" altLang="en-US" dirty="0"/>
+              <a:t>之后</a:t>
+            </a:r>
+            <a:r>
+              <a:rPr lang="en-US" altLang="zh-CN" dirty="0" smtClean="0"/>
+              <a:t>)</a:t>
+            </a:r>
+            <a:endParaRPr lang="zh-CN" altLang="en-US" dirty="0"/>
+          </a:p>
+        </p:txBody>
+      </p:sp>
+      <p:sp>
+        <p:nvSpPr>
+          <p:cNvPr id="4" name="内容占位符 3"/>
+          <p:cNvSpPr>
+            <a:spLocks noGrp="1"/>
+          </p:cNvSpPr>
+          <p:nvPr>
+            <p:ph idx="1"/>
+          </p:nvPr>
+        </p:nvSpPr>
+        <p:spPr/>
+        <p:txBody>
+          <a:bodyPr/>
+          <a:lstStyle/>
+          <a:p>
+            <a:pPr marL="0" indent="0">
+              <a:buNone/>
+            </a:pPr>
+            <a:r>
+              <a:rPr lang="zh-CN" altLang="en-US" dirty="0" smtClean="0"/>
+              <a:t>组件创建</a:t>
+            </a:r>
+            <a:r>
+              <a:rPr lang="zh-CN" altLang="en-US" dirty="0"/>
+              <a:t>和</a:t>
+            </a:r>
+            <a:r>
+              <a:rPr lang="zh-CN" altLang="en-US" dirty="0" smtClean="0"/>
+              <a:t>插入 </a:t>
+            </a:r>
+            <a:r>
+              <a:rPr lang="en-US" altLang="zh-CN" dirty="0" smtClean="0"/>
+              <a:t>DOM </a:t>
+            </a:r>
+            <a:r>
+              <a:rPr lang="zh-CN" altLang="en-US" dirty="0" smtClean="0"/>
+              <a:t>中时调用</a:t>
+            </a:r>
+            <a:endParaRPr lang="en-US" altLang="zh-CN" dirty="0" smtClean="0"/>
+          </a:p>
+          <a:p>
+            <a:r>
+              <a:rPr lang="en-US" altLang="zh-CN" sz="2600" dirty="0">
+                <a:latin typeface="Consolas" panose="020B0609020204030204" pitchFamily="49" charset="0"/>
+              </a:rPr>
+              <a:t>constructor</a:t>
+            </a:r>
+            <a:r>
+              <a:rPr lang="en-US" altLang="zh-CN" sz="2600" dirty="0" smtClean="0">
+                <a:latin typeface="Consolas" panose="020B0609020204030204" pitchFamily="49" charset="0"/>
+              </a:rPr>
+              <a:t>() </a:t>
+            </a:r>
+            <a:r>
+              <a:rPr lang="zh-CN" altLang="en-US" sz="2600" dirty="0" smtClean="0">
+                <a:latin typeface="Consolas" panose="020B0609020204030204" pitchFamily="49" charset="0"/>
+              </a:rPr>
+              <a:t>组件构造函数</a:t>
+            </a:r>
+            <a:endParaRPr lang="en-US" altLang="zh-CN" sz="2600" dirty="0">
+              <a:latin typeface="Consolas" panose="020B0609020204030204" pitchFamily="49" charset="0"/>
+            </a:endParaRPr>
+          </a:p>
+          <a:p>
+            <a:r>
+              <a:rPr lang="en-US" altLang="zh-CN" sz="2600" dirty="0" smtClean="0">
+                <a:latin typeface="Consolas" panose="020B0609020204030204" pitchFamily="49" charset="0"/>
+              </a:rPr>
+              <a:t>static </a:t>
+            </a:r>
+            <a:r>
+              <a:rPr lang="en-US" altLang="zh-CN" sz="2600" dirty="0" err="1" smtClean="0">
+                <a:latin typeface="Consolas" panose="020B0609020204030204" pitchFamily="49" charset="0"/>
+              </a:rPr>
+              <a:t>getDerivedStateFromProps</a:t>
+            </a:r>
+            <a:r>
+              <a:rPr lang="en-US" altLang="zh-CN" sz="2600" dirty="0" smtClean="0">
+                <a:latin typeface="Consolas" panose="020B0609020204030204" pitchFamily="49" charset="0"/>
+              </a:rPr>
+              <a:t>() </a:t>
+            </a:r>
+            <a:r>
+              <a:rPr lang="zh-CN" altLang="en-US" sz="2400" dirty="0" smtClean="0">
+                <a:latin typeface="Consolas" panose="020B0609020204030204" pitchFamily="49" charset="0"/>
+              </a:rPr>
+              <a:t>处理</a:t>
+            </a:r>
+            <a:r>
+              <a:rPr lang="zh-CN" altLang="en-US" sz="2400" dirty="0">
+                <a:latin typeface="Consolas" panose="020B0609020204030204" pitchFamily="49" charset="0"/>
+              </a:rPr>
+              <a:t>用到</a:t>
+            </a:r>
+            <a:r>
+              <a:rPr lang="zh-CN" altLang="en-US" sz="2400" dirty="0" smtClean="0">
+                <a:latin typeface="Consolas" panose="020B0609020204030204" pitchFamily="49" charset="0"/>
+              </a:rPr>
+              <a:t> </a:t>
+            </a:r>
+            <a:r>
+              <a:rPr lang="en-US" altLang="zh-CN" sz="2400" dirty="0" smtClean="0">
+                <a:latin typeface="Consolas" panose="020B0609020204030204" pitchFamily="49" charset="0"/>
+              </a:rPr>
+              <a:t>props </a:t>
+            </a:r>
+            <a:r>
+              <a:rPr lang="zh-CN" altLang="en-US" sz="2400" dirty="0" smtClean="0">
+                <a:latin typeface="Consolas" panose="020B0609020204030204" pitchFamily="49" charset="0"/>
+              </a:rPr>
+              <a:t>的 </a:t>
+            </a:r>
+            <a:r>
+              <a:rPr lang="en-US" altLang="zh-CN" sz="2400" dirty="0" smtClean="0">
+                <a:latin typeface="Consolas" panose="020B0609020204030204" pitchFamily="49" charset="0"/>
+              </a:rPr>
+              <a:t>state</a:t>
+            </a:r>
+            <a:endParaRPr lang="en-US" altLang="zh-CN" sz="2400" dirty="0">
+              <a:latin typeface="Consolas" panose="020B0609020204030204" pitchFamily="49" charset="0"/>
+            </a:endParaRPr>
+          </a:p>
+          <a:p>
+            <a:r>
+              <a:rPr lang="en-US" altLang="zh-CN" sz="2600" strike="sngStrike" dirty="0" err="1">
+                <a:latin typeface="Consolas" panose="020B0609020204030204" pitchFamily="49" charset="0"/>
+              </a:rPr>
+              <a:t>componentWillMount</a:t>
+            </a:r>
+            <a:r>
+              <a:rPr lang="en-US" altLang="zh-CN" sz="2600" strike="sngStrike" dirty="0" smtClean="0">
+                <a:latin typeface="Consolas" panose="020B0609020204030204" pitchFamily="49" charset="0"/>
+              </a:rPr>
+              <a:t>()</a:t>
+            </a:r>
+            <a:r>
+              <a:rPr lang="en-US" altLang="zh-CN" sz="2600" dirty="0" smtClean="0">
+                <a:latin typeface="Consolas" panose="020B0609020204030204" pitchFamily="49" charset="0"/>
+              </a:rPr>
+              <a:t> </a:t>
+            </a:r>
+            <a:r>
+              <a:rPr lang="zh-CN" altLang="en-US" sz="2600" i="1" dirty="0" smtClean="0">
+                <a:latin typeface="Consolas" panose="020B0609020204030204" pitchFamily="49" charset="0"/>
+              </a:rPr>
+              <a:t>在 </a:t>
+            </a:r>
+            <a:r>
+              <a:rPr lang="en-US" altLang="zh-CN" sz="2600" i="1" dirty="0" smtClean="0">
+                <a:latin typeface="Consolas" panose="020B0609020204030204" pitchFamily="49" charset="0"/>
+              </a:rPr>
+              <a:t>v17.0 </a:t>
+            </a:r>
+            <a:r>
+              <a:rPr lang="zh-CN" altLang="en-US" sz="2600" i="1" dirty="0" smtClean="0">
+                <a:latin typeface="Consolas" panose="020B0609020204030204" pitchFamily="49" charset="0"/>
+              </a:rPr>
+              <a:t>中将被废除</a:t>
+            </a:r>
+            <a:endParaRPr lang="en-US" altLang="zh-CN" sz="2600" i="1" strike="sngStrike" dirty="0" smtClean="0">
+              <a:latin typeface="Consolas" panose="020B0609020204030204" pitchFamily="49" charset="0"/>
+            </a:endParaRPr>
+          </a:p>
+          <a:p>
+            <a:r>
+              <a:rPr lang="en-US" altLang="zh-CN" sz="2600" dirty="0" smtClean="0">
+                <a:latin typeface="Consolas" panose="020B0609020204030204" pitchFamily="49" charset="0"/>
+              </a:rPr>
+              <a:t>render</a:t>
+            </a:r>
+            <a:r>
+              <a:rPr lang="en-US" altLang="zh-CN" sz="2600" dirty="0" smtClean="0">
+                <a:latin typeface="Consolas" panose="020B0609020204030204" pitchFamily="49" charset="0"/>
+              </a:rPr>
+              <a:t>() </a:t>
+            </a:r>
+            <a:r>
+              <a:rPr lang="zh-CN" altLang="en-US" sz="2600" dirty="0" smtClean="0">
+                <a:latin typeface="Consolas" panose="020B0609020204030204" pitchFamily="49" charset="0"/>
+              </a:rPr>
+              <a:t>渲染</a:t>
+            </a:r>
+            <a:endParaRPr lang="en-US" altLang="zh-CN" sz="2600" dirty="0">
+              <a:latin typeface="Consolas" panose="020B0609020204030204" pitchFamily="49" charset="0"/>
+            </a:endParaRPr>
+          </a:p>
+          <a:p>
+            <a:r>
+              <a:rPr lang="en-US" altLang="zh-CN" sz="2600" dirty="0" err="1">
+                <a:latin typeface="Consolas" panose="020B0609020204030204" pitchFamily="49" charset="0"/>
+              </a:rPr>
+              <a:t>componentDidMount</a:t>
+            </a:r>
+            <a:r>
+              <a:rPr lang="en-US" altLang="zh-CN" sz="2600" dirty="0" smtClean="0">
+                <a:latin typeface="Consolas" panose="020B0609020204030204" pitchFamily="49" charset="0"/>
+              </a:rPr>
+              <a:t>() </a:t>
+            </a:r>
+            <a:r>
+              <a:rPr lang="zh-CN" altLang="en-US" sz="2600" dirty="0" smtClean="0">
+                <a:latin typeface="Consolas" panose="020B0609020204030204" pitchFamily="49" charset="0"/>
+              </a:rPr>
+              <a:t>组件插入真实 </a:t>
+            </a:r>
+            <a:r>
+              <a:rPr lang="en-US" altLang="zh-CN" sz="2600" dirty="0" smtClean="0">
+                <a:latin typeface="Consolas" panose="020B0609020204030204" pitchFamily="49" charset="0"/>
+              </a:rPr>
+              <a:t>DOM </a:t>
+            </a:r>
+            <a:r>
+              <a:rPr lang="zh-CN" altLang="en-US" sz="2600" dirty="0" smtClean="0">
+                <a:latin typeface="Consolas" panose="020B0609020204030204" pitchFamily="49" charset="0"/>
+              </a:rPr>
+              <a:t>完毕</a:t>
+            </a:r>
+            <a:endParaRPr lang="zh-CN" altLang="en-US" sz="2600" dirty="0">
+              <a:latin typeface="Consolas" panose="020B0609020204030204" pitchFamily="49" charset="0"/>
+            </a:endParaRPr>
+          </a:p>
+        </p:txBody>
+      </p:sp>
+    </p:spTree>
+    <p:extLst>
+      <p:ext uri="{BB962C8B-B14F-4D97-AF65-F5344CB8AC3E}">
+        <p14:creationId xmlns:p14="http://schemas.microsoft.com/office/powerpoint/2010/main" val="734602917"/>
+      </p:ext>
+    </p:extLst>
+  </p:cSld>
+  <p:clrMapOvr>
+    <a:masterClrMapping/>
+  </p:clrMapOvr>
+  <p:timing>
+    <p:tnLst>
+      <p:par>
+        <p:cTn id="1" dur="indefinite" restart="never" nodeType="tmRoot"/>
+      </p:par>
+    </p:tnLst>
+  </p:timing>
+</p:sld>
+</file>
+
+<file path=ppt/slides/slide15.xml><?xml version="1.0" encoding="utf-8"?>
+<p:sld xmlns:a="http://schemas.openxmlformats.org/drawingml/2006/main" xmlns:r="http://schemas.openxmlformats.org/officeDocument/2006/relationships" xmlns:p="http://schemas.openxmlformats.org/presentationml/2006/main">
+  <p:cSld>
+    <p:spTree>
+      <p:nvGrpSpPr>
+        <p:cNvPr id="1" name=""/>
+        <p:cNvGrpSpPr/>
+        <p:nvPr/>
+      </p:nvGrpSpPr>
+      <p:grpSpPr>
+        <a:xfrm>
+          <a:off x="0" y="0"/>
+          <a:ext cx="0" cy="0"/>
+          <a:chOff x="0" y="0"/>
+          <a:chExt cx="0" cy="0"/>
+        </a:xfrm>
+      </p:grpSpPr>
+      <p:sp>
+        <p:nvSpPr>
+          <p:cNvPr id="2" name="标题 1"/>
+          <p:cNvSpPr>
+            <a:spLocks noGrp="1"/>
+          </p:cNvSpPr>
+          <p:nvPr>
+            <p:ph type="title"/>
+          </p:nvPr>
+        </p:nvSpPr>
+        <p:spPr/>
+        <p:txBody>
+          <a:bodyPr/>
+          <a:lstStyle/>
+          <a:p>
+            <a:r>
+              <a:rPr lang="en-US" altLang="zh-CN" dirty="0" smtClean="0"/>
+              <a:t>2.5 </a:t>
+            </a:r>
+            <a:r>
+              <a:rPr lang="zh-CN" altLang="en-US" dirty="0" smtClean="0"/>
+              <a:t>组件</a:t>
+            </a:r>
+            <a:r>
+              <a:rPr lang="zh-CN" altLang="en-US" dirty="0"/>
+              <a:t>生命周期 </a:t>
+            </a:r>
+            <a:r>
+              <a:rPr lang="en-US" altLang="zh-CN" dirty="0"/>
+              <a:t>(v16.3</a:t>
+            </a:r>
+            <a:r>
+              <a:rPr lang="zh-CN" altLang="en-US" dirty="0"/>
+              <a:t>之后</a:t>
+            </a:r>
+            <a:r>
+              <a:rPr lang="en-US" altLang="zh-CN" dirty="0"/>
+              <a:t>)</a:t>
+            </a:r>
+            <a:endParaRPr lang="zh-CN" altLang="en-US" dirty="0"/>
+          </a:p>
+        </p:txBody>
+      </p:sp>
+      <p:sp>
+        <p:nvSpPr>
+          <p:cNvPr id="3" name="内容占位符 2"/>
+          <p:cNvSpPr>
+            <a:spLocks noGrp="1"/>
+          </p:cNvSpPr>
+          <p:nvPr>
+            <p:ph idx="1"/>
+          </p:nvPr>
+        </p:nvSpPr>
+        <p:spPr/>
+        <p:txBody>
+          <a:bodyPr>
+            <a:normAutofit/>
+          </a:bodyPr>
+          <a:lstStyle/>
+          <a:p>
+            <a:pPr marL="0" indent="0">
+              <a:buNone/>
+            </a:pPr>
+            <a:r>
+              <a:rPr lang="zh-CN" altLang="en-US" dirty="0" smtClean="0"/>
+              <a:t>组件更新时调用</a:t>
+            </a:r>
+            <a:endParaRPr lang="en-US" altLang="zh-CN" dirty="0" smtClean="0"/>
+          </a:p>
+          <a:p>
+            <a:r>
+              <a:rPr lang="en-US" altLang="zh-CN" strike="sngStrike" dirty="0" err="1">
+                <a:latin typeface="Consolas" panose="020B0609020204030204" pitchFamily="49" charset="0"/>
+              </a:rPr>
+              <a:t>componentWillReceiveProps</a:t>
+            </a:r>
+            <a:r>
+              <a:rPr lang="en-US" altLang="zh-CN" strike="sngStrike" dirty="0" smtClean="0">
+                <a:latin typeface="Consolas" panose="020B0609020204030204" pitchFamily="49" charset="0"/>
+              </a:rPr>
+              <a:t>()</a:t>
+            </a:r>
+            <a:r>
+              <a:rPr lang="en-US" altLang="zh-CN" dirty="0" smtClean="0">
+                <a:latin typeface="Consolas" panose="020B0609020204030204" pitchFamily="49" charset="0"/>
+              </a:rPr>
+              <a:t> </a:t>
+            </a:r>
+            <a:r>
+              <a:rPr lang="zh-CN" altLang="en-US" i="1" dirty="0" smtClean="0">
+                <a:latin typeface="Consolas" panose="020B0609020204030204" pitchFamily="49" charset="0"/>
+              </a:rPr>
+              <a:t>在 </a:t>
+            </a:r>
+            <a:r>
+              <a:rPr lang="en-US" altLang="zh-CN" i="1" dirty="0">
+                <a:latin typeface="Consolas" panose="020B0609020204030204" pitchFamily="49" charset="0"/>
+              </a:rPr>
+              <a:t>v17.0 </a:t>
+            </a:r>
+            <a:r>
+              <a:rPr lang="zh-CN" altLang="en-US" i="1" dirty="0">
+                <a:latin typeface="Consolas" panose="020B0609020204030204" pitchFamily="49" charset="0"/>
+              </a:rPr>
+              <a:t>中将被</a:t>
+            </a:r>
+            <a:r>
+              <a:rPr lang="zh-CN" altLang="en-US" i="1" dirty="0" smtClean="0">
+                <a:latin typeface="Consolas" panose="020B0609020204030204" pitchFamily="49" charset="0"/>
+              </a:rPr>
+              <a:t>废除</a:t>
+            </a:r>
+            <a:r>
+              <a:rPr lang="en-US" altLang="zh-CN" dirty="0" smtClean="0">
+                <a:latin typeface="Consolas" panose="020B0609020204030204" pitchFamily="49" charset="0"/>
+              </a:rPr>
+              <a:t> </a:t>
+            </a:r>
+          </a:p>
+          <a:p>
+            <a:r>
+              <a:rPr lang="en-US" altLang="zh-CN" dirty="0" smtClean="0">
+                <a:latin typeface="Consolas" panose="020B0609020204030204" pitchFamily="49" charset="0"/>
+              </a:rPr>
+              <a:t>static </a:t>
+            </a:r>
+            <a:r>
+              <a:rPr lang="en-US" altLang="zh-CN" dirty="0" err="1" smtClean="0">
+                <a:latin typeface="Consolas" panose="020B0609020204030204" pitchFamily="49" charset="0"/>
+              </a:rPr>
+              <a:t>getDerivedStateFromProps</a:t>
+            </a:r>
+            <a:r>
+              <a:rPr lang="en-US" altLang="zh-CN" dirty="0">
+                <a:latin typeface="Consolas" panose="020B0609020204030204" pitchFamily="49" charset="0"/>
+              </a:rPr>
+              <a:t>()</a:t>
+            </a:r>
+          </a:p>
+          <a:p>
+            <a:r>
+              <a:rPr lang="en-US" altLang="zh-CN" dirty="0" err="1">
+                <a:latin typeface="Consolas" panose="020B0609020204030204" pitchFamily="49" charset="0"/>
+              </a:rPr>
+              <a:t>shouldComponentUpdate</a:t>
+            </a:r>
+            <a:r>
+              <a:rPr lang="en-US" altLang="zh-CN" dirty="0" smtClean="0">
+                <a:latin typeface="Consolas" panose="020B0609020204030204" pitchFamily="49" charset="0"/>
+              </a:rPr>
+              <a:t>() </a:t>
+            </a:r>
+            <a:r>
+              <a:rPr lang="zh-CN" altLang="en-US" dirty="0" smtClean="0">
+                <a:latin typeface="Consolas" panose="020B0609020204030204" pitchFamily="49" charset="0"/>
+              </a:rPr>
+              <a:t>组件是否需要重新渲染</a:t>
+            </a:r>
+            <a:endParaRPr lang="en-US" altLang="zh-CN" dirty="0">
+              <a:latin typeface="Consolas" panose="020B0609020204030204" pitchFamily="49" charset="0"/>
+            </a:endParaRPr>
+          </a:p>
+          <a:p>
+            <a:r>
+              <a:rPr lang="en-US" altLang="zh-CN" strike="sngStrike" dirty="0" err="1">
+                <a:latin typeface="Consolas" panose="020B0609020204030204" pitchFamily="49" charset="0"/>
+              </a:rPr>
+              <a:t>componentWillUpdate</a:t>
+            </a:r>
+            <a:r>
+              <a:rPr lang="en-US" altLang="zh-CN" strike="sngStrike" dirty="0" smtClean="0">
+                <a:latin typeface="Consolas" panose="020B0609020204030204" pitchFamily="49" charset="0"/>
+              </a:rPr>
+              <a:t>()</a:t>
+            </a:r>
+            <a:r>
+              <a:rPr lang="en-US" altLang="zh-CN" dirty="0" smtClean="0">
+                <a:latin typeface="Consolas" panose="020B0609020204030204" pitchFamily="49" charset="0"/>
+              </a:rPr>
+              <a:t> </a:t>
+            </a:r>
+            <a:r>
+              <a:rPr lang="zh-CN" altLang="en-US" i="1" dirty="0" smtClean="0">
+                <a:latin typeface="Consolas" panose="020B0609020204030204" pitchFamily="49" charset="0"/>
+              </a:rPr>
+              <a:t>在 </a:t>
+            </a:r>
+            <a:r>
+              <a:rPr lang="en-US" altLang="zh-CN" i="1" dirty="0">
+                <a:latin typeface="Consolas" panose="020B0609020204030204" pitchFamily="49" charset="0"/>
+              </a:rPr>
+              <a:t>v17.0 </a:t>
+            </a:r>
+            <a:r>
+              <a:rPr lang="zh-CN" altLang="en-US" i="1" dirty="0">
+                <a:latin typeface="Consolas" panose="020B0609020204030204" pitchFamily="49" charset="0"/>
+              </a:rPr>
+              <a:t>中将被</a:t>
+            </a:r>
+            <a:r>
+              <a:rPr lang="zh-CN" altLang="en-US" i="1" dirty="0" smtClean="0">
+                <a:latin typeface="Consolas" panose="020B0609020204030204" pitchFamily="49" charset="0"/>
+              </a:rPr>
+              <a:t>废除</a:t>
+            </a:r>
+            <a:endParaRPr lang="en-US" altLang="zh-CN" dirty="0" smtClean="0">
+              <a:latin typeface="Consolas" panose="020B0609020204030204" pitchFamily="49" charset="0"/>
+            </a:endParaRPr>
+          </a:p>
+          <a:p>
+            <a:r>
+              <a:rPr lang="en-US" altLang="zh-CN" dirty="0" smtClean="0">
+                <a:latin typeface="Consolas" panose="020B0609020204030204" pitchFamily="49" charset="0"/>
+              </a:rPr>
+              <a:t>render</a:t>
+            </a:r>
+            <a:r>
+              <a:rPr lang="en-US" altLang="zh-CN" dirty="0" smtClean="0">
+                <a:latin typeface="Consolas" panose="020B0609020204030204" pitchFamily="49" charset="0"/>
+              </a:rPr>
+              <a:t>() </a:t>
+            </a:r>
+            <a:r>
+              <a:rPr lang="zh-CN" altLang="en-US" dirty="0" smtClean="0">
+                <a:latin typeface="Consolas" panose="020B0609020204030204" pitchFamily="49" charset="0"/>
+              </a:rPr>
+              <a:t>重新渲染</a:t>
+            </a:r>
+            <a:endParaRPr lang="en-US" altLang="zh-CN" dirty="0">
+              <a:latin typeface="Consolas" panose="020B0609020204030204" pitchFamily="49" charset="0"/>
+            </a:endParaRPr>
+          </a:p>
+          <a:p>
+            <a:r>
+              <a:rPr lang="en-US" altLang="zh-CN" dirty="0" err="1">
+                <a:latin typeface="Consolas" panose="020B0609020204030204" pitchFamily="49" charset="0"/>
+              </a:rPr>
+              <a:t>getSnapshotBeforeUpdate</a:t>
+            </a:r>
+            <a:r>
+              <a:rPr lang="en-US" altLang="zh-CN" dirty="0" smtClean="0">
+                <a:latin typeface="Consolas" panose="020B0609020204030204" pitchFamily="49" charset="0"/>
+              </a:rPr>
+              <a:t>() </a:t>
+            </a:r>
+            <a:r>
+              <a:rPr lang="zh-CN" altLang="en-US" sz="1600" dirty="0" smtClean="0">
+                <a:latin typeface="Consolas" panose="020B0609020204030204" pitchFamily="49" charset="0"/>
+              </a:rPr>
+              <a:t>为 </a:t>
+            </a:r>
+            <a:r>
+              <a:rPr lang="en-US" altLang="zh-CN" sz="1600" dirty="0" err="1" smtClean="0">
+                <a:latin typeface="Consolas" panose="020B0609020204030204" pitchFamily="49" charset="0"/>
+              </a:rPr>
+              <a:t>componentDidUpdate</a:t>
+            </a:r>
+            <a:r>
+              <a:rPr lang="en-US" altLang="zh-CN" sz="1600" dirty="0" smtClean="0">
+                <a:latin typeface="Consolas" panose="020B0609020204030204" pitchFamily="49" charset="0"/>
+              </a:rPr>
+              <a:t> </a:t>
+            </a:r>
+            <a:r>
+              <a:rPr lang="zh-CN" altLang="en-US" sz="1600" dirty="0" smtClean="0">
+                <a:latin typeface="Consolas" panose="020B0609020204030204" pitchFamily="49" charset="0"/>
+              </a:rPr>
+              <a:t>提供第三个参数</a:t>
+            </a:r>
+            <a:r>
+              <a:rPr lang="en-US" altLang="zh-CN" sz="1600" dirty="0" smtClean="0">
+                <a:latin typeface="Consolas" panose="020B0609020204030204" pitchFamily="49" charset="0"/>
+              </a:rPr>
+              <a:t>, </a:t>
+            </a:r>
+            <a:r>
+              <a:rPr lang="zh-CN" altLang="en-US" sz="1600" dirty="0" smtClean="0">
+                <a:latin typeface="Consolas" panose="020B0609020204030204" pitchFamily="49" charset="0"/>
+              </a:rPr>
+              <a:t>很少使用</a:t>
+            </a:r>
+            <a:endParaRPr lang="en-US" altLang="zh-CN" sz="1800" dirty="0" smtClean="0">
+              <a:latin typeface="Consolas" panose="020B0609020204030204" pitchFamily="49" charset="0"/>
+            </a:endParaRPr>
+          </a:p>
+          <a:p>
+            <a:r>
+              <a:rPr lang="en-US" altLang="zh-CN" dirty="0" err="1" smtClean="0">
+                <a:latin typeface="Consolas" panose="020B0609020204030204" pitchFamily="49" charset="0"/>
+              </a:rPr>
+              <a:t>componentDidUpdate</a:t>
+            </a:r>
+            <a:r>
+              <a:rPr lang="en-US" altLang="zh-CN" dirty="0" smtClean="0">
+                <a:latin typeface="Consolas" panose="020B0609020204030204" pitchFamily="49" charset="0"/>
+              </a:rPr>
+              <a:t>() </a:t>
+            </a:r>
+            <a:r>
+              <a:rPr lang="zh-CN" altLang="en-US" dirty="0" smtClean="0">
+                <a:latin typeface="Consolas" panose="020B0609020204030204" pitchFamily="49" charset="0"/>
+              </a:rPr>
+              <a:t>组件更新完毕</a:t>
+            </a:r>
+            <a:endParaRPr lang="zh-CN" altLang="en-US" dirty="0">
+              <a:latin typeface="Consolas" panose="020B0609020204030204" pitchFamily="49" charset="0"/>
+            </a:endParaRPr>
+          </a:p>
+        </p:txBody>
+      </p:sp>
+    </p:spTree>
+    <p:extLst>
+      <p:ext uri="{BB962C8B-B14F-4D97-AF65-F5344CB8AC3E}">
+        <p14:creationId xmlns:p14="http://schemas.microsoft.com/office/powerpoint/2010/main" val="178662957"/>
+      </p:ext>
+    </p:extLst>
+  </p:cSld>
+  <p:clrMapOvr>
+    <a:masterClrMapping/>
+  </p:clrMapOvr>
+  <p:timing>
+    <p:tnLst>
+      <p:par>
+        <p:cTn id="1" dur="indefinite" restart="never" nodeType="tmRoot"/>
+      </p:par>
+    </p:tnLst>
+  </p:timing>
+</p:sld>
+</file>
+
+<file path=ppt/slides/slide16.xml><?xml version="1.0" encoding="utf-8"?>
+<p:sld xmlns:a="http://schemas.openxmlformats.org/drawingml/2006/main" xmlns:r="http://schemas.openxmlformats.org/officeDocument/2006/relationships" xmlns:p="http://schemas.openxmlformats.org/presentationml/2006/main">
+  <p:cSld>
+    <p:spTree>
+      <p:nvGrpSpPr>
+        <p:cNvPr id="1" name=""/>
+        <p:cNvGrpSpPr/>
+        <p:nvPr/>
+      </p:nvGrpSpPr>
+      <p:grpSpPr>
+        <a:xfrm>
+          <a:off x="0" y="0"/>
+          <a:ext cx="0" cy="0"/>
+          <a:chOff x="0" y="0"/>
+          <a:chExt cx="0" cy="0"/>
+        </a:xfrm>
+      </p:grpSpPr>
+      <p:sp>
+        <p:nvSpPr>
+          <p:cNvPr id="2" name="标题 1"/>
+          <p:cNvSpPr>
+            <a:spLocks noGrp="1"/>
+          </p:cNvSpPr>
+          <p:nvPr>
+            <p:ph type="title"/>
+          </p:nvPr>
+        </p:nvSpPr>
+        <p:spPr/>
+        <p:txBody>
+          <a:bodyPr/>
+          <a:lstStyle/>
+          <a:p>
+            <a:r>
+              <a:rPr lang="en-US" altLang="zh-CN" dirty="0" smtClean="0"/>
+              <a:t>2.5 </a:t>
+            </a:r>
+            <a:r>
+              <a:rPr lang="zh-CN" altLang="en-US" dirty="0" smtClean="0"/>
+              <a:t>组件</a:t>
+            </a:r>
+            <a:r>
+              <a:rPr lang="zh-CN" altLang="en-US" dirty="0"/>
+              <a:t>生命周期 </a:t>
+            </a:r>
+            <a:r>
+              <a:rPr lang="en-US" altLang="zh-CN" dirty="0"/>
+              <a:t>(v16.3</a:t>
+            </a:r>
+            <a:r>
+              <a:rPr lang="zh-CN" altLang="en-US" dirty="0"/>
+              <a:t>之后</a:t>
+            </a:r>
+            <a:r>
+              <a:rPr lang="en-US" altLang="zh-CN" dirty="0"/>
+              <a:t>)</a:t>
+            </a:r>
+            <a:endParaRPr lang="zh-CN" altLang="en-US" dirty="0"/>
+          </a:p>
+        </p:txBody>
+      </p:sp>
+      <p:sp>
+        <p:nvSpPr>
+          <p:cNvPr id="3" name="内容占位符 2"/>
+          <p:cNvSpPr>
+            <a:spLocks noGrp="1"/>
+          </p:cNvSpPr>
+          <p:nvPr>
+            <p:ph idx="1"/>
+          </p:nvPr>
+        </p:nvSpPr>
+        <p:spPr/>
+        <p:txBody>
+          <a:bodyPr/>
+          <a:lstStyle/>
+          <a:p>
+            <a:r>
+              <a:rPr lang="zh-CN" altLang="en-US" dirty="0" smtClean="0"/>
+              <a:t>组件</a:t>
+            </a:r>
+            <a:r>
+              <a:rPr lang="zh-CN" altLang="en-US" dirty="0"/>
+              <a:t>被</a:t>
+            </a:r>
+            <a:r>
+              <a:rPr lang="zh-CN" altLang="en-US" dirty="0" smtClean="0"/>
+              <a:t>从 </a:t>
+            </a:r>
+            <a:r>
+              <a:rPr lang="en-US" altLang="zh-CN" dirty="0" smtClean="0"/>
+              <a:t>DOM </a:t>
+            </a:r>
+            <a:r>
+              <a:rPr lang="zh-CN" altLang="en-US" dirty="0" smtClean="0"/>
+              <a:t>中</a:t>
+            </a:r>
+            <a:r>
+              <a:rPr lang="zh-CN" altLang="en-US" dirty="0"/>
+              <a:t>移除</a:t>
+            </a:r>
+            <a:r>
+              <a:rPr lang="zh-CN" altLang="en-US" dirty="0" smtClean="0"/>
+              <a:t>时</a:t>
+            </a:r>
+            <a:r>
+              <a:rPr lang="zh-CN" altLang="en-US" dirty="0"/>
+              <a:t>调用</a:t>
+            </a:r>
+            <a:endParaRPr lang="en-US" altLang="zh-CN" dirty="0" smtClean="0"/>
+          </a:p>
+          <a:p>
+            <a:r>
+              <a:rPr lang="en-US" altLang="zh-CN" dirty="0" err="1">
+                <a:latin typeface="Consolas" panose="020B0609020204030204" pitchFamily="49" charset="0"/>
+              </a:rPr>
+              <a:t>componentWillUnmount</a:t>
+            </a:r>
+            <a:r>
+              <a:rPr lang="en-US" altLang="zh-CN" dirty="0" smtClean="0">
+                <a:latin typeface="Consolas" panose="020B0609020204030204" pitchFamily="49" charset="0"/>
+              </a:rPr>
+              <a:t>()</a:t>
+            </a:r>
+          </a:p>
+          <a:p>
+            <a:endParaRPr lang="en-US" altLang="zh-CN" dirty="0">
+              <a:latin typeface="Consolas" panose="020B0609020204030204" pitchFamily="49" charset="0"/>
+            </a:endParaRPr>
+          </a:p>
+          <a:p>
+            <a:endParaRPr lang="en-US" altLang="zh-CN" dirty="0" smtClean="0">
+              <a:latin typeface="Consolas" panose="020B0609020204030204" pitchFamily="49" charset="0"/>
+            </a:endParaRPr>
+          </a:p>
+          <a:p>
+            <a:r>
+              <a:rPr lang="zh-CN" altLang="en-US" dirty="0"/>
+              <a:t>渲染过程中发生错误</a:t>
+            </a:r>
+            <a:r>
+              <a:rPr lang="zh-CN" altLang="en-US" dirty="0" smtClean="0"/>
+              <a:t>时调用</a:t>
+            </a:r>
+            <a:endParaRPr lang="en-US" altLang="zh-CN" dirty="0" smtClean="0"/>
+          </a:p>
+          <a:p>
+            <a:r>
+              <a:rPr lang="en-US" altLang="zh-CN" dirty="0" err="1">
+                <a:latin typeface="Consolas" panose="020B0609020204030204" pitchFamily="49" charset="0"/>
+              </a:rPr>
+              <a:t>componentDidCatch</a:t>
+            </a:r>
+            <a:r>
+              <a:rPr lang="en-US" altLang="zh-CN" dirty="0">
+                <a:latin typeface="Consolas" panose="020B0609020204030204" pitchFamily="49" charset="0"/>
+              </a:rPr>
+              <a:t>()</a:t>
+            </a:r>
+            <a:endParaRPr lang="zh-CN" altLang="en-US" dirty="0">
+              <a:latin typeface="Consolas" panose="020B0609020204030204" pitchFamily="49" charset="0"/>
+            </a:endParaRPr>
+          </a:p>
+        </p:txBody>
+      </p:sp>
+    </p:spTree>
+    <p:extLst>
+      <p:ext uri="{BB962C8B-B14F-4D97-AF65-F5344CB8AC3E}">
+        <p14:creationId xmlns:p14="http://schemas.microsoft.com/office/powerpoint/2010/main" val="1507354163"/>
+      </p:ext>
+    </p:extLst>
+  </p:cSld>
+  <p:clrMapOvr>
+    <a:masterClrMapping/>
+  </p:clrMapOvr>
+  <p:timing>
+    <p:tnLst>
+      <p:par>
+        <p:cTn id="1" dur="indefinite" restart="never" nodeType="tmRoot"/>
+      </p:par>
+    </p:tnLst>
+  </p:timing>
+</p:sld>
+</file>
+
+<file path=ppt/slides/slide17.xml><?xml version="1.0" encoding="utf-8"?>
+<p:sld xmlns:a="http://schemas.openxmlformats.org/drawingml/2006/main" xmlns:r="http://schemas.openxmlformats.org/officeDocument/2006/relationships" xmlns:p="http://schemas.openxmlformats.org/presentationml/2006/main">
+  <p:cSld>
+    <p:spTree>
+      <p:nvGrpSpPr>
+        <p:cNvPr id="1" name=""/>
+        <p:cNvGrpSpPr/>
+        <p:nvPr/>
+      </p:nvGrpSpPr>
+      <p:grpSpPr>
+        <a:xfrm>
+          <a:off x="0" y="0"/>
+          <a:ext cx="0" cy="0"/>
+          <a:chOff x="0" y="0"/>
+          <a:chExt cx="0" cy="0"/>
+        </a:xfrm>
+      </p:grpSpPr>
+      <p:pic>
+        <p:nvPicPr>
+          <p:cNvPr id="4" name="内容占位符 3"/>
+          <p:cNvPicPr>
+            <a:picLocks noGrp="1" noChangeAspect="1"/>
+          </p:cNvPicPr>
+          <p:nvPr>
+            <p:ph idx="1"/>
+          </p:nvPr>
+        </p:nvPicPr>
+        <p:blipFill>
+          <a:blip r:embed="rId2">
+            <a:extLst>
+              <a:ext uri="{28A0092B-C50C-407E-A947-70E740481C1C}">
+                <a14:useLocalDpi xmlns:a14="http://schemas.microsoft.com/office/drawing/2010/main" val="0"/>
+              </a:ext>
+            </a:extLst>
+          </a:blip>
+          <a:stretch>
+            <a:fillRect/>
+          </a:stretch>
+        </p:blipFill>
+        <p:spPr>
+          <a:xfrm>
+            <a:off x="1414768" y="1421845"/>
+            <a:ext cx="9362464" cy="5298373"/>
+          </a:xfrm>
+        </p:spPr>
+      </p:pic>
+      <p:sp>
+        <p:nvSpPr>
+          <p:cNvPr id="2" name="标题 1"/>
+          <p:cNvSpPr>
+            <a:spLocks noGrp="1"/>
+          </p:cNvSpPr>
+          <p:nvPr>
+            <p:ph type="title"/>
+          </p:nvPr>
+        </p:nvSpPr>
+        <p:spPr/>
+        <p:txBody>
+          <a:bodyPr/>
+          <a:lstStyle/>
+          <a:p>
+            <a:r>
+              <a:rPr lang="en-US" altLang="zh-CN" dirty="0" smtClean="0"/>
+              <a:t>2.5 </a:t>
+            </a:r>
+            <a:r>
+              <a:rPr lang="zh-CN" altLang="en-US" dirty="0" smtClean="0"/>
+              <a:t>组件</a:t>
+            </a:r>
+            <a:r>
+              <a:rPr lang="zh-CN" altLang="en-US" dirty="0"/>
+              <a:t>生命周期 </a:t>
+            </a:r>
+            <a:r>
+              <a:rPr lang="en-US" altLang="zh-CN" dirty="0"/>
+              <a:t>(v16.3</a:t>
+            </a:r>
+            <a:r>
+              <a:rPr lang="zh-CN" altLang="en-US" dirty="0"/>
+              <a:t>之后</a:t>
+            </a:r>
+            <a:r>
+              <a:rPr lang="en-US" altLang="zh-CN" dirty="0"/>
+              <a:t>)</a:t>
+            </a:r>
+            <a:endParaRPr lang="zh-CN" altLang="en-US" dirty="0"/>
+          </a:p>
+        </p:txBody>
+      </p:sp>
+      <p:sp>
+        <p:nvSpPr>
+          <p:cNvPr id="7" name="文本框 6"/>
+          <p:cNvSpPr txBox="1"/>
+          <p:nvPr/>
+        </p:nvSpPr>
+        <p:spPr>
+          <a:xfrm>
+            <a:off x="123290" y="1469204"/>
+            <a:ext cx="2434975" cy="369332"/>
+          </a:xfrm>
+          <a:prstGeom prst="rect">
+            <a:avLst/>
+          </a:prstGeom>
+          <a:solidFill>
+            <a:schemeClr val="bg2"/>
+          </a:solidFill>
+          <a:ln>
+            <a:solidFill>
+              <a:srgbClr val="FF0000"/>
+            </a:solidFill>
+          </a:ln>
+        </p:spPr>
+        <p:txBody>
+          <a:bodyPr wrap="square" rtlCol="0">
+            <a:spAutoFit/>
+          </a:bodyPr>
+          <a:lstStyle/>
+          <a:p>
+            <a:r>
+              <a:rPr lang="en-US" altLang="zh-CN" dirty="0" err="1" smtClean="0"/>
+              <a:t>componentWillMount</a:t>
+            </a:r>
+            <a:endParaRPr lang="zh-CN" altLang="en-US" dirty="0"/>
+          </a:p>
+        </p:txBody>
+      </p:sp>
+      <p:cxnSp>
+        <p:nvCxnSpPr>
+          <p:cNvPr id="11" name="肘形连接符 10"/>
+          <p:cNvCxnSpPr/>
+          <p:nvPr/>
+        </p:nvCxnSpPr>
+        <p:spPr>
+          <a:xfrm>
+            <a:off x="1299682" y="1838536"/>
+            <a:ext cx="1690098" cy="1253985"/>
+          </a:xfrm>
+          <a:prstGeom prst="bentConnector3">
+            <a:avLst>
+              <a:gd name="adj1" fmla="val 1368"/>
+            </a:avLst>
+          </a:prstGeom>
+          <a:ln w="19050">
+            <a:solidFill>
+              <a:srgbClr val="FF0000"/>
+            </a:solidFill>
+            <a:tailEnd type="triangle"/>
+          </a:ln>
+        </p:spPr>
+        <p:style>
+          <a:lnRef idx="1">
+            <a:schemeClr val="accent1"/>
+          </a:lnRef>
+          <a:fillRef idx="0">
+            <a:schemeClr val="accent1"/>
+          </a:fillRef>
+          <a:effectRef idx="0">
+            <a:schemeClr val="accent1"/>
+          </a:effectRef>
+          <a:fontRef idx="minor">
+            <a:schemeClr val="tx1"/>
+          </a:fontRef>
+        </p:style>
+      </p:cxnSp>
+      <p:sp>
+        <p:nvSpPr>
+          <p:cNvPr id="21" name="文本框 20"/>
+          <p:cNvSpPr txBox="1"/>
+          <p:nvPr/>
+        </p:nvSpPr>
+        <p:spPr>
+          <a:xfrm>
+            <a:off x="2989780" y="2958957"/>
+            <a:ext cx="1643865" cy="307777"/>
+          </a:xfrm>
+          <a:prstGeom prst="rect">
+            <a:avLst/>
+          </a:prstGeom>
+          <a:noFill/>
+          <a:ln w="38100">
+            <a:solidFill>
+              <a:srgbClr val="FF0000"/>
+            </a:solidFill>
+            <a:prstDash val="sysDot"/>
+          </a:ln>
+        </p:spPr>
+        <p:txBody>
+          <a:bodyPr wrap="square" rtlCol="0">
+            <a:spAutoFit/>
+          </a:bodyPr>
+          <a:lstStyle/>
+          <a:p>
+            <a:endParaRPr lang="zh-CN" altLang="en-US" sz="1400" dirty="0"/>
+          </a:p>
+        </p:txBody>
+      </p:sp>
+      <p:sp>
+        <p:nvSpPr>
+          <p:cNvPr id="22" name="文本框 21"/>
+          <p:cNvSpPr txBox="1"/>
+          <p:nvPr/>
+        </p:nvSpPr>
+        <p:spPr>
+          <a:xfrm>
+            <a:off x="5065160" y="2958957"/>
+            <a:ext cx="3082246" cy="307777"/>
+          </a:xfrm>
+          <a:prstGeom prst="rect">
+            <a:avLst/>
+          </a:prstGeom>
+          <a:noFill/>
+          <a:ln w="38100">
+            <a:solidFill>
+              <a:srgbClr val="FF0000"/>
+            </a:solidFill>
+            <a:prstDash val="sysDot"/>
+          </a:ln>
+        </p:spPr>
+        <p:txBody>
+          <a:bodyPr wrap="square" rtlCol="0">
+            <a:spAutoFit/>
+          </a:bodyPr>
+          <a:lstStyle/>
+          <a:p>
+            <a:endParaRPr lang="zh-CN" altLang="en-US" sz="1400" dirty="0"/>
+          </a:p>
+        </p:txBody>
+      </p:sp>
+      <p:sp>
+        <p:nvSpPr>
+          <p:cNvPr id="23" name="文本框 22"/>
+          <p:cNvSpPr txBox="1"/>
+          <p:nvPr/>
+        </p:nvSpPr>
+        <p:spPr>
+          <a:xfrm>
+            <a:off x="5199401" y="2596441"/>
+            <a:ext cx="896599" cy="301934"/>
+          </a:xfrm>
+          <a:prstGeom prst="rect">
+            <a:avLst/>
+          </a:prstGeom>
+          <a:noFill/>
+          <a:ln w="38100">
+            <a:solidFill>
+              <a:srgbClr val="FF0000"/>
+            </a:solidFill>
+            <a:prstDash val="sysDot"/>
+          </a:ln>
+          <a:effectLst>
+            <a:innerShdw blurRad="63500" dist="50800" dir="13500000">
+              <a:prstClr val="black">
+                <a:alpha val="50000"/>
+              </a:prstClr>
+            </a:innerShdw>
+          </a:effectLst>
+        </p:spPr>
+        <p:txBody>
+          <a:bodyPr wrap="square" rtlCol="0">
+            <a:spAutoFit/>
+          </a:bodyPr>
+          <a:lstStyle/>
+          <a:p>
+            <a:endParaRPr lang="zh-CN" altLang="en-US" sz="1400" dirty="0"/>
+          </a:p>
+        </p:txBody>
+      </p:sp>
+      <p:sp>
+        <p:nvSpPr>
+          <p:cNvPr id="24" name="文本框 23"/>
+          <p:cNvSpPr txBox="1"/>
+          <p:nvPr/>
+        </p:nvSpPr>
+        <p:spPr>
+          <a:xfrm>
+            <a:off x="8342257" y="658483"/>
+            <a:ext cx="3011543" cy="369332"/>
+          </a:xfrm>
+          <a:prstGeom prst="rect">
+            <a:avLst/>
+          </a:prstGeom>
+          <a:solidFill>
+            <a:schemeClr val="bg2"/>
+          </a:solidFill>
+          <a:ln>
+            <a:solidFill>
+              <a:srgbClr val="FF0000"/>
+            </a:solidFill>
+          </a:ln>
+        </p:spPr>
+        <p:txBody>
+          <a:bodyPr wrap="square" rtlCol="0">
+            <a:spAutoFit/>
+          </a:bodyPr>
+          <a:lstStyle/>
+          <a:p>
+            <a:r>
+              <a:rPr lang="en-US" altLang="zh-CN" dirty="0" err="1"/>
+              <a:t>componentWillReceiveProps</a:t>
+            </a:r>
+            <a:endParaRPr lang="zh-CN" altLang="en-US" dirty="0"/>
+          </a:p>
+        </p:txBody>
+      </p:sp>
+      <p:cxnSp>
+        <p:nvCxnSpPr>
+          <p:cNvPr id="26" name="肘形连接符 25"/>
+          <p:cNvCxnSpPr>
+            <a:stCxn id="24" idx="2"/>
+          </p:cNvCxnSpPr>
+          <p:nvPr/>
+        </p:nvCxnSpPr>
+        <p:spPr>
+          <a:xfrm rot="5400000">
+            <a:off x="7098912" y="24904"/>
+            <a:ext cx="1746207" cy="3752029"/>
+          </a:xfrm>
+          <a:prstGeom prst="bentConnector2">
+            <a:avLst/>
+          </a:prstGeom>
+          <a:ln w="19050">
+            <a:solidFill>
+              <a:srgbClr val="FF0000"/>
+            </a:solidFill>
+            <a:tailEnd type="triangle"/>
+          </a:ln>
+        </p:spPr>
+        <p:style>
+          <a:lnRef idx="1">
+            <a:schemeClr val="accent1"/>
+          </a:lnRef>
+          <a:fillRef idx="0">
+            <a:schemeClr val="accent1"/>
+          </a:fillRef>
+          <a:effectRef idx="0">
+            <a:schemeClr val="accent1"/>
+          </a:effectRef>
+          <a:fontRef idx="minor">
+            <a:schemeClr val="tx1"/>
+          </a:fontRef>
+        </p:style>
+      </p:cxnSp>
+      <p:sp>
+        <p:nvSpPr>
+          <p:cNvPr id="28" name="文本框 27"/>
+          <p:cNvSpPr txBox="1"/>
+          <p:nvPr/>
+        </p:nvSpPr>
+        <p:spPr>
+          <a:xfrm>
+            <a:off x="9942830" y="1833361"/>
+            <a:ext cx="2220680" cy="338554"/>
+          </a:xfrm>
+          <a:prstGeom prst="rect">
+            <a:avLst/>
+          </a:prstGeom>
+          <a:solidFill>
+            <a:schemeClr val="bg2"/>
+          </a:solidFill>
+          <a:ln>
+            <a:solidFill>
+              <a:srgbClr val="FF0000"/>
+            </a:solidFill>
+          </a:ln>
+        </p:spPr>
+        <p:txBody>
+          <a:bodyPr wrap="square" rtlCol="0">
+            <a:spAutoFit/>
+          </a:bodyPr>
+          <a:lstStyle/>
+          <a:p>
+            <a:r>
+              <a:rPr lang="en-US" altLang="zh-CN" sz="1600" dirty="0" err="1"/>
+              <a:t>componentWillUpdate</a:t>
+            </a:r>
+            <a:endParaRPr lang="zh-CN" altLang="en-US" sz="1600" dirty="0"/>
+          </a:p>
+        </p:txBody>
+      </p:sp>
+      <p:cxnSp>
+        <p:nvCxnSpPr>
+          <p:cNvPr id="31" name="肘形连接符 30"/>
+          <p:cNvCxnSpPr>
+            <a:stCxn id="28" idx="2"/>
+          </p:cNvCxnSpPr>
+          <p:nvPr/>
+        </p:nvCxnSpPr>
+        <p:spPr>
+          <a:xfrm rot="5400000">
+            <a:off x="9151972" y="1191325"/>
+            <a:ext cx="920608" cy="2881789"/>
+          </a:xfrm>
+          <a:prstGeom prst="bentConnector2">
+            <a:avLst/>
+          </a:prstGeom>
+          <a:ln w="19050">
+            <a:solidFill>
+              <a:srgbClr val="FF0000"/>
+            </a:solidFill>
+            <a:tailEnd type="triangle"/>
+          </a:ln>
+        </p:spPr>
+        <p:style>
+          <a:lnRef idx="1">
+            <a:schemeClr val="accent1"/>
+          </a:lnRef>
+          <a:fillRef idx="0">
+            <a:schemeClr val="accent1"/>
+          </a:fillRef>
+          <a:effectRef idx="0">
+            <a:schemeClr val="accent1"/>
+          </a:effectRef>
+          <a:fontRef idx="minor">
+            <a:schemeClr val="tx1"/>
+          </a:fontRef>
+        </p:style>
+      </p:cxnSp>
+    </p:spTree>
+    <p:extLst>
+      <p:ext uri="{BB962C8B-B14F-4D97-AF65-F5344CB8AC3E}">
+        <p14:creationId xmlns:p14="http://schemas.microsoft.com/office/powerpoint/2010/main" val="402458120"/>
+      </p:ext>
+    </p:extLst>
+  </p:cSld>
+  <p:clrMapOvr>
+    <a:masterClrMapping/>
+  </p:clrMapOvr>
+  <p:timing>
+    <p:tnLst>
+      <p:par>
+        <p:cTn id="1" dur="indefinite" restart="never" nodeType="tmRoot"/>
+      </p:par>
+    </p:tnLst>
+  </p:timing>
 </p:sld>
 </file>
 

--- a/slides/React 入门.pptx
+++ b/slides/React 入门.pptx
@@ -5,7 +5,7 @@
     <p:sldMasterId id="2147483648" r:id="rId1"/>
   </p:sldMasterIdLst>
   <p:notesMasterIdLst>
-    <p:notesMasterId r:id="rId19"/>
+    <p:notesMasterId r:id="rId25"/>
   </p:notesMasterIdLst>
   <p:sldIdLst>
     <p:sldId id="256" r:id="rId2"/>
@@ -25,6 +25,12 @@
     <p:sldId id="270" r:id="rId16"/>
     <p:sldId id="271" r:id="rId17"/>
     <p:sldId id="272" r:id="rId18"/>
+    <p:sldId id="273" r:id="rId19"/>
+    <p:sldId id="274" r:id="rId20"/>
+    <p:sldId id="275" r:id="rId21"/>
+    <p:sldId id="276" r:id="rId22"/>
+    <p:sldId id="277" r:id="rId23"/>
+    <p:sldId id="278" r:id="rId24"/>
   </p:sldIdLst>
   <p:sldSz cx="12192000" cy="6858000"/>
   <p:notesSz cx="6858000" cy="9144000"/>
@@ -213,7 +219,7 @@
           <a:p>
             <a:fld id="{C7EA81BB-58F1-4FB5-8B9E-97CA0D987065}" type="datetimeFigureOut">
               <a:rPr lang="zh-CN" altLang="en-US" smtClean="0"/>
-              <a:t>2018/10/31</a:t>
+              <a:t>2018/11/2</a:t>
             </a:fld>
             <a:endParaRPr lang="zh-CN" altLang="en-US"/>
           </a:p>
@@ -2107,7 +2113,7 @@
           <a:p>
             <a:fld id="{526B8B47-29F2-4AB1-95E5-A1E1ABC128C6}" type="datetimeFigureOut">
               <a:rPr lang="zh-CN" altLang="en-US" smtClean="0"/>
-              <a:t>2018/10/31</a:t>
+              <a:t>2018/11/2</a:t>
             </a:fld>
             <a:endParaRPr lang="zh-CN" altLang="en-US"/>
           </a:p>
@@ -2277,7 +2283,7 @@
           <a:p>
             <a:fld id="{526B8B47-29F2-4AB1-95E5-A1E1ABC128C6}" type="datetimeFigureOut">
               <a:rPr lang="zh-CN" altLang="en-US" smtClean="0"/>
-              <a:t>2018/10/31</a:t>
+              <a:t>2018/11/2</a:t>
             </a:fld>
             <a:endParaRPr lang="zh-CN" altLang="en-US"/>
           </a:p>
@@ -2457,7 +2463,7 @@
           <a:p>
             <a:fld id="{526B8B47-29F2-4AB1-95E5-A1E1ABC128C6}" type="datetimeFigureOut">
               <a:rPr lang="zh-CN" altLang="en-US" smtClean="0"/>
-              <a:t>2018/10/31</a:t>
+              <a:t>2018/11/2</a:t>
             </a:fld>
             <a:endParaRPr lang="zh-CN" altLang="en-US"/>
           </a:p>
@@ -2627,7 +2633,7 @@
           <a:p>
             <a:fld id="{526B8B47-29F2-4AB1-95E5-A1E1ABC128C6}" type="datetimeFigureOut">
               <a:rPr lang="zh-CN" altLang="en-US" smtClean="0"/>
-              <a:t>2018/10/31</a:t>
+              <a:t>2018/11/2</a:t>
             </a:fld>
             <a:endParaRPr lang="zh-CN" altLang="en-US"/>
           </a:p>
@@ -2873,7 +2879,7 @@
           <a:p>
             <a:fld id="{526B8B47-29F2-4AB1-95E5-A1E1ABC128C6}" type="datetimeFigureOut">
               <a:rPr lang="zh-CN" altLang="en-US" smtClean="0"/>
-              <a:t>2018/10/31</a:t>
+              <a:t>2018/11/2</a:t>
             </a:fld>
             <a:endParaRPr lang="zh-CN" altLang="en-US"/>
           </a:p>
@@ -3105,7 +3111,7 @@
           <a:p>
             <a:fld id="{526B8B47-29F2-4AB1-95E5-A1E1ABC128C6}" type="datetimeFigureOut">
               <a:rPr lang="zh-CN" altLang="en-US" smtClean="0"/>
-              <a:t>2018/10/31</a:t>
+              <a:t>2018/11/2</a:t>
             </a:fld>
             <a:endParaRPr lang="zh-CN" altLang="en-US"/>
           </a:p>
@@ -3472,7 +3478,7 @@
           <a:p>
             <a:fld id="{526B8B47-29F2-4AB1-95E5-A1E1ABC128C6}" type="datetimeFigureOut">
               <a:rPr lang="zh-CN" altLang="en-US" smtClean="0"/>
-              <a:t>2018/10/31</a:t>
+              <a:t>2018/11/2</a:t>
             </a:fld>
             <a:endParaRPr lang="zh-CN" altLang="en-US"/>
           </a:p>
@@ -3590,7 +3596,7 @@
           <a:p>
             <a:fld id="{526B8B47-29F2-4AB1-95E5-A1E1ABC128C6}" type="datetimeFigureOut">
               <a:rPr lang="zh-CN" altLang="en-US" smtClean="0"/>
-              <a:t>2018/10/31</a:t>
+              <a:t>2018/11/2</a:t>
             </a:fld>
             <a:endParaRPr lang="zh-CN" altLang="en-US"/>
           </a:p>
@@ -3685,7 +3691,7 @@
           <a:p>
             <a:fld id="{526B8B47-29F2-4AB1-95E5-A1E1ABC128C6}" type="datetimeFigureOut">
               <a:rPr lang="zh-CN" altLang="en-US" smtClean="0"/>
-              <a:t>2018/10/31</a:t>
+              <a:t>2018/11/2</a:t>
             </a:fld>
             <a:endParaRPr lang="zh-CN" altLang="en-US"/>
           </a:p>
@@ -3962,7 +3968,7 @@
           <a:p>
             <a:fld id="{526B8B47-29F2-4AB1-95E5-A1E1ABC128C6}" type="datetimeFigureOut">
               <a:rPr lang="zh-CN" altLang="en-US" smtClean="0"/>
-              <a:t>2018/10/31</a:t>
+              <a:t>2018/11/2</a:t>
             </a:fld>
             <a:endParaRPr lang="zh-CN" altLang="en-US"/>
           </a:p>
@@ -4215,7 +4221,7 @@
           <a:p>
             <a:fld id="{526B8B47-29F2-4AB1-95E5-A1E1ABC128C6}" type="datetimeFigureOut">
               <a:rPr lang="zh-CN" altLang="en-US" smtClean="0"/>
-              <a:t>2018/10/31</a:t>
+              <a:t>2018/11/2</a:t>
             </a:fld>
             <a:endParaRPr lang="zh-CN" altLang="en-US"/>
           </a:p>
@@ -4428,7 +4434,7 @@
           <a:p>
             <a:fld id="{526B8B47-29F2-4AB1-95E5-A1E1ABC128C6}" type="datetimeFigureOut">
               <a:rPr lang="zh-CN" altLang="en-US" smtClean="0"/>
-              <a:t>2018/10/31</a:t>
+              <a:t>2018/11/2</a:t>
             </a:fld>
             <a:endParaRPr lang="zh-CN" altLang="en-US"/>
           </a:p>
@@ -6786,13 +6792,7 @@
               <a:rPr lang="en-US" altLang="zh-CN" sz="2600" dirty="0" smtClean="0">
                 <a:latin typeface="Consolas" panose="020B0609020204030204" pitchFamily="49" charset="0"/>
               </a:rPr>
-              <a:t>render</a:t>
-            </a:r>
-            <a:r>
-              <a:rPr lang="en-US" altLang="zh-CN" sz="2600" dirty="0" smtClean="0">
-                <a:latin typeface="Consolas" panose="020B0609020204030204" pitchFamily="49" charset="0"/>
-              </a:rPr>
-              <a:t>() </a:t>
+              <a:t>render() </a:t>
             </a:r>
             <a:r>
               <a:rPr lang="zh-CN" altLang="en-US" sz="2600" dirty="0" smtClean="0">
@@ -7092,13 +7092,7 @@
               <a:rPr lang="en-US" altLang="zh-CN" dirty="0" smtClean="0">
                 <a:latin typeface="Consolas" panose="020B0609020204030204" pitchFamily="49" charset="0"/>
               </a:rPr>
-              <a:t>render</a:t>
-            </a:r>
-            <a:r>
-              <a:rPr lang="en-US" altLang="zh-CN" dirty="0" smtClean="0">
-                <a:latin typeface="Consolas" panose="020B0609020204030204" pitchFamily="49" charset="0"/>
-              </a:rPr>
-              <a:t>() </a:t>
+              <a:t>render() </a:t>
             </a:r>
             <a:r>
               <a:rPr lang="zh-CN" altLang="en-US" dirty="0" smtClean="0">
@@ -7828,6 +7822,666 @@
 </p:sld>
 </file>
 
+<file path=ppt/slides/slide18.xml><?xml version="1.0" encoding="utf-8"?>
+<p:sld xmlns:a="http://schemas.openxmlformats.org/drawingml/2006/main" xmlns:r="http://schemas.openxmlformats.org/officeDocument/2006/relationships" xmlns:p="http://schemas.openxmlformats.org/presentationml/2006/main">
+  <p:cSld>
+    <p:spTree>
+      <p:nvGrpSpPr>
+        <p:cNvPr id="1" name=""/>
+        <p:cNvGrpSpPr/>
+        <p:nvPr/>
+      </p:nvGrpSpPr>
+      <p:grpSpPr>
+        <a:xfrm>
+          <a:off x="0" y="0"/>
+          <a:ext cx="0" cy="0"/>
+          <a:chOff x="0" y="0"/>
+          <a:chExt cx="0" cy="0"/>
+        </a:xfrm>
+      </p:grpSpPr>
+      <p:sp>
+        <p:nvSpPr>
+          <p:cNvPr id="2" name="标题 1"/>
+          <p:cNvSpPr>
+            <a:spLocks noGrp="1"/>
+          </p:cNvSpPr>
+          <p:nvPr>
+            <p:ph type="title"/>
+          </p:nvPr>
+        </p:nvSpPr>
+        <p:spPr/>
+        <p:txBody>
+          <a:bodyPr/>
+          <a:lstStyle/>
+          <a:p>
+            <a:r>
+              <a:rPr lang="zh-CN" altLang="en-US" dirty="0" smtClean="0"/>
+              <a:t>主要内容</a:t>
+            </a:r>
+            <a:endParaRPr lang="zh-CN" altLang="en-US" dirty="0"/>
+          </a:p>
+        </p:txBody>
+      </p:sp>
+      <p:sp>
+        <p:nvSpPr>
+          <p:cNvPr id="3" name="内容占位符 2"/>
+          <p:cNvSpPr>
+            <a:spLocks noGrp="1"/>
+          </p:cNvSpPr>
+          <p:nvPr>
+            <p:ph idx="1"/>
+          </p:nvPr>
+        </p:nvSpPr>
+        <p:spPr/>
+        <p:txBody>
+          <a:bodyPr/>
+          <a:lstStyle/>
+          <a:p>
+            <a:r>
+              <a:rPr lang="en-US" altLang="zh-CN" dirty="0" smtClean="0"/>
+              <a:t>1. </a:t>
+            </a:r>
+            <a:r>
+              <a:rPr lang="zh-CN" altLang="en-US" dirty="0" smtClean="0"/>
+              <a:t>关于 </a:t>
+            </a:r>
+            <a:r>
+              <a:rPr lang="en-US" altLang="zh-CN" dirty="0" smtClean="0"/>
+              <a:t>React</a:t>
+            </a:r>
+          </a:p>
+          <a:p>
+            <a:pPr marL="0" indent="0">
+              <a:buNone/>
+            </a:pPr>
+            <a:endParaRPr lang="en-US" altLang="zh-CN" dirty="0" smtClean="0"/>
+          </a:p>
+          <a:p>
+            <a:r>
+              <a:rPr lang="en-US" altLang="zh-CN" dirty="0" smtClean="0"/>
+              <a:t>2. React </a:t>
+            </a:r>
+            <a:r>
+              <a:rPr lang="zh-CN" altLang="en-US" dirty="0" smtClean="0"/>
+              <a:t>语法简介</a:t>
+            </a:r>
+            <a:endParaRPr lang="en-US" altLang="zh-CN" dirty="0" smtClean="0"/>
+          </a:p>
+          <a:p>
+            <a:endParaRPr lang="en-US" altLang="zh-CN" dirty="0" smtClean="0"/>
+          </a:p>
+          <a:p>
+            <a:r>
+              <a:rPr lang="en-US" altLang="zh-CN" sz="4000" dirty="0">
+                <a:solidFill>
+                  <a:schemeClr val="accent5"/>
+                </a:solidFill>
+              </a:rPr>
+              <a:t>3. </a:t>
+            </a:r>
+            <a:r>
+              <a:rPr lang="zh-CN" altLang="en-US" sz="4000" dirty="0">
+                <a:solidFill>
+                  <a:schemeClr val="accent5"/>
+                </a:solidFill>
+              </a:rPr>
+              <a:t>相关技术</a:t>
+            </a:r>
+          </a:p>
+        </p:txBody>
+      </p:sp>
+    </p:spTree>
+    <p:extLst>
+      <p:ext uri="{BB962C8B-B14F-4D97-AF65-F5344CB8AC3E}">
+        <p14:creationId xmlns:p14="http://schemas.microsoft.com/office/powerpoint/2010/main" val="2123684887"/>
+      </p:ext>
+    </p:extLst>
+  </p:cSld>
+  <p:clrMapOvr>
+    <a:masterClrMapping/>
+  </p:clrMapOvr>
+  <p:timing>
+    <p:tnLst>
+      <p:par>
+        <p:cTn id="1" dur="indefinite" restart="never" nodeType="tmRoot"/>
+      </p:par>
+    </p:tnLst>
+  </p:timing>
+</p:sld>
+</file>
+
+<file path=ppt/slides/slide19.xml><?xml version="1.0" encoding="utf-8"?>
+<p:sld xmlns:a="http://schemas.openxmlformats.org/drawingml/2006/main" xmlns:r="http://schemas.openxmlformats.org/officeDocument/2006/relationships" xmlns:p="http://schemas.openxmlformats.org/presentationml/2006/main">
+  <p:cSld>
+    <p:spTree>
+      <p:nvGrpSpPr>
+        <p:cNvPr id="1" name=""/>
+        <p:cNvGrpSpPr/>
+        <p:nvPr/>
+      </p:nvGrpSpPr>
+      <p:grpSpPr>
+        <a:xfrm>
+          <a:off x="0" y="0"/>
+          <a:ext cx="0" cy="0"/>
+          <a:chOff x="0" y="0"/>
+          <a:chExt cx="0" cy="0"/>
+        </a:xfrm>
+      </p:grpSpPr>
+      <p:sp>
+        <p:nvSpPr>
+          <p:cNvPr id="2" name="标题 1"/>
+          <p:cNvSpPr>
+            <a:spLocks noGrp="1"/>
+          </p:cNvSpPr>
+          <p:nvPr>
+            <p:ph type="title"/>
+          </p:nvPr>
+        </p:nvSpPr>
+        <p:spPr>
+          <a:xfrm>
+            <a:off x="838200" y="365125"/>
+            <a:ext cx="5181600" cy="1325563"/>
+          </a:xfrm>
+        </p:spPr>
+        <p:txBody>
+          <a:bodyPr/>
+          <a:lstStyle/>
+          <a:p>
+            <a:r>
+              <a:rPr lang="en-US" altLang="zh-CN" dirty="0" smtClean="0"/>
+              <a:t>3.1 Redux </a:t>
+            </a:r>
+            <a:endParaRPr lang="zh-CN" altLang="en-US" dirty="0"/>
+          </a:p>
+        </p:txBody>
+      </p:sp>
+      <p:sp>
+        <p:nvSpPr>
+          <p:cNvPr id="6" name="内容占位符 5"/>
+          <p:cNvSpPr>
+            <a:spLocks noGrp="1"/>
+          </p:cNvSpPr>
+          <p:nvPr>
+            <p:ph sz="half" idx="1"/>
+          </p:nvPr>
+        </p:nvSpPr>
+        <p:spPr>
+          <a:xfrm>
+            <a:off x="838200" y="1825625"/>
+            <a:ext cx="5181600" cy="4351338"/>
+          </a:xfrm>
+          <a:solidFill>
+            <a:schemeClr val="tx2"/>
+          </a:solidFill>
+        </p:spPr>
+        <p:txBody>
+          <a:bodyPr>
+            <a:normAutofit lnSpcReduction="10000"/>
+          </a:bodyPr>
+          <a:lstStyle/>
+          <a:p>
+            <a:pPr marL="0" indent="0">
+              <a:buNone/>
+            </a:pPr>
+            <a:r>
+              <a:rPr lang="en-US" altLang="zh-CN" dirty="0">
+                <a:solidFill>
+                  <a:schemeClr val="accent4">
+                    <a:lumMod val="60000"/>
+                    <a:lumOff val="40000"/>
+                  </a:schemeClr>
+                </a:solidFill>
+                <a:latin typeface="Consolas" panose="020B0609020204030204" pitchFamily="49" charset="0"/>
+              </a:rPr>
+              <a:t>&lt;FirstComp&gt;</a:t>
+            </a:r>
+          </a:p>
+          <a:p>
+            <a:pPr marL="0" indent="0">
+              <a:buNone/>
+            </a:pPr>
+            <a:r>
+              <a:rPr lang="en-US" altLang="zh-CN" dirty="0">
+                <a:solidFill>
+                  <a:schemeClr val="accent4">
+                    <a:lumMod val="60000"/>
+                    <a:lumOff val="40000"/>
+                  </a:schemeClr>
+                </a:solidFill>
+                <a:latin typeface="Consolas" panose="020B0609020204030204" pitchFamily="49" charset="0"/>
+              </a:rPr>
+              <a:t>  </a:t>
+            </a:r>
+            <a:r>
+              <a:rPr lang="en-US" altLang="zh-CN" dirty="0" smtClean="0">
+                <a:solidFill>
+                  <a:schemeClr val="accent4">
+                    <a:lumMod val="60000"/>
+                    <a:lumOff val="40000"/>
+                  </a:schemeClr>
+                </a:solidFill>
+                <a:latin typeface="Consolas" panose="020B0609020204030204" pitchFamily="49" charset="0"/>
+              </a:rPr>
+              <a:t>&lt;</a:t>
+            </a:r>
+            <a:r>
+              <a:rPr lang="en-US" altLang="zh-CN" dirty="0">
+                <a:solidFill>
+                  <a:schemeClr val="accent4">
+                    <a:lumMod val="60000"/>
+                    <a:lumOff val="40000"/>
+                  </a:schemeClr>
+                </a:solidFill>
+                <a:latin typeface="Consolas" panose="020B0609020204030204" pitchFamily="49" charset="0"/>
+              </a:rPr>
+              <a:t>SecondComp&gt;</a:t>
+            </a:r>
+          </a:p>
+          <a:p>
+            <a:pPr marL="0" indent="0">
+              <a:buNone/>
+            </a:pPr>
+            <a:r>
+              <a:rPr lang="en-US" altLang="zh-CN" dirty="0">
+                <a:solidFill>
+                  <a:schemeClr val="accent4">
+                    <a:lumMod val="60000"/>
+                    <a:lumOff val="40000"/>
+                  </a:schemeClr>
+                </a:solidFill>
+                <a:latin typeface="Consolas" panose="020B0609020204030204" pitchFamily="49" charset="0"/>
+              </a:rPr>
+              <a:t>    </a:t>
+            </a:r>
+            <a:r>
+              <a:rPr lang="en-US" altLang="zh-CN" dirty="0" smtClean="0">
+                <a:solidFill>
+                  <a:schemeClr val="accent4">
+                    <a:lumMod val="60000"/>
+                    <a:lumOff val="40000"/>
+                  </a:schemeClr>
+                </a:solidFill>
+                <a:latin typeface="Consolas" panose="020B0609020204030204" pitchFamily="49" charset="0"/>
+              </a:rPr>
+              <a:t>&lt;ThirdComp</a:t>
+            </a:r>
+            <a:r>
+              <a:rPr lang="en-US" altLang="zh-CN" dirty="0">
+                <a:solidFill>
+                  <a:schemeClr val="accent4">
+                    <a:lumMod val="60000"/>
+                    <a:lumOff val="40000"/>
+                  </a:schemeClr>
+                </a:solidFill>
+                <a:latin typeface="Consolas" panose="020B0609020204030204" pitchFamily="49" charset="0"/>
+              </a:rPr>
+              <a:t>&gt;</a:t>
+            </a:r>
+          </a:p>
+          <a:p>
+            <a:pPr marL="0" indent="0">
+              <a:buNone/>
+            </a:pPr>
+            <a:r>
+              <a:rPr lang="en-US" altLang="zh-CN" dirty="0">
+                <a:solidFill>
+                  <a:schemeClr val="accent4">
+                    <a:lumMod val="60000"/>
+                    <a:lumOff val="40000"/>
+                  </a:schemeClr>
+                </a:solidFill>
+                <a:latin typeface="Consolas" panose="020B0609020204030204" pitchFamily="49" charset="0"/>
+              </a:rPr>
+              <a:t>      </a:t>
+            </a:r>
+            <a:r>
+              <a:rPr lang="en-US" altLang="zh-CN" dirty="0" smtClean="0">
+                <a:solidFill>
+                  <a:schemeClr val="accent4">
+                    <a:lumMod val="60000"/>
+                    <a:lumOff val="40000"/>
+                  </a:schemeClr>
+                </a:solidFill>
+                <a:latin typeface="Consolas" panose="020B0609020204030204" pitchFamily="49" charset="0"/>
+              </a:rPr>
+              <a:t>&lt;</a:t>
+            </a:r>
+            <a:r>
+              <a:rPr lang="en-US" altLang="zh-CN" dirty="0">
+                <a:solidFill>
+                  <a:schemeClr val="accent4">
+                    <a:lumMod val="60000"/>
+                    <a:lumOff val="40000"/>
+                  </a:schemeClr>
+                </a:solidFill>
+                <a:latin typeface="Consolas" panose="020B0609020204030204" pitchFamily="49" charset="0"/>
+              </a:rPr>
+              <a:t>FourthComp&gt;</a:t>
+            </a:r>
+          </a:p>
+          <a:p>
+            <a:pPr marL="0" indent="0">
+              <a:buNone/>
+            </a:pPr>
+            <a:r>
+              <a:rPr lang="en-US" altLang="zh-CN" dirty="0">
+                <a:solidFill>
+                  <a:schemeClr val="accent4">
+                    <a:lumMod val="60000"/>
+                    <a:lumOff val="40000"/>
+                  </a:schemeClr>
+                </a:solidFill>
+                <a:latin typeface="Consolas" panose="020B0609020204030204" pitchFamily="49" charset="0"/>
+              </a:rPr>
+              <a:t>        </a:t>
+            </a:r>
+            <a:r>
+              <a:rPr lang="en-US" altLang="zh-CN" dirty="0" smtClean="0">
+                <a:solidFill>
+                  <a:schemeClr val="accent4">
+                    <a:lumMod val="60000"/>
+                    <a:lumOff val="40000"/>
+                  </a:schemeClr>
+                </a:solidFill>
+                <a:latin typeface="Consolas" panose="020B0609020204030204" pitchFamily="49" charset="0"/>
+              </a:rPr>
+              <a:t>&lt;</a:t>
+            </a:r>
+            <a:r>
+              <a:rPr lang="en-US" altLang="zh-CN" dirty="0">
+                <a:solidFill>
+                  <a:schemeClr val="accent4">
+                    <a:lumMod val="60000"/>
+                    <a:lumOff val="40000"/>
+                  </a:schemeClr>
+                </a:solidFill>
+                <a:latin typeface="Consolas" panose="020B0609020204030204" pitchFamily="49" charset="0"/>
+              </a:rPr>
+              <a:t>TargetComp /&gt;</a:t>
+            </a:r>
+          </a:p>
+          <a:p>
+            <a:pPr marL="0" indent="0">
+              <a:buNone/>
+            </a:pPr>
+            <a:r>
+              <a:rPr lang="en-US" altLang="zh-CN" dirty="0">
+                <a:solidFill>
+                  <a:schemeClr val="accent4">
+                    <a:lumMod val="60000"/>
+                    <a:lumOff val="40000"/>
+                  </a:schemeClr>
+                </a:solidFill>
+                <a:latin typeface="Consolas" panose="020B0609020204030204" pitchFamily="49" charset="0"/>
+              </a:rPr>
+              <a:t>      </a:t>
+            </a:r>
+            <a:r>
+              <a:rPr lang="en-US" altLang="zh-CN" dirty="0" smtClean="0">
+                <a:solidFill>
+                  <a:schemeClr val="accent4">
+                    <a:lumMod val="60000"/>
+                    <a:lumOff val="40000"/>
+                  </a:schemeClr>
+                </a:solidFill>
+                <a:latin typeface="Consolas" panose="020B0609020204030204" pitchFamily="49" charset="0"/>
+              </a:rPr>
+              <a:t>&lt;/</a:t>
+            </a:r>
+            <a:r>
+              <a:rPr lang="en-US" altLang="zh-CN" dirty="0">
+                <a:solidFill>
+                  <a:schemeClr val="accent4">
+                    <a:lumMod val="60000"/>
+                    <a:lumOff val="40000"/>
+                  </a:schemeClr>
+                </a:solidFill>
+                <a:latin typeface="Consolas" panose="020B0609020204030204" pitchFamily="49" charset="0"/>
+              </a:rPr>
+              <a:t>FourthComp&gt;</a:t>
+            </a:r>
+          </a:p>
+          <a:p>
+            <a:pPr marL="0" indent="0">
+              <a:buNone/>
+            </a:pPr>
+            <a:r>
+              <a:rPr lang="en-US" altLang="zh-CN" dirty="0">
+                <a:solidFill>
+                  <a:schemeClr val="accent4">
+                    <a:lumMod val="60000"/>
+                    <a:lumOff val="40000"/>
+                  </a:schemeClr>
+                </a:solidFill>
+                <a:latin typeface="Consolas" panose="020B0609020204030204" pitchFamily="49" charset="0"/>
+              </a:rPr>
+              <a:t>    </a:t>
+            </a:r>
+            <a:r>
+              <a:rPr lang="en-US" altLang="zh-CN" dirty="0" smtClean="0">
+                <a:solidFill>
+                  <a:schemeClr val="accent4">
+                    <a:lumMod val="60000"/>
+                    <a:lumOff val="40000"/>
+                  </a:schemeClr>
+                </a:solidFill>
+                <a:latin typeface="Consolas" panose="020B0609020204030204" pitchFamily="49" charset="0"/>
+              </a:rPr>
+              <a:t>&lt;/</a:t>
+            </a:r>
+            <a:r>
+              <a:rPr lang="en-US" altLang="zh-CN" dirty="0">
+                <a:solidFill>
+                  <a:schemeClr val="accent4">
+                    <a:lumMod val="60000"/>
+                    <a:lumOff val="40000"/>
+                  </a:schemeClr>
+                </a:solidFill>
+                <a:latin typeface="Consolas" panose="020B0609020204030204" pitchFamily="49" charset="0"/>
+              </a:rPr>
+              <a:t>ThirdComp&gt;</a:t>
+            </a:r>
+          </a:p>
+          <a:p>
+            <a:pPr marL="0" indent="0">
+              <a:buNone/>
+            </a:pPr>
+            <a:r>
+              <a:rPr lang="en-US" altLang="zh-CN" dirty="0">
+                <a:solidFill>
+                  <a:schemeClr val="accent4">
+                    <a:lumMod val="60000"/>
+                    <a:lumOff val="40000"/>
+                  </a:schemeClr>
+                </a:solidFill>
+                <a:latin typeface="Consolas" panose="020B0609020204030204" pitchFamily="49" charset="0"/>
+              </a:rPr>
+              <a:t>  </a:t>
+            </a:r>
+            <a:r>
+              <a:rPr lang="en-US" altLang="zh-CN" dirty="0" smtClean="0">
+                <a:solidFill>
+                  <a:schemeClr val="accent4">
+                    <a:lumMod val="60000"/>
+                    <a:lumOff val="40000"/>
+                  </a:schemeClr>
+                </a:solidFill>
+                <a:latin typeface="Consolas" panose="020B0609020204030204" pitchFamily="49" charset="0"/>
+              </a:rPr>
+              <a:t>&lt;/</a:t>
+            </a:r>
+            <a:r>
+              <a:rPr lang="en-US" altLang="zh-CN" dirty="0">
+                <a:solidFill>
+                  <a:schemeClr val="accent4">
+                    <a:lumMod val="60000"/>
+                    <a:lumOff val="40000"/>
+                  </a:schemeClr>
+                </a:solidFill>
+                <a:latin typeface="Consolas" panose="020B0609020204030204" pitchFamily="49" charset="0"/>
+              </a:rPr>
+              <a:t>SecondComp&gt;</a:t>
+            </a:r>
+          </a:p>
+          <a:p>
+            <a:pPr marL="0" indent="0">
+              <a:buNone/>
+            </a:pPr>
+            <a:r>
+              <a:rPr lang="en-US" altLang="zh-CN" dirty="0" smtClean="0">
+                <a:solidFill>
+                  <a:schemeClr val="accent4">
+                    <a:lumMod val="60000"/>
+                    <a:lumOff val="40000"/>
+                  </a:schemeClr>
+                </a:solidFill>
+                <a:latin typeface="Consolas" panose="020B0609020204030204" pitchFamily="49" charset="0"/>
+              </a:rPr>
+              <a:t>&lt;/</a:t>
+            </a:r>
+            <a:r>
+              <a:rPr lang="en-US" altLang="zh-CN" dirty="0">
+                <a:solidFill>
+                  <a:schemeClr val="accent4">
+                    <a:lumMod val="60000"/>
+                    <a:lumOff val="40000"/>
+                  </a:schemeClr>
+                </a:solidFill>
+                <a:latin typeface="Consolas" panose="020B0609020204030204" pitchFamily="49" charset="0"/>
+              </a:rPr>
+              <a:t>FirstComp&gt;</a:t>
+            </a:r>
+            <a:endParaRPr lang="zh-CN" altLang="en-US" dirty="0">
+              <a:solidFill>
+                <a:schemeClr val="accent4">
+                  <a:lumMod val="60000"/>
+                  <a:lumOff val="40000"/>
+                </a:schemeClr>
+              </a:solidFill>
+              <a:latin typeface="Consolas" panose="020B0609020204030204" pitchFamily="49" charset="0"/>
+            </a:endParaRPr>
+          </a:p>
+        </p:txBody>
+      </p:sp>
+      <p:pic>
+        <p:nvPicPr>
+          <p:cNvPr id="8" name="内容占位符 7"/>
+          <p:cNvPicPr>
+            <a:picLocks noGrp="1" noChangeAspect="1"/>
+          </p:cNvPicPr>
+          <p:nvPr>
+            <p:ph sz="half" idx="2"/>
+          </p:nvPr>
+        </p:nvPicPr>
+        <p:blipFill>
+          <a:blip r:embed="rId2">
+            <a:extLst>
+              <a:ext uri="{28A0092B-C50C-407E-A947-70E740481C1C}">
+                <a14:useLocalDpi xmlns:a14="http://schemas.microsoft.com/office/drawing/2010/main" val="0"/>
+              </a:ext>
+            </a:extLst>
+          </a:blip>
+          <a:stretch>
+            <a:fillRect/>
+          </a:stretch>
+        </p:blipFill>
+        <p:spPr>
+          <a:xfrm>
+            <a:off x="6243637" y="373063"/>
+            <a:ext cx="4875213" cy="1317625"/>
+          </a:xfrm>
+        </p:spPr>
+      </p:pic>
+      <p:sp>
+        <p:nvSpPr>
+          <p:cNvPr id="5" name="文本框 4"/>
+          <p:cNvSpPr txBox="1"/>
+          <p:nvPr/>
+        </p:nvSpPr>
+        <p:spPr>
+          <a:xfrm>
+            <a:off x="6243637" y="1825625"/>
+            <a:ext cx="4875213" cy="2092881"/>
+          </a:xfrm>
+          <a:prstGeom prst="rect">
+            <a:avLst/>
+          </a:prstGeom>
+          <a:noFill/>
+        </p:spPr>
+        <p:txBody>
+          <a:bodyPr wrap="square" rtlCol="0">
+            <a:spAutoFit/>
+          </a:bodyPr>
+          <a:lstStyle/>
+          <a:p>
+            <a:r>
+              <a:rPr lang="zh-CN" altLang="en-US" sz="2600" dirty="0" smtClean="0"/>
+              <a:t>如果 </a:t>
+            </a:r>
+            <a:r>
+              <a:rPr lang="en-US" altLang="zh-CN" sz="2600" dirty="0" smtClean="0"/>
+              <a:t>&lt;TargetComp /&gt; </a:t>
+            </a:r>
+            <a:r>
+              <a:rPr lang="zh-CN" altLang="en-US" sz="2600" dirty="0" smtClean="0"/>
+              <a:t>需要用到一个来自 </a:t>
+            </a:r>
+            <a:r>
+              <a:rPr lang="en-US" altLang="zh-CN" sz="2600" dirty="0" smtClean="0"/>
+              <a:t>&lt;FirstComp /&gt; </a:t>
+            </a:r>
+            <a:r>
+              <a:rPr lang="zh-CN" altLang="en-US" sz="2600" dirty="0" smtClean="0"/>
+              <a:t>的数据，需要以 </a:t>
+            </a:r>
+            <a:r>
+              <a:rPr lang="en-US" altLang="zh-CN" sz="2600" dirty="0" smtClean="0"/>
+              <a:t>props </a:t>
+            </a:r>
+            <a:r>
+              <a:rPr lang="zh-CN" altLang="en-US" sz="2600" dirty="0" smtClean="0"/>
+              <a:t>的方式将该数据传递 </a:t>
+            </a:r>
+            <a:r>
+              <a:rPr lang="en-US" altLang="zh-CN" sz="2600" dirty="0" smtClean="0"/>
+              <a:t>4 </a:t>
+            </a:r>
+            <a:r>
+              <a:rPr lang="zh-CN" altLang="en-US" sz="2600" dirty="0" smtClean="0"/>
+              <a:t>层，然而这个数据对于中间</a:t>
+            </a:r>
+            <a:r>
+              <a:rPr lang="en-US" altLang="zh-CN" sz="2600" dirty="0" smtClean="0"/>
+              <a:t>3 </a:t>
+            </a:r>
+            <a:r>
+              <a:rPr lang="zh-CN" altLang="en-US" sz="2600" dirty="0" smtClean="0"/>
+              <a:t>个组件来说是没有用的</a:t>
+            </a:r>
+            <a:endParaRPr lang="zh-CN" altLang="en-US" sz="2600" dirty="0"/>
+          </a:p>
+        </p:txBody>
+      </p:sp>
+    </p:spTree>
+    <p:extLst>
+      <p:ext uri="{BB962C8B-B14F-4D97-AF65-F5344CB8AC3E}">
+        <p14:creationId xmlns:p14="http://schemas.microsoft.com/office/powerpoint/2010/main" val="1012171988"/>
+      </p:ext>
+    </p:extLst>
+  </p:cSld>
+  <p:clrMapOvr>
+    <a:masterClrMapping/>
+  </p:clrMapOvr>
+  <p:timing>
+    <p:tnLst>
+      <p:par>
+        <p:cTn id="1" dur="indefinite" restart="never" nodeType="tmRoot"/>
+      </p:par>
+    </p:tnLst>
+  </p:timing>
+</p:sld>
+</file>
+
 <file path=ppt/slides/slide2.xml><?xml version="1.0" encoding="utf-8"?>
 <p:sld xmlns:a="http://schemas.openxmlformats.org/drawingml/2006/main" xmlns:r="http://schemas.openxmlformats.org/officeDocument/2006/relationships" xmlns:p="http://schemas.openxmlformats.org/presentationml/2006/main">
   <p:cSld>
@@ -7946,6 +8600,976 @@
       </p:par>
     </p:tnLst>
   </p:timing>
+</p:sld>
+</file>
+
+<file path=ppt/slides/slide20.xml><?xml version="1.0" encoding="utf-8"?>
+<p:sld xmlns:a="http://schemas.openxmlformats.org/drawingml/2006/main" xmlns:r="http://schemas.openxmlformats.org/officeDocument/2006/relationships" xmlns:p="http://schemas.openxmlformats.org/presentationml/2006/main">
+  <p:cSld>
+    <p:spTree>
+      <p:nvGrpSpPr>
+        <p:cNvPr id="1" name=""/>
+        <p:cNvGrpSpPr/>
+        <p:nvPr/>
+      </p:nvGrpSpPr>
+      <p:grpSpPr>
+        <a:xfrm>
+          <a:off x="0" y="0"/>
+          <a:ext cx="0" cy="0"/>
+          <a:chOff x="0" y="0"/>
+          <a:chExt cx="0" cy="0"/>
+        </a:xfrm>
+      </p:grpSpPr>
+      <p:sp>
+        <p:nvSpPr>
+          <p:cNvPr id="2" name="标题 1"/>
+          <p:cNvSpPr>
+            <a:spLocks noGrp="1"/>
+          </p:cNvSpPr>
+          <p:nvPr>
+            <p:ph type="title"/>
+          </p:nvPr>
+        </p:nvSpPr>
+        <p:spPr>
+          <a:xfrm>
+            <a:off x="838200" y="365125"/>
+            <a:ext cx="5181600" cy="1325563"/>
+          </a:xfrm>
+        </p:spPr>
+        <p:txBody>
+          <a:bodyPr/>
+          <a:lstStyle/>
+          <a:p>
+            <a:r>
+              <a:rPr lang="en-US" altLang="zh-CN" dirty="0" smtClean="0"/>
+              <a:t>3.1 Redux </a:t>
+            </a:r>
+            <a:endParaRPr lang="zh-CN" altLang="en-US" dirty="0"/>
+          </a:p>
+        </p:txBody>
+      </p:sp>
+      <p:sp>
+        <p:nvSpPr>
+          <p:cNvPr id="6" name="内容占位符 5"/>
+          <p:cNvSpPr>
+            <a:spLocks noGrp="1"/>
+          </p:cNvSpPr>
+          <p:nvPr>
+            <p:ph sz="half" idx="1"/>
+          </p:nvPr>
+        </p:nvSpPr>
+        <p:spPr>
+          <a:xfrm>
+            <a:off x="838200" y="1825625"/>
+            <a:ext cx="5181600" cy="4351338"/>
+          </a:xfrm>
+          <a:solidFill>
+            <a:schemeClr val="tx2"/>
+          </a:solidFill>
+        </p:spPr>
+        <p:txBody>
+          <a:bodyPr>
+            <a:normAutofit fontScale="77500" lnSpcReduction="20000"/>
+          </a:bodyPr>
+          <a:lstStyle/>
+          <a:p>
+            <a:pPr marL="0" indent="0">
+              <a:buNone/>
+            </a:pPr>
+            <a:r>
+              <a:rPr lang="en-US" altLang="zh-CN" dirty="0" smtClean="0">
+                <a:solidFill>
+                  <a:schemeClr val="accent4">
+                    <a:lumMod val="60000"/>
+                    <a:lumOff val="40000"/>
+                  </a:schemeClr>
+                </a:solidFill>
+                <a:latin typeface="Consolas" panose="020B0609020204030204" pitchFamily="49" charset="0"/>
+              </a:rPr>
+              <a:t>&lt;</a:t>
+            </a:r>
+            <a:r>
+              <a:rPr lang="en-US" altLang="zh-CN" dirty="0">
+                <a:solidFill>
+                  <a:schemeClr val="accent4">
+                    <a:lumMod val="60000"/>
+                    <a:lumOff val="40000"/>
+                  </a:schemeClr>
+                </a:solidFill>
+                <a:latin typeface="Consolas" panose="020B0609020204030204" pitchFamily="49" charset="0"/>
+              </a:rPr>
+              <a:t>Comp1&gt;</a:t>
+            </a:r>
+          </a:p>
+          <a:p>
+            <a:pPr marL="0" indent="0">
+              <a:buNone/>
+            </a:pPr>
+            <a:r>
+              <a:rPr lang="en-US" altLang="zh-CN" dirty="0" smtClean="0">
+                <a:solidFill>
+                  <a:schemeClr val="accent4">
+                    <a:lumMod val="60000"/>
+                    <a:lumOff val="40000"/>
+                  </a:schemeClr>
+                </a:solidFill>
+                <a:latin typeface="Consolas" panose="020B0609020204030204" pitchFamily="49" charset="0"/>
+              </a:rPr>
+              <a:t>  &lt;</a:t>
+            </a:r>
+            <a:r>
+              <a:rPr lang="en-US" altLang="zh-CN" dirty="0">
+                <a:solidFill>
+                  <a:schemeClr val="accent4">
+                    <a:lumMod val="60000"/>
+                    <a:lumOff val="40000"/>
+                  </a:schemeClr>
+                </a:solidFill>
+                <a:latin typeface="Consolas" panose="020B0609020204030204" pitchFamily="49" charset="0"/>
+              </a:rPr>
+              <a:t>Comp2&gt;</a:t>
+            </a:r>
+          </a:p>
+          <a:p>
+            <a:pPr marL="0" indent="0">
+              <a:buNone/>
+            </a:pPr>
+            <a:r>
+              <a:rPr lang="en-US" altLang="zh-CN" dirty="0" smtClean="0">
+                <a:solidFill>
+                  <a:schemeClr val="accent4">
+                    <a:lumMod val="60000"/>
+                    <a:lumOff val="40000"/>
+                  </a:schemeClr>
+                </a:solidFill>
+                <a:latin typeface="Consolas" panose="020B0609020204030204" pitchFamily="49" charset="0"/>
+              </a:rPr>
+              <a:t>    </a:t>
+            </a:r>
+            <a:r>
+              <a:rPr lang="en-US" altLang="zh-CN" dirty="0">
+                <a:solidFill>
+                  <a:schemeClr val="accent6">
+                    <a:lumMod val="60000"/>
+                    <a:lumOff val="40000"/>
+                  </a:schemeClr>
+                </a:solidFill>
+                <a:latin typeface="Consolas" panose="020B0609020204030204" pitchFamily="49" charset="0"/>
+              </a:rPr>
+              <a:t>&lt;</a:t>
+            </a:r>
+            <a:r>
+              <a:rPr lang="en-US" altLang="zh-CN" dirty="0">
+                <a:solidFill>
+                  <a:schemeClr val="accent6">
+                    <a:lumMod val="60000"/>
+                    <a:lumOff val="40000"/>
+                  </a:schemeClr>
+                </a:solidFill>
+                <a:latin typeface="Consolas" panose="020B0609020204030204" pitchFamily="49" charset="0"/>
+              </a:rPr>
+              <a:t>Comp3 /&gt;</a:t>
+            </a:r>
+          </a:p>
+          <a:p>
+            <a:pPr marL="0" indent="0">
+              <a:buNone/>
+            </a:pPr>
+            <a:r>
+              <a:rPr lang="en-US" altLang="zh-CN" dirty="0" smtClean="0">
+                <a:solidFill>
+                  <a:schemeClr val="accent4">
+                    <a:lumMod val="60000"/>
+                    <a:lumOff val="40000"/>
+                  </a:schemeClr>
+                </a:solidFill>
+                <a:latin typeface="Consolas" panose="020B0609020204030204" pitchFamily="49" charset="0"/>
+              </a:rPr>
+              <a:t>  &lt;/</a:t>
+            </a:r>
+            <a:r>
+              <a:rPr lang="en-US" altLang="zh-CN" dirty="0">
+                <a:solidFill>
+                  <a:schemeClr val="accent4">
+                    <a:lumMod val="60000"/>
+                    <a:lumOff val="40000"/>
+                  </a:schemeClr>
+                </a:solidFill>
+                <a:latin typeface="Consolas" panose="020B0609020204030204" pitchFamily="49" charset="0"/>
+              </a:rPr>
+              <a:t>Comp2&gt;</a:t>
+            </a:r>
+          </a:p>
+          <a:p>
+            <a:pPr marL="0" indent="0">
+              <a:buNone/>
+            </a:pPr>
+            <a:r>
+              <a:rPr lang="en-US" altLang="zh-CN" dirty="0" smtClean="0">
+                <a:solidFill>
+                  <a:schemeClr val="accent4">
+                    <a:lumMod val="60000"/>
+                    <a:lumOff val="40000"/>
+                  </a:schemeClr>
+                </a:solidFill>
+                <a:latin typeface="Consolas" panose="020B0609020204030204" pitchFamily="49" charset="0"/>
+              </a:rPr>
+              <a:t>  </a:t>
+            </a:r>
+            <a:r>
+              <a:rPr lang="en-US" altLang="zh-CN" dirty="0">
+                <a:solidFill>
+                  <a:schemeClr val="accent6">
+                    <a:lumMod val="60000"/>
+                    <a:lumOff val="40000"/>
+                  </a:schemeClr>
+                </a:solidFill>
+                <a:latin typeface="Consolas" panose="020B0609020204030204" pitchFamily="49" charset="0"/>
+              </a:rPr>
+              <a:t>&lt;Comp4 /&gt;</a:t>
+            </a:r>
+          </a:p>
+          <a:p>
+            <a:pPr marL="0" indent="0">
+              <a:buNone/>
+            </a:pPr>
+            <a:r>
+              <a:rPr lang="en-US" altLang="zh-CN" dirty="0" smtClean="0">
+                <a:solidFill>
+                  <a:schemeClr val="accent4">
+                    <a:lumMod val="60000"/>
+                    <a:lumOff val="40000"/>
+                  </a:schemeClr>
+                </a:solidFill>
+                <a:latin typeface="Consolas" panose="020B0609020204030204" pitchFamily="49" charset="0"/>
+              </a:rPr>
+              <a:t>  </a:t>
+            </a:r>
+            <a:r>
+              <a:rPr lang="en-US" altLang="zh-CN" dirty="0">
+                <a:solidFill>
+                  <a:schemeClr val="accent4">
+                    <a:lumMod val="60000"/>
+                    <a:lumOff val="40000"/>
+                  </a:schemeClr>
+                </a:solidFill>
+                <a:latin typeface="Consolas" panose="020B0609020204030204" pitchFamily="49" charset="0"/>
+              </a:rPr>
+              <a:t>&lt;Comp5 /&gt;</a:t>
+            </a:r>
+          </a:p>
+          <a:p>
+            <a:pPr marL="0" indent="0">
+              <a:buNone/>
+            </a:pPr>
+            <a:r>
+              <a:rPr lang="en-US" altLang="zh-CN" dirty="0" smtClean="0">
+                <a:solidFill>
+                  <a:schemeClr val="accent4">
+                    <a:lumMod val="60000"/>
+                    <a:lumOff val="40000"/>
+                  </a:schemeClr>
+                </a:solidFill>
+                <a:latin typeface="Consolas" panose="020B0609020204030204" pitchFamily="49" charset="0"/>
+              </a:rPr>
+              <a:t>  &lt;</a:t>
+            </a:r>
+            <a:r>
+              <a:rPr lang="en-US" altLang="zh-CN" dirty="0">
+                <a:solidFill>
+                  <a:schemeClr val="accent4">
+                    <a:lumMod val="60000"/>
+                    <a:lumOff val="40000"/>
+                  </a:schemeClr>
+                </a:solidFill>
+                <a:latin typeface="Consolas" panose="020B0609020204030204" pitchFamily="49" charset="0"/>
+              </a:rPr>
+              <a:t>Comp6&gt;</a:t>
+            </a:r>
+          </a:p>
+          <a:p>
+            <a:pPr marL="0" indent="0">
+              <a:buNone/>
+            </a:pPr>
+            <a:r>
+              <a:rPr lang="en-US" altLang="zh-CN" dirty="0" smtClean="0">
+                <a:solidFill>
+                  <a:schemeClr val="accent4">
+                    <a:lumMod val="60000"/>
+                    <a:lumOff val="40000"/>
+                  </a:schemeClr>
+                </a:solidFill>
+                <a:latin typeface="Consolas" panose="020B0609020204030204" pitchFamily="49" charset="0"/>
+              </a:rPr>
+              <a:t>    </a:t>
+            </a:r>
+            <a:r>
+              <a:rPr lang="en-US" altLang="zh-CN" dirty="0">
+                <a:solidFill>
+                  <a:schemeClr val="accent6">
+                    <a:lumMod val="60000"/>
+                    <a:lumOff val="40000"/>
+                  </a:schemeClr>
+                </a:solidFill>
+                <a:latin typeface="Consolas" panose="020B0609020204030204" pitchFamily="49" charset="0"/>
+              </a:rPr>
+              <a:t>&lt;</a:t>
+            </a:r>
+            <a:r>
+              <a:rPr lang="en-US" altLang="zh-CN" dirty="0">
+                <a:solidFill>
+                  <a:schemeClr val="accent6">
+                    <a:lumMod val="60000"/>
+                    <a:lumOff val="40000"/>
+                  </a:schemeClr>
+                </a:solidFill>
+                <a:latin typeface="Consolas" panose="020B0609020204030204" pitchFamily="49" charset="0"/>
+              </a:rPr>
+              <a:t>Comp7&gt;</a:t>
+            </a:r>
+          </a:p>
+          <a:p>
+            <a:pPr marL="0" indent="0">
+              <a:buNone/>
+            </a:pPr>
+            <a:r>
+              <a:rPr lang="en-US" altLang="zh-CN" dirty="0" smtClean="0">
+                <a:solidFill>
+                  <a:schemeClr val="accent4">
+                    <a:lumMod val="60000"/>
+                    <a:lumOff val="40000"/>
+                  </a:schemeClr>
+                </a:solidFill>
+                <a:latin typeface="Consolas" panose="020B0609020204030204" pitchFamily="49" charset="0"/>
+              </a:rPr>
+              <a:t>      </a:t>
+            </a:r>
+            <a:r>
+              <a:rPr lang="en-US" altLang="zh-CN" dirty="0">
+                <a:solidFill>
+                  <a:schemeClr val="accent6">
+                    <a:lumMod val="60000"/>
+                    <a:lumOff val="40000"/>
+                  </a:schemeClr>
+                </a:solidFill>
+                <a:latin typeface="Consolas" panose="020B0609020204030204" pitchFamily="49" charset="0"/>
+              </a:rPr>
+              <a:t>&lt;Comp8 /&gt;</a:t>
+            </a:r>
+          </a:p>
+          <a:p>
+            <a:pPr marL="0" indent="0">
+              <a:buNone/>
+            </a:pPr>
+            <a:r>
+              <a:rPr lang="en-US" altLang="zh-CN" dirty="0">
+                <a:solidFill>
+                  <a:schemeClr val="accent4">
+                    <a:lumMod val="60000"/>
+                    <a:lumOff val="40000"/>
+                  </a:schemeClr>
+                </a:solidFill>
+                <a:latin typeface="Consolas" panose="020B0609020204030204" pitchFamily="49" charset="0"/>
+              </a:rPr>
+              <a:t>    </a:t>
+            </a:r>
+            <a:r>
+              <a:rPr lang="en-US" altLang="zh-CN" dirty="0" smtClean="0">
+                <a:solidFill>
+                  <a:schemeClr val="accent4">
+                    <a:lumMod val="60000"/>
+                    <a:lumOff val="40000"/>
+                  </a:schemeClr>
+                </a:solidFill>
+                <a:latin typeface="Consolas" panose="020B0609020204030204" pitchFamily="49" charset="0"/>
+              </a:rPr>
+              <a:t>&lt;/</a:t>
+            </a:r>
+            <a:r>
+              <a:rPr lang="en-US" altLang="zh-CN" dirty="0">
+                <a:solidFill>
+                  <a:schemeClr val="accent4">
+                    <a:lumMod val="60000"/>
+                    <a:lumOff val="40000"/>
+                  </a:schemeClr>
+                </a:solidFill>
+                <a:latin typeface="Consolas" panose="020B0609020204030204" pitchFamily="49" charset="0"/>
+              </a:rPr>
+              <a:t>Comp7&gt;</a:t>
+            </a:r>
+          </a:p>
+          <a:p>
+            <a:pPr marL="0" indent="0">
+              <a:buNone/>
+            </a:pPr>
+            <a:r>
+              <a:rPr lang="en-US" altLang="zh-CN" dirty="0" smtClean="0">
+                <a:solidFill>
+                  <a:schemeClr val="accent4">
+                    <a:lumMod val="60000"/>
+                    <a:lumOff val="40000"/>
+                  </a:schemeClr>
+                </a:solidFill>
+                <a:latin typeface="Consolas" panose="020B0609020204030204" pitchFamily="49" charset="0"/>
+              </a:rPr>
+              <a:t>   &lt;/</a:t>
+            </a:r>
+            <a:r>
+              <a:rPr lang="en-US" altLang="zh-CN" dirty="0">
+                <a:solidFill>
+                  <a:schemeClr val="accent4">
+                    <a:lumMod val="60000"/>
+                    <a:lumOff val="40000"/>
+                  </a:schemeClr>
+                </a:solidFill>
+                <a:latin typeface="Consolas" panose="020B0609020204030204" pitchFamily="49" charset="0"/>
+              </a:rPr>
+              <a:t>Comp6&gt;</a:t>
+            </a:r>
+          </a:p>
+          <a:p>
+            <a:pPr marL="0" indent="0">
+              <a:buNone/>
+            </a:pPr>
+            <a:r>
+              <a:rPr lang="en-US" altLang="zh-CN" dirty="0" smtClean="0">
+                <a:solidFill>
+                  <a:schemeClr val="accent4">
+                    <a:lumMod val="60000"/>
+                    <a:lumOff val="40000"/>
+                  </a:schemeClr>
+                </a:solidFill>
+                <a:latin typeface="Consolas" panose="020B0609020204030204" pitchFamily="49" charset="0"/>
+              </a:rPr>
+              <a:t>&lt;/</a:t>
+            </a:r>
+            <a:r>
+              <a:rPr lang="en-US" altLang="zh-CN" dirty="0">
+                <a:solidFill>
+                  <a:schemeClr val="accent4">
+                    <a:lumMod val="60000"/>
+                    <a:lumOff val="40000"/>
+                  </a:schemeClr>
+                </a:solidFill>
+                <a:latin typeface="Consolas" panose="020B0609020204030204" pitchFamily="49" charset="0"/>
+              </a:rPr>
+              <a:t>Comp1&gt;</a:t>
+            </a:r>
+            <a:endParaRPr lang="zh-CN" altLang="en-US" dirty="0">
+              <a:solidFill>
+                <a:schemeClr val="accent4">
+                  <a:lumMod val="60000"/>
+                  <a:lumOff val="40000"/>
+                </a:schemeClr>
+              </a:solidFill>
+              <a:latin typeface="Consolas" panose="020B0609020204030204" pitchFamily="49" charset="0"/>
+            </a:endParaRPr>
+          </a:p>
+        </p:txBody>
+      </p:sp>
+      <p:pic>
+        <p:nvPicPr>
+          <p:cNvPr id="8" name="内容占位符 7"/>
+          <p:cNvPicPr>
+            <a:picLocks noGrp="1" noChangeAspect="1"/>
+          </p:cNvPicPr>
+          <p:nvPr>
+            <p:ph sz="half" idx="2"/>
+          </p:nvPr>
+        </p:nvPicPr>
+        <p:blipFill>
+          <a:blip r:embed="rId2">
+            <a:extLst>
+              <a:ext uri="{28A0092B-C50C-407E-A947-70E740481C1C}">
+                <a14:useLocalDpi xmlns:a14="http://schemas.microsoft.com/office/drawing/2010/main" val="0"/>
+              </a:ext>
+            </a:extLst>
+          </a:blip>
+          <a:stretch>
+            <a:fillRect/>
+          </a:stretch>
+        </p:blipFill>
+        <p:spPr>
+          <a:xfrm>
+            <a:off x="6243637" y="373063"/>
+            <a:ext cx="4875213" cy="1317625"/>
+          </a:xfrm>
+        </p:spPr>
+      </p:pic>
+      <p:sp>
+        <p:nvSpPr>
+          <p:cNvPr id="5" name="文本框 4"/>
+          <p:cNvSpPr txBox="1"/>
+          <p:nvPr/>
+        </p:nvSpPr>
+        <p:spPr>
+          <a:xfrm>
+            <a:off x="6243637" y="1825625"/>
+            <a:ext cx="4875213" cy="892552"/>
+          </a:xfrm>
+          <a:prstGeom prst="rect">
+            <a:avLst/>
+          </a:prstGeom>
+          <a:noFill/>
+        </p:spPr>
+        <p:txBody>
+          <a:bodyPr wrap="square" rtlCol="0">
+            <a:spAutoFit/>
+          </a:bodyPr>
+          <a:lstStyle/>
+          <a:p>
+            <a:r>
+              <a:rPr lang="zh-CN" altLang="en-US" sz="2600" dirty="0" smtClean="0"/>
+              <a:t>如果 </a:t>
+            </a:r>
+            <a:r>
+              <a:rPr lang="en-US" altLang="zh-CN" sz="2600" dirty="0" smtClean="0"/>
+              <a:t>3, 4, 7, 8 </a:t>
+            </a:r>
+            <a:r>
+              <a:rPr lang="zh-CN" altLang="en-US" sz="2600" dirty="0" smtClean="0"/>
+              <a:t>需要用到 </a:t>
+            </a:r>
+            <a:r>
+              <a:rPr lang="en-US" altLang="zh-CN" sz="2600" dirty="0" smtClean="0"/>
+              <a:t>1 </a:t>
+            </a:r>
+            <a:r>
+              <a:rPr lang="zh-CN" altLang="en-US" sz="2600" dirty="0" smtClean="0"/>
+              <a:t>的数据，并且需要修改数据</a:t>
+            </a:r>
+            <a:endParaRPr lang="zh-CN" altLang="en-US" sz="2600" dirty="0"/>
+          </a:p>
+        </p:txBody>
+      </p:sp>
+    </p:spTree>
+    <p:extLst>
+      <p:ext uri="{BB962C8B-B14F-4D97-AF65-F5344CB8AC3E}">
+        <p14:creationId xmlns:p14="http://schemas.microsoft.com/office/powerpoint/2010/main" val="3782411436"/>
+      </p:ext>
+    </p:extLst>
+  </p:cSld>
+  <p:clrMapOvr>
+    <a:masterClrMapping/>
+  </p:clrMapOvr>
+  <p:timing>
+    <p:tnLst>
+      <p:par>
+        <p:cTn id="1" dur="indefinite" restart="never" nodeType="tmRoot"/>
+      </p:par>
+    </p:tnLst>
+  </p:timing>
+</p:sld>
+</file>
+
+<file path=ppt/slides/slide21.xml><?xml version="1.0" encoding="utf-8"?>
+<p:sld xmlns:a="http://schemas.openxmlformats.org/drawingml/2006/main" xmlns:r="http://schemas.openxmlformats.org/officeDocument/2006/relationships" xmlns:p="http://schemas.openxmlformats.org/presentationml/2006/main">
+  <p:cSld>
+    <p:spTree>
+      <p:nvGrpSpPr>
+        <p:cNvPr id="1" name=""/>
+        <p:cNvGrpSpPr/>
+        <p:nvPr/>
+      </p:nvGrpSpPr>
+      <p:grpSpPr>
+        <a:xfrm>
+          <a:off x="0" y="0"/>
+          <a:ext cx="0" cy="0"/>
+          <a:chOff x="0" y="0"/>
+          <a:chExt cx="0" cy="0"/>
+        </a:xfrm>
+      </p:grpSpPr>
+      <p:sp>
+        <p:nvSpPr>
+          <p:cNvPr id="2" name="标题 1"/>
+          <p:cNvSpPr>
+            <a:spLocks noGrp="1"/>
+          </p:cNvSpPr>
+          <p:nvPr>
+            <p:ph type="title"/>
+          </p:nvPr>
+        </p:nvSpPr>
+        <p:spPr>
+          <a:xfrm>
+            <a:off x="838200" y="365125"/>
+            <a:ext cx="5181600" cy="1325563"/>
+          </a:xfrm>
+        </p:spPr>
+        <p:txBody>
+          <a:bodyPr/>
+          <a:lstStyle/>
+          <a:p>
+            <a:r>
+              <a:rPr lang="en-US" altLang="zh-CN" dirty="0" smtClean="0"/>
+              <a:t>3.1 Redux </a:t>
+            </a:r>
+            <a:endParaRPr lang="zh-CN" altLang="en-US" dirty="0"/>
+          </a:p>
+        </p:txBody>
+      </p:sp>
+      <p:pic>
+        <p:nvPicPr>
+          <p:cNvPr id="8" name="内容占位符 7"/>
+          <p:cNvPicPr>
+            <a:picLocks noGrp="1" noChangeAspect="1"/>
+          </p:cNvPicPr>
+          <p:nvPr>
+            <p:ph sz="half" idx="2"/>
+          </p:nvPr>
+        </p:nvPicPr>
+        <p:blipFill>
+          <a:blip r:embed="rId2">
+            <a:extLst>
+              <a:ext uri="{28A0092B-C50C-407E-A947-70E740481C1C}">
+                <a14:useLocalDpi xmlns:a14="http://schemas.microsoft.com/office/drawing/2010/main" val="0"/>
+              </a:ext>
+            </a:extLst>
+          </a:blip>
+          <a:stretch>
+            <a:fillRect/>
+          </a:stretch>
+        </p:blipFill>
+        <p:spPr>
+          <a:xfrm>
+            <a:off x="6243637" y="373063"/>
+            <a:ext cx="4875213" cy="1317625"/>
+          </a:xfrm>
+        </p:spPr>
+      </p:pic>
+      <p:sp>
+        <p:nvSpPr>
+          <p:cNvPr id="4" name="内容占位符 3"/>
+          <p:cNvSpPr>
+            <a:spLocks noGrp="1"/>
+          </p:cNvSpPr>
+          <p:nvPr>
+            <p:ph sz="half" idx="1"/>
+          </p:nvPr>
+        </p:nvSpPr>
+        <p:spPr>
+          <a:xfrm>
+            <a:off x="838200" y="1825625"/>
+            <a:ext cx="10280650" cy="4351338"/>
+          </a:xfrm>
+        </p:spPr>
+        <p:txBody>
+          <a:bodyPr/>
+          <a:lstStyle/>
+          <a:p>
+            <a:r>
+              <a:rPr lang="en-US" altLang="zh-CN" dirty="0" smtClean="0"/>
+              <a:t>Redux </a:t>
+            </a:r>
+            <a:r>
+              <a:rPr lang="zh-CN" altLang="en-US" dirty="0" smtClean="0"/>
+              <a:t>是对 </a:t>
+            </a:r>
+            <a:r>
+              <a:rPr lang="en-US" altLang="zh-CN" dirty="0" smtClean="0"/>
+              <a:t>Flux </a:t>
+            </a:r>
+            <a:r>
+              <a:rPr lang="zh-CN" altLang="en-US" dirty="0" smtClean="0"/>
+              <a:t>架构的一种实现</a:t>
+            </a:r>
+            <a:endParaRPr lang="en-US" altLang="zh-CN" dirty="0" smtClean="0"/>
+          </a:p>
+          <a:p>
+            <a:endParaRPr lang="en-US" altLang="zh-CN" dirty="0"/>
+          </a:p>
+          <a:p>
+            <a:r>
+              <a:rPr lang="en-US" altLang="zh-CN" dirty="0"/>
+              <a:t>"</a:t>
+            </a:r>
+            <a:r>
+              <a:rPr lang="zh-CN" altLang="en-US" dirty="0"/>
+              <a:t>如果你不知道是否需要 </a:t>
+            </a:r>
+            <a:r>
+              <a:rPr lang="en-US" altLang="zh-CN" dirty="0"/>
+              <a:t>Redux</a:t>
+            </a:r>
+            <a:r>
+              <a:rPr lang="zh-CN" altLang="en-US" dirty="0"/>
+              <a:t>，那就是不需要它</a:t>
+            </a:r>
+            <a:r>
+              <a:rPr lang="zh-CN" altLang="en-US" dirty="0" smtClean="0"/>
+              <a:t>。</a:t>
+            </a:r>
+            <a:r>
+              <a:rPr lang="en-US" altLang="zh-CN" dirty="0" smtClean="0"/>
+              <a:t>“</a:t>
+            </a:r>
+          </a:p>
+          <a:p>
+            <a:endParaRPr lang="en-US" altLang="zh-CN" dirty="0"/>
+          </a:p>
+          <a:p>
+            <a:r>
+              <a:rPr lang="en-US" altLang="zh-CN" dirty="0" smtClean="0"/>
+              <a:t>Redux </a:t>
+            </a:r>
+            <a:r>
+              <a:rPr lang="zh-CN" altLang="en-US" dirty="0" smtClean="0"/>
+              <a:t>用于解决 </a:t>
+            </a:r>
+            <a:r>
+              <a:rPr lang="en-US" altLang="zh-CN" dirty="0" smtClean="0"/>
+              <a:t>React </a:t>
+            </a:r>
+            <a:r>
+              <a:rPr lang="zh-CN" altLang="en-US" dirty="0" smtClean="0"/>
+              <a:t>应用中组件间复杂的数据交互问题</a:t>
+            </a:r>
+            <a:endParaRPr lang="zh-CN" altLang="en-US" dirty="0"/>
+          </a:p>
+        </p:txBody>
+      </p:sp>
+    </p:spTree>
+    <p:extLst>
+      <p:ext uri="{BB962C8B-B14F-4D97-AF65-F5344CB8AC3E}">
+        <p14:creationId xmlns:p14="http://schemas.microsoft.com/office/powerpoint/2010/main" val="1588314998"/>
+      </p:ext>
+    </p:extLst>
+  </p:cSld>
+  <p:clrMapOvr>
+    <a:masterClrMapping/>
+  </p:clrMapOvr>
+  <p:timing>
+    <p:tnLst>
+      <p:par>
+        <p:cTn id="1" dur="indefinite" restart="never" nodeType="tmRoot"/>
+      </p:par>
+    </p:tnLst>
+  </p:timing>
+</p:sld>
+</file>
+
+<file path=ppt/slides/slide22.xml><?xml version="1.0" encoding="utf-8"?>
+<p:sld xmlns:a="http://schemas.openxmlformats.org/drawingml/2006/main" xmlns:r="http://schemas.openxmlformats.org/officeDocument/2006/relationships" xmlns:p="http://schemas.openxmlformats.org/presentationml/2006/main">
+  <p:cSld>
+    <p:spTree>
+      <p:nvGrpSpPr>
+        <p:cNvPr id="1" name=""/>
+        <p:cNvGrpSpPr/>
+        <p:nvPr/>
+      </p:nvGrpSpPr>
+      <p:grpSpPr>
+        <a:xfrm>
+          <a:off x="0" y="0"/>
+          <a:ext cx="0" cy="0"/>
+          <a:chOff x="0" y="0"/>
+          <a:chExt cx="0" cy="0"/>
+        </a:xfrm>
+      </p:grpSpPr>
+      <p:sp>
+        <p:nvSpPr>
+          <p:cNvPr id="2" name="标题 1"/>
+          <p:cNvSpPr>
+            <a:spLocks noGrp="1"/>
+          </p:cNvSpPr>
+          <p:nvPr>
+            <p:ph type="title"/>
+          </p:nvPr>
+        </p:nvSpPr>
+        <p:spPr>
+          <a:xfrm>
+            <a:off x="838200" y="365125"/>
+            <a:ext cx="5181600" cy="1325563"/>
+          </a:xfrm>
+        </p:spPr>
+        <p:txBody>
+          <a:bodyPr/>
+          <a:lstStyle/>
+          <a:p>
+            <a:r>
+              <a:rPr lang="en-US" altLang="zh-CN" dirty="0" smtClean="0"/>
+              <a:t>3.1 Redux </a:t>
+            </a:r>
+            <a:endParaRPr lang="zh-CN" altLang="en-US" dirty="0"/>
+          </a:p>
+        </p:txBody>
+      </p:sp>
+      <p:pic>
+        <p:nvPicPr>
+          <p:cNvPr id="8" name="内容占位符 7"/>
+          <p:cNvPicPr>
+            <a:picLocks noGrp="1" noChangeAspect="1"/>
+          </p:cNvPicPr>
+          <p:nvPr>
+            <p:ph sz="half" idx="2"/>
+          </p:nvPr>
+        </p:nvPicPr>
+        <p:blipFill>
+          <a:blip r:embed="rId2">
+            <a:extLst>
+              <a:ext uri="{28A0092B-C50C-407E-A947-70E740481C1C}">
+                <a14:useLocalDpi xmlns:a14="http://schemas.microsoft.com/office/drawing/2010/main" val="0"/>
+              </a:ext>
+            </a:extLst>
+          </a:blip>
+          <a:stretch>
+            <a:fillRect/>
+          </a:stretch>
+        </p:blipFill>
+        <p:spPr>
+          <a:xfrm>
+            <a:off x="6243637" y="373063"/>
+            <a:ext cx="4875213" cy="1317625"/>
+          </a:xfrm>
+        </p:spPr>
+      </p:pic>
+      <p:pic>
+        <p:nvPicPr>
+          <p:cNvPr id="10" name="内容占位符 9"/>
+          <p:cNvPicPr>
+            <a:picLocks noGrp="1" noChangeAspect="1"/>
+          </p:cNvPicPr>
+          <p:nvPr>
+            <p:ph sz="half" idx="1"/>
+          </p:nvPr>
+        </p:nvPicPr>
+        <p:blipFill>
+          <a:blip r:embed="rId3"/>
+          <a:stretch>
+            <a:fillRect/>
+          </a:stretch>
+        </p:blipFill>
+        <p:spPr>
+          <a:xfrm>
+            <a:off x="2021385" y="1825625"/>
+            <a:ext cx="7914280" cy="4351338"/>
+          </a:xfrm>
+          <a:prstGeom prst="rect">
+            <a:avLst/>
+          </a:prstGeom>
+        </p:spPr>
+      </p:pic>
+    </p:spTree>
+    <p:extLst>
+      <p:ext uri="{BB962C8B-B14F-4D97-AF65-F5344CB8AC3E}">
+        <p14:creationId xmlns:p14="http://schemas.microsoft.com/office/powerpoint/2010/main" val="2296047053"/>
+      </p:ext>
+    </p:extLst>
+  </p:cSld>
+  <p:clrMapOvr>
+    <a:masterClrMapping/>
+  </p:clrMapOvr>
+  <p:timing>
+    <p:tnLst>
+      <p:par>
+        <p:cTn id="1" dur="indefinite" restart="never" nodeType="tmRoot"/>
+      </p:par>
+    </p:tnLst>
+  </p:timing>
+</p:sld>
+</file>
+
+<file path=ppt/slides/slide23.xml><?xml version="1.0" encoding="utf-8"?>
+<p:sld xmlns:a="http://schemas.openxmlformats.org/drawingml/2006/main" xmlns:r="http://schemas.openxmlformats.org/officeDocument/2006/relationships" xmlns:p="http://schemas.openxmlformats.org/presentationml/2006/main">
+  <p:cSld>
+    <p:spTree>
+      <p:nvGrpSpPr>
+        <p:cNvPr id="1" name=""/>
+        <p:cNvGrpSpPr/>
+        <p:nvPr/>
+      </p:nvGrpSpPr>
+      <p:grpSpPr>
+        <a:xfrm>
+          <a:off x="0" y="0"/>
+          <a:ext cx="0" cy="0"/>
+          <a:chOff x="0" y="0"/>
+          <a:chExt cx="0" cy="0"/>
+        </a:xfrm>
+      </p:grpSpPr>
+      <p:sp>
+        <p:nvSpPr>
+          <p:cNvPr id="5" name="标题 4"/>
+          <p:cNvSpPr>
+            <a:spLocks noGrp="1"/>
+          </p:cNvSpPr>
+          <p:nvPr>
+            <p:ph type="title"/>
+          </p:nvPr>
+        </p:nvSpPr>
+        <p:spPr>
+          <a:xfrm>
+            <a:off x="838200" y="365125"/>
+            <a:ext cx="5181600" cy="1325563"/>
+          </a:xfrm>
+        </p:spPr>
+        <p:txBody>
+          <a:bodyPr/>
+          <a:lstStyle/>
+          <a:p>
+            <a:r>
+              <a:rPr lang="en-US" altLang="zh-CN" dirty="0" smtClean="0"/>
+              <a:t>3.2 React Router</a:t>
+            </a:r>
+            <a:endParaRPr lang="zh-CN" altLang="en-US" dirty="0"/>
+          </a:p>
+        </p:txBody>
+      </p:sp>
+      <p:sp>
+        <p:nvSpPr>
+          <p:cNvPr id="7" name="内容占位符 6"/>
+          <p:cNvSpPr>
+            <a:spLocks noGrp="1"/>
+          </p:cNvSpPr>
+          <p:nvPr>
+            <p:ph sz="half" idx="1"/>
+          </p:nvPr>
+        </p:nvSpPr>
+        <p:spPr/>
+        <p:txBody>
+          <a:bodyPr/>
+          <a:lstStyle/>
+          <a:p>
+            <a:endParaRPr lang="zh-CN" altLang="en-US" dirty="0"/>
+          </a:p>
+        </p:txBody>
+      </p:sp>
+      <p:pic>
+        <p:nvPicPr>
+          <p:cNvPr id="9" name="内容占位符 8"/>
+          <p:cNvPicPr>
+            <a:picLocks noGrp="1" noChangeAspect="1"/>
+          </p:cNvPicPr>
+          <p:nvPr>
+            <p:ph sz="half" idx="2"/>
+          </p:nvPr>
+        </p:nvPicPr>
+        <p:blipFill>
+          <a:blip r:embed="rId2">
+            <a:extLst>
+              <a:ext uri="{28A0092B-C50C-407E-A947-70E740481C1C}">
+                <a14:useLocalDpi xmlns:a14="http://schemas.microsoft.com/office/drawing/2010/main" val="0"/>
+              </a:ext>
+            </a:extLst>
+          </a:blip>
+          <a:stretch>
+            <a:fillRect/>
+          </a:stretch>
+        </p:blipFill>
+        <p:spPr>
+          <a:xfrm>
+            <a:off x="8100218" y="365125"/>
+            <a:ext cx="1325563" cy="1325563"/>
+          </a:xfrm>
+        </p:spPr>
+      </p:pic>
+    </p:spTree>
+    <p:extLst>
+      <p:ext uri="{BB962C8B-B14F-4D97-AF65-F5344CB8AC3E}">
+        <p14:creationId xmlns:p14="http://schemas.microsoft.com/office/powerpoint/2010/main" val="3281264901"/>
+      </p:ext>
+    </p:extLst>
+  </p:cSld>
+  <p:clrMapOvr>
+    <a:masterClrMapping/>
+  </p:clrMapOvr>
 </p:sld>
 </file>
 

--- a/slides/React 入门.pptx
+++ b/slides/React 入门.pptx
@@ -5,7 +5,7 @@
     <p:sldMasterId id="2147483648" r:id="rId1"/>
   </p:sldMasterIdLst>
   <p:notesMasterIdLst>
-    <p:notesMasterId r:id="rId25"/>
+    <p:notesMasterId r:id="rId28"/>
   </p:notesMasterIdLst>
   <p:sldIdLst>
     <p:sldId id="256" r:id="rId2"/>
@@ -31,6 +31,9 @@
     <p:sldId id="276" r:id="rId22"/>
     <p:sldId id="277" r:id="rId23"/>
     <p:sldId id="278" r:id="rId24"/>
+    <p:sldId id="279" r:id="rId25"/>
+    <p:sldId id="280" r:id="rId26"/>
+    <p:sldId id="281" r:id="rId27"/>
   </p:sldIdLst>
   <p:sldSz cx="12192000" cy="6858000"/>
   <p:notesSz cx="6858000" cy="9144000"/>
@@ -219,7 +222,7 @@
           <a:p>
             <a:fld id="{C7EA81BB-58F1-4FB5-8B9E-97CA0D987065}" type="datetimeFigureOut">
               <a:rPr lang="zh-CN" altLang="en-US" smtClean="0"/>
-              <a:t>2018/11/2</a:t>
+              <a:t>2018/11/3</a:t>
             </a:fld>
             <a:endParaRPr lang="zh-CN" altLang="en-US"/>
           </a:p>
@@ -699,6 +702,126 @@
 </p:notes>
 </file>
 
+<file path=ppt/notesSlides/notesSlide11.xml><?xml version="1.0" encoding="utf-8"?>
+<p:notes xmlns:a="http://schemas.openxmlformats.org/drawingml/2006/main" xmlns:r="http://schemas.openxmlformats.org/officeDocument/2006/relationships" xmlns:p="http://schemas.openxmlformats.org/presentationml/2006/main">
+  <p:cSld>
+    <p:spTree>
+      <p:nvGrpSpPr>
+        <p:cNvPr id="1" name=""/>
+        <p:cNvGrpSpPr/>
+        <p:nvPr/>
+      </p:nvGrpSpPr>
+      <p:grpSpPr>
+        <a:xfrm>
+          <a:off x="0" y="0"/>
+          <a:ext cx="0" cy="0"/>
+          <a:chOff x="0" y="0"/>
+          <a:chExt cx="0" cy="0"/>
+        </a:xfrm>
+      </p:grpSpPr>
+      <p:sp>
+        <p:nvSpPr>
+          <p:cNvPr id="2" name="幻灯片图像占位符 1"/>
+          <p:cNvSpPr>
+            <a:spLocks noGrp="1" noRot="1" noChangeAspect="1"/>
+          </p:cNvSpPr>
+          <p:nvPr>
+            <p:ph type="sldImg"/>
+          </p:nvPr>
+        </p:nvSpPr>
+        <p:spPr/>
+      </p:sp>
+      <p:sp>
+        <p:nvSpPr>
+          <p:cNvPr id="3" name="备注占位符 2"/>
+          <p:cNvSpPr>
+            <a:spLocks noGrp="1"/>
+          </p:cNvSpPr>
+          <p:nvPr>
+            <p:ph type="body" idx="1"/>
+          </p:nvPr>
+        </p:nvSpPr>
+        <p:spPr/>
+        <p:txBody>
+          <a:bodyPr/>
+          <a:lstStyle/>
+          <a:p>
+            <a:r>
+              <a:rPr lang="en-US" altLang="zh-CN" dirty="0" err="1" smtClean="0"/>
+              <a:t>Vue</a:t>
+            </a:r>
+            <a:r>
+              <a:rPr lang="en-US" altLang="zh-CN" dirty="0" smtClean="0"/>
+              <a:t> </a:t>
+            </a:r>
+            <a:r>
+              <a:rPr lang="zh-CN" altLang="en-US" dirty="0" smtClean="0"/>
+              <a:t>中使用 </a:t>
+            </a:r>
+            <a:r>
+              <a:rPr lang="en-US" altLang="zh-CN" sz="1200" b="0" i="0" kern="1200" dirty="0" smtClean="0">
+                <a:solidFill>
+                  <a:schemeClr val="tx1"/>
+                </a:solidFill>
+                <a:effectLst/>
+                <a:latin typeface="+mn-lt"/>
+                <a:ea typeface="+mn-ea"/>
+                <a:cs typeface="+mn-cs"/>
+              </a:rPr>
+              <a:t>v-model </a:t>
+            </a:r>
+            <a:r>
+              <a:rPr lang="zh-CN" altLang="en-US" sz="1200" b="0" i="0" kern="1200" dirty="0" smtClean="0">
+                <a:solidFill>
+                  <a:schemeClr val="tx1"/>
+                </a:solidFill>
+                <a:effectLst/>
+                <a:latin typeface="+mn-lt"/>
+                <a:ea typeface="+mn-ea"/>
+                <a:cs typeface="+mn-cs"/>
+              </a:rPr>
+              <a:t>实现双向数据绑定</a:t>
+            </a:r>
+            <a:endParaRPr lang="zh-CN" altLang="en-US" dirty="0"/>
+          </a:p>
+        </p:txBody>
+      </p:sp>
+      <p:sp>
+        <p:nvSpPr>
+          <p:cNvPr id="4" name="灯片编号占位符 3"/>
+          <p:cNvSpPr>
+            <a:spLocks noGrp="1"/>
+          </p:cNvSpPr>
+          <p:nvPr>
+            <p:ph type="sldNum" sz="quarter" idx="10"/>
+          </p:nvPr>
+        </p:nvSpPr>
+        <p:spPr/>
+        <p:txBody>
+          <a:bodyPr/>
+          <a:lstStyle/>
+          <a:p>
+            <a:fld id="{933F5AFF-D81E-4C08-8F4D-34ABD7A65093}" type="slidenum">
+              <a:rPr lang="zh-CN" altLang="en-US" smtClean="0"/>
+              <a:t>24</a:t>
+            </a:fld>
+            <a:endParaRPr lang="zh-CN" altLang="en-US"/>
+          </a:p>
+        </p:txBody>
+      </p:sp>
+    </p:spTree>
+    <p:extLst>
+      <p:ext uri="{BB962C8B-B14F-4D97-AF65-F5344CB8AC3E}">
+        <p14:creationId xmlns:p14="http://schemas.microsoft.com/office/powerpoint/2010/main" val="971279586"/>
+      </p:ext>
+    </p:extLst>
+  </p:cSld>
+  <p:clrMapOvr>
+    <a:masterClrMapping/>
+  </p:clrMapOvr>
+</p:notes>
+</file>
+
 <file path=ppt/notesSlides/notesSlide2.xml><?xml version="1.0" encoding="utf-8"?>
 <p:notes xmlns:a="http://schemas.openxmlformats.org/drawingml/2006/main" xmlns:r="http://schemas.openxmlformats.org/officeDocument/2006/relationships" xmlns:p="http://schemas.openxmlformats.org/presentationml/2006/main">
   <p:cSld>
@@ -2113,7 +2236,7 @@
           <a:p>
             <a:fld id="{526B8B47-29F2-4AB1-95E5-A1E1ABC128C6}" type="datetimeFigureOut">
               <a:rPr lang="zh-CN" altLang="en-US" smtClean="0"/>
-              <a:t>2018/11/2</a:t>
+              <a:t>2018/11/3</a:t>
             </a:fld>
             <a:endParaRPr lang="zh-CN" altLang="en-US"/>
           </a:p>
@@ -2283,7 +2406,7 @@
           <a:p>
             <a:fld id="{526B8B47-29F2-4AB1-95E5-A1E1ABC128C6}" type="datetimeFigureOut">
               <a:rPr lang="zh-CN" altLang="en-US" smtClean="0"/>
-              <a:t>2018/11/2</a:t>
+              <a:t>2018/11/3</a:t>
             </a:fld>
             <a:endParaRPr lang="zh-CN" altLang="en-US"/>
           </a:p>
@@ -2463,7 +2586,7 @@
           <a:p>
             <a:fld id="{526B8B47-29F2-4AB1-95E5-A1E1ABC128C6}" type="datetimeFigureOut">
               <a:rPr lang="zh-CN" altLang="en-US" smtClean="0"/>
-              <a:t>2018/11/2</a:t>
+              <a:t>2018/11/3</a:t>
             </a:fld>
             <a:endParaRPr lang="zh-CN" altLang="en-US"/>
           </a:p>
@@ -2633,7 +2756,7 @@
           <a:p>
             <a:fld id="{526B8B47-29F2-4AB1-95E5-A1E1ABC128C6}" type="datetimeFigureOut">
               <a:rPr lang="zh-CN" altLang="en-US" smtClean="0"/>
-              <a:t>2018/11/2</a:t>
+              <a:t>2018/11/3</a:t>
             </a:fld>
             <a:endParaRPr lang="zh-CN" altLang="en-US"/>
           </a:p>
@@ -2879,7 +3002,7 @@
           <a:p>
             <a:fld id="{526B8B47-29F2-4AB1-95E5-A1E1ABC128C6}" type="datetimeFigureOut">
               <a:rPr lang="zh-CN" altLang="en-US" smtClean="0"/>
-              <a:t>2018/11/2</a:t>
+              <a:t>2018/11/3</a:t>
             </a:fld>
             <a:endParaRPr lang="zh-CN" altLang="en-US"/>
           </a:p>
@@ -3111,7 +3234,7 @@
           <a:p>
             <a:fld id="{526B8B47-29F2-4AB1-95E5-A1E1ABC128C6}" type="datetimeFigureOut">
               <a:rPr lang="zh-CN" altLang="en-US" smtClean="0"/>
-              <a:t>2018/11/2</a:t>
+              <a:t>2018/11/3</a:t>
             </a:fld>
             <a:endParaRPr lang="zh-CN" altLang="en-US"/>
           </a:p>
@@ -3478,7 +3601,7 @@
           <a:p>
             <a:fld id="{526B8B47-29F2-4AB1-95E5-A1E1ABC128C6}" type="datetimeFigureOut">
               <a:rPr lang="zh-CN" altLang="en-US" smtClean="0"/>
-              <a:t>2018/11/2</a:t>
+              <a:t>2018/11/3</a:t>
             </a:fld>
             <a:endParaRPr lang="zh-CN" altLang="en-US"/>
           </a:p>
@@ -3596,7 +3719,7 @@
           <a:p>
             <a:fld id="{526B8B47-29F2-4AB1-95E5-A1E1ABC128C6}" type="datetimeFigureOut">
               <a:rPr lang="zh-CN" altLang="en-US" smtClean="0"/>
-              <a:t>2018/11/2</a:t>
+              <a:t>2018/11/3</a:t>
             </a:fld>
             <a:endParaRPr lang="zh-CN" altLang="en-US"/>
           </a:p>
@@ -3691,7 +3814,7 @@
           <a:p>
             <a:fld id="{526B8B47-29F2-4AB1-95E5-A1E1ABC128C6}" type="datetimeFigureOut">
               <a:rPr lang="zh-CN" altLang="en-US" smtClean="0"/>
-              <a:t>2018/11/2</a:t>
+              <a:t>2018/11/3</a:t>
             </a:fld>
             <a:endParaRPr lang="zh-CN" altLang="en-US"/>
           </a:p>
@@ -3968,7 +4091,7 @@
           <a:p>
             <a:fld id="{526B8B47-29F2-4AB1-95E5-A1E1ABC128C6}" type="datetimeFigureOut">
               <a:rPr lang="zh-CN" altLang="en-US" smtClean="0"/>
-              <a:t>2018/11/2</a:t>
+              <a:t>2018/11/3</a:t>
             </a:fld>
             <a:endParaRPr lang="zh-CN" altLang="en-US"/>
           </a:p>
@@ -4221,7 +4344,7 @@
           <a:p>
             <a:fld id="{526B8B47-29F2-4AB1-95E5-A1E1ABC128C6}" type="datetimeFigureOut">
               <a:rPr lang="zh-CN" altLang="en-US" smtClean="0"/>
-              <a:t>2018/11/2</a:t>
+              <a:t>2018/11/3</a:t>
             </a:fld>
             <a:endParaRPr lang="zh-CN" altLang="en-US"/>
           </a:p>
@@ -4434,7 +4557,7 @@
           <a:p>
             <a:fld id="{526B8B47-29F2-4AB1-95E5-A1E1ABC128C6}" type="datetimeFigureOut">
               <a:rPr lang="zh-CN" altLang="en-US" smtClean="0"/>
-              <a:t>2018/11/2</a:t>
+              <a:t>2018/11/3</a:t>
             </a:fld>
             <a:endParaRPr lang="zh-CN" altLang="en-US"/>
           </a:p>
@@ -8756,7 +8879,53 @@
                 </a:solidFill>
                 <a:latin typeface="Consolas" panose="020B0609020204030204" pitchFamily="49" charset="0"/>
               </a:rPr>
-              <a:t>&lt;</a:t>
+              <a:t>&lt;Comp3 /&gt;</a:t>
+            </a:r>
+          </a:p>
+          <a:p>
+            <a:pPr marL="0" indent="0">
+              <a:buNone/>
+            </a:pPr>
+            <a:r>
+              <a:rPr lang="en-US" altLang="zh-CN" dirty="0" smtClean="0">
+                <a:solidFill>
+                  <a:schemeClr val="accent4">
+                    <a:lumMod val="60000"/>
+                    <a:lumOff val="40000"/>
+                  </a:schemeClr>
+                </a:solidFill>
+                <a:latin typeface="Consolas" panose="020B0609020204030204" pitchFamily="49" charset="0"/>
+              </a:rPr>
+              <a:t>  &lt;/</a:t>
+            </a:r>
+            <a:r>
+              <a:rPr lang="en-US" altLang="zh-CN" dirty="0">
+                <a:solidFill>
+                  <a:schemeClr val="accent4">
+                    <a:lumMod val="60000"/>
+                    <a:lumOff val="40000"/>
+                  </a:schemeClr>
+                </a:solidFill>
+                <a:latin typeface="Consolas" panose="020B0609020204030204" pitchFamily="49" charset="0"/>
+              </a:rPr>
+              <a:t>Comp2&gt;</a:t>
+            </a:r>
+          </a:p>
+          <a:p>
+            <a:pPr marL="0" indent="0">
+              <a:buNone/>
+            </a:pPr>
+            <a:r>
+              <a:rPr lang="en-US" altLang="zh-CN" dirty="0" smtClean="0">
+                <a:solidFill>
+                  <a:schemeClr val="accent4">
+                    <a:lumMod val="60000"/>
+                    <a:lumOff val="40000"/>
+                  </a:schemeClr>
+                </a:solidFill>
+                <a:latin typeface="Consolas" panose="020B0609020204030204" pitchFamily="49" charset="0"/>
+              </a:rPr>
+              <a:t>  </a:t>
             </a:r>
             <a:r>
               <a:rPr lang="en-US" altLang="zh-CN" dirty="0">
@@ -8768,7 +8937,7 @@
                 </a:solidFill>
                 <a:latin typeface="Consolas" panose="020B0609020204030204" pitchFamily="49" charset="0"/>
               </a:rPr>
-              <a:t>Comp3 /&gt;</a:t>
+              <a:t>&lt;Comp4 /&gt;</a:t>
             </a:r>
           </a:p>
           <a:p>
@@ -8785,7 +8954,7 @@
                 </a:solidFill>
                 <a:latin typeface="Consolas" panose="020B0609020204030204" pitchFamily="49" charset="0"/>
               </a:rPr>
-              <a:t>  &lt;/</a:t>
+              <a:t>  </a:t>
             </a:r>
             <a:r>
               <a:rPr lang="en-US" altLang="zh-CN" dirty="0">
@@ -8797,7 +8966,7 @@
                 </a:solidFill>
                 <a:latin typeface="Consolas" panose="020B0609020204030204" pitchFamily="49" charset="0"/>
               </a:rPr>
-              <a:t>Comp2&gt;</a:t>
+              <a:t>&lt;Comp5 /&gt;</a:t>
             </a:r>
           </a:p>
           <a:p>
@@ -8814,7 +8983,36 @@
                 </a:solidFill>
                 <a:latin typeface="Consolas" panose="020B0609020204030204" pitchFamily="49" charset="0"/>
               </a:rPr>
-              <a:t>  </a:t>
+              <a:t>  &lt;</a:t>
+            </a:r>
+            <a:r>
+              <a:rPr lang="en-US" altLang="zh-CN" dirty="0">
+                <a:solidFill>
+                  <a:schemeClr val="accent4">
+                    <a:lumMod val="60000"/>
+                    <a:lumOff val="40000"/>
+                  </a:schemeClr>
+                </a:solidFill>
+                <a:latin typeface="Consolas" panose="020B0609020204030204" pitchFamily="49" charset="0"/>
+              </a:rPr>
+              <a:t>Comp6&gt;</a:t>
+            </a:r>
+          </a:p>
+          <a:p>
+            <a:pPr marL="0" indent="0">
+              <a:buNone/>
+            </a:pPr>
+            <a:r>
+              <a:rPr lang="en-US" altLang="zh-CN" dirty="0" smtClean="0">
+                <a:solidFill>
+                  <a:schemeClr val="accent4">
+                    <a:lumMod val="60000"/>
+                    <a:lumOff val="40000"/>
+                  </a:schemeClr>
+                </a:solidFill>
+                <a:latin typeface="Consolas" panose="020B0609020204030204" pitchFamily="49" charset="0"/>
+              </a:rPr>
+              <a:t>    </a:t>
             </a:r>
             <a:r>
               <a:rPr lang="en-US" altLang="zh-CN" dirty="0">
@@ -8826,106 +9024,7 @@
                 </a:solidFill>
                 <a:latin typeface="Consolas" panose="020B0609020204030204" pitchFamily="49" charset="0"/>
               </a:rPr>
-              <a:t>&lt;Comp4 /&gt;</a:t>
-            </a:r>
-          </a:p>
-          <a:p>
-            <a:pPr marL="0" indent="0">
-              <a:buNone/>
-            </a:pPr>
-            <a:r>
-              <a:rPr lang="en-US" altLang="zh-CN" dirty="0" smtClean="0">
-                <a:solidFill>
-                  <a:schemeClr val="accent4">
-                    <a:lumMod val="60000"/>
-                    <a:lumOff val="40000"/>
-                  </a:schemeClr>
-                </a:solidFill>
-                <a:latin typeface="Consolas" panose="020B0609020204030204" pitchFamily="49" charset="0"/>
-              </a:rPr>
-              <a:t>  </a:t>
-            </a:r>
-            <a:r>
-              <a:rPr lang="en-US" altLang="zh-CN" dirty="0">
-                <a:solidFill>
-                  <a:schemeClr val="accent4">
-                    <a:lumMod val="60000"/>
-                    <a:lumOff val="40000"/>
-                  </a:schemeClr>
-                </a:solidFill>
-                <a:latin typeface="Consolas" panose="020B0609020204030204" pitchFamily="49" charset="0"/>
-              </a:rPr>
-              <a:t>&lt;Comp5 /&gt;</a:t>
-            </a:r>
-          </a:p>
-          <a:p>
-            <a:pPr marL="0" indent="0">
-              <a:buNone/>
-            </a:pPr>
-            <a:r>
-              <a:rPr lang="en-US" altLang="zh-CN" dirty="0" smtClean="0">
-                <a:solidFill>
-                  <a:schemeClr val="accent4">
-                    <a:lumMod val="60000"/>
-                    <a:lumOff val="40000"/>
-                  </a:schemeClr>
-                </a:solidFill>
-                <a:latin typeface="Consolas" panose="020B0609020204030204" pitchFamily="49" charset="0"/>
-              </a:rPr>
-              <a:t>  &lt;</a:t>
-            </a:r>
-            <a:r>
-              <a:rPr lang="en-US" altLang="zh-CN" dirty="0">
-                <a:solidFill>
-                  <a:schemeClr val="accent4">
-                    <a:lumMod val="60000"/>
-                    <a:lumOff val="40000"/>
-                  </a:schemeClr>
-                </a:solidFill>
-                <a:latin typeface="Consolas" panose="020B0609020204030204" pitchFamily="49" charset="0"/>
-              </a:rPr>
-              <a:t>Comp6&gt;</a:t>
-            </a:r>
-          </a:p>
-          <a:p>
-            <a:pPr marL="0" indent="0">
-              <a:buNone/>
-            </a:pPr>
-            <a:r>
-              <a:rPr lang="en-US" altLang="zh-CN" dirty="0" smtClean="0">
-                <a:solidFill>
-                  <a:schemeClr val="accent4">
-                    <a:lumMod val="60000"/>
-                    <a:lumOff val="40000"/>
-                  </a:schemeClr>
-                </a:solidFill>
-                <a:latin typeface="Consolas" panose="020B0609020204030204" pitchFamily="49" charset="0"/>
-              </a:rPr>
-              <a:t>    </a:t>
-            </a:r>
-            <a:r>
-              <a:rPr lang="en-US" altLang="zh-CN" dirty="0">
-                <a:solidFill>
-                  <a:schemeClr val="accent6">
-                    <a:lumMod val="60000"/>
-                    <a:lumOff val="40000"/>
-                  </a:schemeClr>
-                </a:solidFill>
-                <a:latin typeface="Consolas" panose="020B0609020204030204" pitchFamily="49" charset="0"/>
-              </a:rPr>
-              <a:t>&lt;</a:t>
-            </a:r>
-            <a:r>
-              <a:rPr lang="en-US" altLang="zh-CN" dirty="0">
-                <a:solidFill>
-                  <a:schemeClr val="accent6">
-                    <a:lumMod val="60000"/>
-                    <a:lumOff val="40000"/>
-                  </a:schemeClr>
-                </a:solidFill>
-                <a:latin typeface="Consolas" panose="020B0609020204030204" pitchFamily="49" charset="0"/>
-              </a:rPr>
-              <a:t>Comp7&gt;</a:t>
+              <a:t>&lt;Comp7&gt;</a:t>
             </a:r>
           </a:p>
           <a:p>
@@ -9522,11 +9621,64 @@
             <p:ph sz="half" idx="1"/>
           </p:nvPr>
         </p:nvSpPr>
-        <p:spPr/>
+        <p:spPr>
+          <a:xfrm>
+            <a:off x="838200" y="1825625"/>
+            <a:ext cx="10401728" cy="4351338"/>
+          </a:xfrm>
+        </p:spPr>
         <p:txBody>
           <a:bodyPr/>
           <a:lstStyle/>
           <a:p>
+            <a:r>
+              <a:rPr lang="zh-CN" altLang="en-US" dirty="0" smtClean="0"/>
+              <a:t>由官方维护的路由库</a:t>
+            </a:r>
+            <a:endParaRPr lang="en-US" altLang="zh-CN" dirty="0" smtClean="0"/>
+          </a:p>
+          <a:p>
+            <a:endParaRPr lang="en-US" altLang="zh-CN" dirty="0"/>
+          </a:p>
+          <a:p>
+            <a:r>
+              <a:rPr lang="zh-CN" altLang="en-US" dirty="0" smtClean="0"/>
+              <a:t>通过管理 </a:t>
+            </a:r>
+            <a:r>
+              <a:rPr lang="en-US" altLang="zh-CN" dirty="0" smtClean="0"/>
+              <a:t>URL </a:t>
+            </a:r>
+            <a:r>
+              <a:rPr lang="zh-CN" altLang="en-US" dirty="0" smtClean="0"/>
+              <a:t>实现组件的切换</a:t>
+            </a:r>
+            <a:endParaRPr lang="en-US" altLang="zh-CN" dirty="0" smtClean="0"/>
+          </a:p>
+          <a:p>
+            <a:endParaRPr lang="en-US" altLang="zh-CN" dirty="0"/>
+          </a:p>
+          <a:p>
+            <a:r>
+              <a:rPr lang="zh-CN" altLang="en-US" dirty="0" smtClean="0"/>
+              <a:t>目前有 </a:t>
+            </a:r>
+            <a:r>
+              <a:rPr lang="en-US" altLang="zh-CN" dirty="0" smtClean="0"/>
+              <a:t>2.x </a:t>
+            </a:r>
+            <a:r>
+              <a:rPr lang="zh-CN" altLang="en-US" dirty="0" smtClean="0"/>
+              <a:t>和 </a:t>
+            </a:r>
+            <a:r>
+              <a:rPr lang="en-US" altLang="zh-CN" dirty="0" smtClean="0"/>
+              <a:t>4.x </a:t>
+            </a:r>
+            <a:r>
+              <a:rPr lang="zh-CN" altLang="en-US" dirty="0" smtClean="0"/>
+              <a:t>两个版本，官方同时维护这两个版本</a:t>
+            </a:r>
             <a:endParaRPr lang="zh-CN" altLang="en-US" dirty="0"/>
           </a:p>
         </p:txBody>
@@ -9564,6 +9716,525 @@
     <p:extLst>
       <p:ext uri="{BB962C8B-B14F-4D97-AF65-F5344CB8AC3E}">
         <p14:creationId xmlns:p14="http://schemas.microsoft.com/office/powerpoint/2010/main" val="3281264901"/>
+      </p:ext>
+    </p:extLst>
+  </p:cSld>
+  <p:clrMapOvr>
+    <a:masterClrMapping/>
+  </p:clrMapOvr>
+  <p:timing>
+    <p:tnLst>
+      <p:par>
+        <p:cTn id="1" dur="indefinite" restart="never" nodeType="tmRoot"/>
+      </p:par>
+    </p:tnLst>
+  </p:timing>
+</p:sld>
+</file>
+
+<file path=ppt/slides/slide24.xml><?xml version="1.0" encoding="utf-8"?>
+<p:sld xmlns:a="http://schemas.openxmlformats.org/drawingml/2006/main" xmlns:r="http://schemas.openxmlformats.org/officeDocument/2006/relationships" xmlns:p="http://schemas.openxmlformats.org/presentationml/2006/main">
+  <p:cSld>
+    <p:spTree>
+      <p:nvGrpSpPr>
+        <p:cNvPr id="1" name=""/>
+        <p:cNvGrpSpPr/>
+        <p:nvPr/>
+      </p:nvGrpSpPr>
+      <p:grpSpPr>
+        <a:xfrm>
+          <a:off x="0" y="0"/>
+          <a:ext cx="0" cy="0"/>
+          <a:chOff x="0" y="0"/>
+          <a:chExt cx="0" cy="0"/>
+        </a:xfrm>
+      </p:grpSpPr>
+      <p:sp>
+        <p:nvSpPr>
+          <p:cNvPr id="2" name="标题 1"/>
+          <p:cNvSpPr>
+            <a:spLocks noGrp="1"/>
+          </p:cNvSpPr>
+          <p:nvPr>
+            <p:ph type="title"/>
+          </p:nvPr>
+        </p:nvSpPr>
+        <p:spPr>
+          <a:xfrm>
+            <a:off x="838200" y="365125"/>
+            <a:ext cx="5181600" cy="1325563"/>
+          </a:xfrm>
+        </p:spPr>
+        <p:txBody>
+          <a:bodyPr/>
+          <a:lstStyle/>
+          <a:p>
+            <a:r>
+              <a:rPr lang="en-US" altLang="zh-CN" dirty="0" smtClean="0"/>
+              <a:t>3.3 </a:t>
+            </a:r>
+            <a:r>
+              <a:rPr lang="en-US" altLang="zh-CN" dirty="0" err="1" smtClean="0"/>
+              <a:t>Redux</a:t>
+            </a:r>
+            <a:r>
+              <a:rPr lang="en-US" altLang="zh-CN" dirty="0" smtClean="0"/>
+              <a:t>-Form</a:t>
+            </a:r>
+            <a:endParaRPr lang="zh-CN" altLang="en-US" dirty="0"/>
+          </a:p>
+        </p:txBody>
+      </p:sp>
+      <p:sp>
+        <p:nvSpPr>
+          <p:cNvPr id="3" name="内容占位符 2"/>
+          <p:cNvSpPr>
+            <a:spLocks noGrp="1"/>
+          </p:cNvSpPr>
+          <p:nvPr>
+            <p:ph sz="half" idx="1"/>
+          </p:nvPr>
+        </p:nvSpPr>
+        <p:spPr>
+          <a:xfrm>
+            <a:off x="838200" y="1825625"/>
+            <a:ext cx="10515600" cy="4351338"/>
+          </a:xfrm>
+        </p:spPr>
+        <p:txBody>
+          <a:bodyPr/>
+          <a:lstStyle/>
+          <a:p>
+            <a:r>
+              <a:rPr lang="en-US" altLang="zh-CN" dirty="0" err="1" smtClean="0"/>
+              <a:t>Redux</a:t>
+            </a:r>
+            <a:r>
+              <a:rPr lang="en-US" altLang="zh-CN" dirty="0" smtClean="0"/>
+              <a:t>-Form </a:t>
+            </a:r>
+            <a:r>
+              <a:rPr lang="zh-CN" altLang="en-US" dirty="0" smtClean="0"/>
+              <a:t>可以在 </a:t>
+            </a:r>
+            <a:r>
+              <a:rPr lang="en-US" altLang="zh-CN" dirty="0" smtClean="0"/>
+              <a:t>React </a:t>
+            </a:r>
+            <a:r>
+              <a:rPr lang="zh-CN" altLang="en-US" dirty="0" smtClean="0"/>
+              <a:t>应用中实现表单的双向数据绑定</a:t>
+            </a:r>
+            <a:endParaRPr lang="en-US" altLang="zh-CN" dirty="0" smtClean="0"/>
+          </a:p>
+          <a:p>
+            <a:endParaRPr lang="en-US" altLang="zh-CN" dirty="0"/>
+          </a:p>
+          <a:p>
+            <a:r>
+              <a:rPr lang="zh-CN" altLang="en-US" dirty="0" smtClean="0"/>
+              <a:t>实质上是实现了一套 </a:t>
+            </a:r>
+            <a:r>
+              <a:rPr lang="en-US" altLang="zh-CN" dirty="0" smtClean="0"/>
+              <a:t>actions + reducers </a:t>
+            </a:r>
+            <a:r>
+              <a:rPr lang="zh-CN" altLang="en-US" dirty="0" smtClean="0"/>
+              <a:t>来自动更新 </a:t>
+            </a:r>
+            <a:r>
+              <a:rPr lang="en-US" altLang="zh-CN" dirty="0" smtClean="0"/>
+              <a:t>store </a:t>
+            </a:r>
+            <a:r>
+              <a:rPr lang="zh-CN" altLang="en-US" dirty="0" smtClean="0"/>
+              <a:t>的数据</a:t>
+            </a:r>
+            <a:endParaRPr lang="en-US" altLang="zh-CN" dirty="0" smtClean="0"/>
+          </a:p>
+          <a:p>
+            <a:endParaRPr lang="en-US" altLang="zh-CN" dirty="0"/>
+          </a:p>
+          <a:p>
+            <a:r>
+              <a:rPr lang="zh-CN" altLang="en-US" dirty="0" smtClean="0"/>
+              <a:t>同时提供了数据格式化、验证等功能</a:t>
+            </a:r>
+            <a:endParaRPr lang="en-US" altLang="zh-CN" dirty="0"/>
+          </a:p>
+          <a:p>
+            <a:endParaRPr lang="zh-CN" altLang="en-US" dirty="0"/>
+          </a:p>
+        </p:txBody>
+      </p:sp>
+      <p:pic>
+        <p:nvPicPr>
+          <p:cNvPr id="5" name="内容占位符 4"/>
+          <p:cNvPicPr>
+            <a:picLocks noGrp="1" noChangeAspect="1"/>
+          </p:cNvPicPr>
+          <p:nvPr>
+            <p:ph sz="half" idx="2"/>
+          </p:nvPr>
+        </p:nvPicPr>
+        <p:blipFill>
+          <a:blip r:embed="rId3"/>
+          <a:stretch>
+            <a:fillRect/>
+          </a:stretch>
+        </p:blipFill>
+        <p:spPr>
+          <a:xfrm>
+            <a:off x="7962900" y="489744"/>
+            <a:ext cx="1600200" cy="1076325"/>
+          </a:xfrm>
+          <a:prstGeom prst="rect">
+            <a:avLst/>
+          </a:prstGeom>
+        </p:spPr>
+      </p:pic>
+    </p:spTree>
+    <p:extLst>
+      <p:ext uri="{BB962C8B-B14F-4D97-AF65-F5344CB8AC3E}">
+        <p14:creationId xmlns:p14="http://schemas.microsoft.com/office/powerpoint/2010/main" val="3637757577"/>
+      </p:ext>
+    </p:extLst>
+  </p:cSld>
+  <p:clrMapOvr>
+    <a:masterClrMapping/>
+  </p:clrMapOvr>
+  <p:timing>
+    <p:tnLst>
+      <p:par>
+        <p:cTn id="1" dur="indefinite" restart="never" nodeType="tmRoot"/>
+      </p:par>
+    </p:tnLst>
+  </p:timing>
+</p:sld>
+</file>
+
+<file path=ppt/slides/slide25.xml><?xml version="1.0" encoding="utf-8"?>
+<p:sld xmlns:a="http://schemas.openxmlformats.org/drawingml/2006/main" xmlns:r="http://schemas.openxmlformats.org/officeDocument/2006/relationships" xmlns:p="http://schemas.openxmlformats.org/presentationml/2006/main">
+  <p:cSld>
+    <p:spTree>
+      <p:nvGrpSpPr>
+        <p:cNvPr id="1" name=""/>
+        <p:cNvGrpSpPr/>
+        <p:nvPr/>
+      </p:nvGrpSpPr>
+      <p:grpSpPr>
+        <a:xfrm>
+          <a:off x="0" y="0"/>
+          <a:ext cx="0" cy="0"/>
+          <a:chOff x="0" y="0"/>
+          <a:chExt cx="0" cy="0"/>
+        </a:xfrm>
+      </p:grpSpPr>
+      <p:sp>
+        <p:nvSpPr>
+          <p:cNvPr id="2" name="标题 1"/>
+          <p:cNvSpPr>
+            <a:spLocks noGrp="1"/>
+          </p:cNvSpPr>
+          <p:nvPr>
+            <p:ph type="title"/>
+          </p:nvPr>
+        </p:nvSpPr>
+        <p:spPr>
+          <a:xfrm>
+            <a:off x="838200" y="365125"/>
+            <a:ext cx="5181600" cy="1325563"/>
+          </a:xfrm>
+        </p:spPr>
+        <p:txBody>
+          <a:bodyPr/>
+          <a:lstStyle/>
+          <a:p>
+            <a:r>
+              <a:rPr lang="en-US" altLang="zh-CN" dirty="0" smtClean="0"/>
+              <a:t>3.4 Immutable.js </a:t>
+            </a:r>
+            <a:endParaRPr lang="zh-CN" altLang="en-US" dirty="0"/>
+          </a:p>
+        </p:txBody>
+      </p:sp>
+      <p:sp>
+        <p:nvSpPr>
+          <p:cNvPr id="3" name="内容占位符 2"/>
+          <p:cNvSpPr>
+            <a:spLocks noGrp="1"/>
+          </p:cNvSpPr>
+          <p:nvPr>
+            <p:ph sz="half" idx="1"/>
+          </p:nvPr>
+        </p:nvSpPr>
+        <p:spPr>
+          <a:xfrm>
+            <a:off x="838199" y="1825625"/>
+            <a:ext cx="10048875" cy="4351338"/>
+          </a:xfrm>
+        </p:spPr>
+        <p:txBody>
+          <a:bodyPr/>
+          <a:lstStyle/>
+          <a:p>
+            <a:r>
+              <a:rPr lang="en-US" altLang="zh-CN" dirty="0" smtClean="0"/>
+              <a:t>“</a:t>
+            </a:r>
+            <a:r>
+              <a:rPr lang="en-US" altLang="zh-CN" dirty="0"/>
+              <a:t>Shared mutable state is the root of all evil</a:t>
+            </a:r>
+            <a:r>
+              <a:rPr lang="en-US" altLang="zh-CN" dirty="0" smtClean="0"/>
+              <a:t>”</a:t>
+            </a:r>
+          </a:p>
+          <a:p>
+            <a:pPr lvl="1"/>
+            <a:r>
+              <a:rPr lang="zh-CN" altLang="en-US" dirty="0"/>
+              <a:t>共享的可变状态是万恶之</a:t>
+            </a:r>
+            <a:r>
+              <a:rPr lang="zh-CN" altLang="en-US" dirty="0" smtClean="0"/>
+              <a:t>源</a:t>
+            </a:r>
+            <a:endParaRPr lang="en-US" altLang="zh-CN" dirty="0" smtClean="0"/>
+          </a:p>
+          <a:p>
+            <a:pPr lvl="1"/>
+            <a:r>
+              <a:rPr lang="en-US" altLang="zh-CN" dirty="0">
+                <a:latin typeface="Consolas" panose="020B0609020204030204" pitchFamily="49" charset="0"/>
+              </a:rPr>
+              <a:t>foo={a: 1}; bar=foo; </a:t>
+            </a:r>
+            <a:r>
+              <a:rPr lang="en-US" altLang="zh-CN" dirty="0" err="1" smtClean="0">
+                <a:latin typeface="Consolas" panose="020B0609020204030204" pitchFamily="49" charset="0"/>
+              </a:rPr>
+              <a:t>bar.a</a:t>
+            </a:r>
+            <a:r>
+              <a:rPr lang="en-US" altLang="zh-CN" dirty="0" smtClean="0">
+                <a:latin typeface="Consolas" panose="020B0609020204030204" pitchFamily="49" charset="0"/>
+              </a:rPr>
+              <a:t>=2</a:t>
+            </a:r>
+          </a:p>
+          <a:p>
+            <a:r>
+              <a:rPr lang="en-US" altLang="zh-CN" dirty="0"/>
+              <a:t>Immutable Data </a:t>
+            </a:r>
+            <a:r>
+              <a:rPr lang="zh-CN" altLang="en-US" dirty="0" smtClean="0"/>
+              <a:t>是</a:t>
+            </a:r>
+            <a:r>
+              <a:rPr lang="zh-CN" altLang="en-US" dirty="0"/>
+              <a:t>一旦</a:t>
+            </a:r>
+            <a:r>
+              <a:rPr lang="zh-CN" altLang="en-US" dirty="0" smtClean="0"/>
+              <a:t>创建就</a:t>
+            </a:r>
+            <a:r>
+              <a:rPr lang="zh-CN" altLang="en-US" dirty="0"/>
+              <a:t>不能</a:t>
+            </a:r>
+            <a:r>
+              <a:rPr lang="zh-CN" altLang="en-US" dirty="0" smtClean="0"/>
+              <a:t>再更改</a:t>
+            </a:r>
+            <a:r>
+              <a:rPr lang="zh-CN" altLang="en-US" dirty="0"/>
+              <a:t>的</a:t>
+            </a:r>
+            <a:r>
+              <a:rPr lang="zh-CN" altLang="en-US" dirty="0" smtClean="0"/>
+              <a:t>数据</a:t>
+            </a:r>
+            <a:endParaRPr lang="en-US" altLang="zh-CN" dirty="0" smtClean="0"/>
+          </a:p>
+          <a:p>
+            <a:r>
+              <a:rPr lang="zh-CN" altLang="en-US" dirty="0"/>
+              <a:t>对 </a:t>
+            </a:r>
+            <a:r>
+              <a:rPr lang="en-US" altLang="zh-CN" dirty="0"/>
+              <a:t>Immutable </a:t>
+            </a:r>
+            <a:r>
+              <a:rPr lang="zh-CN" altLang="en-US" dirty="0"/>
+              <a:t>对象的任何</a:t>
+            </a:r>
+            <a:r>
+              <a:rPr lang="zh-CN" altLang="en-US" dirty="0" smtClean="0"/>
+              <a:t>修改都会</a:t>
+            </a:r>
+            <a:r>
+              <a:rPr lang="zh-CN" altLang="en-US" dirty="0"/>
+              <a:t>返回一个新的 </a:t>
+            </a:r>
+            <a:r>
+              <a:rPr lang="en-US" altLang="zh-CN" dirty="0"/>
+              <a:t>Immutable </a:t>
+            </a:r>
+            <a:r>
+              <a:rPr lang="zh-CN" altLang="en-US" dirty="0" smtClean="0"/>
+              <a:t>对象</a:t>
+            </a:r>
+            <a:endParaRPr lang="en-US" altLang="zh-CN" dirty="0" smtClean="0"/>
+          </a:p>
+          <a:p>
+            <a:r>
+              <a:rPr lang="en-US" altLang="zh-CN" dirty="0" smtClean="0"/>
+              <a:t>Immutable.js </a:t>
+            </a:r>
+            <a:r>
+              <a:rPr lang="zh-CN" altLang="en-US" dirty="0" smtClean="0"/>
+              <a:t>避免了深拷贝把</a:t>
+            </a:r>
+            <a:r>
+              <a:rPr lang="zh-CN" altLang="en-US" dirty="0"/>
+              <a:t>所有节点都复制一遍带来的性能损耗</a:t>
+            </a:r>
+            <a:endParaRPr lang="en-US" altLang="zh-CN" dirty="0" smtClean="0"/>
+          </a:p>
+          <a:p>
+            <a:endParaRPr lang="en-US" altLang="zh-CN" dirty="0" smtClean="0"/>
+          </a:p>
+        </p:txBody>
+      </p:sp>
+      <p:pic>
+        <p:nvPicPr>
+          <p:cNvPr id="5" name="内容占位符 4"/>
+          <p:cNvPicPr>
+            <a:picLocks noGrp="1" noChangeAspect="1"/>
+          </p:cNvPicPr>
+          <p:nvPr>
+            <p:ph sz="half" idx="2"/>
+          </p:nvPr>
+        </p:nvPicPr>
+        <p:blipFill>
+          <a:blip r:embed="rId2"/>
+          <a:stretch>
+            <a:fillRect/>
+          </a:stretch>
+        </p:blipFill>
+        <p:spPr>
+          <a:xfrm>
+            <a:off x="6638925" y="665956"/>
+            <a:ext cx="4248150" cy="723900"/>
+          </a:xfrm>
+          <a:prstGeom prst="rect">
+            <a:avLst/>
+          </a:prstGeom>
+        </p:spPr>
+      </p:pic>
+    </p:spTree>
+    <p:extLst>
+      <p:ext uri="{BB962C8B-B14F-4D97-AF65-F5344CB8AC3E}">
+        <p14:creationId xmlns:p14="http://schemas.microsoft.com/office/powerpoint/2010/main" val="982817546"/>
+      </p:ext>
+    </p:extLst>
+  </p:cSld>
+  <p:clrMapOvr>
+    <a:masterClrMapping/>
+  </p:clrMapOvr>
+  <p:timing>
+    <p:tnLst>
+      <p:par>
+        <p:cTn id="1" dur="indefinite" restart="never" nodeType="tmRoot"/>
+      </p:par>
+    </p:tnLst>
+  </p:timing>
+</p:sld>
+</file>
+
+<file path=ppt/slides/slide26.xml><?xml version="1.0" encoding="utf-8"?>
+<p:sld xmlns:a="http://schemas.openxmlformats.org/drawingml/2006/main" xmlns:r="http://schemas.openxmlformats.org/officeDocument/2006/relationships" xmlns:p="http://schemas.openxmlformats.org/presentationml/2006/main">
+  <p:cSld>
+    <p:spTree>
+      <p:nvGrpSpPr>
+        <p:cNvPr id="1" name=""/>
+        <p:cNvGrpSpPr/>
+        <p:nvPr/>
+      </p:nvGrpSpPr>
+      <p:grpSpPr>
+        <a:xfrm>
+          <a:off x="0" y="0"/>
+          <a:ext cx="0" cy="0"/>
+          <a:chOff x="0" y="0"/>
+          <a:chExt cx="0" cy="0"/>
+        </a:xfrm>
+      </p:grpSpPr>
+      <p:sp>
+        <p:nvSpPr>
+          <p:cNvPr id="2" name="标题 1"/>
+          <p:cNvSpPr>
+            <a:spLocks noGrp="1"/>
+          </p:cNvSpPr>
+          <p:nvPr>
+            <p:ph type="title"/>
+          </p:nvPr>
+        </p:nvSpPr>
+        <p:spPr/>
+        <p:txBody>
+          <a:bodyPr/>
+          <a:lstStyle/>
+          <a:p>
+            <a:endParaRPr lang="zh-CN" altLang="en-US"/>
+          </a:p>
+        </p:txBody>
+      </p:sp>
+      <p:sp>
+        <p:nvSpPr>
+          <p:cNvPr id="3" name="内容占位符 2"/>
+          <p:cNvSpPr>
+            <a:spLocks noGrp="1"/>
+          </p:cNvSpPr>
+          <p:nvPr>
+            <p:ph sz="half" idx="1"/>
+          </p:nvPr>
+        </p:nvSpPr>
+        <p:spPr/>
+        <p:txBody>
+          <a:bodyPr/>
+          <a:lstStyle/>
+          <a:p>
+            <a:endParaRPr lang="zh-CN" altLang="en-US"/>
+          </a:p>
+        </p:txBody>
+      </p:sp>
+      <p:sp>
+        <p:nvSpPr>
+          <p:cNvPr id="4" name="内容占位符 3"/>
+          <p:cNvSpPr>
+            <a:spLocks noGrp="1"/>
+          </p:cNvSpPr>
+          <p:nvPr>
+            <p:ph sz="half" idx="2"/>
+          </p:nvPr>
+        </p:nvSpPr>
+        <p:spPr/>
+        <p:txBody>
+          <a:bodyPr/>
+          <a:lstStyle/>
+          <a:p>
+            <a:endParaRPr lang="zh-CN" altLang="en-US"/>
+          </a:p>
+        </p:txBody>
+      </p:sp>
+    </p:spTree>
+    <p:extLst>
+      <p:ext uri="{BB962C8B-B14F-4D97-AF65-F5344CB8AC3E}">
+        <p14:creationId xmlns:p14="http://schemas.microsoft.com/office/powerpoint/2010/main" val="1907437071"/>
       </p:ext>
     </p:extLst>
   </p:cSld>

--- a/slides/React 入门.pptx
+++ b/slides/React 入门.pptx
@@ -5,7 +5,7 @@
     <p:sldMasterId id="2147483648" r:id="rId1"/>
   </p:sldMasterIdLst>
   <p:notesMasterIdLst>
-    <p:notesMasterId r:id="rId28"/>
+    <p:notesMasterId r:id="rId30"/>
   </p:notesMasterIdLst>
   <p:sldIdLst>
     <p:sldId id="256" r:id="rId2"/>
@@ -25,15 +25,17 @@
     <p:sldId id="270" r:id="rId16"/>
     <p:sldId id="271" r:id="rId17"/>
     <p:sldId id="272" r:id="rId18"/>
-    <p:sldId id="273" r:id="rId19"/>
-    <p:sldId id="274" r:id="rId20"/>
-    <p:sldId id="275" r:id="rId21"/>
-    <p:sldId id="276" r:id="rId22"/>
-    <p:sldId id="277" r:id="rId23"/>
-    <p:sldId id="278" r:id="rId24"/>
-    <p:sldId id="279" r:id="rId25"/>
-    <p:sldId id="280" r:id="rId26"/>
-    <p:sldId id="281" r:id="rId27"/>
+    <p:sldId id="282" r:id="rId19"/>
+    <p:sldId id="283" r:id="rId20"/>
+    <p:sldId id="273" r:id="rId21"/>
+    <p:sldId id="274" r:id="rId22"/>
+    <p:sldId id="275" r:id="rId23"/>
+    <p:sldId id="276" r:id="rId24"/>
+    <p:sldId id="277" r:id="rId25"/>
+    <p:sldId id="278" r:id="rId26"/>
+    <p:sldId id="279" r:id="rId27"/>
+    <p:sldId id="280" r:id="rId28"/>
+    <p:sldId id="281" r:id="rId29"/>
   </p:sldIdLst>
   <p:sldSz cx="12192000" cy="6858000"/>
   <p:notesSz cx="6858000" cy="9144000"/>
@@ -222,7 +224,7 @@
           <a:p>
             <a:fld id="{C7EA81BB-58F1-4FB5-8B9E-97CA0D987065}" type="datetimeFigureOut">
               <a:rPr lang="zh-CN" altLang="en-US" smtClean="0"/>
-              <a:t>2018/11/3</a:t>
+              <a:t>2018/11/4</a:t>
             </a:fld>
             <a:endParaRPr lang="zh-CN" altLang="en-US"/>
           </a:p>
@@ -747,6 +749,102 @@
           <a:lstStyle/>
           <a:p>
             <a:r>
+              <a:rPr lang="en-US" altLang="zh-CN" dirty="0" smtClean="0"/>
+              <a:t>React </a:t>
+            </a:r>
+            <a:r>
+              <a:rPr lang="zh-CN" altLang="en-US" dirty="0" smtClean="0"/>
+              <a:t>负责渲染表单的</a:t>
+            </a:r>
+            <a:r>
+              <a:rPr lang="zh-CN" altLang="en-US" smtClean="0"/>
+              <a:t>组件同时控制数据的变化</a:t>
+            </a:r>
+            <a:endParaRPr lang="zh-CN" altLang="en-US" dirty="0"/>
+          </a:p>
+        </p:txBody>
+      </p:sp>
+      <p:sp>
+        <p:nvSpPr>
+          <p:cNvPr id="4" name="灯片编号占位符 3"/>
+          <p:cNvSpPr>
+            <a:spLocks noGrp="1"/>
+          </p:cNvSpPr>
+          <p:nvPr>
+            <p:ph type="sldNum" sz="quarter" idx="10"/>
+          </p:nvPr>
+        </p:nvSpPr>
+        <p:spPr/>
+        <p:txBody>
+          <a:bodyPr/>
+          <a:lstStyle/>
+          <a:p>
+            <a:fld id="{933F5AFF-D81E-4C08-8F4D-34ABD7A65093}" type="slidenum">
+              <a:rPr lang="zh-CN" altLang="en-US" smtClean="0"/>
+              <a:t>19</a:t>
+            </a:fld>
+            <a:endParaRPr lang="zh-CN" altLang="en-US"/>
+          </a:p>
+        </p:txBody>
+      </p:sp>
+    </p:spTree>
+    <p:extLst>
+      <p:ext uri="{BB962C8B-B14F-4D97-AF65-F5344CB8AC3E}">
+        <p14:creationId xmlns:p14="http://schemas.microsoft.com/office/powerpoint/2010/main" val="2951329283"/>
+      </p:ext>
+    </p:extLst>
+  </p:cSld>
+  <p:clrMapOvr>
+    <a:masterClrMapping/>
+  </p:clrMapOvr>
+</p:notes>
+</file>
+
+<file path=ppt/notesSlides/notesSlide12.xml><?xml version="1.0" encoding="utf-8"?>
+<p:notes xmlns:a="http://schemas.openxmlformats.org/drawingml/2006/main" xmlns:r="http://schemas.openxmlformats.org/officeDocument/2006/relationships" xmlns:p="http://schemas.openxmlformats.org/presentationml/2006/main">
+  <p:cSld>
+    <p:spTree>
+      <p:nvGrpSpPr>
+        <p:cNvPr id="1" name=""/>
+        <p:cNvGrpSpPr/>
+        <p:nvPr/>
+      </p:nvGrpSpPr>
+      <p:grpSpPr>
+        <a:xfrm>
+          <a:off x="0" y="0"/>
+          <a:ext cx="0" cy="0"/>
+          <a:chOff x="0" y="0"/>
+          <a:chExt cx="0" cy="0"/>
+        </a:xfrm>
+      </p:grpSpPr>
+      <p:sp>
+        <p:nvSpPr>
+          <p:cNvPr id="2" name="幻灯片图像占位符 1"/>
+          <p:cNvSpPr>
+            <a:spLocks noGrp="1" noRot="1" noChangeAspect="1"/>
+          </p:cNvSpPr>
+          <p:nvPr>
+            <p:ph type="sldImg"/>
+          </p:nvPr>
+        </p:nvSpPr>
+        <p:spPr/>
+      </p:sp>
+      <p:sp>
+        <p:nvSpPr>
+          <p:cNvPr id="3" name="备注占位符 2"/>
+          <p:cNvSpPr>
+            <a:spLocks noGrp="1"/>
+          </p:cNvSpPr>
+          <p:nvPr>
+            <p:ph type="body" idx="1"/>
+          </p:nvPr>
+        </p:nvSpPr>
+        <p:spPr/>
+        <p:txBody>
+          <a:bodyPr/>
+          <a:lstStyle/>
+          <a:p>
+            <a:r>
               <a:rPr lang="en-US" altLang="zh-CN" dirty="0" err="1" smtClean="0"/>
               <a:t>Vue</a:t>
             </a:r>
@@ -803,7 +901,7 @@
           <a:p>
             <a:fld id="{933F5AFF-D81E-4C08-8F4D-34ABD7A65093}" type="slidenum">
               <a:rPr lang="zh-CN" altLang="en-US" smtClean="0"/>
-              <a:t>24</a:t>
+              <a:t>26</a:t>
             </a:fld>
             <a:endParaRPr lang="zh-CN" altLang="en-US"/>
           </a:p>
@@ -2236,7 +2334,7 @@
           <a:p>
             <a:fld id="{526B8B47-29F2-4AB1-95E5-A1E1ABC128C6}" type="datetimeFigureOut">
               <a:rPr lang="zh-CN" altLang="en-US" smtClean="0"/>
-              <a:t>2018/11/3</a:t>
+              <a:t>2018/11/4</a:t>
             </a:fld>
             <a:endParaRPr lang="zh-CN" altLang="en-US"/>
           </a:p>
@@ -2406,7 +2504,7 @@
           <a:p>
             <a:fld id="{526B8B47-29F2-4AB1-95E5-A1E1ABC128C6}" type="datetimeFigureOut">
               <a:rPr lang="zh-CN" altLang="en-US" smtClean="0"/>
-              <a:t>2018/11/3</a:t>
+              <a:t>2018/11/4</a:t>
             </a:fld>
             <a:endParaRPr lang="zh-CN" altLang="en-US"/>
           </a:p>
@@ -2586,7 +2684,7 @@
           <a:p>
             <a:fld id="{526B8B47-29F2-4AB1-95E5-A1E1ABC128C6}" type="datetimeFigureOut">
               <a:rPr lang="zh-CN" altLang="en-US" smtClean="0"/>
-              <a:t>2018/11/3</a:t>
+              <a:t>2018/11/4</a:t>
             </a:fld>
             <a:endParaRPr lang="zh-CN" altLang="en-US"/>
           </a:p>
@@ -2756,7 +2854,7 @@
           <a:p>
             <a:fld id="{526B8B47-29F2-4AB1-95E5-A1E1ABC128C6}" type="datetimeFigureOut">
               <a:rPr lang="zh-CN" altLang="en-US" smtClean="0"/>
-              <a:t>2018/11/3</a:t>
+              <a:t>2018/11/4</a:t>
             </a:fld>
             <a:endParaRPr lang="zh-CN" altLang="en-US"/>
           </a:p>
@@ -3002,7 +3100,7 @@
           <a:p>
             <a:fld id="{526B8B47-29F2-4AB1-95E5-A1E1ABC128C6}" type="datetimeFigureOut">
               <a:rPr lang="zh-CN" altLang="en-US" smtClean="0"/>
-              <a:t>2018/11/3</a:t>
+              <a:t>2018/11/4</a:t>
             </a:fld>
             <a:endParaRPr lang="zh-CN" altLang="en-US"/>
           </a:p>
@@ -3234,7 +3332,7 @@
           <a:p>
             <a:fld id="{526B8B47-29F2-4AB1-95E5-A1E1ABC128C6}" type="datetimeFigureOut">
               <a:rPr lang="zh-CN" altLang="en-US" smtClean="0"/>
-              <a:t>2018/11/3</a:t>
+              <a:t>2018/11/4</a:t>
             </a:fld>
             <a:endParaRPr lang="zh-CN" altLang="en-US"/>
           </a:p>
@@ -3601,7 +3699,7 @@
           <a:p>
             <a:fld id="{526B8B47-29F2-4AB1-95E5-A1E1ABC128C6}" type="datetimeFigureOut">
               <a:rPr lang="zh-CN" altLang="en-US" smtClean="0"/>
-              <a:t>2018/11/3</a:t>
+              <a:t>2018/11/4</a:t>
             </a:fld>
             <a:endParaRPr lang="zh-CN" altLang="en-US"/>
           </a:p>
@@ -3719,7 +3817,7 @@
           <a:p>
             <a:fld id="{526B8B47-29F2-4AB1-95E5-A1E1ABC128C6}" type="datetimeFigureOut">
               <a:rPr lang="zh-CN" altLang="en-US" smtClean="0"/>
-              <a:t>2018/11/3</a:t>
+              <a:t>2018/11/4</a:t>
             </a:fld>
             <a:endParaRPr lang="zh-CN" altLang="en-US"/>
           </a:p>
@@ -3814,7 +3912,7 @@
           <a:p>
             <a:fld id="{526B8B47-29F2-4AB1-95E5-A1E1ABC128C6}" type="datetimeFigureOut">
               <a:rPr lang="zh-CN" altLang="en-US" smtClean="0"/>
-              <a:t>2018/11/3</a:t>
+              <a:t>2018/11/4</a:t>
             </a:fld>
             <a:endParaRPr lang="zh-CN" altLang="en-US"/>
           </a:p>
@@ -4091,7 +4189,7 @@
           <a:p>
             <a:fld id="{526B8B47-29F2-4AB1-95E5-A1E1ABC128C6}" type="datetimeFigureOut">
               <a:rPr lang="zh-CN" altLang="en-US" smtClean="0"/>
-              <a:t>2018/11/3</a:t>
+              <a:t>2018/11/4</a:t>
             </a:fld>
             <a:endParaRPr lang="zh-CN" altLang="en-US"/>
           </a:p>
@@ -4344,7 +4442,7 @@
           <a:p>
             <a:fld id="{526B8B47-29F2-4AB1-95E5-A1E1ABC128C6}" type="datetimeFigureOut">
               <a:rPr lang="zh-CN" altLang="en-US" smtClean="0"/>
-              <a:t>2018/11/3</a:t>
+              <a:t>2018/11/4</a:t>
             </a:fld>
             <a:endParaRPr lang="zh-CN" altLang="en-US"/>
           </a:p>
@@ -4557,7 +4655,7 @@
           <a:p>
             <a:fld id="{526B8B47-29F2-4AB1-95E5-A1E1ABC128C6}" type="datetimeFigureOut">
               <a:rPr lang="zh-CN" altLang="en-US" smtClean="0"/>
-              <a:t>2018/11/3</a:t>
+              <a:t>2018/11/4</a:t>
             </a:fld>
             <a:endParaRPr lang="zh-CN" altLang="en-US"/>
           </a:p>
@@ -7978,8 +8076,16 @@
           <a:lstStyle/>
           <a:p>
             <a:r>
+              <a:rPr lang="en-US" altLang="zh-CN" dirty="0" smtClean="0"/>
+              <a:t>2.6 </a:t>
+            </a:r>
+            <a:r>
               <a:rPr lang="zh-CN" altLang="en-US" dirty="0" smtClean="0"/>
-              <a:t>主要内容</a:t>
+              <a:t>列表和 </a:t>
+            </a:r>
+            <a:r>
+              <a:rPr lang="en-US" altLang="zh-CN" dirty="0" smtClean="0"/>
+              <a:t>key </a:t>
             </a:r>
             <a:endParaRPr lang="zh-CN" altLang="en-US" dirty="0"/>
           </a:p>
@@ -8002,74 +8108,70 @@
           <a:p>
             <a:r>
               <a:rPr lang="en-US" altLang="zh-CN" dirty="0" smtClean="0"/>
-              <a:t>1. </a:t>
+              <a:t>JSX </a:t>
             </a:r>
             <a:r>
               <a:rPr lang="zh-CN" altLang="en-US" dirty="0" smtClean="0"/>
-              <a:t>关于 </a:t>
+              <a:t>中可以使用 </a:t>
+            </a:r>
+            <a:r>
+              <a:rPr lang="en-US" altLang="zh-CN" dirty="0" smtClean="0">
+                <a:latin typeface="Consolas" panose="020B0609020204030204" pitchFamily="49" charset="0"/>
+              </a:rPr>
+              <a:t>map</a:t>
             </a:r>
             <a:r>
               <a:rPr lang="en-US" altLang="zh-CN" dirty="0" smtClean="0"/>
-              <a:t>React</a:t>
-            </a:r>
-          </a:p>
-          <a:p>
-            <a:pPr marL="0" indent="0">
-              <a:buNone/>
-            </a:pPr>
+              <a:t> </a:t>
+            </a:r>
+            <a:r>
+              <a:rPr lang="zh-CN" altLang="en-US" dirty="0"/>
+              <a:t>函</a:t>
+            </a:r>
+            <a:r>
+              <a:rPr lang="zh-CN" altLang="en-US" dirty="0" smtClean="0"/>
+              <a:t>数将数组渲染为列表</a:t>
+            </a:r>
             <a:endParaRPr lang="en-US" altLang="zh-CN" dirty="0" smtClean="0"/>
           </a:p>
           <a:p>
+            <a:endParaRPr lang="en-US" altLang="zh-CN" dirty="0"/>
+          </a:p>
+          <a:p>
+            <a:r>
+              <a:rPr lang="zh-CN" altLang="en-US" dirty="0" smtClean="0"/>
+              <a:t>为列表中每一项指定 </a:t>
+            </a:r>
             <a:r>
               <a:rPr lang="en-US" altLang="zh-CN" dirty="0" smtClean="0"/>
-              <a:t>2. React </a:t>
+              <a:t>key </a:t>
             </a:r>
             <a:r>
               <a:rPr lang="zh-CN" altLang="en-US" dirty="0" smtClean="0"/>
-              <a:t>语法简介</a:t>
-            </a:r>
-            <a:endParaRPr lang="en-US" altLang="zh-CN" dirty="0" smtClean="0"/>
-          </a:p>
-          <a:p>
-            <a:endParaRPr lang="en-US" altLang="zh-CN" dirty="0" smtClean="0"/>
-          </a:p>
-          <a:p>
-            <a:r>
-              <a:rPr lang="en-US" altLang="zh-CN" sz="4000" dirty="0">
-                <a:solidFill>
-                  <a:schemeClr val="accent5"/>
-                </a:solidFill>
-              </a:rPr>
-              <a:t>3. </a:t>
-            </a:r>
-            <a:r>
-              <a:rPr lang="zh-CN" altLang="en-US" sz="4000" dirty="0">
-                <a:solidFill>
-                  <a:schemeClr val="accent5"/>
-                </a:solidFill>
-              </a:rPr>
-              <a:t>相关技术</a:t>
-            </a:r>
+              <a:t>便于 </a:t>
+            </a:r>
+            <a:r>
+              <a:rPr lang="en-US" altLang="zh-CN" dirty="0" smtClean="0"/>
+              <a:t>React </a:t>
+            </a:r>
+            <a:r>
+              <a:rPr lang="zh-CN" altLang="en-US" dirty="0" smtClean="0"/>
+              <a:t>进行优化</a:t>
+            </a:r>
+            <a:endParaRPr lang="zh-CN" altLang="en-US" dirty="0"/>
           </a:p>
         </p:txBody>
       </p:sp>
     </p:spTree>
     <p:extLst>
       <p:ext uri="{BB962C8B-B14F-4D97-AF65-F5344CB8AC3E}">
-        <p14:creationId xmlns:p14="http://schemas.microsoft.com/office/powerpoint/2010/main" val="2123684887"/>
+        <p14:creationId xmlns:p14="http://schemas.microsoft.com/office/powerpoint/2010/main" val="2934084111"/>
       </p:ext>
     </p:extLst>
   </p:cSld>
   <p:clrMapOvr>
     <a:masterClrMapping/>
   </p:clrMapOvr>
-  <p:timing>
-    <p:tnLst>
-      <p:par>
-        <p:cTn id="1" dur="indefinite" restart="never" nodeType="tmRoot"/>
-      </p:par>
-    </p:tnLst>
-  </p:timing>
 </p:sld>
 </file>
 
@@ -8100,19 +8202,18 @@
             <p:ph type="title"/>
           </p:nvPr>
         </p:nvSpPr>
-        <p:spPr>
-          <a:xfrm>
-            <a:off x="838200" y="365125"/>
-            <a:ext cx="5181600" cy="1325563"/>
-          </a:xfrm>
-        </p:spPr>
+        <p:spPr/>
         <p:txBody>
           <a:bodyPr/>
           <a:lstStyle/>
           <a:p>
             <a:r>
               <a:rPr lang="en-US" altLang="zh-CN" dirty="0" smtClean="0"/>
-              <a:t>3.1 Redux </a:t>
+              <a:t>2.7 </a:t>
+            </a:r>
+            <a:r>
+              <a:rPr lang="zh-CN" altLang="en-US" dirty="0" smtClean="0"/>
+              <a:t>表单</a:t>
             </a:r>
             <a:endParaRPr lang="zh-CN" altLang="en-US" dirty="0"/>
           </a:p>
@@ -8120,488 +8221,37 @@
       </p:sp>
       <p:sp>
         <p:nvSpPr>
-          <p:cNvPr id="6" name="内容占位符 5"/>
-          <p:cNvSpPr>
-            <a:spLocks noGrp="1"/>
-          </p:cNvSpPr>
-          <p:nvPr>
-            <p:ph sz="half" idx="1"/>
-          </p:nvPr>
-        </p:nvSpPr>
-        <p:spPr>
-          <a:xfrm>
-            <a:off x="838200" y="1825625"/>
-            <a:ext cx="5181600" cy="4351338"/>
-          </a:xfrm>
-          <a:solidFill>
-            <a:schemeClr val="tx2"/>
-          </a:solidFill>
-        </p:spPr>
-        <p:txBody>
-          <a:bodyPr>
-            <a:normAutofit lnSpcReduction="10000"/>
-          </a:bodyPr>
-          <a:lstStyle/>
-          <a:p>
-            <a:pPr marL="0" indent="0">
-              <a:buNone/>
-            </a:pPr>
-            <a:r>
-              <a:rPr lang="en-US" altLang="zh-CN" dirty="0">
-                <a:solidFill>
-                  <a:schemeClr val="accent4">
-                    <a:lumMod val="60000"/>
-                    <a:lumOff val="40000"/>
-                  </a:schemeClr>
-                </a:solidFill>
-                <a:latin typeface="Consolas" panose="020B0609020204030204" pitchFamily="49" charset="0"/>
-              </a:rPr>
-              <a:t>&lt;FirstComp&gt;</a:t>
-            </a:r>
-          </a:p>
-          <a:p>
-            <a:pPr marL="0" indent="0">
-              <a:buNone/>
-            </a:pPr>
-            <a:r>
-              <a:rPr lang="en-US" altLang="zh-CN" dirty="0">
-                <a:solidFill>
-                  <a:schemeClr val="accent4">
-                    <a:lumMod val="60000"/>
-                    <a:lumOff val="40000"/>
-                  </a:schemeClr>
-                </a:solidFill>
-                <a:latin typeface="Consolas" panose="020B0609020204030204" pitchFamily="49" charset="0"/>
-              </a:rPr>
-              <a:t>  </a:t>
-            </a:r>
-            <a:r>
-              <a:rPr lang="en-US" altLang="zh-CN" dirty="0" smtClean="0">
-                <a:solidFill>
-                  <a:schemeClr val="accent4">
-                    <a:lumMod val="60000"/>
-                    <a:lumOff val="40000"/>
-                  </a:schemeClr>
-                </a:solidFill>
-                <a:latin typeface="Consolas" panose="020B0609020204030204" pitchFamily="49" charset="0"/>
-              </a:rPr>
-              <a:t>&lt;</a:t>
-            </a:r>
-            <a:r>
-              <a:rPr lang="en-US" altLang="zh-CN" dirty="0">
-                <a:solidFill>
-                  <a:schemeClr val="accent4">
-                    <a:lumMod val="60000"/>
-                    <a:lumOff val="40000"/>
-                  </a:schemeClr>
-                </a:solidFill>
-                <a:latin typeface="Consolas" panose="020B0609020204030204" pitchFamily="49" charset="0"/>
-              </a:rPr>
-              <a:t>SecondComp&gt;</a:t>
-            </a:r>
-          </a:p>
-          <a:p>
-            <a:pPr marL="0" indent="0">
-              <a:buNone/>
-            </a:pPr>
-            <a:r>
-              <a:rPr lang="en-US" altLang="zh-CN" dirty="0">
-                <a:solidFill>
-                  <a:schemeClr val="accent4">
-                    <a:lumMod val="60000"/>
-                    <a:lumOff val="40000"/>
-                  </a:schemeClr>
-                </a:solidFill>
-                <a:latin typeface="Consolas" panose="020B0609020204030204" pitchFamily="49" charset="0"/>
-              </a:rPr>
-              <a:t>    </a:t>
-            </a:r>
-            <a:r>
-              <a:rPr lang="en-US" altLang="zh-CN" dirty="0" smtClean="0">
-                <a:solidFill>
-                  <a:schemeClr val="accent4">
-                    <a:lumMod val="60000"/>
-                    <a:lumOff val="40000"/>
-                  </a:schemeClr>
-                </a:solidFill>
-                <a:latin typeface="Consolas" panose="020B0609020204030204" pitchFamily="49" charset="0"/>
-              </a:rPr>
-              <a:t>&lt;ThirdComp</a:t>
-            </a:r>
-            <a:r>
-              <a:rPr lang="en-US" altLang="zh-CN" dirty="0">
-                <a:solidFill>
-                  <a:schemeClr val="accent4">
-                    <a:lumMod val="60000"/>
-                    <a:lumOff val="40000"/>
-                  </a:schemeClr>
-                </a:solidFill>
-                <a:latin typeface="Consolas" panose="020B0609020204030204" pitchFamily="49" charset="0"/>
-              </a:rPr>
-              <a:t>&gt;</a:t>
-            </a:r>
-          </a:p>
-          <a:p>
-            <a:pPr marL="0" indent="0">
-              <a:buNone/>
-            </a:pPr>
-            <a:r>
-              <a:rPr lang="en-US" altLang="zh-CN" dirty="0">
-                <a:solidFill>
-                  <a:schemeClr val="accent4">
-                    <a:lumMod val="60000"/>
-                    <a:lumOff val="40000"/>
-                  </a:schemeClr>
-                </a:solidFill>
-                <a:latin typeface="Consolas" panose="020B0609020204030204" pitchFamily="49" charset="0"/>
-              </a:rPr>
-              <a:t>      </a:t>
-            </a:r>
-            <a:r>
-              <a:rPr lang="en-US" altLang="zh-CN" dirty="0" smtClean="0">
-                <a:solidFill>
-                  <a:schemeClr val="accent4">
-                    <a:lumMod val="60000"/>
-                    <a:lumOff val="40000"/>
-                  </a:schemeClr>
-                </a:solidFill>
-                <a:latin typeface="Consolas" panose="020B0609020204030204" pitchFamily="49" charset="0"/>
-              </a:rPr>
-              <a:t>&lt;</a:t>
-            </a:r>
-            <a:r>
-              <a:rPr lang="en-US" altLang="zh-CN" dirty="0">
-                <a:solidFill>
-                  <a:schemeClr val="accent4">
-                    <a:lumMod val="60000"/>
-                    <a:lumOff val="40000"/>
-                  </a:schemeClr>
-                </a:solidFill>
-                <a:latin typeface="Consolas" panose="020B0609020204030204" pitchFamily="49" charset="0"/>
-              </a:rPr>
-              <a:t>FourthComp&gt;</a:t>
-            </a:r>
-          </a:p>
-          <a:p>
-            <a:pPr marL="0" indent="0">
-              <a:buNone/>
-            </a:pPr>
-            <a:r>
-              <a:rPr lang="en-US" altLang="zh-CN" dirty="0">
-                <a:solidFill>
-                  <a:schemeClr val="accent4">
-                    <a:lumMod val="60000"/>
-                    <a:lumOff val="40000"/>
-                  </a:schemeClr>
-                </a:solidFill>
-                <a:latin typeface="Consolas" panose="020B0609020204030204" pitchFamily="49" charset="0"/>
-              </a:rPr>
-              <a:t>        </a:t>
-            </a:r>
-            <a:r>
-              <a:rPr lang="en-US" altLang="zh-CN" dirty="0" smtClean="0">
-                <a:solidFill>
-                  <a:schemeClr val="accent4">
-                    <a:lumMod val="60000"/>
-                    <a:lumOff val="40000"/>
-                  </a:schemeClr>
-                </a:solidFill>
-                <a:latin typeface="Consolas" panose="020B0609020204030204" pitchFamily="49" charset="0"/>
-              </a:rPr>
-              <a:t>&lt;</a:t>
-            </a:r>
-            <a:r>
-              <a:rPr lang="en-US" altLang="zh-CN" dirty="0">
-                <a:solidFill>
-                  <a:schemeClr val="accent4">
-                    <a:lumMod val="60000"/>
-                    <a:lumOff val="40000"/>
-                  </a:schemeClr>
-                </a:solidFill>
-                <a:latin typeface="Consolas" panose="020B0609020204030204" pitchFamily="49" charset="0"/>
-              </a:rPr>
-              <a:t>TargetComp /&gt;</a:t>
-            </a:r>
-          </a:p>
-          <a:p>
-            <a:pPr marL="0" indent="0">
-              <a:buNone/>
-            </a:pPr>
-            <a:r>
-              <a:rPr lang="en-US" altLang="zh-CN" dirty="0">
-                <a:solidFill>
-                  <a:schemeClr val="accent4">
-                    <a:lumMod val="60000"/>
-                    <a:lumOff val="40000"/>
-                  </a:schemeClr>
-                </a:solidFill>
-                <a:latin typeface="Consolas" panose="020B0609020204030204" pitchFamily="49" charset="0"/>
-              </a:rPr>
-              <a:t>      </a:t>
-            </a:r>
-            <a:r>
-              <a:rPr lang="en-US" altLang="zh-CN" dirty="0" smtClean="0">
-                <a:solidFill>
-                  <a:schemeClr val="accent4">
-                    <a:lumMod val="60000"/>
-                    <a:lumOff val="40000"/>
-                  </a:schemeClr>
-                </a:solidFill>
-                <a:latin typeface="Consolas" panose="020B0609020204030204" pitchFamily="49" charset="0"/>
-              </a:rPr>
-              <a:t>&lt;/</a:t>
-            </a:r>
-            <a:r>
-              <a:rPr lang="en-US" altLang="zh-CN" dirty="0">
-                <a:solidFill>
-                  <a:schemeClr val="accent4">
-                    <a:lumMod val="60000"/>
-                    <a:lumOff val="40000"/>
-                  </a:schemeClr>
-                </a:solidFill>
-                <a:latin typeface="Consolas" panose="020B0609020204030204" pitchFamily="49" charset="0"/>
-              </a:rPr>
-              <a:t>FourthComp&gt;</a:t>
-            </a:r>
-          </a:p>
-          <a:p>
-            <a:pPr marL="0" indent="0">
-              <a:buNone/>
-            </a:pPr>
-            <a:r>
-              <a:rPr lang="en-US" altLang="zh-CN" dirty="0">
-                <a:solidFill>
-                  <a:schemeClr val="accent4">
-                    <a:lumMod val="60000"/>
-                    <a:lumOff val="40000"/>
-                  </a:schemeClr>
-                </a:solidFill>
-                <a:latin typeface="Consolas" panose="020B0609020204030204" pitchFamily="49" charset="0"/>
-              </a:rPr>
-              <a:t>    </a:t>
-            </a:r>
-            <a:r>
-              <a:rPr lang="en-US" altLang="zh-CN" dirty="0" smtClean="0">
-                <a:solidFill>
-                  <a:schemeClr val="accent4">
-                    <a:lumMod val="60000"/>
-                    <a:lumOff val="40000"/>
-                  </a:schemeClr>
-                </a:solidFill>
-                <a:latin typeface="Consolas" panose="020B0609020204030204" pitchFamily="49" charset="0"/>
-              </a:rPr>
-              <a:t>&lt;/</a:t>
-            </a:r>
-            <a:r>
-              <a:rPr lang="en-US" altLang="zh-CN" dirty="0">
-                <a:solidFill>
-                  <a:schemeClr val="accent4">
-                    <a:lumMod val="60000"/>
-                    <a:lumOff val="40000"/>
-                  </a:schemeClr>
-                </a:solidFill>
-                <a:latin typeface="Consolas" panose="020B0609020204030204" pitchFamily="49" charset="0"/>
-              </a:rPr>
-              <a:t>ThirdComp&gt;</a:t>
-            </a:r>
-          </a:p>
-          <a:p>
-            <a:pPr marL="0" indent="0">
-              <a:buNone/>
-            </a:pPr>
-            <a:r>
-              <a:rPr lang="en-US" altLang="zh-CN" dirty="0">
-                <a:solidFill>
-                  <a:schemeClr val="accent4">
-                    <a:lumMod val="60000"/>
-                    <a:lumOff val="40000"/>
-                  </a:schemeClr>
-                </a:solidFill>
-                <a:latin typeface="Consolas" panose="020B0609020204030204" pitchFamily="49" charset="0"/>
-              </a:rPr>
-              <a:t>  </a:t>
-            </a:r>
-            <a:r>
-              <a:rPr lang="en-US" altLang="zh-CN" dirty="0" smtClean="0">
-                <a:solidFill>
-                  <a:schemeClr val="accent4">
-                    <a:lumMod val="60000"/>
-                    <a:lumOff val="40000"/>
-                  </a:schemeClr>
-                </a:solidFill>
-                <a:latin typeface="Consolas" panose="020B0609020204030204" pitchFamily="49" charset="0"/>
-              </a:rPr>
-              <a:t>&lt;/</a:t>
-            </a:r>
-            <a:r>
-              <a:rPr lang="en-US" altLang="zh-CN" dirty="0">
-                <a:solidFill>
-                  <a:schemeClr val="accent4">
-                    <a:lumMod val="60000"/>
-                    <a:lumOff val="40000"/>
-                  </a:schemeClr>
-                </a:solidFill>
-                <a:latin typeface="Consolas" panose="020B0609020204030204" pitchFamily="49" charset="0"/>
-              </a:rPr>
-              <a:t>SecondComp&gt;</a:t>
-            </a:r>
-          </a:p>
-          <a:p>
-            <a:pPr marL="0" indent="0">
-              <a:buNone/>
-            </a:pPr>
-            <a:r>
-              <a:rPr lang="en-US" altLang="zh-CN" dirty="0" smtClean="0">
-                <a:solidFill>
-                  <a:schemeClr val="accent4">
-                    <a:lumMod val="60000"/>
-                    <a:lumOff val="40000"/>
-                  </a:schemeClr>
-                </a:solidFill>
-                <a:latin typeface="Consolas" panose="020B0609020204030204" pitchFamily="49" charset="0"/>
-              </a:rPr>
-              <a:t>&lt;/</a:t>
-            </a:r>
-            <a:r>
-              <a:rPr lang="en-US" altLang="zh-CN" dirty="0">
-                <a:solidFill>
-                  <a:schemeClr val="accent4">
-                    <a:lumMod val="60000"/>
-                    <a:lumOff val="40000"/>
-                  </a:schemeClr>
-                </a:solidFill>
-                <a:latin typeface="Consolas" panose="020B0609020204030204" pitchFamily="49" charset="0"/>
-              </a:rPr>
-              <a:t>FirstComp&gt;</a:t>
-            </a:r>
-            <a:endParaRPr lang="zh-CN" altLang="en-US" dirty="0">
-              <a:solidFill>
-                <a:schemeClr val="accent4">
-                  <a:lumMod val="60000"/>
-                  <a:lumOff val="40000"/>
-                </a:schemeClr>
-              </a:solidFill>
-              <a:latin typeface="Consolas" panose="020B0609020204030204" pitchFamily="49" charset="0"/>
-            </a:endParaRPr>
-          </a:p>
-        </p:txBody>
-      </p:sp>
-      <p:pic>
-        <p:nvPicPr>
-          <p:cNvPr id="8" name="内容占位符 7"/>
-          <p:cNvPicPr>
-            <a:picLocks noGrp="1" noChangeAspect="1"/>
-          </p:cNvPicPr>
-          <p:nvPr>
-            <p:ph sz="half" idx="2"/>
-          </p:nvPr>
-        </p:nvPicPr>
-        <p:blipFill>
-          <a:blip r:embed="rId2">
-            <a:extLst>
-              <a:ext uri="{28A0092B-C50C-407E-A947-70E740481C1C}">
-                <a14:useLocalDpi xmlns:a14="http://schemas.microsoft.com/office/drawing/2010/main" val="0"/>
-              </a:ext>
-            </a:extLst>
-          </a:blip>
-          <a:stretch>
-            <a:fillRect/>
-          </a:stretch>
-        </p:blipFill>
-        <p:spPr>
-          <a:xfrm>
-            <a:off x="6243637" y="373063"/>
-            <a:ext cx="4875213" cy="1317625"/>
-          </a:xfrm>
-        </p:spPr>
-      </p:pic>
-      <p:sp>
-        <p:nvSpPr>
-          <p:cNvPr id="5" name="文本框 4"/>
-          <p:cNvSpPr txBox="1"/>
-          <p:nvPr/>
-        </p:nvSpPr>
-        <p:spPr>
-          <a:xfrm>
-            <a:off x="6243637" y="1825625"/>
-            <a:ext cx="4875213" cy="2092881"/>
-          </a:xfrm>
-          <a:prstGeom prst="rect">
-            <a:avLst/>
-          </a:prstGeom>
-          <a:noFill/>
-        </p:spPr>
-        <p:txBody>
-          <a:bodyPr wrap="square" rtlCol="0">
-            <a:spAutoFit/>
-          </a:bodyPr>
-          <a:lstStyle/>
-          <a:p>
-            <a:r>
-              <a:rPr lang="zh-CN" altLang="en-US" sz="2600" dirty="0" smtClean="0"/>
-              <a:t>如果 </a:t>
-            </a:r>
-            <a:r>
-              <a:rPr lang="en-US" altLang="zh-CN" sz="2600" dirty="0" smtClean="0"/>
-              <a:t>&lt;TargetComp /&gt; </a:t>
-            </a:r>
-            <a:r>
-              <a:rPr lang="zh-CN" altLang="en-US" sz="2600" dirty="0" smtClean="0"/>
-              <a:t>需要用到一个来自 </a:t>
-            </a:r>
-            <a:r>
-              <a:rPr lang="en-US" altLang="zh-CN" sz="2600" dirty="0" smtClean="0"/>
-              <a:t>&lt;FirstComp /&gt; </a:t>
-            </a:r>
-            <a:r>
-              <a:rPr lang="zh-CN" altLang="en-US" sz="2600" dirty="0" smtClean="0"/>
-              <a:t>的数据，需要以 </a:t>
-            </a:r>
-            <a:r>
-              <a:rPr lang="en-US" altLang="zh-CN" sz="2600" dirty="0" smtClean="0"/>
-              <a:t>props </a:t>
-            </a:r>
-            <a:r>
-              <a:rPr lang="zh-CN" altLang="en-US" sz="2600" dirty="0" smtClean="0"/>
-              <a:t>的方式将该数据传递 </a:t>
-            </a:r>
-            <a:r>
-              <a:rPr lang="en-US" altLang="zh-CN" sz="2600" dirty="0" smtClean="0"/>
-              <a:t>4 </a:t>
-            </a:r>
-            <a:r>
-              <a:rPr lang="zh-CN" altLang="en-US" sz="2600" dirty="0" smtClean="0"/>
-              <a:t>层，然而这个数据对于中间</a:t>
-            </a:r>
-            <a:r>
-              <a:rPr lang="en-US" altLang="zh-CN" sz="2600" dirty="0" smtClean="0"/>
-              <a:t>3 </a:t>
-            </a:r>
-            <a:r>
-              <a:rPr lang="zh-CN" altLang="en-US" sz="2600" dirty="0" smtClean="0"/>
-              <a:t>个组件来说是没有用的</a:t>
-            </a:r>
-            <a:endParaRPr lang="zh-CN" altLang="en-US" sz="2600" dirty="0"/>
+          <p:cNvPr id="3" name="内容占位符 2"/>
+          <p:cNvSpPr>
+            <a:spLocks noGrp="1"/>
+          </p:cNvSpPr>
+          <p:nvPr>
+            <p:ph idx="1"/>
+          </p:nvPr>
+        </p:nvSpPr>
+        <p:spPr/>
+        <p:txBody>
+          <a:bodyPr/>
+          <a:lstStyle/>
+          <a:p>
+            <a:r>
+              <a:rPr lang="zh-CN" altLang="en-US" dirty="0" smtClean="0"/>
+              <a:t>受控组件</a:t>
+            </a:r>
+            <a:endParaRPr lang="zh-CN" altLang="en-US" dirty="0"/>
           </a:p>
         </p:txBody>
       </p:sp>
     </p:spTree>
     <p:extLst>
       <p:ext uri="{BB962C8B-B14F-4D97-AF65-F5344CB8AC3E}">
-        <p14:creationId xmlns:p14="http://schemas.microsoft.com/office/powerpoint/2010/main" val="1012171988"/>
+        <p14:creationId xmlns:p14="http://schemas.microsoft.com/office/powerpoint/2010/main" val="3755326394"/>
       </p:ext>
     </p:extLst>
   </p:cSld>
   <p:clrMapOvr>
     <a:masterClrMapping/>
   </p:clrMapOvr>
-  <p:timing>
-    <p:tnLst>
-      <p:par>
-        <p:cTn id="1" dur="indefinite" restart="never" nodeType="tmRoot"/>
-      </p:par>
-    </p:tnLst>
-  </p:timing>
 </p:sld>
 </file>
 
@@ -8753,498 +8403,91 @@
             <p:ph type="title"/>
           </p:nvPr>
         </p:nvSpPr>
-        <p:spPr>
-          <a:xfrm>
-            <a:off x="838200" y="365125"/>
-            <a:ext cx="5181600" cy="1325563"/>
-          </a:xfrm>
-        </p:spPr>
+        <p:spPr/>
         <p:txBody>
           <a:bodyPr/>
           <a:lstStyle/>
           <a:p>
             <a:r>
+              <a:rPr lang="zh-CN" altLang="en-US" dirty="0" smtClean="0"/>
+              <a:t>主要内容</a:t>
+            </a:r>
+            <a:endParaRPr lang="zh-CN" altLang="en-US" dirty="0"/>
+          </a:p>
+        </p:txBody>
+      </p:sp>
+      <p:sp>
+        <p:nvSpPr>
+          <p:cNvPr id="3" name="内容占位符 2"/>
+          <p:cNvSpPr>
+            <a:spLocks noGrp="1"/>
+          </p:cNvSpPr>
+          <p:nvPr>
+            <p:ph idx="1"/>
+          </p:nvPr>
+        </p:nvSpPr>
+        <p:spPr/>
+        <p:txBody>
+          <a:bodyPr/>
+          <a:lstStyle/>
+          <a:p>
+            <a:r>
               <a:rPr lang="en-US" altLang="zh-CN" dirty="0" smtClean="0"/>
-              <a:t>3.1 Redux </a:t>
-            </a:r>
-            <a:endParaRPr lang="zh-CN" altLang="en-US" dirty="0"/>
-          </a:p>
-        </p:txBody>
-      </p:sp>
-      <p:sp>
-        <p:nvSpPr>
-          <p:cNvPr id="6" name="内容占位符 5"/>
-          <p:cNvSpPr>
-            <a:spLocks noGrp="1"/>
-          </p:cNvSpPr>
-          <p:nvPr>
-            <p:ph sz="half" idx="1"/>
-          </p:nvPr>
-        </p:nvSpPr>
-        <p:spPr>
-          <a:xfrm>
-            <a:off x="838200" y="1825625"/>
-            <a:ext cx="5181600" cy="4351338"/>
-          </a:xfrm>
-          <a:solidFill>
-            <a:schemeClr val="tx2"/>
-          </a:solidFill>
-        </p:spPr>
-        <p:txBody>
-          <a:bodyPr>
-            <a:normAutofit fontScale="77500" lnSpcReduction="20000"/>
-          </a:bodyPr>
-          <a:lstStyle/>
+              <a:t>1. </a:t>
+            </a:r>
+            <a:r>
+              <a:rPr lang="zh-CN" altLang="en-US" dirty="0" smtClean="0"/>
+              <a:t>关于 </a:t>
+            </a:r>
+            <a:r>
+              <a:rPr lang="en-US" altLang="zh-CN" dirty="0" smtClean="0"/>
+              <a:t>React</a:t>
+            </a:r>
+          </a:p>
           <a:p>
             <a:pPr marL="0" indent="0">
               <a:buNone/>
             </a:pPr>
-            <a:r>
-              <a:rPr lang="en-US" altLang="zh-CN" dirty="0" smtClean="0">
-                <a:solidFill>
-                  <a:schemeClr val="accent4">
-                    <a:lumMod val="60000"/>
-                    <a:lumOff val="40000"/>
-                  </a:schemeClr>
-                </a:solidFill>
-                <a:latin typeface="Consolas" panose="020B0609020204030204" pitchFamily="49" charset="0"/>
-              </a:rPr>
-              <a:t>&lt;</a:t>
-            </a:r>
-            <a:r>
-              <a:rPr lang="en-US" altLang="zh-CN" dirty="0">
-                <a:solidFill>
-                  <a:schemeClr val="accent4">
-                    <a:lumMod val="60000"/>
-                    <a:lumOff val="40000"/>
-                  </a:schemeClr>
-                </a:solidFill>
-                <a:latin typeface="Consolas" panose="020B0609020204030204" pitchFamily="49" charset="0"/>
-              </a:rPr>
-              <a:t>Comp1&gt;</a:t>
-            </a:r>
-          </a:p>
-          <a:p>
-            <a:pPr marL="0" indent="0">
-              <a:buNone/>
-            </a:pPr>
-            <a:r>
-              <a:rPr lang="en-US" altLang="zh-CN" dirty="0" smtClean="0">
-                <a:solidFill>
-                  <a:schemeClr val="accent4">
-                    <a:lumMod val="60000"/>
-                    <a:lumOff val="40000"/>
-                  </a:schemeClr>
-                </a:solidFill>
-                <a:latin typeface="Consolas" panose="020B0609020204030204" pitchFamily="49" charset="0"/>
-              </a:rPr>
-              <a:t>  &lt;</a:t>
-            </a:r>
-            <a:r>
-              <a:rPr lang="en-US" altLang="zh-CN" dirty="0">
-                <a:solidFill>
-                  <a:schemeClr val="accent4">
-                    <a:lumMod val="60000"/>
-                    <a:lumOff val="40000"/>
-                  </a:schemeClr>
-                </a:solidFill>
-                <a:latin typeface="Consolas" panose="020B0609020204030204" pitchFamily="49" charset="0"/>
-              </a:rPr>
-              <a:t>Comp2&gt;</a:t>
-            </a:r>
-          </a:p>
-          <a:p>
-            <a:pPr marL="0" indent="0">
-              <a:buNone/>
-            </a:pPr>
-            <a:r>
-              <a:rPr lang="en-US" altLang="zh-CN" dirty="0" smtClean="0">
-                <a:solidFill>
-                  <a:schemeClr val="accent4">
-                    <a:lumMod val="60000"/>
-                    <a:lumOff val="40000"/>
-                  </a:schemeClr>
-                </a:solidFill>
-                <a:latin typeface="Consolas" panose="020B0609020204030204" pitchFamily="49" charset="0"/>
-              </a:rPr>
-              <a:t>    </a:t>
-            </a:r>
-            <a:r>
-              <a:rPr lang="en-US" altLang="zh-CN" dirty="0">
-                <a:solidFill>
-                  <a:schemeClr val="accent6">
-                    <a:lumMod val="60000"/>
-                    <a:lumOff val="40000"/>
-                  </a:schemeClr>
-                </a:solidFill>
-                <a:latin typeface="Consolas" panose="020B0609020204030204" pitchFamily="49" charset="0"/>
-              </a:rPr>
-              <a:t>&lt;Comp3 /&gt;</a:t>
-            </a:r>
-          </a:p>
-          <a:p>
-            <a:pPr marL="0" indent="0">
-              <a:buNone/>
-            </a:pPr>
-            <a:r>
-              <a:rPr lang="en-US" altLang="zh-CN" dirty="0" smtClean="0">
-                <a:solidFill>
-                  <a:schemeClr val="accent4">
-                    <a:lumMod val="60000"/>
-                    <a:lumOff val="40000"/>
-                  </a:schemeClr>
-                </a:solidFill>
-                <a:latin typeface="Consolas" panose="020B0609020204030204" pitchFamily="49" charset="0"/>
-              </a:rPr>
-              <a:t>  &lt;/</a:t>
-            </a:r>
-            <a:r>
-              <a:rPr lang="en-US" altLang="zh-CN" dirty="0">
-                <a:solidFill>
-                  <a:schemeClr val="accent4">
-                    <a:lumMod val="60000"/>
-                    <a:lumOff val="40000"/>
-                  </a:schemeClr>
-                </a:solidFill>
-                <a:latin typeface="Consolas" panose="020B0609020204030204" pitchFamily="49" charset="0"/>
-              </a:rPr>
-              <a:t>Comp2&gt;</a:t>
-            </a:r>
-          </a:p>
-          <a:p>
-            <a:pPr marL="0" indent="0">
-              <a:buNone/>
-            </a:pPr>
-            <a:r>
-              <a:rPr lang="en-US" altLang="zh-CN" dirty="0" smtClean="0">
-                <a:solidFill>
-                  <a:schemeClr val="accent4">
-                    <a:lumMod val="60000"/>
-                    <a:lumOff val="40000"/>
-                  </a:schemeClr>
-                </a:solidFill>
-                <a:latin typeface="Consolas" panose="020B0609020204030204" pitchFamily="49" charset="0"/>
-              </a:rPr>
-              <a:t>  </a:t>
-            </a:r>
-            <a:r>
-              <a:rPr lang="en-US" altLang="zh-CN" dirty="0">
-                <a:solidFill>
-                  <a:schemeClr val="accent6">
-                    <a:lumMod val="60000"/>
-                    <a:lumOff val="40000"/>
-                  </a:schemeClr>
-                </a:solidFill>
-                <a:latin typeface="Consolas" panose="020B0609020204030204" pitchFamily="49" charset="0"/>
-              </a:rPr>
-              <a:t>&lt;Comp4 /&gt;</a:t>
-            </a:r>
-          </a:p>
-          <a:p>
-            <a:pPr marL="0" indent="0">
-              <a:buNone/>
-            </a:pPr>
-            <a:r>
-              <a:rPr lang="en-US" altLang="zh-CN" dirty="0" smtClean="0">
-                <a:solidFill>
-                  <a:schemeClr val="accent4">
-                    <a:lumMod val="60000"/>
-                    <a:lumOff val="40000"/>
-                  </a:schemeClr>
-                </a:solidFill>
-                <a:latin typeface="Consolas" panose="020B0609020204030204" pitchFamily="49" charset="0"/>
-              </a:rPr>
-              <a:t>  </a:t>
-            </a:r>
-            <a:r>
-              <a:rPr lang="en-US" altLang="zh-CN" dirty="0">
-                <a:solidFill>
-                  <a:schemeClr val="accent4">
-                    <a:lumMod val="60000"/>
-                    <a:lumOff val="40000"/>
-                  </a:schemeClr>
-                </a:solidFill>
-                <a:latin typeface="Consolas" panose="020B0609020204030204" pitchFamily="49" charset="0"/>
-              </a:rPr>
-              <a:t>&lt;Comp5 /&gt;</a:t>
-            </a:r>
-          </a:p>
-          <a:p>
-            <a:pPr marL="0" indent="0">
-              <a:buNone/>
-            </a:pPr>
-            <a:r>
-              <a:rPr lang="en-US" altLang="zh-CN" dirty="0" smtClean="0">
-                <a:solidFill>
-                  <a:schemeClr val="accent4">
-                    <a:lumMod val="60000"/>
-                    <a:lumOff val="40000"/>
-                  </a:schemeClr>
-                </a:solidFill>
-                <a:latin typeface="Consolas" panose="020B0609020204030204" pitchFamily="49" charset="0"/>
-              </a:rPr>
-              <a:t>  &lt;</a:t>
-            </a:r>
-            <a:r>
-              <a:rPr lang="en-US" altLang="zh-CN" dirty="0">
-                <a:solidFill>
-                  <a:schemeClr val="accent4">
-                    <a:lumMod val="60000"/>
-                    <a:lumOff val="40000"/>
-                  </a:schemeClr>
-                </a:solidFill>
-                <a:latin typeface="Consolas" panose="020B0609020204030204" pitchFamily="49" charset="0"/>
-              </a:rPr>
-              <a:t>Comp6&gt;</a:t>
-            </a:r>
-          </a:p>
-          <a:p>
-            <a:pPr marL="0" indent="0">
-              <a:buNone/>
-            </a:pPr>
-            <a:r>
-              <a:rPr lang="en-US" altLang="zh-CN" dirty="0" smtClean="0">
-                <a:solidFill>
-                  <a:schemeClr val="accent4">
-                    <a:lumMod val="60000"/>
-                    <a:lumOff val="40000"/>
-                  </a:schemeClr>
-                </a:solidFill>
-                <a:latin typeface="Consolas" panose="020B0609020204030204" pitchFamily="49" charset="0"/>
-              </a:rPr>
-              <a:t>    </a:t>
-            </a:r>
-            <a:r>
-              <a:rPr lang="en-US" altLang="zh-CN" dirty="0">
-                <a:solidFill>
-                  <a:schemeClr val="accent6">
-                    <a:lumMod val="60000"/>
-                    <a:lumOff val="40000"/>
-                  </a:schemeClr>
-                </a:solidFill>
-                <a:latin typeface="Consolas" panose="020B0609020204030204" pitchFamily="49" charset="0"/>
-              </a:rPr>
-              <a:t>&lt;Comp7&gt;</a:t>
-            </a:r>
-          </a:p>
-          <a:p>
-            <a:pPr marL="0" indent="0">
-              <a:buNone/>
-            </a:pPr>
-            <a:r>
-              <a:rPr lang="en-US" altLang="zh-CN" dirty="0" smtClean="0">
-                <a:solidFill>
-                  <a:schemeClr val="accent4">
-                    <a:lumMod val="60000"/>
-                    <a:lumOff val="40000"/>
-                  </a:schemeClr>
-                </a:solidFill>
-                <a:latin typeface="Consolas" panose="020B0609020204030204" pitchFamily="49" charset="0"/>
-              </a:rPr>
-              <a:t>      </a:t>
-            </a:r>
-            <a:r>
-              <a:rPr lang="en-US" altLang="zh-CN" dirty="0">
-                <a:solidFill>
-                  <a:schemeClr val="accent6">
-                    <a:lumMod val="60000"/>
-                    <a:lumOff val="40000"/>
-                  </a:schemeClr>
-                </a:solidFill>
-                <a:latin typeface="Consolas" panose="020B0609020204030204" pitchFamily="49" charset="0"/>
-              </a:rPr>
-              <a:t>&lt;Comp8 /&gt;</a:t>
-            </a:r>
-          </a:p>
-          <a:p>
-            <a:pPr marL="0" indent="0">
-              <a:buNone/>
-            </a:pPr>
-            <a:r>
-              <a:rPr lang="en-US" altLang="zh-CN" dirty="0">
-                <a:solidFill>
-                  <a:schemeClr val="accent4">
-                    <a:lumMod val="60000"/>
-                    <a:lumOff val="40000"/>
-                  </a:schemeClr>
-                </a:solidFill>
-                <a:latin typeface="Consolas" panose="020B0609020204030204" pitchFamily="49" charset="0"/>
-              </a:rPr>
-              <a:t>    </a:t>
-            </a:r>
-            <a:r>
-              <a:rPr lang="en-US" altLang="zh-CN" dirty="0" smtClean="0">
-                <a:solidFill>
-                  <a:schemeClr val="accent4">
-                    <a:lumMod val="60000"/>
-                    <a:lumOff val="40000"/>
-                  </a:schemeClr>
-                </a:solidFill>
-                <a:latin typeface="Consolas" panose="020B0609020204030204" pitchFamily="49" charset="0"/>
-              </a:rPr>
-              <a:t>&lt;/</a:t>
-            </a:r>
-            <a:r>
-              <a:rPr lang="en-US" altLang="zh-CN" dirty="0">
-                <a:solidFill>
-                  <a:schemeClr val="accent4">
-                    <a:lumMod val="60000"/>
-                    <a:lumOff val="40000"/>
-                  </a:schemeClr>
-                </a:solidFill>
-                <a:latin typeface="Consolas" panose="020B0609020204030204" pitchFamily="49" charset="0"/>
-              </a:rPr>
-              <a:t>Comp7&gt;</a:t>
-            </a:r>
-          </a:p>
-          <a:p>
-            <a:pPr marL="0" indent="0">
-              <a:buNone/>
-            </a:pPr>
-            <a:r>
-              <a:rPr lang="en-US" altLang="zh-CN" dirty="0" smtClean="0">
-                <a:solidFill>
-                  <a:schemeClr val="accent4">
-                    <a:lumMod val="60000"/>
-                    <a:lumOff val="40000"/>
-                  </a:schemeClr>
-                </a:solidFill>
-                <a:latin typeface="Consolas" panose="020B0609020204030204" pitchFamily="49" charset="0"/>
-              </a:rPr>
-              <a:t>   &lt;/</a:t>
-            </a:r>
-            <a:r>
-              <a:rPr lang="en-US" altLang="zh-CN" dirty="0">
-                <a:solidFill>
-                  <a:schemeClr val="accent4">
-                    <a:lumMod val="60000"/>
-                    <a:lumOff val="40000"/>
-                  </a:schemeClr>
-                </a:solidFill>
-                <a:latin typeface="Consolas" panose="020B0609020204030204" pitchFamily="49" charset="0"/>
-              </a:rPr>
-              <a:t>Comp6&gt;</a:t>
-            </a:r>
-          </a:p>
-          <a:p>
-            <a:pPr marL="0" indent="0">
-              <a:buNone/>
-            </a:pPr>
-            <a:r>
-              <a:rPr lang="en-US" altLang="zh-CN" dirty="0" smtClean="0">
-                <a:solidFill>
-                  <a:schemeClr val="accent4">
-                    <a:lumMod val="60000"/>
-                    <a:lumOff val="40000"/>
-                  </a:schemeClr>
-                </a:solidFill>
-                <a:latin typeface="Consolas" panose="020B0609020204030204" pitchFamily="49" charset="0"/>
-              </a:rPr>
-              <a:t>&lt;/</a:t>
-            </a:r>
-            <a:r>
-              <a:rPr lang="en-US" altLang="zh-CN" dirty="0">
-                <a:solidFill>
-                  <a:schemeClr val="accent4">
-                    <a:lumMod val="60000"/>
-                    <a:lumOff val="40000"/>
-                  </a:schemeClr>
-                </a:solidFill>
-                <a:latin typeface="Consolas" panose="020B0609020204030204" pitchFamily="49" charset="0"/>
-              </a:rPr>
-              <a:t>Comp1&gt;</a:t>
-            </a:r>
-            <a:endParaRPr lang="zh-CN" altLang="en-US" dirty="0">
-              <a:solidFill>
-                <a:schemeClr val="accent4">
-                  <a:lumMod val="60000"/>
-                  <a:lumOff val="40000"/>
-                </a:schemeClr>
-              </a:solidFill>
-              <a:latin typeface="Consolas" panose="020B0609020204030204" pitchFamily="49" charset="0"/>
-            </a:endParaRPr>
-          </a:p>
-        </p:txBody>
-      </p:sp>
-      <p:pic>
-        <p:nvPicPr>
-          <p:cNvPr id="8" name="内容占位符 7"/>
-          <p:cNvPicPr>
-            <a:picLocks noGrp="1" noChangeAspect="1"/>
-          </p:cNvPicPr>
-          <p:nvPr>
-            <p:ph sz="half" idx="2"/>
-          </p:nvPr>
-        </p:nvPicPr>
-        <p:blipFill>
-          <a:blip r:embed="rId2">
-            <a:extLst>
-              <a:ext uri="{28A0092B-C50C-407E-A947-70E740481C1C}">
-                <a14:useLocalDpi xmlns:a14="http://schemas.microsoft.com/office/drawing/2010/main" val="0"/>
-              </a:ext>
-            </a:extLst>
-          </a:blip>
-          <a:stretch>
-            <a:fillRect/>
-          </a:stretch>
-        </p:blipFill>
-        <p:spPr>
-          <a:xfrm>
-            <a:off x="6243637" y="373063"/>
-            <a:ext cx="4875213" cy="1317625"/>
-          </a:xfrm>
-        </p:spPr>
-      </p:pic>
-      <p:sp>
-        <p:nvSpPr>
-          <p:cNvPr id="5" name="文本框 4"/>
-          <p:cNvSpPr txBox="1"/>
-          <p:nvPr/>
-        </p:nvSpPr>
-        <p:spPr>
-          <a:xfrm>
-            <a:off x="6243637" y="1825625"/>
-            <a:ext cx="4875213" cy="892552"/>
-          </a:xfrm>
-          <a:prstGeom prst="rect">
-            <a:avLst/>
-          </a:prstGeom>
-          <a:noFill/>
-        </p:spPr>
-        <p:txBody>
-          <a:bodyPr wrap="square" rtlCol="0">
-            <a:spAutoFit/>
-          </a:bodyPr>
-          <a:lstStyle/>
-          <a:p>
-            <a:r>
-              <a:rPr lang="zh-CN" altLang="en-US" sz="2600" dirty="0" smtClean="0"/>
-              <a:t>如果 </a:t>
-            </a:r>
-            <a:r>
-              <a:rPr lang="en-US" altLang="zh-CN" sz="2600" dirty="0" smtClean="0"/>
-              <a:t>3, 4, 7, 8 </a:t>
-            </a:r>
-            <a:r>
-              <a:rPr lang="zh-CN" altLang="en-US" sz="2600" dirty="0" smtClean="0"/>
-              <a:t>需要用到 </a:t>
-            </a:r>
-            <a:r>
-              <a:rPr lang="en-US" altLang="zh-CN" sz="2600" dirty="0" smtClean="0"/>
-              <a:t>1 </a:t>
-            </a:r>
-            <a:r>
-              <a:rPr lang="zh-CN" altLang="en-US" sz="2600" dirty="0" smtClean="0"/>
-              <a:t>的数据，并且需要修改数据</a:t>
-            </a:r>
-            <a:endParaRPr lang="zh-CN" altLang="en-US" sz="2600" dirty="0"/>
+            <a:endParaRPr lang="en-US" altLang="zh-CN" dirty="0" smtClean="0"/>
+          </a:p>
+          <a:p>
+            <a:r>
+              <a:rPr lang="en-US" altLang="zh-CN" dirty="0" smtClean="0"/>
+              <a:t>2. React </a:t>
+            </a:r>
+            <a:r>
+              <a:rPr lang="zh-CN" altLang="en-US" dirty="0" smtClean="0"/>
+              <a:t>语法简介</a:t>
+            </a:r>
+            <a:endParaRPr lang="en-US" altLang="zh-CN" dirty="0" smtClean="0"/>
+          </a:p>
+          <a:p>
+            <a:endParaRPr lang="en-US" altLang="zh-CN" dirty="0" smtClean="0"/>
+          </a:p>
+          <a:p>
+            <a:r>
+              <a:rPr lang="en-US" altLang="zh-CN" sz="4000" dirty="0">
+                <a:solidFill>
+                  <a:schemeClr val="accent5"/>
+                </a:solidFill>
+              </a:rPr>
+              <a:t>3. </a:t>
+            </a:r>
+            <a:r>
+              <a:rPr lang="zh-CN" altLang="en-US" sz="4000" dirty="0">
+                <a:solidFill>
+                  <a:schemeClr val="accent5"/>
+                </a:solidFill>
+              </a:rPr>
+              <a:t>相关技术</a:t>
+            </a:r>
           </a:p>
         </p:txBody>
       </p:sp>
     </p:spTree>
     <p:extLst>
       <p:ext uri="{BB962C8B-B14F-4D97-AF65-F5344CB8AC3E}">
-        <p14:creationId xmlns:p14="http://schemas.microsoft.com/office/powerpoint/2010/main" val="3782411436"/>
+        <p14:creationId xmlns:p14="http://schemas.microsoft.com/office/powerpoint/2010/main" val="2123684887"/>
       </p:ext>
     </p:extLst>
   </p:cSld>
@@ -9306,6 +8549,374 @@
           </a:p>
         </p:txBody>
       </p:sp>
+      <p:sp>
+        <p:nvSpPr>
+          <p:cNvPr id="6" name="内容占位符 5"/>
+          <p:cNvSpPr>
+            <a:spLocks noGrp="1"/>
+          </p:cNvSpPr>
+          <p:nvPr>
+            <p:ph sz="half" idx="1"/>
+          </p:nvPr>
+        </p:nvSpPr>
+        <p:spPr>
+          <a:xfrm>
+            <a:off x="838200" y="1825625"/>
+            <a:ext cx="5181600" cy="4351338"/>
+          </a:xfrm>
+          <a:solidFill>
+            <a:schemeClr val="tx2"/>
+          </a:solidFill>
+        </p:spPr>
+        <p:txBody>
+          <a:bodyPr>
+            <a:normAutofit lnSpcReduction="10000"/>
+          </a:bodyPr>
+          <a:lstStyle/>
+          <a:p>
+            <a:pPr marL="0" indent="0">
+              <a:buNone/>
+            </a:pPr>
+            <a:r>
+              <a:rPr lang="en-US" altLang="zh-CN" dirty="0">
+                <a:solidFill>
+                  <a:schemeClr val="accent4">
+                    <a:lumMod val="60000"/>
+                    <a:lumOff val="40000"/>
+                  </a:schemeClr>
+                </a:solidFill>
+                <a:latin typeface="Consolas" panose="020B0609020204030204" pitchFamily="49" charset="0"/>
+              </a:rPr>
+              <a:t>&lt;FirstComp&gt;</a:t>
+            </a:r>
+          </a:p>
+          <a:p>
+            <a:pPr marL="0" indent="0">
+              <a:buNone/>
+            </a:pPr>
+            <a:r>
+              <a:rPr lang="en-US" altLang="zh-CN" dirty="0">
+                <a:solidFill>
+                  <a:schemeClr val="accent4">
+                    <a:lumMod val="60000"/>
+                    <a:lumOff val="40000"/>
+                  </a:schemeClr>
+                </a:solidFill>
+                <a:latin typeface="Consolas" panose="020B0609020204030204" pitchFamily="49" charset="0"/>
+              </a:rPr>
+              <a:t>  </a:t>
+            </a:r>
+            <a:r>
+              <a:rPr lang="en-US" altLang="zh-CN" dirty="0" smtClean="0">
+                <a:solidFill>
+                  <a:schemeClr val="accent4">
+                    <a:lumMod val="60000"/>
+                    <a:lumOff val="40000"/>
+                  </a:schemeClr>
+                </a:solidFill>
+                <a:latin typeface="Consolas" panose="020B0609020204030204" pitchFamily="49" charset="0"/>
+              </a:rPr>
+              <a:t>&lt;</a:t>
+            </a:r>
+            <a:r>
+              <a:rPr lang="en-US" altLang="zh-CN" dirty="0">
+                <a:solidFill>
+                  <a:schemeClr val="accent4">
+                    <a:lumMod val="60000"/>
+                    <a:lumOff val="40000"/>
+                  </a:schemeClr>
+                </a:solidFill>
+                <a:latin typeface="Consolas" panose="020B0609020204030204" pitchFamily="49" charset="0"/>
+              </a:rPr>
+              <a:t>SecondComp&gt;</a:t>
+            </a:r>
+          </a:p>
+          <a:p>
+            <a:pPr marL="0" indent="0">
+              <a:buNone/>
+            </a:pPr>
+            <a:r>
+              <a:rPr lang="en-US" altLang="zh-CN" dirty="0">
+                <a:solidFill>
+                  <a:schemeClr val="accent4">
+                    <a:lumMod val="60000"/>
+                    <a:lumOff val="40000"/>
+                  </a:schemeClr>
+                </a:solidFill>
+                <a:latin typeface="Consolas" panose="020B0609020204030204" pitchFamily="49" charset="0"/>
+              </a:rPr>
+              <a:t>    </a:t>
+            </a:r>
+            <a:r>
+              <a:rPr lang="en-US" altLang="zh-CN" dirty="0" smtClean="0">
+                <a:solidFill>
+                  <a:schemeClr val="accent4">
+                    <a:lumMod val="60000"/>
+                    <a:lumOff val="40000"/>
+                  </a:schemeClr>
+                </a:solidFill>
+                <a:latin typeface="Consolas" panose="020B0609020204030204" pitchFamily="49" charset="0"/>
+              </a:rPr>
+              <a:t>&lt;ThirdComp</a:t>
+            </a:r>
+            <a:r>
+              <a:rPr lang="en-US" altLang="zh-CN" dirty="0">
+                <a:solidFill>
+                  <a:schemeClr val="accent4">
+                    <a:lumMod val="60000"/>
+                    <a:lumOff val="40000"/>
+                  </a:schemeClr>
+                </a:solidFill>
+                <a:latin typeface="Consolas" panose="020B0609020204030204" pitchFamily="49" charset="0"/>
+              </a:rPr>
+              <a:t>&gt;</a:t>
+            </a:r>
+          </a:p>
+          <a:p>
+            <a:pPr marL="0" indent="0">
+              <a:buNone/>
+            </a:pPr>
+            <a:r>
+              <a:rPr lang="en-US" altLang="zh-CN" dirty="0">
+                <a:solidFill>
+                  <a:schemeClr val="accent4">
+                    <a:lumMod val="60000"/>
+                    <a:lumOff val="40000"/>
+                  </a:schemeClr>
+                </a:solidFill>
+                <a:latin typeface="Consolas" panose="020B0609020204030204" pitchFamily="49" charset="0"/>
+              </a:rPr>
+              <a:t>      </a:t>
+            </a:r>
+            <a:r>
+              <a:rPr lang="en-US" altLang="zh-CN" dirty="0" smtClean="0">
+                <a:solidFill>
+                  <a:schemeClr val="accent4">
+                    <a:lumMod val="60000"/>
+                    <a:lumOff val="40000"/>
+                  </a:schemeClr>
+                </a:solidFill>
+                <a:latin typeface="Consolas" panose="020B0609020204030204" pitchFamily="49" charset="0"/>
+              </a:rPr>
+              <a:t>&lt;</a:t>
+            </a:r>
+            <a:r>
+              <a:rPr lang="en-US" altLang="zh-CN" dirty="0">
+                <a:solidFill>
+                  <a:schemeClr val="accent4">
+                    <a:lumMod val="60000"/>
+                    <a:lumOff val="40000"/>
+                  </a:schemeClr>
+                </a:solidFill>
+                <a:latin typeface="Consolas" panose="020B0609020204030204" pitchFamily="49" charset="0"/>
+              </a:rPr>
+              <a:t>FourthComp&gt;</a:t>
+            </a:r>
+          </a:p>
+          <a:p>
+            <a:pPr marL="0" indent="0">
+              <a:buNone/>
+            </a:pPr>
+            <a:r>
+              <a:rPr lang="en-US" altLang="zh-CN" dirty="0">
+                <a:solidFill>
+                  <a:schemeClr val="accent4">
+                    <a:lumMod val="60000"/>
+                    <a:lumOff val="40000"/>
+                  </a:schemeClr>
+                </a:solidFill>
+                <a:latin typeface="Consolas" panose="020B0609020204030204" pitchFamily="49" charset="0"/>
+              </a:rPr>
+              <a:t>        </a:t>
+            </a:r>
+            <a:r>
+              <a:rPr lang="en-US" altLang="zh-CN" dirty="0" smtClean="0">
+                <a:solidFill>
+                  <a:schemeClr val="accent4">
+                    <a:lumMod val="60000"/>
+                    <a:lumOff val="40000"/>
+                  </a:schemeClr>
+                </a:solidFill>
+                <a:latin typeface="Consolas" panose="020B0609020204030204" pitchFamily="49" charset="0"/>
+              </a:rPr>
+              <a:t>&lt;</a:t>
+            </a:r>
+            <a:r>
+              <a:rPr lang="en-US" altLang="zh-CN" dirty="0">
+                <a:solidFill>
+                  <a:schemeClr val="accent4">
+                    <a:lumMod val="60000"/>
+                    <a:lumOff val="40000"/>
+                  </a:schemeClr>
+                </a:solidFill>
+                <a:latin typeface="Consolas" panose="020B0609020204030204" pitchFamily="49" charset="0"/>
+              </a:rPr>
+              <a:t>TargetComp /&gt;</a:t>
+            </a:r>
+          </a:p>
+          <a:p>
+            <a:pPr marL="0" indent="0">
+              <a:buNone/>
+            </a:pPr>
+            <a:r>
+              <a:rPr lang="en-US" altLang="zh-CN" dirty="0">
+                <a:solidFill>
+                  <a:schemeClr val="accent4">
+                    <a:lumMod val="60000"/>
+                    <a:lumOff val="40000"/>
+                  </a:schemeClr>
+                </a:solidFill>
+                <a:latin typeface="Consolas" panose="020B0609020204030204" pitchFamily="49" charset="0"/>
+              </a:rPr>
+              <a:t>      </a:t>
+            </a:r>
+            <a:r>
+              <a:rPr lang="en-US" altLang="zh-CN" dirty="0" smtClean="0">
+                <a:solidFill>
+                  <a:schemeClr val="accent4">
+                    <a:lumMod val="60000"/>
+                    <a:lumOff val="40000"/>
+                  </a:schemeClr>
+                </a:solidFill>
+                <a:latin typeface="Consolas" panose="020B0609020204030204" pitchFamily="49" charset="0"/>
+              </a:rPr>
+              <a:t>&lt;/</a:t>
+            </a:r>
+            <a:r>
+              <a:rPr lang="en-US" altLang="zh-CN" dirty="0">
+                <a:solidFill>
+                  <a:schemeClr val="accent4">
+                    <a:lumMod val="60000"/>
+                    <a:lumOff val="40000"/>
+                  </a:schemeClr>
+                </a:solidFill>
+                <a:latin typeface="Consolas" panose="020B0609020204030204" pitchFamily="49" charset="0"/>
+              </a:rPr>
+              <a:t>FourthComp&gt;</a:t>
+            </a:r>
+          </a:p>
+          <a:p>
+            <a:pPr marL="0" indent="0">
+              <a:buNone/>
+            </a:pPr>
+            <a:r>
+              <a:rPr lang="en-US" altLang="zh-CN" dirty="0">
+                <a:solidFill>
+                  <a:schemeClr val="accent4">
+                    <a:lumMod val="60000"/>
+                    <a:lumOff val="40000"/>
+                  </a:schemeClr>
+                </a:solidFill>
+                <a:latin typeface="Consolas" panose="020B0609020204030204" pitchFamily="49" charset="0"/>
+              </a:rPr>
+              <a:t>    </a:t>
+            </a:r>
+            <a:r>
+              <a:rPr lang="en-US" altLang="zh-CN" dirty="0" smtClean="0">
+                <a:solidFill>
+                  <a:schemeClr val="accent4">
+                    <a:lumMod val="60000"/>
+                    <a:lumOff val="40000"/>
+                  </a:schemeClr>
+                </a:solidFill>
+                <a:latin typeface="Consolas" panose="020B0609020204030204" pitchFamily="49" charset="0"/>
+              </a:rPr>
+              <a:t>&lt;/</a:t>
+            </a:r>
+            <a:r>
+              <a:rPr lang="en-US" altLang="zh-CN" dirty="0">
+                <a:solidFill>
+                  <a:schemeClr val="accent4">
+                    <a:lumMod val="60000"/>
+                    <a:lumOff val="40000"/>
+                  </a:schemeClr>
+                </a:solidFill>
+                <a:latin typeface="Consolas" panose="020B0609020204030204" pitchFamily="49" charset="0"/>
+              </a:rPr>
+              <a:t>ThirdComp&gt;</a:t>
+            </a:r>
+          </a:p>
+          <a:p>
+            <a:pPr marL="0" indent="0">
+              <a:buNone/>
+            </a:pPr>
+            <a:r>
+              <a:rPr lang="en-US" altLang="zh-CN" dirty="0">
+                <a:solidFill>
+                  <a:schemeClr val="accent4">
+                    <a:lumMod val="60000"/>
+                    <a:lumOff val="40000"/>
+                  </a:schemeClr>
+                </a:solidFill>
+                <a:latin typeface="Consolas" panose="020B0609020204030204" pitchFamily="49" charset="0"/>
+              </a:rPr>
+              <a:t>  </a:t>
+            </a:r>
+            <a:r>
+              <a:rPr lang="en-US" altLang="zh-CN" dirty="0" smtClean="0">
+                <a:solidFill>
+                  <a:schemeClr val="accent4">
+                    <a:lumMod val="60000"/>
+                    <a:lumOff val="40000"/>
+                  </a:schemeClr>
+                </a:solidFill>
+                <a:latin typeface="Consolas" panose="020B0609020204030204" pitchFamily="49" charset="0"/>
+              </a:rPr>
+              <a:t>&lt;/</a:t>
+            </a:r>
+            <a:r>
+              <a:rPr lang="en-US" altLang="zh-CN" dirty="0">
+                <a:solidFill>
+                  <a:schemeClr val="accent4">
+                    <a:lumMod val="60000"/>
+                    <a:lumOff val="40000"/>
+                  </a:schemeClr>
+                </a:solidFill>
+                <a:latin typeface="Consolas" panose="020B0609020204030204" pitchFamily="49" charset="0"/>
+              </a:rPr>
+              <a:t>SecondComp&gt;</a:t>
+            </a:r>
+          </a:p>
+          <a:p>
+            <a:pPr marL="0" indent="0">
+              <a:buNone/>
+            </a:pPr>
+            <a:r>
+              <a:rPr lang="en-US" altLang="zh-CN" dirty="0" smtClean="0">
+                <a:solidFill>
+                  <a:schemeClr val="accent4">
+                    <a:lumMod val="60000"/>
+                    <a:lumOff val="40000"/>
+                  </a:schemeClr>
+                </a:solidFill>
+                <a:latin typeface="Consolas" panose="020B0609020204030204" pitchFamily="49" charset="0"/>
+              </a:rPr>
+              <a:t>&lt;/</a:t>
+            </a:r>
+            <a:r>
+              <a:rPr lang="en-US" altLang="zh-CN" dirty="0">
+                <a:solidFill>
+                  <a:schemeClr val="accent4">
+                    <a:lumMod val="60000"/>
+                    <a:lumOff val="40000"/>
+                  </a:schemeClr>
+                </a:solidFill>
+                <a:latin typeface="Consolas" panose="020B0609020204030204" pitchFamily="49" charset="0"/>
+              </a:rPr>
+              <a:t>FirstComp&gt;</a:t>
+            </a:r>
+            <a:endParaRPr lang="zh-CN" altLang="en-US" dirty="0">
+              <a:solidFill>
+                <a:schemeClr val="accent4">
+                  <a:lumMod val="60000"/>
+                  <a:lumOff val="40000"/>
+                </a:schemeClr>
+              </a:solidFill>
+              <a:latin typeface="Consolas" panose="020B0609020204030204" pitchFamily="49" charset="0"/>
+            </a:endParaRPr>
+          </a:p>
+        </p:txBody>
+      </p:sp>
       <p:pic>
         <p:nvPicPr>
           <p:cNvPr id="8" name="内容占位符 7"/>
@@ -9337,6 +8948,705 @@
       </p:pic>
       <p:sp>
         <p:nvSpPr>
+          <p:cNvPr id="5" name="文本框 4"/>
+          <p:cNvSpPr txBox="1"/>
+          <p:nvPr/>
+        </p:nvSpPr>
+        <p:spPr>
+          <a:xfrm>
+            <a:off x="6243637" y="1825625"/>
+            <a:ext cx="4875213" cy="2092881"/>
+          </a:xfrm>
+          <a:prstGeom prst="rect">
+            <a:avLst/>
+          </a:prstGeom>
+          <a:noFill/>
+        </p:spPr>
+        <p:txBody>
+          <a:bodyPr wrap="square" rtlCol="0">
+            <a:spAutoFit/>
+          </a:bodyPr>
+          <a:lstStyle/>
+          <a:p>
+            <a:r>
+              <a:rPr lang="zh-CN" altLang="en-US" sz="2600" dirty="0" smtClean="0"/>
+              <a:t>如果 </a:t>
+            </a:r>
+            <a:r>
+              <a:rPr lang="en-US" altLang="zh-CN" sz="2600" dirty="0" smtClean="0"/>
+              <a:t>&lt;TargetComp /&gt; </a:t>
+            </a:r>
+            <a:r>
+              <a:rPr lang="zh-CN" altLang="en-US" sz="2600" dirty="0" smtClean="0"/>
+              <a:t>需要用到一个来自 </a:t>
+            </a:r>
+            <a:r>
+              <a:rPr lang="en-US" altLang="zh-CN" sz="2600" dirty="0" smtClean="0"/>
+              <a:t>&lt;FirstComp /&gt; </a:t>
+            </a:r>
+            <a:r>
+              <a:rPr lang="zh-CN" altLang="en-US" sz="2600" dirty="0" smtClean="0"/>
+              <a:t>的数据，需要以 </a:t>
+            </a:r>
+            <a:r>
+              <a:rPr lang="en-US" altLang="zh-CN" sz="2600" dirty="0" smtClean="0"/>
+              <a:t>props </a:t>
+            </a:r>
+            <a:r>
+              <a:rPr lang="zh-CN" altLang="en-US" sz="2600" dirty="0" smtClean="0"/>
+              <a:t>的方式将该数据传递 </a:t>
+            </a:r>
+            <a:r>
+              <a:rPr lang="en-US" altLang="zh-CN" sz="2600" dirty="0" smtClean="0"/>
+              <a:t>4 </a:t>
+            </a:r>
+            <a:r>
+              <a:rPr lang="zh-CN" altLang="en-US" sz="2600" dirty="0" smtClean="0"/>
+              <a:t>层，然而这个数据对于中间</a:t>
+            </a:r>
+            <a:r>
+              <a:rPr lang="en-US" altLang="zh-CN" sz="2600" dirty="0" smtClean="0"/>
+              <a:t>3 </a:t>
+            </a:r>
+            <a:r>
+              <a:rPr lang="zh-CN" altLang="en-US" sz="2600" dirty="0" smtClean="0"/>
+              <a:t>个组件来说是没有用的</a:t>
+            </a:r>
+            <a:endParaRPr lang="zh-CN" altLang="en-US" sz="2600" dirty="0"/>
+          </a:p>
+        </p:txBody>
+      </p:sp>
+    </p:spTree>
+    <p:extLst>
+      <p:ext uri="{BB962C8B-B14F-4D97-AF65-F5344CB8AC3E}">
+        <p14:creationId xmlns:p14="http://schemas.microsoft.com/office/powerpoint/2010/main" val="1012171988"/>
+      </p:ext>
+    </p:extLst>
+  </p:cSld>
+  <p:clrMapOvr>
+    <a:masterClrMapping/>
+  </p:clrMapOvr>
+  <p:timing>
+    <p:tnLst>
+      <p:par>
+        <p:cTn id="1" dur="indefinite" restart="never" nodeType="tmRoot"/>
+      </p:par>
+    </p:tnLst>
+  </p:timing>
+</p:sld>
+</file>
+
+<file path=ppt/slides/slide22.xml><?xml version="1.0" encoding="utf-8"?>
+<p:sld xmlns:a="http://schemas.openxmlformats.org/drawingml/2006/main" xmlns:r="http://schemas.openxmlformats.org/officeDocument/2006/relationships" xmlns:p="http://schemas.openxmlformats.org/presentationml/2006/main">
+  <p:cSld>
+    <p:spTree>
+      <p:nvGrpSpPr>
+        <p:cNvPr id="1" name=""/>
+        <p:cNvGrpSpPr/>
+        <p:nvPr/>
+      </p:nvGrpSpPr>
+      <p:grpSpPr>
+        <a:xfrm>
+          <a:off x="0" y="0"/>
+          <a:ext cx="0" cy="0"/>
+          <a:chOff x="0" y="0"/>
+          <a:chExt cx="0" cy="0"/>
+        </a:xfrm>
+      </p:grpSpPr>
+      <p:sp>
+        <p:nvSpPr>
+          <p:cNvPr id="2" name="标题 1"/>
+          <p:cNvSpPr>
+            <a:spLocks noGrp="1"/>
+          </p:cNvSpPr>
+          <p:nvPr>
+            <p:ph type="title"/>
+          </p:nvPr>
+        </p:nvSpPr>
+        <p:spPr>
+          <a:xfrm>
+            <a:off x="838200" y="365125"/>
+            <a:ext cx="5181600" cy="1325563"/>
+          </a:xfrm>
+        </p:spPr>
+        <p:txBody>
+          <a:bodyPr/>
+          <a:lstStyle/>
+          <a:p>
+            <a:r>
+              <a:rPr lang="en-US" altLang="zh-CN" dirty="0" smtClean="0"/>
+              <a:t>3.1 Redux </a:t>
+            </a:r>
+            <a:endParaRPr lang="zh-CN" altLang="en-US" dirty="0"/>
+          </a:p>
+        </p:txBody>
+      </p:sp>
+      <p:sp>
+        <p:nvSpPr>
+          <p:cNvPr id="6" name="内容占位符 5"/>
+          <p:cNvSpPr>
+            <a:spLocks noGrp="1"/>
+          </p:cNvSpPr>
+          <p:nvPr>
+            <p:ph sz="half" idx="1"/>
+          </p:nvPr>
+        </p:nvSpPr>
+        <p:spPr>
+          <a:xfrm>
+            <a:off x="838200" y="1825625"/>
+            <a:ext cx="5181600" cy="4351338"/>
+          </a:xfrm>
+          <a:solidFill>
+            <a:schemeClr val="tx2"/>
+          </a:solidFill>
+        </p:spPr>
+        <p:txBody>
+          <a:bodyPr>
+            <a:normAutofit fontScale="77500" lnSpcReduction="20000"/>
+          </a:bodyPr>
+          <a:lstStyle/>
+          <a:p>
+            <a:pPr marL="0" indent="0">
+              <a:buNone/>
+            </a:pPr>
+            <a:r>
+              <a:rPr lang="en-US" altLang="zh-CN" dirty="0" smtClean="0">
+                <a:solidFill>
+                  <a:schemeClr val="accent4">
+                    <a:lumMod val="60000"/>
+                    <a:lumOff val="40000"/>
+                  </a:schemeClr>
+                </a:solidFill>
+                <a:latin typeface="Consolas" panose="020B0609020204030204" pitchFamily="49" charset="0"/>
+              </a:rPr>
+              <a:t>&lt;</a:t>
+            </a:r>
+            <a:r>
+              <a:rPr lang="en-US" altLang="zh-CN" dirty="0">
+                <a:solidFill>
+                  <a:schemeClr val="accent4">
+                    <a:lumMod val="60000"/>
+                    <a:lumOff val="40000"/>
+                  </a:schemeClr>
+                </a:solidFill>
+                <a:latin typeface="Consolas" panose="020B0609020204030204" pitchFamily="49" charset="0"/>
+              </a:rPr>
+              <a:t>Comp1&gt;</a:t>
+            </a:r>
+          </a:p>
+          <a:p>
+            <a:pPr marL="0" indent="0">
+              <a:buNone/>
+            </a:pPr>
+            <a:r>
+              <a:rPr lang="en-US" altLang="zh-CN" dirty="0" smtClean="0">
+                <a:solidFill>
+                  <a:schemeClr val="accent4">
+                    <a:lumMod val="60000"/>
+                    <a:lumOff val="40000"/>
+                  </a:schemeClr>
+                </a:solidFill>
+                <a:latin typeface="Consolas" panose="020B0609020204030204" pitchFamily="49" charset="0"/>
+              </a:rPr>
+              <a:t>  &lt;</a:t>
+            </a:r>
+            <a:r>
+              <a:rPr lang="en-US" altLang="zh-CN" dirty="0">
+                <a:solidFill>
+                  <a:schemeClr val="accent4">
+                    <a:lumMod val="60000"/>
+                    <a:lumOff val="40000"/>
+                  </a:schemeClr>
+                </a:solidFill>
+                <a:latin typeface="Consolas" panose="020B0609020204030204" pitchFamily="49" charset="0"/>
+              </a:rPr>
+              <a:t>Comp2&gt;</a:t>
+            </a:r>
+          </a:p>
+          <a:p>
+            <a:pPr marL="0" indent="0">
+              <a:buNone/>
+            </a:pPr>
+            <a:r>
+              <a:rPr lang="en-US" altLang="zh-CN" dirty="0" smtClean="0">
+                <a:solidFill>
+                  <a:schemeClr val="accent4">
+                    <a:lumMod val="60000"/>
+                    <a:lumOff val="40000"/>
+                  </a:schemeClr>
+                </a:solidFill>
+                <a:latin typeface="Consolas" panose="020B0609020204030204" pitchFamily="49" charset="0"/>
+              </a:rPr>
+              <a:t>    </a:t>
+            </a:r>
+            <a:r>
+              <a:rPr lang="en-US" altLang="zh-CN" dirty="0">
+                <a:solidFill>
+                  <a:schemeClr val="accent6">
+                    <a:lumMod val="60000"/>
+                    <a:lumOff val="40000"/>
+                  </a:schemeClr>
+                </a:solidFill>
+                <a:latin typeface="Consolas" panose="020B0609020204030204" pitchFamily="49" charset="0"/>
+              </a:rPr>
+              <a:t>&lt;Comp3 /&gt;</a:t>
+            </a:r>
+          </a:p>
+          <a:p>
+            <a:pPr marL="0" indent="0">
+              <a:buNone/>
+            </a:pPr>
+            <a:r>
+              <a:rPr lang="en-US" altLang="zh-CN" dirty="0" smtClean="0">
+                <a:solidFill>
+                  <a:schemeClr val="accent4">
+                    <a:lumMod val="60000"/>
+                    <a:lumOff val="40000"/>
+                  </a:schemeClr>
+                </a:solidFill>
+                <a:latin typeface="Consolas" panose="020B0609020204030204" pitchFamily="49" charset="0"/>
+              </a:rPr>
+              <a:t>  &lt;/</a:t>
+            </a:r>
+            <a:r>
+              <a:rPr lang="en-US" altLang="zh-CN" dirty="0">
+                <a:solidFill>
+                  <a:schemeClr val="accent4">
+                    <a:lumMod val="60000"/>
+                    <a:lumOff val="40000"/>
+                  </a:schemeClr>
+                </a:solidFill>
+                <a:latin typeface="Consolas" panose="020B0609020204030204" pitchFamily="49" charset="0"/>
+              </a:rPr>
+              <a:t>Comp2&gt;</a:t>
+            </a:r>
+          </a:p>
+          <a:p>
+            <a:pPr marL="0" indent="0">
+              <a:buNone/>
+            </a:pPr>
+            <a:r>
+              <a:rPr lang="en-US" altLang="zh-CN" dirty="0" smtClean="0">
+                <a:solidFill>
+                  <a:schemeClr val="accent4">
+                    <a:lumMod val="60000"/>
+                    <a:lumOff val="40000"/>
+                  </a:schemeClr>
+                </a:solidFill>
+                <a:latin typeface="Consolas" panose="020B0609020204030204" pitchFamily="49" charset="0"/>
+              </a:rPr>
+              <a:t>  </a:t>
+            </a:r>
+            <a:r>
+              <a:rPr lang="en-US" altLang="zh-CN" dirty="0">
+                <a:solidFill>
+                  <a:schemeClr val="accent6">
+                    <a:lumMod val="60000"/>
+                    <a:lumOff val="40000"/>
+                  </a:schemeClr>
+                </a:solidFill>
+                <a:latin typeface="Consolas" panose="020B0609020204030204" pitchFamily="49" charset="0"/>
+              </a:rPr>
+              <a:t>&lt;Comp4 /&gt;</a:t>
+            </a:r>
+          </a:p>
+          <a:p>
+            <a:pPr marL="0" indent="0">
+              <a:buNone/>
+            </a:pPr>
+            <a:r>
+              <a:rPr lang="en-US" altLang="zh-CN" dirty="0" smtClean="0">
+                <a:solidFill>
+                  <a:schemeClr val="accent4">
+                    <a:lumMod val="60000"/>
+                    <a:lumOff val="40000"/>
+                  </a:schemeClr>
+                </a:solidFill>
+                <a:latin typeface="Consolas" panose="020B0609020204030204" pitchFamily="49" charset="0"/>
+              </a:rPr>
+              <a:t>  </a:t>
+            </a:r>
+            <a:r>
+              <a:rPr lang="en-US" altLang="zh-CN" dirty="0">
+                <a:solidFill>
+                  <a:schemeClr val="accent4">
+                    <a:lumMod val="60000"/>
+                    <a:lumOff val="40000"/>
+                  </a:schemeClr>
+                </a:solidFill>
+                <a:latin typeface="Consolas" panose="020B0609020204030204" pitchFamily="49" charset="0"/>
+              </a:rPr>
+              <a:t>&lt;Comp5 /&gt;</a:t>
+            </a:r>
+          </a:p>
+          <a:p>
+            <a:pPr marL="0" indent="0">
+              <a:buNone/>
+            </a:pPr>
+            <a:r>
+              <a:rPr lang="en-US" altLang="zh-CN" dirty="0" smtClean="0">
+                <a:solidFill>
+                  <a:schemeClr val="accent4">
+                    <a:lumMod val="60000"/>
+                    <a:lumOff val="40000"/>
+                  </a:schemeClr>
+                </a:solidFill>
+                <a:latin typeface="Consolas" panose="020B0609020204030204" pitchFamily="49" charset="0"/>
+              </a:rPr>
+              <a:t>  &lt;</a:t>
+            </a:r>
+            <a:r>
+              <a:rPr lang="en-US" altLang="zh-CN" dirty="0">
+                <a:solidFill>
+                  <a:schemeClr val="accent4">
+                    <a:lumMod val="60000"/>
+                    <a:lumOff val="40000"/>
+                  </a:schemeClr>
+                </a:solidFill>
+                <a:latin typeface="Consolas" panose="020B0609020204030204" pitchFamily="49" charset="0"/>
+              </a:rPr>
+              <a:t>Comp6&gt;</a:t>
+            </a:r>
+          </a:p>
+          <a:p>
+            <a:pPr marL="0" indent="0">
+              <a:buNone/>
+            </a:pPr>
+            <a:r>
+              <a:rPr lang="en-US" altLang="zh-CN" dirty="0" smtClean="0">
+                <a:solidFill>
+                  <a:schemeClr val="accent4">
+                    <a:lumMod val="60000"/>
+                    <a:lumOff val="40000"/>
+                  </a:schemeClr>
+                </a:solidFill>
+                <a:latin typeface="Consolas" panose="020B0609020204030204" pitchFamily="49" charset="0"/>
+              </a:rPr>
+              <a:t>    </a:t>
+            </a:r>
+            <a:r>
+              <a:rPr lang="en-US" altLang="zh-CN" dirty="0">
+                <a:solidFill>
+                  <a:schemeClr val="accent6">
+                    <a:lumMod val="60000"/>
+                    <a:lumOff val="40000"/>
+                  </a:schemeClr>
+                </a:solidFill>
+                <a:latin typeface="Consolas" panose="020B0609020204030204" pitchFamily="49" charset="0"/>
+              </a:rPr>
+              <a:t>&lt;Comp7&gt;</a:t>
+            </a:r>
+          </a:p>
+          <a:p>
+            <a:pPr marL="0" indent="0">
+              <a:buNone/>
+            </a:pPr>
+            <a:r>
+              <a:rPr lang="en-US" altLang="zh-CN" dirty="0" smtClean="0">
+                <a:solidFill>
+                  <a:schemeClr val="accent4">
+                    <a:lumMod val="60000"/>
+                    <a:lumOff val="40000"/>
+                  </a:schemeClr>
+                </a:solidFill>
+                <a:latin typeface="Consolas" panose="020B0609020204030204" pitchFamily="49" charset="0"/>
+              </a:rPr>
+              <a:t>      </a:t>
+            </a:r>
+            <a:r>
+              <a:rPr lang="en-US" altLang="zh-CN" dirty="0">
+                <a:solidFill>
+                  <a:schemeClr val="accent6">
+                    <a:lumMod val="60000"/>
+                    <a:lumOff val="40000"/>
+                  </a:schemeClr>
+                </a:solidFill>
+                <a:latin typeface="Consolas" panose="020B0609020204030204" pitchFamily="49" charset="0"/>
+              </a:rPr>
+              <a:t>&lt;Comp8 /&gt;</a:t>
+            </a:r>
+          </a:p>
+          <a:p>
+            <a:pPr marL="0" indent="0">
+              <a:buNone/>
+            </a:pPr>
+            <a:r>
+              <a:rPr lang="en-US" altLang="zh-CN" dirty="0">
+                <a:solidFill>
+                  <a:schemeClr val="accent4">
+                    <a:lumMod val="60000"/>
+                    <a:lumOff val="40000"/>
+                  </a:schemeClr>
+                </a:solidFill>
+                <a:latin typeface="Consolas" panose="020B0609020204030204" pitchFamily="49" charset="0"/>
+              </a:rPr>
+              <a:t>    </a:t>
+            </a:r>
+            <a:r>
+              <a:rPr lang="en-US" altLang="zh-CN" dirty="0" smtClean="0">
+                <a:solidFill>
+                  <a:schemeClr val="accent4">
+                    <a:lumMod val="60000"/>
+                    <a:lumOff val="40000"/>
+                  </a:schemeClr>
+                </a:solidFill>
+                <a:latin typeface="Consolas" panose="020B0609020204030204" pitchFamily="49" charset="0"/>
+              </a:rPr>
+              <a:t>&lt;/</a:t>
+            </a:r>
+            <a:r>
+              <a:rPr lang="en-US" altLang="zh-CN" dirty="0">
+                <a:solidFill>
+                  <a:schemeClr val="accent4">
+                    <a:lumMod val="60000"/>
+                    <a:lumOff val="40000"/>
+                  </a:schemeClr>
+                </a:solidFill>
+                <a:latin typeface="Consolas" panose="020B0609020204030204" pitchFamily="49" charset="0"/>
+              </a:rPr>
+              <a:t>Comp7&gt;</a:t>
+            </a:r>
+          </a:p>
+          <a:p>
+            <a:pPr marL="0" indent="0">
+              <a:buNone/>
+            </a:pPr>
+            <a:r>
+              <a:rPr lang="en-US" altLang="zh-CN" dirty="0" smtClean="0">
+                <a:solidFill>
+                  <a:schemeClr val="accent4">
+                    <a:lumMod val="60000"/>
+                    <a:lumOff val="40000"/>
+                  </a:schemeClr>
+                </a:solidFill>
+                <a:latin typeface="Consolas" panose="020B0609020204030204" pitchFamily="49" charset="0"/>
+              </a:rPr>
+              <a:t>   &lt;/</a:t>
+            </a:r>
+            <a:r>
+              <a:rPr lang="en-US" altLang="zh-CN" dirty="0">
+                <a:solidFill>
+                  <a:schemeClr val="accent4">
+                    <a:lumMod val="60000"/>
+                    <a:lumOff val="40000"/>
+                  </a:schemeClr>
+                </a:solidFill>
+                <a:latin typeface="Consolas" panose="020B0609020204030204" pitchFamily="49" charset="0"/>
+              </a:rPr>
+              <a:t>Comp6&gt;</a:t>
+            </a:r>
+          </a:p>
+          <a:p>
+            <a:pPr marL="0" indent="0">
+              <a:buNone/>
+            </a:pPr>
+            <a:r>
+              <a:rPr lang="en-US" altLang="zh-CN" dirty="0" smtClean="0">
+                <a:solidFill>
+                  <a:schemeClr val="accent4">
+                    <a:lumMod val="60000"/>
+                    <a:lumOff val="40000"/>
+                  </a:schemeClr>
+                </a:solidFill>
+                <a:latin typeface="Consolas" panose="020B0609020204030204" pitchFamily="49" charset="0"/>
+              </a:rPr>
+              <a:t>&lt;/</a:t>
+            </a:r>
+            <a:r>
+              <a:rPr lang="en-US" altLang="zh-CN" dirty="0">
+                <a:solidFill>
+                  <a:schemeClr val="accent4">
+                    <a:lumMod val="60000"/>
+                    <a:lumOff val="40000"/>
+                  </a:schemeClr>
+                </a:solidFill>
+                <a:latin typeface="Consolas" panose="020B0609020204030204" pitchFamily="49" charset="0"/>
+              </a:rPr>
+              <a:t>Comp1&gt;</a:t>
+            </a:r>
+            <a:endParaRPr lang="zh-CN" altLang="en-US" dirty="0">
+              <a:solidFill>
+                <a:schemeClr val="accent4">
+                  <a:lumMod val="60000"/>
+                  <a:lumOff val="40000"/>
+                </a:schemeClr>
+              </a:solidFill>
+              <a:latin typeface="Consolas" panose="020B0609020204030204" pitchFamily="49" charset="0"/>
+            </a:endParaRPr>
+          </a:p>
+        </p:txBody>
+      </p:sp>
+      <p:pic>
+        <p:nvPicPr>
+          <p:cNvPr id="8" name="内容占位符 7"/>
+          <p:cNvPicPr>
+            <a:picLocks noGrp="1" noChangeAspect="1"/>
+          </p:cNvPicPr>
+          <p:nvPr>
+            <p:ph sz="half" idx="2"/>
+          </p:nvPr>
+        </p:nvPicPr>
+        <p:blipFill>
+          <a:blip r:embed="rId2">
+            <a:extLst>
+              <a:ext uri="{28A0092B-C50C-407E-A947-70E740481C1C}">
+                <a14:useLocalDpi xmlns:a14="http://schemas.microsoft.com/office/drawing/2010/main" val="0"/>
+              </a:ext>
+            </a:extLst>
+          </a:blip>
+          <a:stretch>
+            <a:fillRect/>
+          </a:stretch>
+        </p:blipFill>
+        <p:spPr>
+          <a:xfrm>
+            <a:off x="6243637" y="373063"/>
+            <a:ext cx="4875213" cy="1317625"/>
+          </a:xfrm>
+        </p:spPr>
+      </p:pic>
+      <p:sp>
+        <p:nvSpPr>
+          <p:cNvPr id="5" name="文本框 4"/>
+          <p:cNvSpPr txBox="1"/>
+          <p:nvPr/>
+        </p:nvSpPr>
+        <p:spPr>
+          <a:xfrm>
+            <a:off x="6243637" y="1825625"/>
+            <a:ext cx="4875213" cy="892552"/>
+          </a:xfrm>
+          <a:prstGeom prst="rect">
+            <a:avLst/>
+          </a:prstGeom>
+          <a:noFill/>
+        </p:spPr>
+        <p:txBody>
+          <a:bodyPr wrap="square" rtlCol="0">
+            <a:spAutoFit/>
+          </a:bodyPr>
+          <a:lstStyle/>
+          <a:p>
+            <a:r>
+              <a:rPr lang="zh-CN" altLang="en-US" sz="2600" dirty="0" smtClean="0"/>
+              <a:t>如果 </a:t>
+            </a:r>
+            <a:r>
+              <a:rPr lang="en-US" altLang="zh-CN" sz="2600" dirty="0" smtClean="0"/>
+              <a:t>3, 4, 7, 8 </a:t>
+            </a:r>
+            <a:r>
+              <a:rPr lang="zh-CN" altLang="en-US" sz="2600" dirty="0" smtClean="0"/>
+              <a:t>需要用到 </a:t>
+            </a:r>
+            <a:r>
+              <a:rPr lang="en-US" altLang="zh-CN" sz="2600" dirty="0" smtClean="0"/>
+              <a:t>1 </a:t>
+            </a:r>
+            <a:r>
+              <a:rPr lang="zh-CN" altLang="en-US" sz="2600" dirty="0" smtClean="0"/>
+              <a:t>的数据，并且需要修改数据</a:t>
+            </a:r>
+            <a:endParaRPr lang="zh-CN" altLang="en-US" sz="2600" dirty="0"/>
+          </a:p>
+        </p:txBody>
+      </p:sp>
+    </p:spTree>
+    <p:extLst>
+      <p:ext uri="{BB962C8B-B14F-4D97-AF65-F5344CB8AC3E}">
+        <p14:creationId xmlns:p14="http://schemas.microsoft.com/office/powerpoint/2010/main" val="3782411436"/>
+      </p:ext>
+    </p:extLst>
+  </p:cSld>
+  <p:clrMapOvr>
+    <a:masterClrMapping/>
+  </p:clrMapOvr>
+  <p:timing>
+    <p:tnLst>
+      <p:par>
+        <p:cTn id="1" dur="indefinite" restart="never" nodeType="tmRoot"/>
+      </p:par>
+    </p:tnLst>
+  </p:timing>
+</p:sld>
+</file>
+
+<file path=ppt/slides/slide23.xml><?xml version="1.0" encoding="utf-8"?>
+<p:sld xmlns:a="http://schemas.openxmlformats.org/drawingml/2006/main" xmlns:r="http://schemas.openxmlformats.org/officeDocument/2006/relationships" xmlns:p="http://schemas.openxmlformats.org/presentationml/2006/main">
+  <p:cSld>
+    <p:spTree>
+      <p:nvGrpSpPr>
+        <p:cNvPr id="1" name=""/>
+        <p:cNvGrpSpPr/>
+        <p:nvPr/>
+      </p:nvGrpSpPr>
+      <p:grpSpPr>
+        <a:xfrm>
+          <a:off x="0" y="0"/>
+          <a:ext cx="0" cy="0"/>
+          <a:chOff x="0" y="0"/>
+          <a:chExt cx="0" cy="0"/>
+        </a:xfrm>
+      </p:grpSpPr>
+      <p:sp>
+        <p:nvSpPr>
+          <p:cNvPr id="2" name="标题 1"/>
+          <p:cNvSpPr>
+            <a:spLocks noGrp="1"/>
+          </p:cNvSpPr>
+          <p:nvPr>
+            <p:ph type="title"/>
+          </p:nvPr>
+        </p:nvSpPr>
+        <p:spPr>
+          <a:xfrm>
+            <a:off x="838200" y="365125"/>
+            <a:ext cx="5181600" cy="1325563"/>
+          </a:xfrm>
+        </p:spPr>
+        <p:txBody>
+          <a:bodyPr/>
+          <a:lstStyle/>
+          <a:p>
+            <a:r>
+              <a:rPr lang="en-US" altLang="zh-CN" dirty="0" smtClean="0"/>
+              <a:t>3.1 Redux </a:t>
+            </a:r>
+            <a:endParaRPr lang="zh-CN" altLang="en-US" dirty="0"/>
+          </a:p>
+        </p:txBody>
+      </p:sp>
+      <p:pic>
+        <p:nvPicPr>
+          <p:cNvPr id="8" name="内容占位符 7"/>
+          <p:cNvPicPr>
+            <a:picLocks noGrp="1" noChangeAspect="1"/>
+          </p:cNvPicPr>
+          <p:nvPr>
+            <p:ph sz="half" idx="2"/>
+          </p:nvPr>
+        </p:nvPicPr>
+        <p:blipFill>
+          <a:blip r:embed="rId2">
+            <a:extLst>
+              <a:ext uri="{28A0092B-C50C-407E-A947-70E740481C1C}">
+                <a14:useLocalDpi xmlns:a14="http://schemas.microsoft.com/office/drawing/2010/main" val="0"/>
+              </a:ext>
+            </a:extLst>
+          </a:blip>
+          <a:stretch>
+            <a:fillRect/>
+          </a:stretch>
+        </p:blipFill>
+        <p:spPr>
+          <a:xfrm>
+            <a:off x="6243637" y="373063"/>
+            <a:ext cx="4875213" cy="1317625"/>
+          </a:xfrm>
+        </p:spPr>
+      </p:pic>
+      <p:sp>
+        <p:nvSpPr>
           <p:cNvPr id="4" name="内容占位符 3"/>
           <p:cNvSpPr>
             <a:spLocks noGrp="1"/>
@@ -9446,7 +9756,7 @@
 </p:sld>
 </file>
 
-<file path=ppt/slides/slide22.xml><?xml version="1.0" encoding="utf-8"?>
+<file path=ppt/slides/slide24.xml><?xml version="1.0" encoding="utf-8"?>
 <p:sld xmlns:a="http://schemas.openxmlformats.org/drawingml/2006/main" xmlns:r="http://schemas.openxmlformats.org/officeDocument/2006/relationships" xmlns:p="http://schemas.openxmlformats.org/presentationml/2006/main">
   <p:cSld>
     <p:spTree>
@@ -9566,7 +9876,7 @@
 </p:sld>
 </file>
 
-<file path=ppt/slides/slide23.xml><?xml version="1.0" encoding="utf-8"?>
+<file path=ppt/slides/slide25.xml><?xml version="1.0" encoding="utf-8"?>
 <p:sld xmlns:a="http://schemas.openxmlformats.org/drawingml/2006/main" xmlns:r="http://schemas.openxmlformats.org/officeDocument/2006/relationships" xmlns:p="http://schemas.openxmlformats.org/presentationml/2006/main">
   <p:cSld>
     <p:spTree>
@@ -9732,7 +10042,7 @@
 </p:sld>
 </file>
 
-<file path=ppt/slides/slide24.xml><?xml version="1.0" encoding="utf-8"?>
+<file path=ppt/slides/slide26.xml><?xml version="1.0" encoding="utf-8"?>
 <p:sld xmlns:a="http://schemas.openxmlformats.org/drawingml/2006/main" xmlns:r="http://schemas.openxmlformats.org/officeDocument/2006/relationships" xmlns:p="http://schemas.openxmlformats.org/presentationml/2006/main">
   <p:cSld>
     <p:spTree>
@@ -9914,7 +10224,7 @@
 </p:sld>
 </file>
 
-<file path=ppt/slides/slide25.xml><?xml version="1.0" encoding="utf-8"?>
+<file path=ppt/slides/slide27.xml><?xml version="1.0" encoding="utf-8"?>
 <p:sld xmlns:a="http://schemas.openxmlformats.org/drawingml/2006/main" xmlns:r="http://schemas.openxmlformats.org/officeDocument/2006/relationships" xmlns:p="http://schemas.openxmlformats.org/presentationml/2006/main">
   <p:cSld>
     <p:spTree>
@@ -10157,7 +10467,7 @@
 </p:sld>
 </file>
 
-<file path=ppt/slides/slide26.xml><?xml version="1.0" encoding="utf-8"?>
+<file path=ppt/slides/slide28.xml><?xml version="1.0" encoding="utf-8"?>
 <p:sld xmlns:a="http://schemas.openxmlformats.org/drawingml/2006/main" xmlns:r="http://schemas.openxmlformats.org/officeDocument/2006/relationships" xmlns:p="http://schemas.openxmlformats.org/presentationml/2006/main">
   <p:cSld>
     <p:spTree>
@@ -10176,12 +10486,12 @@
       </p:grpSpPr>
       <p:sp>
         <p:nvSpPr>
-          <p:cNvPr id="2" name="标题 1"/>
-          <p:cNvSpPr>
-            <a:spLocks noGrp="1"/>
-          </p:cNvSpPr>
-          <p:nvPr>
-            <p:ph type="title"/>
+          <p:cNvPr id="5" name="标题 4"/>
+          <p:cNvSpPr>
+            <a:spLocks noGrp="1"/>
+          </p:cNvSpPr>
+          <p:nvPr>
+            <p:ph type="ctrTitle"/>
           </p:nvPr>
         </p:nvSpPr>
         <p:spPr/>
@@ -10189,37 +10499,22 @@
           <a:bodyPr/>
           <a:lstStyle/>
           <a:p>
-            <a:endParaRPr lang="zh-CN" altLang="en-US"/>
-          </a:p>
-        </p:txBody>
-      </p:sp>
-      <p:sp>
-        <p:nvSpPr>
-          <p:cNvPr id="3" name="内容占位符 2"/>
-          <p:cNvSpPr>
-            <a:spLocks noGrp="1"/>
-          </p:cNvSpPr>
-          <p:nvPr>
-            <p:ph sz="half" idx="1"/>
-          </p:nvPr>
-        </p:nvSpPr>
-        <p:spPr/>
-        <p:txBody>
-          <a:bodyPr/>
-          <a:lstStyle/>
-          <a:p>
-            <a:endParaRPr lang="zh-CN" altLang="en-US"/>
-          </a:p>
-        </p:txBody>
-      </p:sp>
-      <p:sp>
-        <p:nvSpPr>
-          <p:cNvPr id="4" name="内容占位符 3"/>
-          <p:cNvSpPr>
-            <a:spLocks noGrp="1"/>
-          </p:cNvSpPr>
-          <p:nvPr>
-            <p:ph sz="half" idx="2"/>
+            <a:r>
+              <a:rPr lang="en-US" altLang="zh-CN" dirty="0" smtClean="0"/>
+              <a:t>Thanks!</a:t>
+            </a:r>
+            <a:endParaRPr lang="zh-CN" altLang="en-US" dirty="0"/>
+          </a:p>
+        </p:txBody>
+      </p:sp>
+      <p:sp>
+        <p:nvSpPr>
+          <p:cNvPr id="6" name="副标题 5"/>
+          <p:cNvSpPr>
+            <a:spLocks noGrp="1"/>
+          </p:cNvSpPr>
+          <p:nvPr>
+            <p:ph type="subTitle" idx="1"/>
           </p:nvPr>
         </p:nvSpPr>
         <p:spPr/>
@@ -10241,6 +10536,13 @@
   <p:clrMapOvr>
     <a:masterClrMapping/>
   </p:clrMapOvr>
+  <p:timing>
+    <p:tnLst>
+      <p:par>
+        <p:cTn id="1" dur="indefinite" restart="never" nodeType="tmRoot"/>
+      </p:par>
+    </p:tnLst>
+  </p:timing>
 </p:sld>
 </file>
 

--- a/slides/React 入门.pptx
+++ b/slides/React 入门.pptx
@@ -5,7 +5,7 @@
     <p:sldMasterId id="2147483648" r:id="rId1"/>
   </p:sldMasterIdLst>
   <p:notesMasterIdLst>
-    <p:notesMasterId r:id="rId30"/>
+    <p:notesMasterId r:id="rId29"/>
   </p:notesMasterIdLst>
   <p:sldIdLst>
     <p:sldId id="256" r:id="rId2"/>
@@ -34,8 +34,7 @@
     <p:sldId id="277" r:id="rId25"/>
     <p:sldId id="278" r:id="rId26"/>
     <p:sldId id="279" r:id="rId27"/>
-    <p:sldId id="280" r:id="rId28"/>
-    <p:sldId id="281" r:id="rId29"/>
+    <p:sldId id="281" r:id="rId28"/>
   </p:sldIdLst>
   <p:sldSz cx="12192000" cy="6858000"/>
   <p:notesSz cx="6858000" cy="9144000"/>
@@ -224,7 +223,7 @@
           <a:p>
             <a:fld id="{C7EA81BB-58F1-4FB5-8B9E-97CA0D987065}" type="datetimeFigureOut">
               <a:rPr lang="zh-CN" altLang="en-US" smtClean="0"/>
-              <a:t>2018/11/4</a:t>
+              <a:t>2018/11/6</a:t>
             </a:fld>
             <a:endParaRPr lang="zh-CN" altLang="en-US"/>
           </a:p>
@@ -749,6 +748,271 @@
           <a:lstStyle/>
           <a:p>
             <a:r>
+              <a:rPr lang="en-US" altLang="zh-CN" sz="1200" b="0" i="0" kern="1200" dirty="0" smtClean="0">
+                <a:solidFill>
+                  <a:schemeClr val="tx1"/>
+                </a:solidFill>
+                <a:effectLst/>
+                <a:latin typeface="+mn-lt"/>
+                <a:ea typeface="+mn-ea"/>
+                <a:cs typeface="+mn-cs"/>
+              </a:rPr>
+              <a:t>key</a:t>
+            </a:r>
+            <a:r>
+              <a:rPr lang="zh-CN" altLang="en-US" sz="1200" b="0" i="0" kern="1200" dirty="0" smtClean="0">
+                <a:solidFill>
+                  <a:schemeClr val="tx1"/>
+                </a:solidFill>
+                <a:effectLst/>
+                <a:latin typeface="+mn-lt"/>
+                <a:ea typeface="+mn-ea"/>
+                <a:cs typeface="+mn-cs"/>
+              </a:rPr>
+              <a:t>相同，若组件属性有所变化，则</a:t>
+            </a:r>
+            <a:r>
+              <a:rPr lang="en-US" altLang="zh-CN" sz="1200" b="0" i="0" kern="1200" dirty="0" smtClean="0">
+                <a:solidFill>
+                  <a:schemeClr val="tx1"/>
+                </a:solidFill>
+                <a:effectLst/>
+                <a:latin typeface="+mn-lt"/>
+                <a:ea typeface="+mn-ea"/>
+                <a:cs typeface="+mn-cs"/>
+              </a:rPr>
+              <a:t>react</a:t>
+            </a:r>
+            <a:r>
+              <a:rPr lang="zh-CN" altLang="en-US" sz="1200" b="0" i="0" kern="1200" dirty="0" smtClean="0">
+                <a:solidFill>
+                  <a:schemeClr val="tx1"/>
+                </a:solidFill>
+                <a:effectLst/>
+                <a:latin typeface="+mn-lt"/>
+                <a:ea typeface="+mn-ea"/>
+                <a:cs typeface="+mn-cs"/>
+              </a:rPr>
+              <a:t>只更新组件对应的属性；没有变化则不更新。</a:t>
+            </a:r>
+          </a:p>
+          <a:p>
+            <a:r>
+              <a:rPr lang="en-US" altLang="zh-CN" sz="1200" b="0" i="0" kern="1200" dirty="0" smtClean="0">
+                <a:solidFill>
+                  <a:schemeClr val="tx1"/>
+                </a:solidFill>
+                <a:effectLst/>
+                <a:latin typeface="+mn-lt"/>
+                <a:ea typeface="+mn-ea"/>
+                <a:cs typeface="+mn-cs"/>
+              </a:rPr>
+              <a:t>key</a:t>
+            </a:r>
+            <a:r>
+              <a:rPr lang="zh-CN" altLang="en-US" sz="1200" b="0" i="0" kern="1200" dirty="0" smtClean="0">
+                <a:solidFill>
+                  <a:schemeClr val="tx1"/>
+                </a:solidFill>
+                <a:effectLst/>
+                <a:latin typeface="+mn-lt"/>
+                <a:ea typeface="+mn-ea"/>
+                <a:cs typeface="+mn-cs"/>
+              </a:rPr>
+              <a:t>值不同，则</a:t>
+            </a:r>
+            <a:r>
+              <a:rPr lang="en-US" altLang="zh-CN" sz="1200" b="0" i="0" kern="1200" dirty="0" smtClean="0">
+                <a:solidFill>
+                  <a:schemeClr val="tx1"/>
+                </a:solidFill>
+                <a:effectLst/>
+                <a:latin typeface="+mn-lt"/>
+                <a:ea typeface="+mn-ea"/>
+                <a:cs typeface="+mn-cs"/>
+              </a:rPr>
+              <a:t>react</a:t>
+            </a:r>
+            <a:r>
+              <a:rPr lang="zh-CN" altLang="en-US" sz="1200" b="0" i="0" kern="1200" dirty="0" smtClean="0">
+                <a:solidFill>
+                  <a:schemeClr val="tx1"/>
+                </a:solidFill>
+                <a:effectLst/>
+                <a:latin typeface="+mn-lt"/>
+                <a:ea typeface="+mn-ea"/>
+                <a:cs typeface="+mn-cs"/>
+              </a:rPr>
+              <a:t>先销毁该组件然后重新创建该组件</a:t>
+            </a:r>
+            <a:endParaRPr lang="en-US" altLang="zh-CN" sz="1200" b="0" i="0" kern="1200" dirty="0" smtClean="0">
+              <a:solidFill>
+                <a:schemeClr val="tx1"/>
+              </a:solidFill>
+              <a:effectLst/>
+              <a:latin typeface="+mn-lt"/>
+              <a:ea typeface="+mn-ea"/>
+              <a:cs typeface="+mn-cs"/>
+            </a:endParaRPr>
+          </a:p>
+          <a:p>
+            <a:r>
+              <a:rPr lang="en-US" altLang="zh-CN" sz="1200" b="0" i="0" kern="1200" dirty="0" smtClean="0">
+                <a:solidFill>
+                  <a:schemeClr val="tx1"/>
+                </a:solidFill>
+                <a:effectLst/>
+                <a:latin typeface="+mn-lt"/>
+                <a:ea typeface="+mn-ea"/>
+                <a:cs typeface="+mn-cs"/>
+              </a:rPr>
+              <a:t>key</a:t>
+            </a:r>
+            <a:r>
+              <a:rPr lang="zh-CN" altLang="en-US" sz="1200" b="0" i="0" kern="1200" dirty="0" smtClean="0">
+                <a:solidFill>
+                  <a:schemeClr val="tx1"/>
+                </a:solidFill>
+                <a:effectLst/>
+                <a:latin typeface="+mn-lt"/>
+                <a:ea typeface="+mn-ea"/>
+                <a:cs typeface="+mn-cs"/>
+              </a:rPr>
+              <a:t>不是用来提升</a:t>
+            </a:r>
+            <a:r>
+              <a:rPr lang="en-US" altLang="zh-CN" sz="1200" b="0" i="0" kern="1200" dirty="0" smtClean="0">
+                <a:solidFill>
+                  <a:schemeClr val="tx1"/>
+                </a:solidFill>
+                <a:effectLst/>
+                <a:latin typeface="+mn-lt"/>
+                <a:ea typeface="+mn-ea"/>
+                <a:cs typeface="+mn-cs"/>
+              </a:rPr>
+              <a:t>react</a:t>
+            </a:r>
+            <a:r>
+              <a:rPr lang="zh-CN" altLang="en-US" sz="1200" b="0" i="0" kern="1200" dirty="0" smtClean="0">
+                <a:solidFill>
+                  <a:schemeClr val="tx1"/>
+                </a:solidFill>
+                <a:effectLst/>
+                <a:latin typeface="+mn-lt"/>
+                <a:ea typeface="+mn-ea"/>
+                <a:cs typeface="+mn-cs"/>
+              </a:rPr>
+              <a:t>的性能的，不过用好</a:t>
+            </a:r>
+            <a:r>
+              <a:rPr lang="en-US" altLang="zh-CN" sz="1200" b="0" i="0" kern="1200" dirty="0" smtClean="0">
+                <a:solidFill>
+                  <a:schemeClr val="tx1"/>
+                </a:solidFill>
+                <a:effectLst/>
+                <a:latin typeface="+mn-lt"/>
+                <a:ea typeface="+mn-ea"/>
+                <a:cs typeface="+mn-cs"/>
+              </a:rPr>
+              <a:t>key</a:t>
+            </a:r>
+            <a:r>
+              <a:rPr lang="zh-CN" altLang="en-US" sz="1200" b="0" i="0" kern="1200" dirty="0" smtClean="0">
+                <a:solidFill>
+                  <a:schemeClr val="tx1"/>
+                </a:solidFill>
+                <a:effectLst/>
+                <a:latin typeface="+mn-lt"/>
+                <a:ea typeface="+mn-ea"/>
+                <a:cs typeface="+mn-cs"/>
+              </a:rPr>
+              <a:t>对性能是有帮助的。</a:t>
+            </a:r>
+            <a:endParaRPr lang="zh-CN" altLang="en-US" dirty="0"/>
+          </a:p>
+        </p:txBody>
+      </p:sp>
+      <p:sp>
+        <p:nvSpPr>
+          <p:cNvPr id="4" name="灯片编号占位符 3"/>
+          <p:cNvSpPr>
+            <a:spLocks noGrp="1"/>
+          </p:cNvSpPr>
+          <p:nvPr>
+            <p:ph type="sldNum" sz="quarter" idx="10"/>
+          </p:nvPr>
+        </p:nvSpPr>
+        <p:spPr/>
+        <p:txBody>
+          <a:bodyPr/>
+          <a:lstStyle/>
+          <a:p>
+            <a:fld id="{933F5AFF-D81E-4C08-8F4D-34ABD7A65093}" type="slidenum">
+              <a:rPr lang="zh-CN" altLang="en-US" smtClean="0"/>
+              <a:t>18</a:t>
+            </a:fld>
+            <a:endParaRPr lang="zh-CN" altLang="en-US"/>
+          </a:p>
+        </p:txBody>
+      </p:sp>
+    </p:spTree>
+    <p:extLst>
+      <p:ext uri="{BB962C8B-B14F-4D97-AF65-F5344CB8AC3E}">
+        <p14:creationId xmlns:p14="http://schemas.microsoft.com/office/powerpoint/2010/main" val="238015222"/>
+      </p:ext>
+    </p:extLst>
+  </p:cSld>
+  <p:clrMapOvr>
+    <a:masterClrMapping/>
+  </p:clrMapOvr>
+</p:notes>
+</file>
+
+<file path=ppt/notesSlides/notesSlide12.xml><?xml version="1.0" encoding="utf-8"?>
+<p:notes xmlns:a="http://schemas.openxmlformats.org/drawingml/2006/main" xmlns:r="http://schemas.openxmlformats.org/officeDocument/2006/relationships" xmlns:p="http://schemas.openxmlformats.org/presentationml/2006/main">
+  <p:cSld>
+    <p:spTree>
+      <p:nvGrpSpPr>
+        <p:cNvPr id="1" name=""/>
+        <p:cNvGrpSpPr/>
+        <p:nvPr/>
+      </p:nvGrpSpPr>
+      <p:grpSpPr>
+        <a:xfrm>
+          <a:off x="0" y="0"/>
+          <a:ext cx="0" cy="0"/>
+          <a:chOff x="0" y="0"/>
+          <a:chExt cx="0" cy="0"/>
+        </a:xfrm>
+      </p:grpSpPr>
+      <p:sp>
+        <p:nvSpPr>
+          <p:cNvPr id="2" name="幻灯片图像占位符 1"/>
+          <p:cNvSpPr>
+            <a:spLocks noGrp="1" noRot="1" noChangeAspect="1"/>
+          </p:cNvSpPr>
+          <p:nvPr>
+            <p:ph type="sldImg"/>
+          </p:nvPr>
+        </p:nvSpPr>
+        <p:spPr/>
+      </p:sp>
+      <p:sp>
+        <p:nvSpPr>
+          <p:cNvPr id="3" name="备注占位符 2"/>
+          <p:cNvSpPr>
+            <a:spLocks noGrp="1"/>
+          </p:cNvSpPr>
+          <p:nvPr>
+            <p:ph type="body" idx="1"/>
+          </p:nvPr>
+        </p:nvSpPr>
+        <p:spPr/>
+        <p:txBody>
+          <a:bodyPr/>
+          <a:lstStyle/>
+          <a:p>
+            <a:r>
               <a:rPr lang="en-US" altLang="zh-CN" dirty="0" smtClean="0"/>
               <a:t>React </a:t>
             </a:r>
@@ -800,7 +1064,7 @@
 </p:notes>
 </file>
 
-<file path=ppt/notesSlides/notesSlide12.xml><?xml version="1.0" encoding="utf-8"?>
+<file path=ppt/notesSlides/notesSlide13.xml><?xml version="1.0" encoding="utf-8"?>
 <p:notes xmlns:a="http://schemas.openxmlformats.org/drawingml/2006/main" xmlns:r="http://schemas.openxmlformats.org/officeDocument/2006/relationships" xmlns:p="http://schemas.openxmlformats.org/presentationml/2006/main">
   <p:cSld>
     <p:spTree>
@@ -965,6 +1229,105 @@
           <a:lstStyle/>
           <a:p>
             <a:r>
+              <a:rPr lang="en-US" altLang="zh-CN" sz="1200" b="0" i="0" kern="1200" dirty="0" smtClean="0">
+                <a:solidFill>
+                  <a:schemeClr val="tx1"/>
+                </a:solidFill>
+                <a:effectLst/>
+                <a:latin typeface="+mn-lt"/>
+                <a:ea typeface="+mn-ea"/>
+                <a:cs typeface="+mn-cs"/>
+              </a:rPr>
+              <a:t>React </a:t>
+            </a:r>
+            <a:r>
+              <a:rPr lang="zh-CN" altLang="en-US" sz="1200" b="0" i="0" kern="1200" dirty="0" smtClean="0">
+                <a:solidFill>
+                  <a:schemeClr val="tx1"/>
+                </a:solidFill>
+                <a:effectLst/>
+                <a:latin typeface="+mn-lt"/>
+                <a:ea typeface="+mn-ea"/>
+                <a:cs typeface="+mn-cs"/>
+              </a:rPr>
+              <a:t>使用 </a:t>
+            </a:r>
+            <a:r>
+              <a:rPr lang="en-US" altLang="zh-CN" sz="1200" b="0" i="0" kern="1200" dirty="0" smtClean="0">
+                <a:solidFill>
+                  <a:schemeClr val="tx1"/>
+                </a:solidFill>
+                <a:effectLst/>
+                <a:latin typeface="+mn-lt"/>
+                <a:ea typeface="+mn-ea"/>
+                <a:cs typeface="+mn-cs"/>
+              </a:rPr>
+              <a:t>JSX </a:t>
+            </a:r>
+            <a:r>
+              <a:rPr lang="zh-CN" altLang="en-US" sz="1200" b="0" i="0" kern="1200" dirty="0" smtClean="0">
+                <a:solidFill>
+                  <a:schemeClr val="tx1"/>
+                </a:solidFill>
+                <a:effectLst/>
+                <a:latin typeface="+mn-lt"/>
+                <a:ea typeface="+mn-ea"/>
+                <a:cs typeface="+mn-cs"/>
+              </a:rPr>
+              <a:t>语法渲染内容，</a:t>
+            </a:r>
+            <a:r>
+              <a:rPr lang="en-US" altLang="zh-CN" sz="1200" b="0" i="0" kern="1200" dirty="0" smtClean="0">
+                <a:solidFill>
+                  <a:schemeClr val="tx1"/>
+                </a:solidFill>
+                <a:effectLst/>
+                <a:latin typeface="+mn-lt"/>
+                <a:ea typeface="+mn-ea"/>
+                <a:cs typeface="+mn-cs"/>
+              </a:rPr>
+              <a:t>Vue.js </a:t>
+            </a:r>
+            <a:r>
+              <a:rPr lang="zh-CN" altLang="en-US" sz="1200" b="0" i="0" kern="1200" dirty="0" smtClean="0">
+                <a:solidFill>
+                  <a:schemeClr val="tx1"/>
+                </a:solidFill>
+                <a:effectLst/>
+                <a:latin typeface="+mn-lt"/>
+                <a:ea typeface="+mn-ea"/>
+                <a:cs typeface="+mn-cs"/>
+              </a:rPr>
+              <a:t>使用了基于 </a:t>
+            </a:r>
+            <a:r>
+              <a:rPr lang="en-US" altLang="zh-CN" sz="1200" b="0" i="0" kern="1200" dirty="0" smtClean="0">
+                <a:solidFill>
+                  <a:schemeClr val="tx1"/>
+                </a:solidFill>
+                <a:effectLst/>
+                <a:latin typeface="+mn-lt"/>
+                <a:ea typeface="+mn-ea"/>
+                <a:cs typeface="+mn-cs"/>
+              </a:rPr>
+              <a:t>HTML </a:t>
+            </a:r>
+            <a:r>
+              <a:rPr lang="zh-CN" altLang="en-US" sz="1200" b="0" i="0" kern="1200" dirty="0" smtClean="0">
+                <a:solidFill>
+                  <a:schemeClr val="tx1"/>
+                </a:solidFill>
+                <a:effectLst/>
+                <a:latin typeface="+mn-lt"/>
+                <a:ea typeface="+mn-ea"/>
+                <a:cs typeface="+mn-cs"/>
+              </a:rPr>
+              <a:t>的模板语法渲染内容</a:t>
+            </a:r>
+            <a:endParaRPr lang="en-US" altLang="zh-CN" dirty="0" smtClean="0"/>
+          </a:p>
+          <a:p>
+            <a:r>
               <a:rPr lang="en-US" altLang="zh-CN" dirty="0" smtClean="0"/>
               <a:t>React </a:t>
             </a:r>
@@ -1150,7 +1513,15 @@
           <a:p>
             <a:r>
               <a:rPr lang="en-US" altLang="zh-CN" dirty="0" smtClean="0"/>
-              <a:t>React Native – Weex </a:t>
+              <a:t>React Native – Weex(</a:t>
+            </a:r>
+            <a:r>
+              <a:rPr lang="zh-CN" altLang="en-US" dirty="0" smtClean="0"/>
+              <a:t>由阿里开源</a:t>
+            </a:r>
+            <a:r>
+              <a:rPr lang="en-US" altLang="zh-CN" dirty="0" smtClean="0"/>
+              <a:t>) </a:t>
             </a:r>
             <a:r>
               <a:rPr lang="zh-CN" altLang="en-US" dirty="0" smtClean="0"/>
@@ -2334,7 +2705,7 @@
           <a:p>
             <a:fld id="{526B8B47-29F2-4AB1-95E5-A1E1ABC128C6}" type="datetimeFigureOut">
               <a:rPr lang="zh-CN" altLang="en-US" smtClean="0"/>
-              <a:t>2018/11/4</a:t>
+              <a:t>2018/11/6</a:t>
             </a:fld>
             <a:endParaRPr lang="zh-CN" altLang="en-US"/>
           </a:p>
@@ -2504,7 +2875,7 @@
           <a:p>
             <a:fld id="{526B8B47-29F2-4AB1-95E5-A1E1ABC128C6}" type="datetimeFigureOut">
               <a:rPr lang="zh-CN" altLang="en-US" smtClean="0"/>
-              <a:t>2018/11/4</a:t>
+              <a:t>2018/11/6</a:t>
             </a:fld>
             <a:endParaRPr lang="zh-CN" altLang="en-US"/>
           </a:p>
@@ -2684,7 +3055,7 @@
           <a:p>
             <a:fld id="{526B8B47-29F2-4AB1-95E5-A1E1ABC128C6}" type="datetimeFigureOut">
               <a:rPr lang="zh-CN" altLang="en-US" smtClean="0"/>
-              <a:t>2018/11/4</a:t>
+              <a:t>2018/11/6</a:t>
             </a:fld>
             <a:endParaRPr lang="zh-CN" altLang="en-US"/>
           </a:p>
@@ -2854,7 +3225,7 @@
           <a:p>
             <a:fld id="{526B8B47-29F2-4AB1-95E5-A1E1ABC128C6}" type="datetimeFigureOut">
               <a:rPr lang="zh-CN" altLang="en-US" smtClean="0"/>
-              <a:t>2018/11/4</a:t>
+              <a:t>2018/11/6</a:t>
             </a:fld>
             <a:endParaRPr lang="zh-CN" altLang="en-US"/>
           </a:p>
@@ -3100,7 +3471,7 @@
           <a:p>
             <a:fld id="{526B8B47-29F2-4AB1-95E5-A1E1ABC128C6}" type="datetimeFigureOut">
               <a:rPr lang="zh-CN" altLang="en-US" smtClean="0"/>
-              <a:t>2018/11/4</a:t>
+              <a:t>2018/11/6</a:t>
             </a:fld>
             <a:endParaRPr lang="zh-CN" altLang="en-US"/>
           </a:p>
@@ -3332,7 +3703,7 @@
           <a:p>
             <a:fld id="{526B8B47-29F2-4AB1-95E5-A1E1ABC128C6}" type="datetimeFigureOut">
               <a:rPr lang="zh-CN" altLang="en-US" smtClean="0"/>
-              <a:t>2018/11/4</a:t>
+              <a:t>2018/11/6</a:t>
             </a:fld>
             <a:endParaRPr lang="zh-CN" altLang="en-US"/>
           </a:p>
@@ -3699,7 +4070,7 @@
           <a:p>
             <a:fld id="{526B8B47-29F2-4AB1-95E5-A1E1ABC128C6}" type="datetimeFigureOut">
               <a:rPr lang="zh-CN" altLang="en-US" smtClean="0"/>
-              <a:t>2018/11/4</a:t>
+              <a:t>2018/11/6</a:t>
             </a:fld>
             <a:endParaRPr lang="zh-CN" altLang="en-US"/>
           </a:p>
@@ -3817,7 +4188,7 @@
           <a:p>
             <a:fld id="{526B8B47-29F2-4AB1-95E5-A1E1ABC128C6}" type="datetimeFigureOut">
               <a:rPr lang="zh-CN" altLang="en-US" smtClean="0"/>
-              <a:t>2018/11/4</a:t>
+              <a:t>2018/11/6</a:t>
             </a:fld>
             <a:endParaRPr lang="zh-CN" altLang="en-US"/>
           </a:p>
@@ -3912,7 +4283,7 @@
           <a:p>
             <a:fld id="{526B8B47-29F2-4AB1-95E5-A1E1ABC128C6}" type="datetimeFigureOut">
               <a:rPr lang="zh-CN" altLang="en-US" smtClean="0"/>
-              <a:t>2018/11/4</a:t>
+              <a:t>2018/11/6</a:t>
             </a:fld>
             <a:endParaRPr lang="zh-CN" altLang="en-US"/>
           </a:p>
@@ -4189,7 +4560,7 @@
           <a:p>
             <a:fld id="{526B8B47-29F2-4AB1-95E5-A1E1ABC128C6}" type="datetimeFigureOut">
               <a:rPr lang="zh-CN" altLang="en-US" smtClean="0"/>
-              <a:t>2018/11/4</a:t>
+              <a:t>2018/11/6</a:t>
             </a:fld>
             <a:endParaRPr lang="zh-CN" altLang="en-US"/>
           </a:p>
@@ -4442,7 +4813,7 @@
           <a:p>
             <a:fld id="{526B8B47-29F2-4AB1-95E5-A1E1ABC128C6}" type="datetimeFigureOut">
               <a:rPr lang="zh-CN" altLang="en-US" smtClean="0"/>
-              <a:t>2018/11/4</a:t>
+              <a:t>2018/11/6</a:t>
             </a:fld>
             <a:endParaRPr lang="zh-CN" altLang="en-US"/>
           </a:p>
@@ -4655,7 +5026,7 @@
           <a:p>
             <a:fld id="{526B8B47-29F2-4AB1-95E5-A1E1ABC128C6}" type="datetimeFigureOut">
               <a:rPr lang="zh-CN" altLang="en-US" smtClean="0"/>
-              <a:t>2018/11/4</a:t>
+              <a:t>2018/11/6</a:t>
             </a:fld>
             <a:endParaRPr lang="zh-CN" altLang="en-US"/>
           </a:p>
@@ -5092,43 +5463,6 @@
           </a:p>
         </p:txBody>
       </p:sp>
-      <p:sp>
-        <p:nvSpPr>
-          <p:cNvPr id="4" name="AutoShape 2" descr="data:image/svg+xml;base64,PHN2ZyB4bWxucz0iaHR0cDovL3d3dy53My5vcmcvMjAwMC9zdmciIHZpZXdCb3g9Ii0xMS41IC0xMC4yMzE3NCAyMyAyMC40NjM0OCI+CiAgPHRpdGxlPlJlYWN0IExvZ288L3RpdGxlPgogIDxjaXJjbGUgY3g9IjAiIGN5PSIwIiByPSIyLjA1IiBmaWxsPSIjNjFkYWZiIi8+CiAgPGcgc3Ryb2tlPSIjNjFkYWZiIiBzdHJva2Utd2lkdGg9IjEiIGZpbGw9Im5vbmUiPgogICAgPGVsbGlwc2Ugcng9IjExIiByeT0iNC4yIi8+CiAgICA8ZWxsaXBzZSByeD0iMTEiIHJ5PSI0LjIiIHRyYW5zZm9ybT0icm90YXRlKDYwKSIvPgogICAgPGVsbGlwc2Ugcng9IjExIiByeT0iNC4yIiB0cmFuc2Zvcm09InJvdGF0ZSgxMjApIi8+CiAgPC9nPgo8L3N2Zz4K"/>
-          <p:cNvSpPr>
-            <a:spLocks noGrp="1" noChangeAspect="1" noChangeArrowheads="1"/>
-          </p:cNvSpPr>
-          <p:nvPr>
-            <p:ph type="subTitle" idx="1"/>
-          </p:nvPr>
-        </p:nvSpPr>
-        <p:spPr bwMode="auto">
-          <a:prstGeom prst="rect">
-            <a:avLst/>
-          </a:prstGeom>
-          <a:noFill/>
-          <a:extLst>
-            <a:ext uri="{909E8E84-426E-40DD-AFC4-6F175D3DCCD1}">
-              <a14:hiddenFill xmlns:a14="http://schemas.microsoft.com/office/drawing/2010/main">
-                <a:solidFill>
-                  <a:srgbClr val="FFFFFF"/>
-                </a:solidFill>
-              </a14:hiddenFill>
-            </a:ext>
-          </a:extLst>
-        </p:spPr>
-        <p:txBody>
-          <a:bodyPr vert="horz" wrap="square" lIns="91440" tIns="45720" rIns="91440" bIns="45720" numCol="1" anchor="t" anchorCtr="0" compatLnSpc="1">
-            <a:prstTxWarp prst="textNoShape">
-              <a:avLst/>
-            </a:prstTxWarp>
-          </a:bodyPr>
-          <a:lstStyle/>
-          <a:p>
-            <a:endParaRPr lang="zh-CN" altLang="en-US" dirty="0"/>
-          </a:p>
-        </p:txBody>
-      </p:sp>
       <p:pic>
         <p:nvPicPr>
           <p:cNvPr id="7" name="图片 6"/>
@@ -9709,10 +10043,13 @@
             </a:r>
             <a:r>
               <a:rPr lang="en-US" altLang="zh-CN" dirty="0" smtClean="0"/>
-              <a:t>“</a:t>
-            </a:r>
-          </a:p>
-          <a:p>
+              <a:t>" </a:t>
+            </a:r>
+          </a:p>
+          <a:p>
+            <a:pPr marL="0" indent="0">
+              <a:buNone/>
+            </a:pPr>
             <a:endParaRPr lang="en-US" altLang="zh-CN" dirty="0"/>
           </a:p>
           <a:p>
@@ -10243,249 +10580,6 @@
       </p:grpSpPr>
       <p:sp>
         <p:nvSpPr>
-          <p:cNvPr id="2" name="标题 1"/>
-          <p:cNvSpPr>
-            <a:spLocks noGrp="1"/>
-          </p:cNvSpPr>
-          <p:nvPr>
-            <p:ph type="title"/>
-          </p:nvPr>
-        </p:nvSpPr>
-        <p:spPr>
-          <a:xfrm>
-            <a:off x="838200" y="365125"/>
-            <a:ext cx="5181600" cy="1325563"/>
-          </a:xfrm>
-        </p:spPr>
-        <p:txBody>
-          <a:bodyPr/>
-          <a:lstStyle/>
-          <a:p>
-            <a:r>
-              <a:rPr lang="en-US" altLang="zh-CN" dirty="0" smtClean="0"/>
-              <a:t>3.4 Immutable.js </a:t>
-            </a:r>
-            <a:endParaRPr lang="zh-CN" altLang="en-US" dirty="0"/>
-          </a:p>
-        </p:txBody>
-      </p:sp>
-      <p:sp>
-        <p:nvSpPr>
-          <p:cNvPr id="3" name="内容占位符 2"/>
-          <p:cNvSpPr>
-            <a:spLocks noGrp="1"/>
-          </p:cNvSpPr>
-          <p:nvPr>
-            <p:ph sz="half" idx="1"/>
-          </p:nvPr>
-        </p:nvSpPr>
-        <p:spPr>
-          <a:xfrm>
-            <a:off x="838199" y="1825625"/>
-            <a:ext cx="10048875" cy="4351338"/>
-          </a:xfrm>
-        </p:spPr>
-        <p:txBody>
-          <a:bodyPr/>
-          <a:lstStyle/>
-          <a:p>
-            <a:r>
-              <a:rPr lang="en-US" altLang="zh-CN" dirty="0" smtClean="0"/>
-              <a:t>“</a:t>
-            </a:r>
-            <a:r>
-              <a:rPr lang="en-US" altLang="zh-CN" dirty="0"/>
-              <a:t>Shared mutable state is the root of all evil</a:t>
-            </a:r>
-            <a:r>
-              <a:rPr lang="en-US" altLang="zh-CN" dirty="0" smtClean="0"/>
-              <a:t>”</a:t>
-            </a:r>
-          </a:p>
-          <a:p>
-            <a:pPr lvl="1"/>
-            <a:r>
-              <a:rPr lang="zh-CN" altLang="en-US" dirty="0"/>
-              <a:t>共享的可变状态是万恶之</a:t>
-            </a:r>
-            <a:r>
-              <a:rPr lang="zh-CN" altLang="en-US" dirty="0" smtClean="0"/>
-              <a:t>源</a:t>
-            </a:r>
-            <a:endParaRPr lang="en-US" altLang="zh-CN" dirty="0" smtClean="0"/>
-          </a:p>
-          <a:p>
-            <a:pPr lvl="1"/>
-            <a:r>
-              <a:rPr lang="en-US" altLang="zh-CN" dirty="0">
-                <a:latin typeface="Consolas" panose="020B0609020204030204" pitchFamily="49" charset="0"/>
-              </a:rPr>
-              <a:t>foo={a: 1}; bar=foo; </a:t>
-            </a:r>
-            <a:r>
-              <a:rPr lang="en-US" altLang="zh-CN" dirty="0" err="1" smtClean="0">
-                <a:latin typeface="Consolas" panose="020B0609020204030204" pitchFamily="49" charset="0"/>
-              </a:rPr>
-              <a:t>bar.a</a:t>
-            </a:r>
-            <a:r>
-              <a:rPr lang="en-US" altLang="zh-CN" dirty="0" smtClean="0">
-                <a:latin typeface="Consolas" panose="020B0609020204030204" pitchFamily="49" charset="0"/>
-              </a:rPr>
-              <a:t>=2</a:t>
-            </a:r>
-          </a:p>
-          <a:p>
-            <a:r>
-              <a:rPr lang="en-US" altLang="zh-CN" dirty="0"/>
-              <a:t>Immutable Data </a:t>
-            </a:r>
-            <a:r>
-              <a:rPr lang="zh-CN" altLang="en-US" dirty="0" smtClean="0"/>
-              <a:t>是</a:t>
-            </a:r>
-            <a:r>
-              <a:rPr lang="zh-CN" altLang="en-US" dirty="0"/>
-              <a:t>一旦</a:t>
-            </a:r>
-            <a:r>
-              <a:rPr lang="zh-CN" altLang="en-US" dirty="0" smtClean="0"/>
-              <a:t>创建就</a:t>
-            </a:r>
-            <a:r>
-              <a:rPr lang="zh-CN" altLang="en-US" dirty="0"/>
-              <a:t>不能</a:t>
-            </a:r>
-            <a:r>
-              <a:rPr lang="zh-CN" altLang="en-US" dirty="0" smtClean="0"/>
-              <a:t>再更改</a:t>
-            </a:r>
-            <a:r>
-              <a:rPr lang="zh-CN" altLang="en-US" dirty="0"/>
-              <a:t>的</a:t>
-            </a:r>
-            <a:r>
-              <a:rPr lang="zh-CN" altLang="en-US" dirty="0" smtClean="0"/>
-              <a:t>数据</a:t>
-            </a:r>
-            <a:endParaRPr lang="en-US" altLang="zh-CN" dirty="0" smtClean="0"/>
-          </a:p>
-          <a:p>
-            <a:r>
-              <a:rPr lang="zh-CN" altLang="en-US" dirty="0"/>
-              <a:t>对 </a:t>
-            </a:r>
-            <a:r>
-              <a:rPr lang="en-US" altLang="zh-CN" dirty="0"/>
-              <a:t>Immutable </a:t>
-            </a:r>
-            <a:r>
-              <a:rPr lang="zh-CN" altLang="en-US" dirty="0"/>
-              <a:t>对象的任何</a:t>
-            </a:r>
-            <a:r>
-              <a:rPr lang="zh-CN" altLang="en-US" dirty="0" smtClean="0"/>
-              <a:t>修改都会</a:t>
-            </a:r>
-            <a:r>
-              <a:rPr lang="zh-CN" altLang="en-US" dirty="0"/>
-              <a:t>返回一个新的 </a:t>
-            </a:r>
-            <a:r>
-              <a:rPr lang="en-US" altLang="zh-CN" dirty="0"/>
-              <a:t>Immutable </a:t>
-            </a:r>
-            <a:r>
-              <a:rPr lang="zh-CN" altLang="en-US" dirty="0" smtClean="0"/>
-              <a:t>对象</a:t>
-            </a:r>
-            <a:endParaRPr lang="en-US" altLang="zh-CN" dirty="0" smtClean="0"/>
-          </a:p>
-          <a:p>
-            <a:r>
-              <a:rPr lang="en-US" altLang="zh-CN" dirty="0" smtClean="0"/>
-              <a:t>Immutable.js </a:t>
-            </a:r>
-            <a:r>
-              <a:rPr lang="zh-CN" altLang="en-US" dirty="0" smtClean="0"/>
-              <a:t>避免了深拷贝把</a:t>
-            </a:r>
-            <a:r>
-              <a:rPr lang="zh-CN" altLang="en-US" dirty="0"/>
-              <a:t>所有节点都复制一遍带来的性能损耗</a:t>
-            </a:r>
-            <a:endParaRPr lang="en-US" altLang="zh-CN" dirty="0" smtClean="0"/>
-          </a:p>
-          <a:p>
-            <a:endParaRPr lang="en-US" altLang="zh-CN" dirty="0" smtClean="0"/>
-          </a:p>
-        </p:txBody>
-      </p:sp>
-      <p:pic>
-        <p:nvPicPr>
-          <p:cNvPr id="5" name="内容占位符 4"/>
-          <p:cNvPicPr>
-            <a:picLocks noGrp="1" noChangeAspect="1"/>
-          </p:cNvPicPr>
-          <p:nvPr>
-            <p:ph sz="half" idx="2"/>
-          </p:nvPr>
-        </p:nvPicPr>
-        <p:blipFill>
-          <a:blip r:embed="rId2"/>
-          <a:stretch>
-            <a:fillRect/>
-          </a:stretch>
-        </p:blipFill>
-        <p:spPr>
-          <a:xfrm>
-            <a:off x="6638925" y="665956"/>
-            <a:ext cx="4248150" cy="723900"/>
-          </a:xfrm>
-          <a:prstGeom prst="rect">
-            <a:avLst/>
-          </a:prstGeom>
-        </p:spPr>
-      </p:pic>
-    </p:spTree>
-    <p:extLst>
-      <p:ext uri="{BB962C8B-B14F-4D97-AF65-F5344CB8AC3E}">
-        <p14:creationId xmlns:p14="http://schemas.microsoft.com/office/powerpoint/2010/main" val="982817546"/>
-      </p:ext>
-    </p:extLst>
-  </p:cSld>
-  <p:clrMapOvr>
-    <a:masterClrMapping/>
-  </p:clrMapOvr>
-  <p:timing>
-    <p:tnLst>
-      <p:par>
-        <p:cTn id="1" dur="indefinite" restart="never" nodeType="tmRoot"/>
-      </p:par>
-    </p:tnLst>
-  </p:timing>
-</p:sld>
-</file>
-
-<file path=ppt/slides/slide28.xml><?xml version="1.0" encoding="utf-8"?>
-<p:sld xmlns:a="http://schemas.openxmlformats.org/drawingml/2006/main" xmlns:r="http://schemas.openxmlformats.org/officeDocument/2006/relationships" xmlns:p="http://schemas.openxmlformats.org/presentationml/2006/main">
-  <p:cSld>
-    <p:spTree>
-      <p:nvGrpSpPr>
-        <p:cNvPr id="1" name=""/>
-        <p:cNvGrpSpPr/>
-        <p:nvPr/>
-      </p:nvGrpSpPr>
-      <p:grpSpPr>
-        <a:xfrm>
-          <a:off x="0" y="0"/>
-          <a:ext cx="0" cy="0"/>
-          <a:chOff x="0" y="0"/>
-          <a:chExt cx="0" cy="0"/>
-        </a:xfrm>
-      </p:grpSpPr>
-      <p:sp>
-        <p:nvSpPr>
           <p:cNvPr id="5" name="标题 4"/>
           <p:cNvSpPr>
             <a:spLocks noGrp="1"/>
@@ -10771,7 +10865,7 @@
             </a:r>
             <a:r>
               <a:rPr lang="zh-CN" altLang="en-US" dirty="0" smtClean="0"/>
-              <a:t>库</a:t>
+              <a:t>框架</a:t>
             </a:r>
             <a:endParaRPr lang="en-US" altLang="zh-CN" dirty="0" smtClean="0"/>
           </a:p>
@@ -11503,7 +11597,7 @@
         </p:spPr>
         <p:txBody>
           <a:bodyPr vert="horz" lIns="91440" tIns="45720" rIns="91440" bIns="45720" rtlCol="0">
-            <a:normAutofit/>
+            <a:normAutofit lnSpcReduction="10000"/>
           </a:bodyPr>
           <a:lstStyle>
             <a:lvl1pPr marL="228600" indent="-228600" algn="l" defTabSz="914400" rtl="0" eaLnBrk="1" latinLnBrk="0" hangingPunct="1">
@@ -11822,14 +11916,21 @@
               <a:rPr lang="en-US" altLang="zh-CN" dirty="0" smtClean="0"/>
               <a:t>: </a:t>
             </a:r>
-            <a:r>
-              <a:rPr lang="en-US" altLang="zh-CN" dirty="0" smtClean="0">
+          </a:p>
+          <a:p>
+            <a:pPr lvl="1"/>
+            <a:r>
+              <a:rPr lang="en-US" altLang="zh-CN" dirty="0" smtClean="0"/>
+              <a:t>JSX: </a:t>
+            </a:r>
+            <a:r>
+              <a:rPr lang="en-US" altLang="zh-CN" sz="2300" dirty="0" smtClean="0">
                 <a:latin typeface="Consolas" panose="020B0609020204030204" pitchFamily="49" charset="0"/>
               </a:rPr>
               <a:t>&lt;button </a:t>
             </a:r>
             <a:r>
-              <a:rPr lang="en-US" altLang="zh-CN" dirty="0" err="1" smtClean="0">
+              <a:rPr lang="en-US" altLang="zh-CN" sz="2300" dirty="0" smtClean="0">
                 <a:solidFill>
                   <a:srgbClr val="FF0000"/>
                 </a:solidFill>
@@ -11838,35 +11939,106 @@
               <a:t>onClick</a:t>
             </a:r>
             <a:r>
-              <a:rPr lang="en-US" altLang="zh-CN" dirty="0" smtClean="0">
-                <a:latin typeface="Consolas" panose="020B0609020204030204" pitchFamily="49" charset="0"/>
-              </a:rPr>
-              <a:t>={</a:t>
-            </a:r>
-            <a:r>
-              <a:rPr lang="en-US" altLang="zh-CN" dirty="0" err="1" smtClean="0">
-                <a:latin typeface="Consolas" panose="020B0609020204030204" pitchFamily="49" charset="0"/>
-              </a:rPr>
-              <a:t>func</a:t>
-            </a:r>
-            <a:r>
-              <a:rPr lang="en-US" altLang="zh-CN" dirty="0" smtClean="0">
-                <a:latin typeface="Consolas" panose="020B0609020204030204" pitchFamily="49" charset="0"/>
-              </a:rPr>
-              <a:t>}&gt;</a:t>
-            </a:r>
-            <a:r>
-              <a:rPr lang="en-US" altLang="zh-CN" dirty="0" err="1" smtClean="0">
-                <a:latin typeface="Consolas" panose="020B0609020204030204" pitchFamily="49" charset="0"/>
-              </a:rPr>
-              <a:t>btn</a:t>
-            </a:r>
-            <a:r>
-              <a:rPr lang="en-US" altLang="zh-CN" dirty="0" smtClean="0">
-                <a:latin typeface="Consolas" panose="020B0609020204030204" pitchFamily="49" charset="0"/>
-              </a:rPr>
-              <a:t>&lt;/button&gt;</a:t>
-            </a:r>
+              <a:rPr lang="en-US" altLang="zh-CN" sz="2300" dirty="0" smtClean="0">
+                <a:latin typeface="Consolas" panose="020B0609020204030204" pitchFamily="49" charset="0"/>
+              </a:rPr>
+              <a:t>=</a:t>
+            </a:r>
+            <a:r>
+              <a:rPr lang="en-US" altLang="zh-CN" sz="2300" dirty="0" smtClean="0">
+                <a:solidFill>
+                  <a:srgbClr val="FF0000"/>
+                </a:solidFill>
+                <a:latin typeface="Consolas" panose="020B0609020204030204" pitchFamily="49" charset="0"/>
+              </a:rPr>
+              <a:t>{</a:t>
+            </a:r>
+            <a:r>
+              <a:rPr lang="en-US" altLang="zh-CN" sz="2300" dirty="0" smtClean="0">
+                <a:latin typeface="Consolas" panose="020B0609020204030204" pitchFamily="49" charset="0"/>
+              </a:rPr>
+              <a:t>() =&gt; this.handleClick()</a:t>
+            </a:r>
+            <a:r>
+              <a:rPr lang="en-US" altLang="zh-CN" sz="2300" dirty="0" smtClean="0">
+                <a:solidFill>
+                  <a:srgbClr val="FF0000"/>
+                </a:solidFill>
+                <a:latin typeface="Consolas" panose="020B0609020204030204" pitchFamily="49" charset="0"/>
+              </a:rPr>
+              <a:t>}</a:t>
+            </a:r>
+            <a:r>
+              <a:rPr lang="en-US" altLang="zh-CN" sz="2300" dirty="0" smtClean="0">
+                <a:latin typeface="Consolas" panose="020B0609020204030204" pitchFamily="49" charset="0"/>
+              </a:rPr>
+              <a:t>&gt;btn&lt;/button&gt;</a:t>
+            </a:r>
+          </a:p>
+          <a:p>
+            <a:pPr lvl="1"/>
+            <a:r>
+              <a:rPr lang="en-US" altLang="zh-CN" dirty="0" smtClean="0"/>
+              <a:t>HTML: </a:t>
+            </a:r>
+            <a:r>
+              <a:rPr lang="en-US" altLang="zh-CN" sz="2300" dirty="0" smtClean="0">
+                <a:latin typeface="Consolas" panose="020B0609020204030204" pitchFamily="49" charset="0"/>
+              </a:rPr>
+              <a:t>&lt;button </a:t>
+            </a:r>
+            <a:r>
+              <a:rPr lang="en-US" altLang="zh-CN" sz="2300" dirty="0" smtClean="0">
+                <a:solidFill>
+                  <a:srgbClr val="FF0000"/>
+                </a:solidFill>
+                <a:latin typeface="Consolas" panose="020B0609020204030204" pitchFamily="49" charset="0"/>
+              </a:rPr>
+              <a:t>onclick</a:t>
+            </a:r>
+            <a:r>
+              <a:rPr lang="en-US" altLang="zh-CN" sz="2300" dirty="0" smtClean="0">
+                <a:latin typeface="Consolas" panose="020B0609020204030204" pitchFamily="49" charset="0"/>
+              </a:rPr>
+              <a:t>=</a:t>
+            </a:r>
+            <a:r>
+              <a:rPr lang="en-US" altLang="zh-CN" sz="2300" dirty="0">
+                <a:solidFill>
+                  <a:srgbClr val="FF0000"/>
+                </a:solidFill>
+                <a:latin typeface="Consolas" panose="020B0609020204030204" pitchFamily="49" charset="0"/>
+              </a:rPr>
+              <a:t>"</a:t>
+            </a:r>
+            <a:r>
+              <a:rPr lang="en-US" altLang="zh-CN" sz="2300" dirty="0" smtClean="0">
+                <a:latin typeface="Consolas" panose="020B0609020204030204" pitchFamily="49" charset="0"/>
+              </a:rPr>
+              <a:t>handleClick</a:t>
+            </a:r>
+            <a:r>
+              <a:rPr lang="en-US" altLang="zh-CN" sz="2300" dirty="0">
+                <a:solidFill>
+                  <a:srgbClr val="FF0000"/>
+                </a:solidFill>
+                <a:latin typeface="Consolas" panose="020B0609020204030204" pitchFamily="49" charset="0"/>
+              </a:rPr>
+              <a:t>"</a:t>
+            </a:r>
+            <a:r>
+              <a:rPr lang="en-US" altLang="zh-CN" sz="2300" dirty="0" smtClean="0">
+                <a:latin typeface="Consolas" panose="020B0609020204030204" pitchFamily="49" charset="0"/>
+              </a:rPr>
+              <a:t>&gt;btn&lt;/button&gt;</a:t>
+            </a:r>
+            <a:endParaRPr lang="en-US" altLang="zh-CN" sz="2300" dirty="0" smtClean="0"/>
+          </a:p>
+          <a:p>
+            <a:pPr lvl="1"/>
+            <a:endParaRPr lang="en-US" altLang="zh-CN" dirty="0" smtClean="0">
+              <a:latin typeface="Consolas" panose="020B0609020204030204" pitchFamily="49" charset="0"/>
+            </a:endParaRPr>
           </a:p>
           <a:p>
             <a:pPr lvl="1"/>

--- a/slides/React 入门.pptx
+++ b/slides/React 入门.pptx
@@ -757,7 +757,7 @@
                 <a:ea typeface="+mn-ea"/>
                 <a:cs typeface="+mn-cs"/>
               </a:rPr>
-              <a:t>key</a:t>
+              <a:t>Key </a:t>
             </a:r>
             <a:r>
               <a:rPr lang="zh-CN" altLang="en-US" sz="1200" b="0" i="0" kern="1200" dirty="0" smtClean="0">
@@ -769,10 +769,10 @@
                 <a:ea typeface="+mn-ea"/>
                 <a:cs typeface="+mn-cs"/>
               </a:rPr>
-              <a:t>相同，若组件属性有所变化，则</a:t>
-            </a:r>
-            <a:r>
-              <a:rPr lang="en-US" altLang="zh-CN" sz="1200" b="0" i="0" kern="1200" dirty="0" smtClean="0">
+              <a:t>相</a:t>
+            </a:r>
+            <a:r>
+              <a:rPr lang="zh-CN" altLang="en-US" sz="1200" b="0" i="0" kern="1200" dirty="0" smtClean="0">
                 <a:solidFill>
                   <a:schemeClr val="tx1"/>
                 </a:solidFill>
@@ -781,10 +781,10 @@
                 <a:ea typeface="+mn-ea"/>
                 <a:cs typeface="+mn-cs"/>
               </a:rPr>
-              <a:t>react</a:t>
-            </a:r>
-            <a:r>
-              <a:rPr lang="zh-CN" altLang="en-US" sz="1200" b="0" i="0" kern="1200" dirty="0" smtClean="0">
+              <a:t>同，若组件属性有所变化，则</a:t>
+            </a:r>
+            <a:r>
+              <a:rPr lang="en-US" altLang="zh-CN" sz="1200" b="0" i="0" kern="1200" dirty="0" smtClean="0">
                 <a:solidFill>
                   <a:schemeClr val="tx1"/>
                 </a:solidFill>
@@ -793,12 +793,10 @@
                 <a:ea typeface="+mn-ea"/>
                 <a:cs typeface="+mn-cs"/>
               </a:rPr>
-              <a:t>只更新组件对应的属性；没有变化则不更新。</a:t>
-            </a:r>
-          </a:p>
-          <a:p>
-            <a:r>
-              <a:rPr lang="en-US" altLang="zh-CN" sz="1200" b="0" i="0" kern="1200" dirty="0" smtClean="0">
+              <a:t>react</a:t>
+            </a:r>
+            <a:r>
+              <a:rPr lang="zh-CN" altLang="en-US" sz="1200" b="0" i="0" kern="1200" dirty="0" smtClean="0">
                 <a:solidFill>
                   <a:schemeClr val="tx1"/>
                 </a:solidFill>
@@ -807,10 +805,12 @@
                 <a:ea typeface="+mn-ea"/>
                 <a:cs typeface="+mn-cs"/>
               </a:rPr>
-              <a:t>key</a:t>
-            </a:r>
-            <a:r>
-              <a:rPr lang="zh-CN" altLang="en-US" sz="1200" b="0" i="0" kern="1200" dirty="0" smtClean="0">
+              <a:t>只更新组件对应的属性；没有变化则不更新。</a:t>
+            </a:r>
+          </a:p>
+          <a:p>
+            <a:r>
+              <a:rPr lang="en-US" altLang="zh-CN" sz="1200" b="0" i="0" kern="1200" dirty="0" smtClean="0">
                 <a:solidFill>
                   <a:schemeClr val="tx1"/>
                 </a:solidFill>
@@ -819,7 +819,31 @@
                 <a:ea typeface="+mn-ea"/>
                 <a:cs typeface="+mn-cs"/>
               </a:rPr>
-              <a:t>值不同，则</a:t>
+              <a:t>Key </a:t>
+            </a:r>
+            <a:r>
+              <a:rPr lang="zh-CN" altLang="en-US" sz="1200" b="0" i="0" kern="1200" dirty="0" smtClean="0">
+                <a:solidFill>
+                  <a:schemeClr val="tx1"/>
+                </a:solidFill>
+                <a:effectLst/>
+                <a:latin typeface="+mn-lt"/>
+                <a:ea typeface="+mn-ea"/>
+                <a:cs typeface="+mn-cs"/>
+              </a:rPr>
+              <a:t>值</a:t>
+            </a:r>
+            <a:r>
+              <a:rPr lang="zh-CN" altLang="en-US" sz="1200" b="0" i="0" kern="1200" dirty="0" smtClean="0">
+                <a:solidFill>
+                  <a:schemeClr val="tx1"/>
+                </a:solidFill>
+                <a:effectLst/>
+                <a:latin typeface="+mn-lt"/>
+                <a:ea typeface="+mn-ea"/>
+                <a:cs typeface="+mn-cs"/>
+              </a:rPr>
+              <a:t>不同，则</a:t>
             </a:r>
             <a:r>
               <a:rPr lang="en-US" altLang="zh-CN" sz="1200" b="0" i="0" kern="1200" dirty="0" smtClean="0">
@@ -857,7 +881,7 @@
           </a:p>
           <a:p>
             <a:r>
-              <a:rPr lang="en-US" altLang="zh-CN" sz="1200" b="0" i="0" kern="1200" dirty="0" smtClean="0">
+              <a:rPr lang="en-US" altLang="zh-CN" sz="1200" b="0" i="0" kern="1200" smtClean="0">
                 <a:solidFill>
                   <a:schemeClr val="tx1"/>
                 </a:solidFill>
@@ -866,10 +890,10 @@
                 <a:ea typeface="+mn-ea"/>
                 <a:cs typeface="+mn-cs"/>
               </a:rPr>
-              <a:t>key</a:t>
-            </a:r>
-            <a:r>
-              <a:rPr lang="zh-CN" altLang="en-US" sz="1200" b="0" i="0" kern="1200" dirty="0" smtClean="0">
+              <a:t>Key </a:t>
+            </a:r>
+            <a:r>
+              <a:rPr lang="zh-CN" altLang="en-US" sz="1200" b="0" i="0" kern="1200" smtClean="0">
                 <a:solidFill>
                   <a:schemeClr val="tx1"/>
                 </a:solidFill>
@@ -878,7 +902,19 @@
                 <a:ea typeface="+mn-ea"/>
                 <a:cs typeface="+mn-cs"/>
               </a:rPr>
-              <a:t>不是用来提升</a:t>
+              <a:t>不</a:t>
+            </a:r>
+            <a:r>
+              <a:rPr lang="zh-CN" altLang="en-US" sz="1200" b="0" i="0" kern="1200" dirty="0" smtClean="0">
+                <a:solidFill>
+                  <a:schemeClr val="tx1"/>
+                </a:solidFill>
+                <a:effectLst/>
+                <a:latin typeface="+mn-lt"/>
+                <a:ea typeface="+mn-ea"/>
+                <a:cs typeface="+mn-cs"/>
+              </a:rPr>
+              <a:t>是用来提升</a:t>
             </a:r>
             <a:r>
               <a:rPr lang="en-US" altLang="zh-CN" sz="1200" b="0" i="0" kern="1200" dirty="0" smtClean="0">

--- a/slides/React 入门.pptx
+++ b/slides/React 入门.pptx
@@ -5,7 +5,7 @@
     <p:sldMasterId id="2147483648" r:id="rId1"/>
   </p:sldMasterIdLst>
   <p:notesMasterIdLst>
-    <p:notesMasterId r:id="rId29"/>
+    <p:notesMasterId r:id="rId30"/>
   </p:notesMasterIdLst>
   <p:sldIdLst>
     <p:sldId id="256" r:id="rId2"/>
@@ -21,20 +21,21 @@
     <p:sldId id="266" r:id="rId12"/>
     <p:sldId id="267" r:id="rId13"/>
     <p:sldId id="268" r:id="rId14"/>
-    <p:sldId id="269" r:id="rId15"/>
-    <p:sldId id="270" r:id="rId16"/>
-    <p:sldId id="271" r:id="rId17"/>
-    <p:sldId id="272" r:id="rId18"/>
-    <p:sldId id="282" r:id="rId19"/>
-    <p:sldId id="283" r:id="rId20"/>
-    <p:sldId id="273" r:id="rId21"/>
-    <p:sldId id="274" r:id="rId22"/>
-    <p:sldId id="275" r:id="rId23"/>
-    <p:sldId id="276" r:id="rId24"/>
-    <p:sldId id="277" r:id="rId25"/>
-    <p:sldId id="278" r:id="rId26"/>
-    <p:sldId id="279" r:id="rId27"/>
-    <p:sldId id="281" r:id="rId28"/>
+    <p:sldId id="284" r:id="rId15"/>
+    <p:sldId id="269" r:id="rId16"/>
+    <p:sldId id="270" r:id="rId17"/>
+    <p:sldId id="271" r:id="rId18"/>
+    <p:sldId id="272" r:id="rId19"/>
+    <p:sldId id="282" r:id="rId20"/>
+    <p:sldId id="283" r:id="rId21"/>
+    <p:sldId id="273" r:id="rId22"/>
+    <p:sldId id="274" r:id="rId23"/>
+    <p:sldId id="275" r:id="rId24"/>
+    <p:sldId id="276" r:id="rId25"/>
+    <p:sldId id="277" r:id="rId26"/>
+    <p:sldId id="278" r:id="rId27"/>
+    <p:sldId id="279" r:id="rId28"/>
+    <p:sldId id="281" r:id="rId29"/>
   </p:sldIdLst>
   <p:sldSz cx="12192000" cy="6858000"/>
   <p:notesSz cx="6858000" cy="9144000"/>
@@ -643,27 +644,26 @@
           <a:bodyPr/>
           <a:lstStyle/>
           <a:p>
-            <a:r>
-              <a:rPr lang="zh-CN" altLang="en-US" dirty="0" smtClean="0"/>
-              <a:t>目前被 </a:t>
-            </a:r>
-            <a:r>
-              <a:rPr lang="en-US" altLang="zh-CN" dirty="0" smtClean="0"/>
-              <a:t>deprecate </a:t>
-            </a:r>
-            <a:r>
-              <a:rPr lang="zh-CN" altLang="en-US" dirty="0" smtClean="0"/>
-              <a:t>的 </a:t>
-            </a:r>
-            <a:r>
-              <a:rPr lang="en-US" altLang="zh-CN" dirty="0" smtClean="0"/>
-              <a:t>3 </a:t>
-            </a:r>
-            <a:r>
-              <a:rPr lang="zh-CN" altLang="en-US" dirty="0" smtClean="0"/>
-              <a:t>个生命周期函数目前还能使用，但是只要用了，开发模式下会有红色警告</a:t>
-            </a:r>
-            <a:endParaRPr lang="zh-CN" altLang="en-US" dirty="0"/>
+            <a:pPr marL="0" marR="0" indent="0" algn="l" defTabSz="914400" rtl="0" eaLnBrk="1" fontAlgn="auto" latinLnBrk="0" hangingPunct="1">
+              <a:lnSpc>
+                <a:spcPct val="100000"/>
+              </a:lnSpc>
+              <a:spcBef>
+                <a:spcPts val="0"/>
+              </a:spcBef>
+              <a:spcAft>
+                <a:spcPts val="0"/>
+              </a:spcAft>
+              <a:buClrTx/>
+              <a:buSzTx/>
+              <a:buFontTx/>
+              <a:buNone/>
+              <a:tabLst/>
+              <a:defRPr/>
+            </a:pPr>
+            <a:endParaRPr lang="en-US" altLang="zh-CN" sz="1200" dirty="0" smtClean="0">
+              <a:latin typeface="Consolas" panose="020B0609020204030204" pitchFamily="49" charset="0"/>
+            </a:endParaRPr>
           </a:p>
         </p:txBody>
       </p:sp>
@@ -693,7 +693,7 @@
     </p:spTree>
     <p:extLst>
       <p:ext uri="{BB962C8B-B14F-4D97-AF65-F5344CB8AC3E}">
-        <p14:creationId xmlns:p14="http://schemas.microsoft.com/office/powerpoint/2010/main" val="237909181"/>
+        <p14:creationId xmlns:p14="http://schemas.microsoft.com/office/powerpoint/2010/main" val="2629392671"/>
       </p:ext>
     </p:extLst>
   </p:cSld>
@@ -748,221 +748,20 @@
           <a:lstStyle/>
           <a:p>
             <a:r>
-              <a:rPr lang="en-US" altLang="zh-CN" sz="1200" b="0" i="0" kern="1200" dirty="0" smtClean="0">
-                <a:solidFill>
-                  <a:schemeClr val="tx1"/>
-                </a:solidFill>
-                <a:effectLst/>
-                <a:latin typeface="+mn-lt"/>
-                <a:ea typeface="+mn-ea"/>
-                <a:cs typeface="+mn-cs"/>
-              </a:rPr>
-              <a:t>Key </a:t>
-            </a:r>
-            <a:r>
-              <a:rPr lang="zh-CN" altLang="en-US" sz="1200" b="0" i="0" kern="1200" dirty="0" smtClean="0">
-                <a:solidFill>
-                  <a:schemeClr val="tx1"/>
-                </a:solidFill>
-                <a:effectLst/>
-                <a:latin typeface="+mn-lt"/>
-                <a:ea typeface="+mn-ea"/>
-                <a:cs typeface="+mn-cs"/>
-              </a:rPr>
-              <a:t>相</a:t>
-            </a:r>
-            <a:r>
-              <a:rPr lang="zh-CN" altLang="en-US" sz="1200" b="0" i="0" kern="1200" dirty="0" smtClean="0">
-                <a:solidFill>
-                  <a:schemeClr val="tx1"/>
-                </a:solidFill>
-                <a:effectLst/>
-                <a:latin typeface="+mn-lt"/>
-                <a:ea typeface="+mn-ea"/>
-                <a:cs typeface="+mn-cs"/>
-              </a:rPr>
-              <a:t>同，若组件属性有所变化，则</a:t>
-            </a:r>
-            <a:r>
-              <a:rPr lang="en-US" altLang="zh-CN" sz="1200" b="0" i="0" kern="1200" dirty="0" smtClean="0">
-                <a:solidFill>
-                  <a:schemeClr val="tx1"/>
-                </a:solidFill>
-                <a:effectLst/>
-                <a:latin typeface="+mn-lt"/>
-                <a:ea typeface="+mn-ea"/>
-                <a:cs typeface="+mn-cs"/>
-              </a:rPr>
-              <a:t>react</a:t>
-            </a:r>
-            <a:r>
-              <a:rPr lang="zh-CN" altLang="en-US" sz="1200" b="0" i="0" kern="1200" dirty="0" smtClean="0">
-                <a:solidFill>
-                  <a:schemeClr val="tx1"/>
-                </a:solidFill>
-                <a:effectLst/>
-                <a:latin typeface="+mn-lt"/>
-                <a:ea typeface="+mn-ea"/>
-                <a:cs typeface="+mn-cs"/>
-              </a:rPr>
-              <a:t>只更新组件对应的属性；没有变化则不更新。</a:t>
-            </a:r>
-          </a:p>
-          <a:p>
-            <a:r>
-              <a:rPr lang="en-US" altLang="zh-CN" sz="1200" b="0" i="0" kern="1200" dirty="0" smtClean="0">
-                <a:solidFill>
-                  <a:schemeClr val="tx1"/>
-                </a:solidFill>
-                <a:effectLst/>
-                <a:latin typeface="+mn-lt"/>
-                <a:ea typeface="+mn-ea"/>
-                <a:cs typeface="+mn-cs"/>
-              </a:rPr>
-              <a:t>Key </a:t>
-            </a:r>
-            <a:r>
-              <a:rPr lang="zh-CN" altLang="en-US" sz="1200" b="0" i="0" kern="1200" dirty="0" smtClean="0">
-                <a:solidFill>
-                  <a:schemeClr val="tx1"/>
-                </a:solidFill>
-                <a:effectLst/>
-                <a:latin typeface="+mn-lt"/>
-                <a:ea typeface="+mn-ea"/>
-                <a:cs typeface="+mn-cs"/>
-              </a:rPr>
-              <a:t>值</a:t>
-            </a:r>
-            <a:r>
-              <a:rPr lang="zh-CN" altLang="en-US" sz="1200" b="0" i="0" kern="1200" dirty="0" smtClean="0">
-                <a:solidFill>
-                  <a:schemeClr val="tx1"/>
-                </a:solidFill>
-                <a:effectLst/>
-                <a:latin typeface="+mn-lt"/>
-                <a:ea typeface="+mn-ea"/>
-                <a:cs typeface="+mn-cs"/>
-              </a:rPr>
-              <a:t>不同，则</a:t>
-            </a:r>
-            <a:r>
-              <a:rPr lang="en-US" altLang="zh-CN" sz="1200" b="0" i="0" kern="1200" dirty="0" smtClean="0">
-                <a:solidFill>
-                  <a:schemeClr val="tx1"/>
-                </a:solidFill>
-                <a:effectLst/>
-                <a:latin typeface="+mn-lt"/>
-                <a:ea typeface="+mn-ea"/>
-                <a:cs typeface="+mn-cs"/>
-              </a:rPr>
-              <a:t>react</a:t>
-            </a:r>
-            <a:r>
-              <a:rPr lang="zh-CN" altLang="en-US" sz="1200" b="0" i="0" kern="1200" dirty="0" smtClean="0">
-                <a:solidFill>
-                  <a:schemeClr val="tx1"/>
-                </a:solidFill>
-                <a:effectLst/>
-                <a:latin typeface="+mn-lt"/>
-                <a:ea typeface="+mn-ea"/>
-                <a:cs typeface="+mn-cs"/>
-              </a:rPr>
-              <a:t>先销毁该组件然后重新创建该组件</a:t>
-            </a:r>
-            <a:endParaRPr lang="en-US" altLang="zh-CN" sz="1200" b="0" i="0" kern="1200" dirty="0" smtClean="0">
-              <a:solidFill>
-                <a:schemeClr val="tx1"/>
-              </a:solidFill>
-              <a:effectLst/>
-              <a:latin typeface="+mn-lt"/>
-              <a:ea typeface="+mn-ea"/>
-              <a:cs typeface="+mn-cs"/>
-            </a:endParaRPr>
-          </a:p>
-          <a:p>
-            <a:r>
-              <a:rPr lang="en-US" altLang="zh-CN" sz="1200" b="0" i="0" kern="1200" smtClean="0">
-                <a:solidFill>
-                  <a:schemeClr val="tx1"/>
-                </a:solidFill>
-                <a:effectLst/>
-                <a:latin typeface="+mn-lt"/>
-                <a:ea typeface="+mn-ea"/>
-                <a:cs typeface="+mn-cs"/>
-              </a:rPr>
-              <a:t>Key </a:t>
-            </a:r>
-            <a:r>
-              <a:rPr lang="zh-CN" altLang="en-US" sz="1200" b="0" i="0" kern="1200" smtClean="0">
-                <a:solidFill>
-                  <a:schemeClr val="tx1"/>
-                </a:solidFill>
-                <a:effectLst/>
-                <a:latin typeface="+mn-lt"/>
-                <a:ea typeface="+mn-ea"/>
-                <a:cs typeface="+mn-cs"/>
-              </a:rPr>
-              <a:t>不</a:t>
-            </a:r>
-            <a:r>
-              <a:rPr lang="zh-CN" altLang="en-US" sz="1200" b="0" i="0" kern="1200" dirty="0" smtClean="0">
-                <a:solidFill>
-                  <a:schemeClr val="tx1"/>
-                </a:solidFill>
-                <a:effectLst/>
-                <a:latin typeface="+mn-lt"/>
-                <a:ea typeface="+mn-ea"/>
-                <a:cs typeface="+mn-cs"/>
-              </a:rPr>
-              <a:t>是用来提升</a:t>
-            </a:r>
-            <a:r>
-              <a:rPr lang="en-US" altLang="zh-CN" sz="1200" b="0" i="0" kern="1200" dirty="0" smtClean="0">
-                <a:solidFill>
-                  <a:schemeClr val="tx1"/>
-                </a:solidFill>
-                <a:effectLst/>
-                <a:latin typeface="+mn-lt"/>
-                <a:ea typeface="+mn-ea"/>
-                <a:cs typeface="+mn-cs"/>
-              </a:rPr>
-              <a:t>react</a:t>
-            </a:r>
-            <a:r>
-              <a:rPr lang="zh-CN" altLang="en-US" sz="1200" b="0" i="0" kern="1200" dirty="0" smtClean="0">
-                <a:solidFill>
-                  <a:schemeClr val="tx1"/>
-                </a:solidFill>
-                <a:effectLst/>
-                <a:latin typeface="+mn-lt"/>
-                <a:ea typeface="+mn-ea"/>
-                <a:cs typeface="+mn-cs"/>
-              </a:rPr>
-              <a:t>的性能的，不过用好</a:t>
-            </a:r>
-            <a:r>
-              <a:rPr lang="en-US" altLang="zh-CN" sz="1200" b="0" i="0" kern="1200" dirty="0" smtClean="0">
-                <a:solidFill>
-                  <a:schemeClr val="tx1"/>
-                </a:solidFill>
-                <a:effectLst/>
-                <a:latin typeface="+mn-lt"/>
-                <a:ea typeface="+mn-ea"/>
-                <a:cs typeface="+mn-cs"/>
-              </a:rPr>
-              <a:t>key</a:t>
-            </a:r>
-            <a:r>
-              <a:rPr lang="zh-CN" altLang="en-US" sz="1200" b="0" i="0" kern="1200" dirty="0" smtClean="0">
-                <a:solidFill>
-                  <a:schemeClr val="tx1"/>
-                </a:solidFill>
-                <a:effectLst/>
-                <a:latin typeface="+mn-lt"/>
-                <a:ea typeface="+mn-ea"/>
-                <a:cs typeface="+mn-cs"/>
-              </a:rPr>
-              <a:t>对性能是有帮助的。</a:t>
+              <a:rPr lang="zh-CN" altLang="en-US" dirty="0" smtClean="0"/>
+              <a:t>目前</a:t>
+            </a:r>
+            <a:r>
+              <a:rPr lang="zh-CN" altLang="en-US" dirty="0" smtClean="0"/>
+              <a:t>被废弃的 </a:t>
+            </a:r>
+            <a:r>
+              <a:rPr lang="en-US" altLang="zh-CN" dirty="0" smtClean="0"/>
+              <a:t>3 </a:t>
+            </a:r>
+            <a:r>
+              <a:rPr lang="zh-CN" altLang="en-US" dirty="0" smtClean="0"/>
+              <a:t>个生命周期函数目前还能使用，但是只要用了，开发模式下会有红色警告</a:t>
             </a:r>
             <a:endParaRPr lang="zh-CN" altLang="en-US" dirty="0"/>
           </a:p>
@@ -985,7 +784,7 @@
           <a:p>
             <a:fld id="{933F5AFF-D81E-4C08-8F4D-34ABD7A65093}" type="slidenum">
               <a:rPr lang="zh-CN" altLang="en-US" smtClean="0"/>
-              <a:t>18</a:t>
+              <a:t>16</a:t>
             </a:fld>
             <a:endParaRPr lang="zh-CN" altLang="en-US"/>
           </a:p>
@@ -994,7 +793,7 @@
     </p:spTree>
     <p:extLst>
       <p:ext uri="{BB962C8B-B14F-4D97-AF65-F5344CB8AC3E}">
-        <p14:creationId xmlns:p14="http://schemas.microsoft.com/office/powerpoint/2010/main" val="238015222"/>
+        <p14:creationId xmlns:p14="http://schemas.microsoft.com/office/powerpoint/2010/main" val="237909181"/>
       </p:ext>
     </p:extLst>
   </p:cSld>
@@ -1048,19 +847,15 @@
           <a:bodyPr/>
           <a:lstStyle/>
           <a:p>
-            <a:r>
-              <a:rPr lang="en-US" altLang="zh-CN" dirty="0" smtClean="0"/>
-              <a:t>React </a:t>
-            </a:r>
-            <a:r>
-              <a:rPr lang="zh-CN" altLang="en-US" dirty="0" smtClean="0"/>
-              <a:t>负责渲染表单的</a:t>
-            </a:r>
-            <a:r>
-              <a:rPr lang="zh-CN" altLang="en-US" smtClean="0"/>
-              <a:t>组件同时控制数据的变化</a:t>
-            </a:r>
-            <a:endParaRPr lang="zh-CN" altLang="en-US" dirty="0"/>
+            <a:endParaRPr lang="en-US" altLang="zh-CN" sz="1200" b="0" i="0" kern="1200" dirty="0" smtClean="0">
+              <a:solidFill>
+                <a:schemeClr val="tx1"/>
+              </a:solidFill>
+              <a:effectLst/>
+              <a:latin typeface="+mn-lt"/>
+              <a:ea typeface="+mn-ea"/>
+              <a:cs typeface="+mn-cs"/>
+            </a:endParaRPr>
           </a:p>
         </p:txBody>
       </p:sp>
@@ -1090,7 +885,7 @@
     </p:spTree>
     <p:extLst>
       <p:ext uri="{BB962C8B-B14F-4D97-AF65-F5344CB8AC3E}">
-        <p14:creationId xmlns:p14="http://schemas.microsoft.com/office/powerpoint/2010/main" val="2951329283"/>
+        <p14:creationId xmlns:p14="http://schemas.microsoft.com/office/powerpoint/2010/main" val="238015222"/>
       </p:ext>
     </p:extLst>
   </p:cSld>
@@ -1144,6 +939,174 @@
           <a:bodyPr/>
           <a:lstStyle/>
           <a:p>
+            <a:endParaRPr lang="zh-CN" altLang="en-US" dirty="0"/>
+          </a:p>
+        </p:txBody>
+      </p:sp>
+      <p:sp>
+        <p:nvSpPr>
+          <p:cNvPr id="4" name="灯片编号占位符 3"/>
+          <p:cNvSpPr>
+            <a:spLocks noGrp="1"/>
+          </p:cNvSpPr>
+          <p:nvPr>
+            <p:ph type="sldNum" sz="quarter" idx="10"/>
+          </p:nvPr>
+        </p:nvSpPr>
+        <p:spPr/>
+        <p:txBody>
+          <a:bodyPr/>
+          <a:lstStyle/>
+          <a:p>
+            <a:fld id="{933F5AFF-D81E-4C08-8F4D-34ABD7A65093}" type="slidenum">
+              <a:rPr lang="zh-CN" altLang="en-US" smtClean="0"/>
+              <a:t>20</a:t>
+            </a:fld>
+            <a:endParaRPr lang="zh-CN" altLang="en-US"/>
+          </a:p>
+        </p:txBody>
+      </p:sp>
+    </p:spTree>
+    <p:extLst>
+      <p:ext uri="{BB962C8B-B14F-4D97-AF65-F5344CB8AC3E}">
+        <p14:creationId xmlns:p14="http://schemas.microsoft.com/office/powerpoint/2010/main" val="2951329283"/>
+      </p:ext>
+    </p:extLst>
+  </p:cSld>
+  <p:clrMapOvr>
+    <a:masterClrMapping/>
+  </p:clrMapOvr>
+</p:notes>
+</file>
+
+<file path=ppt/notesSlides/notesSlide14.xml><?xml version="1.0" encoding="utf-8"?>
+<p:notes xmlns:a="http://schemas.openxmlformats.org/drawingml/2006/main" xmlns:r="http://schemas.openxmlformats.org/officeDocument/2006/relationships" xmlns:p="http://schemas.openxmlformats.org/presentationml/2006/main">
+  <p:cSld>
+    <p:spTree>
+      <p:nvGrpSpPr>
+        <p:cNvPr id="1" name=""/>
+        <p:cNvGrpSpPr/>
+        <p:nvPr/>
+      </p:nvGrpSpPr>
+      <p:grpSpPr>
+        <a:xfrm>
+          <a:off x="0" y="0"/>
+          <a:ext cx="0" cy="0"/>
+          <a:chOff x="0" y="0"/>
+          <a:chExt cx="0" cy="0"/>
+        </a:xfrm>
+      </p:grpSpPr>
+      <p:sp>
+        <p:nvSpPr>
+          <p:cNvPr id="2" name="幻灯片图像占位符 1"/>
+          <p:cNvSpPr>
+            <a:spLocks noGrp="1" noRot="1" noChangeAspect="1"/>
+          </p:cNvSpPr>
+          <p:nvPr>
+            <p:ph type="sldImg"/>
+          </p:nvPr>
+        </p:nvSpPr>
+        <p:spPr/>
+      </p:sp>
+      <p:sp>
+        <p:nvSpPr>
+          <p:cNvPr id="3" name="备注占位符 2"/>
+          <p:cNvSpPr>
+            <a:spLocks noGrp="1"/>
+          </p:cNvSpPr>
+          <p:nvPr>
+            <p:ph type="body" idx="1"/>
+          </p:nvPr>
+        </p:nvSpPr>
+        <p:spPr/>
+        <p:txBody>
+          <a:bodyPr/>
+          <a:lstStyle/>
+          <a:p>
+            <a:endParaRPr lang="zh-CN" altLang="en-US" dirty="0"/>
+          </a:p>
+        </p:txBody>
+      </p:sp>
+      <p:sp>
+        <p:nvSpPr>
+          <p:cNvPr id="4" name="灯片编号占位符 3"/>
+          <p:cNvSpPr>
+            <a:spLocks noGrp="1"/>
+          </p:cNvSpPr>
+          <p:nvPr>
+            <p:ph type="sldNum" sz="quarter" idx="10"/>
+          </p:nvPr>
+        </p:nvSpPr>
+        <p:spPr/>
+        <p:txBody>
+          <a:bodyPr/>
+          <a:lstStyle/>
+          <a:p>
+            <a:fld id="{933F5AFF-D81E-4C08-8F4D-34ABD7A65093}" type="slidenum">
+              <a:rPr lang="zh-CN" altLang="en-US" smtClean="0"/>
+              <a:t>25</a:t>
+            </a:fld>
+            <a:endParaRPr lang="zh-CN" altLang="en-US"/>
+          </a:p>
+        </p:txBody>
+      </p:sp>
+    </p:spTree>
+    <p:extLst>
+      <p:ext uri="{BB962C8B-B14F-4D97-AF65-F5344CB8AC3E}">
+        <p14:creationId xmlns:p14="http://schemas.microsoft.com/office/powerpoint/2010/main" val="462290313"/>
+      </p:ext>
+    </p:extLst>
+  </p:cSld>
+  <p:clrMapOvr>
+    <a:masterClrMapping/>
+  </p:clrMapOvr>
+</p:notes>
+</file>
+
+<file path=ppt/notesSlides/notesSlide15.xml><?xml version="1.0" encoding="utf-8"?>
+<p:notes xmlns:a="http://schemas.openxmlformats.org/drawingml/2006/main" xmlns:r="http://schemas.openxmlformats.org/officeDocument/2006/relationships" xmlns:p="http://schemas.openxmlformats.org/presentationml/2006/main">
+  <p:cSld>
+    <p:spTree>
+      <p:nvGrpSpPr>
+        <p:cNvPr id="1" name=""/>
+        <p:cNvGrpSpPr/>
+        <p:nvPr/>
+      </p:nvGrpSpPr>
+      <p:grpSpPr>
+        <a:xfrm>
+          <a:off x="0" y="0"/>
+          <a:ext cx="0" cy="0"/>
+          <a:chOff x="0" y="0"/>
+          <a:chExt cx="0" cy="0"/>
+        </a:xfrm>
+      </p:grpSpPr>
+      <p:sp>
+        <p:nvSpPr>
+          <p:cNvPr id="2" name="幻灯片图像占位符 1"/>
+          <p:cNvSpPr>
+            <a:spLocks noGrp="1" noRot="1" noChangeAspect="1"/>
+          </p:cNvSpPr>
+          <p:nvPr>
+            <p:ph type="sldImg"/>
+          </p:nvPr>
+        </p:nvSpPr>
+        <p:spPr/>
+      </p:sp>
+      <p:sp>
+        <p:nvSpPr>
+          <p:cNvPr id="3" name="备注占位符 2"/>
+          <p:cNvSpPr>
+            <a:spLocks noGrp="1"/>
+          </p:cNvSpPr>
+          <p:nvPr>
+            <p:ph type="body" idx="1"/>
+          </p:nvPr>
+        </p:nvSpPr>
+        <p:spPr/>
+        <p:txBody>
+          <a:bodyPr/>
+          <a:lstStyle/>
+          <a:p>
             <a:r>
               <a:rPr lang="en-US" altLang="zh-CN" dirty="0" err="1" smtClean="0"/>
               <a:t>Vue</a:t>
@@ -1201,7 +1164,7 @@
           <a:p>
             <a:fld id="{933F5AFF-D81E-4C08-8F4D-34ABD7A65093}" type="slidenum">
               <a:rPr lang="zh-CN" altLang="en-US" smtClean="0"/>
-              <a:t>26</a:t>
+              <a:t>27</a:t>
             </a:fld>
             <a:endParaRPr lang="zh-CN" altLang="en-US"/>
           </a:p>
@@ -2533,16 +2496,102 @@
               <a:defRPr/>
             </a:pPr>
             <a:r>
-              <a:rPr lang="en-US" altLang="zh-CN" sz="1200" dirty="0" err="1" smtClean="0">
-                <a:latin typeface="Consolas" panose="020B0609020204030204" pitchFamily="49" charset="0"/>
-              </a:rPr>
-              <a:t>getDerivedStateFromProps</a:t>
-            </a:r>
-            <a:r>
               <a:rPr lang="en-US" altLang="zh-CN" sz="1200" dirty="0" smtClean="0">
                 <a:latin typeface="Consolas" panose="020B0609020204030204" pitchFamily="49" charset="0"/>
               </a:rPr>
-              <a:t>() </a:t>
+              <a:t>16.3.0 </a:t>
+            </a:r>
+            <a:r>
+              <a:rPr lang="zh-CN" altLang="en-US" sz="1200" dirty="0" smtClean="0">
+                <a:latin typeface="Consolas" panose="020B0609020204030204" pitchFamily="49" charset="0"/>
+              </a:rPr>
+              <a:t>版本发布于</a:t>
+            </a:r>
+            <a:r>
+              <a:rPr lang="en-US" altLang="zh-CN" sz="1200" baseline="0" dirty="0" smtClean="0">
+                <a:latin typeface="Consolas" panose="020B0609020204030204" pitchFamily="49" charset="0"/>
+              </a:rPr>
+              <a:t> 2018 </a:t>
+            </a:r>
+            <a:r>
+              <a:rPr lang="zh-CN" altLang="en-US" sz="1200" baseline="0" dirty="0" smtClean="0">
+                <a:latin typeface="Consolas" panose="020B0609020204030204" pitchFamily="49" charset="0"/>
+              </a:rPr>
+              <a:t>年 </a:t>
+            </a:r>
+            <a:r>
+              <a:rPr lang="en-US" altLang="zh-CN" sz="1200" baseline="0" dirty="0" smtClean="0">
+                <a:latin typeface="Consolas" panose="020B0609020204030204" pitchFamily="49" charset="0"/>
+              </a:rPr>
+              <a:t>3 </a:t>
+            </a:r>
+            <a:r>
+              <a:rPr lang="zh-CN" altLang="en-US" sz="1200" baseline="0" dirty="0" smtClean="0">
+                <a:latin typeface="Consolas" panose="020B0609020204030204" pitchFamily="49" charset="0"/>
+              </a:rPr>
+              <a:t>月 </a:t>
+            </a:r>
+            <a:r>
+              <a:rPr lang="en-US" altLang="zh-CN" sz="1200" baseline="0" dirty="0" smtClean="0">
+                <a:latin typeface="Consolas" panose="020B0609020204030204" pitchFamily="49" charset="0"/>
+              </a:rPr>
+              <a:t>29 </a:t>
+            </a:r>
+            <a:r>
+              <a:rPr lang="zh-CN" altLang="en-US" sz="1200" baseline="0" dirty="0" smtClean="0">
+                <a:latin typeface="Consolas" panose="020B0609020204030204" pitchFamily="49" charset="0"/>
+              </a:rPr>
+              <a:t>日</a:t>
+            </a:r>
+            <a:endParaRPr lang="en-US" altLang="zh-CN" sz="1200" dirty="0" smtClean="0">
+              <a:latin typeface="Consolas" panose="020B0609020204030204" pitchFamily="49" charset="0"/>
+            </a:endParaRPr>
+          </a:p>
+          <a:p>
+            <a:pPr marL="0" marR="0" indent="0" algn="l" defTabSz="914400" rtl="0" eaLnBrk="1" fontAlgn="auto" latinLnBrk="0" hangingPunct="1">
+              <a:lnSpc>
+                <a:spcPct val="100000"/>
+              </a:lnSpc>
+              <a:spcBef>
+                <a:spcPts val="0"/>
+              </a:spcBef>
+              <a:spcAft>
+                <a:spcPts val="0"/>
+              </a:spcAft>
+              <a:buClrTx/>
+              <a:buSzTx/>
+              <a:buFontTx/>
+              <a:buNone/>
+              <a:tabLst/>
+              <a:defRPr/>
+            </a:pPr>
+            <a:endParaRPr lang="en-US" altLang="zh-CN" sz="1200" dirty="0" smtClean="0">
+              <a:latin typeface="Consolas" panose="020B0609020204030204" pitchFamily="49" charset="0"/>
+            </a:endParaRPr>
+          </a:p>
+          <a:p>
+            <a:pPr marL="0" marR="0" indent="0" algn="l" defTabSz="914400" rtl="0" eaLnBrk="1" fontAlgn="auto" latinLnBrk="0" hangingPunct="1">
+              <a:lnSpc>
+                <a:spcPct val="100000"/>
+              </a:lnSpc>
+              <a:spcBef>
+                <a:spcPts val="0"/>
+              </a:spcBef>
+              <a:spcAft>
+                <a:spcPts val="0"/>
+              </a:spcAft>
+              <a:buClrTx/>
+              <a:buSzTx/>
+              <a:buFontTx/>
+              <a:buNone/>
+              <a:tabLst/>
+              <a:defRPr/>
+            </a:pPr>
+            <a:r>
+              <a:rPr lang="en-US" altLang="zh-CN" sz="1200" dirty="0" smtClean="0">
+                <a:latin typeface="Consolas" panose="020B0609020204030204" pitchFamily="49" charset="0"/>
+              </a:rPr>
+              <a:t>getDerivedStateFromProps() </a:t>
             </a:r>
             <a:r>
               <a:rPr lang="zh-CN" altLang="en-US" sz="1200" b="0" i="0" kern="1200" dirty="0" smtClean="0">
@@ -2600,7 +2649,7 @@
     </p:spTree>
     <p:extLst>
       <p:ext uri="{BB962C8B-B14F-4D97-AF65-F5344CB8AC3E}">
-        <p14:creationId xmlns:p14="http://schemas.microsoft.com/office/powerpoint/2010/main" val="2629392671"/>
+        <p14:creationId xmlns:p14="http://schemas.microsoft.com/office/powerpoint/2010/main" val="995708578"/>
       </p:ext>
     </p:extLst>
   </p:cSld>
@@ -7230,203 +7279,217 @@
           <a:bodyPr/>
           <a:lstStyle/>
           <a:p>
-            <a:pPr marL="0" indent="0">
-              <a:buNone/>
-            </a:pPr>
-            <a:r>
-              <a:rPr lang="zh-CN" altLang="en-US" dirty="0" smtClean="0"/>
-              <a:t>组件创建</a:t>
-            </a:r>
-            <a:r>
-              <a:rPr lang="zh-CN" altLang="en-US" dirty="0"/>
-              <a:t>和</a:t>
-            </a:r>
-            <a:r>
-              <a:rPr lang="zh-CN" altLang="en-US" dirty="0" smtClean="0"/>
-              <a:t>插入 </a:t>
-            </a:r>
-            <a:r>
-              <a:rPr lang="en-US" altLang="zh-CN" dirty="0" smtClean="0"/>
-              <a:t>DOM </a:t>
-            </a:r>
-            <a:r>
-              <a:rPr lang="zh-CN" altLang="en-US" dirty="0" smtClean="0"/>
-              <a:t>中时调用</a:t>
-            </a:r>
-            <a:endParaRPr lang="en-US" altLang="zh-CN" dirty="0" smtClean="0"/>
-          </a:p>
-          <a:p>
-            <a:r>
-              <a:rPr lang="en-US" altLang="zh-CN" sz="2600" dirty="0">
-                <a:latin typeface="Consolas" panose="020B0609020204030204" pitchFamily="49" charset="0"/>
-              </a:rPr>
-              <a:t>constructor</a:t>
-            </a:r>
-            <a:r>
-              <a:rPr lang="en-US" altLang="zh-CN" sz="2600" dirty="0" smtClean="0">
-                <a:latin typeface="Consolas" panose="020B0609020204030204" pitchFamily="49" charset="0"/>
-              </a:rPr>
-              <a:t>() </a:t>
-            </a:r>
-            <a:r>
-              <a:rPr lang="zh-CN" altLang="en-US" sz="2600" dirty="0" smtClean="0">
-                <a:latin typeface="Consolas" panose="020B0609020204030204" pitchFamily="49" charset="0"/>
-              </a:rPr>
-              <a:t>组件构造函数</a:t>
-            </a:r>
-            <a:endParaRPr lang="en-US" altLang="zh-CN" sz="2600" dirty="0">
+            <a:r>
+              <a:rPr lang="en-US" altLang="zh-CN" sz="2400" dirty="0" smtClean="0"/>
+              <a:t>React</a:t>
+            </a:r>
+            <a:r>
+              <a:rPr lang="en-US" altLang="zh-CN" sz="2400" dirty="0" smtClean="0">
+                <a:latin typeface="Consolas" panose="020B0609020204030204" pitchFamily="49" charset="0"/>
+              </a:rPr>
+              <a:t> </a:t>
+            </a:r>
+            <a:r>
+              <a:rPr lang="zh-CN" altLang="en-US" sz="2400" dirty="0" smtClean="0">
+                <a:latin typeface="Consolas" panose="020B0609020204030204" pitchFamily="49" charset="0"/>
+              </a:rPr>
+              <a:t>在 </a:t>
+            </a:r>
+            <a:r>
+              <a:rPr lang="en-US" altLang="zh-CN" sz="2400" dirty="0" smtClean="0"/>
+              <a:t>v16.3 </a:t>
+            </a:r>
+            <a:r>
+              <a:rPr lang="zh-CN" altLang="en-US" sz="2400" dirty="0"/>
+              <a:t>之</a:t>
+            </a:r>
+            <a:r>
+              <a:rPr lang="zh-CN" altLang="en-US" sz="2400" dirty="0" smtClean="0"/>
+              <a:t>后新添加了 </a:t>
+            </a:r>
+            <a:r>
+              <a:rPr lang="en-US" altLang="zh-CN" sz="2400" dirty="0" smtClean="0"/>
+              <a:t>2 </a:t>
+            </a:r>
+            <a:r>
+              <a:rPr lang="zh-CN" altLang="en-US" sz="2400" dirty="0" smtClean="0"/>
+              <a:t>个生命周期 </a:t>
+            </a:r>
+            <a:r>
+              <a:rPr lang="en-US" altLang="zh-CN" sz="2400" dirty="0" smtClean="0"/>
+              <a:t>API</a:t>
+            </a:r>
+            <a:r>
+              <a:rPr lang="zh-CN" altLang="en-US" sz="2400" dirty="0" smtClean="0"/>
+              <a:t>，同时废弃了 </a:t>
+            </a:r>
+            <a:r>
+              <a:rPr lang="en-US" altLang="zh-CN" sz="2400" dirty="0" smtClean="0"/>
+              <a:t>3 </a:t>
+            </a:r>
+            <a:r>
+              <a:rPr lang="zh-CN" altLang="en-US" sz="2400" dirty="0" smtClean="0"/>
+              <a:t>个 </a:t>
+            </a:r>
+            <a:r>
+              <a:rPr lang="en-US" altLang="zh-CN" sz="2400" dirty="0" smtClean="0"/>
+              <a:t>API</a:t>
+            </a:r>
+          </a:p>
+          <a:p>
+            <a:r>
+              <a:rPr lang="zh-CN" altLang="en-US" sz="2400" dirty="0"/>
+              <a:t>新加 </a:t>
+            </a:r>
+            <a:r>
+              <a:rPr lang="en-US" altLang="zh-CN" sz="2400" dirty="0"/>
+              <a:t>API</a:t>
+            </a:r>
+            <a:r>
+              <a:rPr lang="zh-CN" altLang="en-US" sz="2400" dirty="0"/>
+              <a:t>：</a:t>
+            </a:r>
+            <a:endParaRPr lang="en-US" altLang="zh-CN" sz="2400" dirty="0"/>
+          </a:p>
+          <a:p>
+            <a:pPr lvl="1"/>
+            <a:r>
+              <a:rPr lang="en-US" altLang="zh-CN" sz="2200" dirty="0">
+                <a:latin typeface="Consolas" panose="020B0609020204030204" pitchFamily="49" charset="0"/>
+              </a:rPr>
+              <a:t>static getDerivedStateFromProps() </a:t>
+            </a:r>
+            <a:r>
+              <a:rPr lang="zh-CN" altLang="en-US" sz="2200" dirty="0">
+                <a:latin typeface="Consolas" panose="020B0609020204030204" pitchFamily="49" charset="0"/>
+              </a:rPr>
+              <a:t>用于处理用到 </a:t>
+            </a:r>
+            <a:r>
+              <a:rPr lang="en-US" altLang="zh-CN" sz="2200" dirty="0">
+                <a:latin typeface="Consolas" panose="020B0609020204030204" pitchFamily="49" charset="0"/>
+              </a:rPr>
+              <a:t>props </a:t>
+            </a:r>
+            <a:r>
+              <a:rPr lang="zh-CN" altLang="en-US" sz="2200" dirty="0">
+                <a:latin typeface="Consolas" panose="020B0609020204030204" pitchFamily="49" charset="0"/>
+              </a:rPr>
+              <a:t>的 </a:t>
+            </a:r>
+            <a:r>
+              <a:rPr lang="en-US" altLang="zh-CN" sz="2200" dirty="0">
+                <a:latin typeface="Consolas" panose="020B0609020204030204" pitchFamily="49" charset="0"/>
+              </a:rPr>
+              <a:t>state</a:t>
+            </a:r>
+          </a:p>
+          <a:p>
+            <a:pPr lvl="1"/>
+            <a:r>
+              <a:rPr lang="en-US" altLang="zh-CN" sz="2200" dirty="0">
+                <a:latin typeface="Consolas" panose="020B0609020204030204" pitchFamily="49" charset="0"/>
+              </a:rPr>
+              <a:t>getSnapshotBeforeUpdate() </a:t>
+            </a:r>
+            <a:r>
+              <a:rPr lang="zh-CN" altLang="en-US" sz="2200" dirty="0">
+                <a:latin typeface="Consolas" panose="020B0609020204030204" pitchFamily="49" charset="0"/>
+              </a:rPr>
+              <a:t>很少使用</a:t>
+            </a:r>
+            <a:endParaRPr lang="en-US" altLang="zh-CN" sz="2200" dirty="0">
               <a:latin typeface="Consolas" panose="020B0609020204030204" pitchFamily="49" charset="0"/>
             </a:endParaRPr>
           </a:p>
           <a:p>
-            <a:r>
-              <a:rPr lang="en-US" altLang="zh-CN" sz="2600" dirty="0" smtClean="0">
-                <a:latin typeface="Consolas" panose="020B0609020204030204" pitchFamily="49" charset="0"/>
-              </a:rPr>
-              <a:t>static </a:t>
-            </a:r>
-            <a:r>
-              <a:rPr lang="en-US" altLang="zh-CN" sz="2600" dirty="0" err="1" smtClean="0">
-                <a:latin typeface="Consolas" panose="020B0609020204030204" pitchFamily="49" charset="0"/>
-              </a:rPr>
-              <a:t>getDerivedStateFromProps</a:t>
-            </a:r>
-            <a:r>
-              <a:rPr lang="en-US" altLang="zh-CN" sz="2600" dirty="0" smtClean="0">
-                <a:latin typeface="Consolas" panose="020B0609020204030204" pitchFamily="49" charset="0"/>
-              </a:rPr>
-              <a:t>() </a:t>
-            </a:r>
-            <a:r>
-              <a:rPr lang="zh-CN" altLang="en-US" sz="2400" dirty="0" smtClean="0">
-                <a:latin typeface="Consolas" panose="020B0609020204030204" pitchFamily="49" charset="0"/>
-              </a:rPr>
-              <a:t>处理</a:t>
-            </a:r>
-            <a:r>
-              <a:rPr lang="zh-CN" altLang="en-US" sz="2400" dirty="0">
-                <a:latin typeface="Consolas" panose="020B0609020204030204" pitchFamily="49" charset="0"/>
-              </a:rPr>
-              <a:t>用到</a:t>
-            </a:r>
-            <a:r>
-              <a:rPr lang="zh-CN" altLang="en-US" sz="2400" dirty="0" smtClean="0">
-                <a:latin typeface="Consolas" panose="020B0609020204030204" pitchFamily="49" charset="0"/>
-              </a:rPr>
-              <a:t> </a:t>
-            </a:r>
-            <a:r>
-              <a:rPr lang="en-US" altLang="zh-CN" sz="2400" dirty="0" smtClean="0">
-                <a:latin typeface="Consolas" panose="020B0609020204030204" pitchFamily="49" charset="0"/>
-              </a:rPr>
-              <a:t>props </a:t>
-            </a:r>
-            <a:r>
-              <a:rPr lang="zh-CN" altLang="en-US" sz="2400" dirty="0" smtClean="0">
-                <a:latin typeface="Consolas" panose="020B0609020204030204" pitchFamily="49" charset="0"/>
-              </a:rPr>
-              <a:t>的 </a:t>
-            </a:r>
-            <a:r>
-              <a:rPr lang="en-US" altLang="zh-CN" sz="2400" dirty="0" smtClean="0">
-                <a:latin typeface="Consolas" panose="020B0609020204030204" pitchFamily="49" charset="0"/>
-              </a:rPr>
-              <a:t>state</a:t>
-            </a:r>
-            <a:endParaRPr lang="en-US" altLang="zh-CN" sz="2400" dirty="0">
+            <a:endParaRPr lang="en-US" altLang="zh-CN" sz="2400" dirty="0"/>
+          </a:p>
+          <a:p>
+            <a:r>
+              <a:rPr lang="zh-CN" altLang="en-US" sz="2400" dirty="0" smtClean="0"/>
+              <a:t>废弃 </a:t>
+            </a:r>
+            <a:r>
+              <a:rPr lang="en-US" altLang="zh-CN" sz="2400" dirty="0" smtClean="0"/>
+              <a:t>API:</a:t>
+            </a:r>
+          </a:p>
+          <a:p>
+            <a:pPr lvl="1"/>
+            <a:r>
+              <a:rPr lang="en-US" altLang="zh-CN" sz="2200" dirty="0">
+                <a:latin typeface="Consolas" panose="020B0609020204030204" pitchFamily="49" charset="0"/>
+              </a:rPr>
+              <a:t>componentWillMount()</a:t>
+            </a:r>
+          </a:p>
+          <a:p>
+            <a:pPr lvl="1"/>
+            <a:r>
+              <a:rPr lang="en-US" altLang="zh-CN" sz="2200" dirty="0">
+                <a:latin typeface="Consolas" panose="020B0609020204030204" pitchFamily="49" charset="0"/>
+              </a:rPr>
+              <a:t>componentWillReceiveProps()</a:t>
+            </a:r>
+          </a:p>
+          <a:p>
+            <a:pPr lvl="1"/>
+            <a:r>
+              <a:rPr lang="en-US" altLang="zh-CN" sz="2200" dirty="0">
+                <a:latin typeface="Consolas" panose="020B0609020204030204" pitchFamily="49" charset="0"/>
+              </a:rPr>
+              <a:t>componentWillUpdate</a:t>
+            </a:r>
+            <a:r>
+              <a:rPr lang="en-US" altLang="zh-CN" sz="2200" dirty="0" smtClean="0">
+                <a:latin typeface="Consolas" panose="020B0609020204030204" pitchFamily="49" charset="0"/>
+              </a:rPr>
+              <a:t>()</a:t>
+            </a:r>
+          </a:p>
+          <a:p>
+            <a:pPr lvl="1"/>
+            <a:r>
+              <a:rPr lang="zh-CN" altLang="en-US" sz="2200" dirty="0">
+                <a:latin typeface="Consolas" panose="020B0609020204030204" pitchFamily="49" charset="0"/>
+              </a:rPr>
+              <a:t>以</a:t>
+            </a:r>
+            <a:r>
+              <a:rPr lang="zh-CN" altLang="en-US" sz="2200" dirty="0" smtClean="0">
+                <a:latin typeface="Consolas" panose="020B0609020204030204" pitchFamily="49" charset="0"/>
+              </a:rPr>
+              <a:t>上三个 </a:t>
+            </a:r>
+            <a:r>
+              <a:rPr lang="en-US" altLang="zh-CN" sz="2200" dirty="0" smtClean="0">
+                <a:latin typeface="Consolas" panose="020B0609020204030204" pitchFamily="49" charset="0"/>
+              </a:rPr>
+              <a:t>API </a:t>
+            </a:r>
+            <a:r>
+              <a:rPr lang="zh-CN" altLang="en-US" sz="2200" dirty="0" smtClean="0">
+                <a:latin typeface="Consolas" panose="020B0609020204030204" pitchFamily="49" charset="0"/>
+              </a:rPr>
+              <a:t>中需实现的功能均可放入 </a:t>
+            </a:r>
+            <a:r>
+              <a:rPr lang="en-US" altLang="zh-CN" sz="2200" dirty="0">
+                <a:latin typeface="Consolas" panose="020B0609020204030204" pitchFamily="49" charset="0"/>
+              </a:rPr>
+              <a:t>getDerivedStateFromProps()</a:t>
+            </a:r>
+            <a:endParaRPr lang="en-US" altLang="zh-CN" sz="2200" dirty="0">
               <a:latin typeface="Consolas" panose="020B0609020204030204" pitchFamily="49" charset="0"/>
             </a:endParaRPr>
           </a:p>
           <a:p>
-            <a:r>
-              <a:rPr lang="en-US" altLang="zh-CN" sz="2600" strike="sngStrike" dirty="0" err="1">
-                <a:latin typeface="Consolas" panose="020B0609020204030204" pitchFamily="49" charset="0"/>
-              </a:rPr>
-              <a:t>componentWillMount</a:t>
-            </a:r>
-            <a:r>
-              <a:rPr lang="en-US" altLang="zh-CN" sz="2600" strike="sngStrike" dirty="0" smtClean="0">
-                <a:latin typeface="Consolas" panose="020B0609020204030204" pitchFamily="49" charset="0"/>
-              </a:rPr>
-              <a:t>()</a:t>
-            </a:r>
-            <a:r>
-              <a:rPr lang="en-US" altLang="zh-CN" sz="2600" dirty="0" smtClean="0">
-                <a:latin typeface="Consolas" panose="020B0609020204030204" pitchFamily="49" charset="0"/>
-              </a:rPr>
-              <a:t> </a:t>
-            </a:r>
-            <a:r>
-              <a:rPr lang="zh-CN" altLang="en-US" sz="2600" i="1" dirty="0" smtClean="0">
-                <a:latin typeface="Consolas" panose="020B0609020204030204" pitchFamily="49" charset="0"/>
-              </a:rPr>
-              <a:t>在 </a:t>
-            </a:r>
-            <a:r>
-              <a:rPr lang="en-US" altLang="zh-CN" sz="2600" i="1" dirty="0" smtClean="0">
-                <a:latin typeface="Consolas" panose="020B0609020204030204" pitchFamily="49" charset="0"/>
-              </a:rPr>
-              <a:t>v17.0 </a:t>
-            </a:r>
-            <a:r>
-              <a:rPr lang="zh-CN" altLang="en-US" sz="2600" i="1" dirty="0" smtClean="0">
-                <a:latin typeface="Consolas" panose="020B0609020204030204" pitchFamily="49" charset="0"/>
-              </a:rPr>
-              <a:t>中将被废除</a:t>
-            </a:r>
-            <a:endParaRPr lang="en-US" altLang="zh-CN" sz="2600" i="1" strike="sngStrike" dirty="0" smtClean="0">
-              <a:latin typeface="Consolas" panose="020B0609020204030204" pitchFamily="49" charset="0"/>
-            </a:endParaRPr>
-          </a:p>
-          <a:p>
-            <a:r>
-              <a:rPr lang="en-US" altLang="zh-CN" sz="2600" dirty="0" smtClean="0">
-                <a:latin typeface="Consolas" panose="020B0609020204030204" pitchFamily="49" charset="0"/>
-              </a:rPr>
-              <a:t>render() </a:t>
-            </a:r>
-            <a:r>
-              <a:rPr lang="zh-CN" altLang="en-US" sz="2600" dirty="0" smtClean="0">
-                <a:latin typeface="Consolas" panose="020B0609020204030204" pitchFamily="49" charset="0"/>
-              </a:rPr>
-              <a:t>渲染</a:t>
-            </a:r>
-            <a:endParaRPr lang="en-US" altLang="zh-CN" sz="2600" dirty="0">
-              <a:latin typeface="Consolas" panose="020B0609020204030204" pitchFamily="49" charset="0"/>
-            </a:endParaRPr>
-          </a:p>
-          <a:p>
-            <a:r>
-              <a:rPr lang="en-US" altLang="zh-CN" sz="2600" dirty="0" err="1">
-                <a:latin typeface="Consolas" panose="020B0609020204030204" pitchFamily="49" charset="0"/>
-              </a:rPr>
-              <a:t>componentDidMount</a:t>
-            </a:r>
-            <a:r>
-              <a:rPr lang="en-US" altLang="zh-CN" sz="2600" dirty="0" smtClean="0">
-                <a:latin typeface="Consolas" panose="020B0609020204030204" pitchFamily="49" charset="0"/>
-              </a:rPr>
-              <a:t>() </a:t>
-            </a:r>
-            <a:r>
-              <a:rPr lang="zh-CN" altLang="en-US" sz="2600" dirty="0" smtClean="0">
-                <a:latin typeface="Consolas" panose="020B0609020204030204" pitchFamily="49" charset="0"/>
-              </a:rPr>
-              <a:t>组件插入真实 </a:t>
-            </a:r>
-            <a:r>
-              <a:rPr lang="en-US" altLang="zh-CN" sz="2600" dirty="0" smtClean="0">
-                <a:latin typeface="Consolas" panose="020B0609020204030204" pitchFamily="49" charset="0"/>
-              </a:rPr>
-              <a:t>DOM </a:t>
-            </a:r>
-            <a:r>
-              <a:rPr lang="zh-CN" altLang="en-US" sz="2600" dirty="0" smtClean="0">
-                <a:latin typeface="Consolas" panose="020B0609020204030204" pitchFamily="49" charset="0"/>
-              </a:rPr>
-              <a:t>完毕</a:t>
-            </a:r>
-            <a:endParaRPr lang="zh-CN" altLang="en-US" sz="2600" dirty="0">
+            <a:endParaRPr lang="en-US" altLang="zh-CN" sz="2400" dirty="0" smtClean="0"/>
+          </a:p>
+          <a:p>
+            <a:pPr lvl="1"/>
+            <a:endParaRPr lang="en-US" altLang="zh-CN" sz="2200" dirty="0">
               <a:latin typeface="Consolas" panose="020B0609020204030204" pitchFamily="49" charset="0"/>
             </a:endParaRPr>
           </a:p>
@@ -7435,7 +7498,7 @@
     </p:spTree>
     <p:extLst>
       <p:ext uri="{BB962C8B-B14F-4D97-AF65-F5344CB8AC3E}">
-        <p14:creationId xmlns:p14="http://schemas.microsoft.com/office/powerpoint/2010/main" val="734602917"/>
+        <p14:creationId xmlns:p14="http://schemas.microsoft.com/office/powerpoint/2010/main" val="1206222874"/>
       </p:ext>
     </p:extLst>
   </p:cSld>
@@ -7490,11 +7553,7 @@
             </a:r>
             <a:r>
               <a:rPr lang="zh-CN" altLang="en-US" dirty="0" smtClean="0"/>
-              <a:t>组件</a:t>
-            </a:r>
-            <a:r>
-              <a:rPr lang="zh-CN" altLang="en-US" dirty="0"/>
-              <a:t>生命周期 </a:t>
+              <a:t>组件生命周期 </a:t>
             </a:r>
             <a:r>
               <a:rPr lang="en-US" altLang="zh-CN" dirty="0"/>
@@ -7505,7 +7564,7 @@
               <a:t>之后</a:t>
             </a:r>
             <a:r>
-              <a:rPr lang="en-US" altLang="zh-CN" dirty="0"/>
+              <a:rPr lang="en-US" altLang="zh-CN" dirty="0" smtClean="0"/>
               <a:t>)</a:t>
             </a:r>
             <a:endParaRPr lang="zh-CN" altLang="en-US" dirty="0"/>
@@ -7514,7 +7573,7 @@
       </p:sp>
       <p:sp>
         <p:nvSpPr>
-          <p:cNvPr id="3" name="内容占位符 2"/>
+          <p:cNvPr id="4" name="内容占位符 3"/>
           <p:cNvSpPr>
             <a:spLocks noGrp="1"/>
           </p:cNvSpPr>
@@ -7524,9 +7583,7 @@
         </p:nvSpPr>
         <p:spPr/>
         <p:txBody>
-          <a:bodyPr>
-            <a:normAutofit/>
-          </a:bodyPr>
+          <a:bodyPr/>
           <a:lstStyle/>
           <a:p>
             <a:pPr marL="0" indent="0">
@@ -7534,240 +7591,198 @@
             </a:pPr>
             <a:r>
               <a:rPr lang="zh-CN" altLang="en-US" dirty="0" smtClean="0"/>
-              <a:t>组件更新时调用</a:t>
+              <a:t>组件创建</a:t>
+            </a:r>
+            <a:r>
+              <a:rPr lang="zh-CN" altLang="en-US" dirty="0"/>
+              <a:t>和</a:t>
+            </a:r>
+            <a:r>
+              <a:rPr lang="zh-CN" altLang="en-US" dirty="0" smtClean="0"/>
+              <a:t>插入 </a:t>
+            </a:r>
+            <a:r>
+              <a:rPr lang="en-US" altLang="zh-CN" dirty="0" smtClean="0"/>
+              <a:t>DOM </a:t>
+            </a:r>
+            <a:r>
+              <a:rPr lang="zh-CN" altLang="en-US" dirty="0" smtClean="0"/>
+              <a:t>中时调用</a:t>
             </a:r>
             <a:endParaRPr lang="en-US" altLang="zh-CN" dirty="0" smtClean="0"/>
           </a:p>
           <a:p>
             <a:r>
-              <a:rPr lang="en-US" altLang="zh-CN" strike="sngStrike" dirty="0" err="1">
-                <a:latin typeface="Consolas" panose="020B0609020204030204" pitchFamily="49" charset="0"/>
-              </a:rPr>
-              <a:t>componentWillReceiveProps</a:t>
-            </a:r>
-            <a:r>
-              <a:rPr lang="en-US" altLang="zh-CN" strike="sngStrike" dirty="0" smtClean="0">
-                <a:latin typeface="Consolas" panose="020B0609020204030204" pitchFamily="49" charset="0"/>
-              </a:rPr>
-              <a:t>()</a:t>
-            </a:r>
-            <a:r>
-              <a:rPr lang="en-US" altLang="zh-CN" dirty="0" smtClean="0">
-                <a:latin typeface="Consolas" panose="020B0609020204030204" pitchFamily="49" charset="0"/>
-              </a:rPr>
-              <a:t> </a:t>
-            </a:r>
-            <a:r>
-              <a:rPr lang="zh-CN" altLang="en-US" i="1" dirty="0" smtClean="0">
-                <a:latin typeface="Consolas" panose="020B0609020204030204" pitchFamily="49" charset="0"/>
-              </a:rPr>
-              <a:t>在 </a:t>
-            </a:r>
-            <a:r>
-              <a:rPr lang="en-US" altLang="zh-CN" i="1" dirty="0">
-                <a:latin typeface="Consolas" panose="020B0609020204030204" pitchFamily="49" charset="0"/>
-              </a:rPr>
-              <a:t>v17.0 </a:t>
-            </a:r>
-            <a:r>
-              <a:rPr lang="zh-CN" altLang="en-US" i="1" dirty="0">
-                <a:latin typeface="Consolas" panose="020B0609020204030204" pitchFamily="49" charset="0"/>
-              </a:rPr>
-              <a:t>中将被</a:t>
-            </a:r>
-            <a:r>
-              <a:rPr lang="zh-CN" altLang="en-US" i="1" dirty="0" smtClean="0">
-                <a:latin typeface="Consolas" panose="020B0609020204030204" pitchFamily="49" charset="0"/>
-              </a:rPr>
-              <a:t>废除</a:t>
-            </a:r>
-            <a:r>
-              <a:rPr lang="en-US" altLang="zh-CN" dirty="0" smtClean="0">
-                <a:latin typeface="Consolas" panose="020B0609020204030204" pitchFamily="49" charset="0"/>
-              </a:rPr>
-              <a:t> </a:t>
-            </a:r>
-          </a:p>
-          <a:p>
-            <a:r>
-              <a:rPr lang="en-US" altLang="zh-CN" dirty="0" smtClean="0">
-                <a:latin typeface="Consolas" panose="020B0609020204030204" pitchFamily="49" charset="0"/>
-              </a:rPr>
-              <a:t>static </a:t>
-            </a:r>
-            <a:r>
-              <a:rPr lang="en-US" altLang="zh-CN" dirty="0" err="1" smtClean="0">
-                <a:latin typeface="Consolas" panose="020B0609020204030204" pitchFamily="49" charset="0"/>
-              </a:rPr>
-              <a:t>getDerivedStateFromProps</a:t>
-            </a:r>
-            <a:r>
-              <a:rPr lang="en-US" altLang="zh-CN" dirty="0">
-                <a:latin typeface="Consolas" panose="020B0609020204030204" pitchFamily="49" charset="0"/>
-              </a:rPr>
-              <a:t>()</a:t>
-            </a:r>
-          </a:p>
-          <a:p>
-            <a:r>
-              <a:rPr lang="en-US" altLang="zh-CN" dirty="0" err="1">
-                <a:latin typeface="Consolas" panose="020B0609020204030204" pitchFamily="49" charset="0"/>
-              </a:rPr>
-              <a:t>shouldComponentUpdate</a:t>
-            </a:r>
-            <a:r>
-              <a:rPr lang="en-US" altLang="zh-CN" dirty="0" smtClean="0">
+              <a:rPr lang="en-US" altLang="zh-CN" sz="2600" dirty="0">
+                <a:latin typeface="Consolas" panose="020B0609020204030204" pitchFamily="49" charset="0"/>
+              </a:rPr>
+              <a:t>constructor</a:t>
+            </a:r>
+            <a:r>
+              <a:rPr lang="en-US" altLang="zh-CN" sz="2600" dirty="0" smtClean="0">
                 <a:latin typeface="Consolas" panose="020B0609020204030204" pitchFamily="49" charset="0"/>
               </a:rPr>
               <a:t>() </a:t>
             </a:r>
             <a:r>
-              <a:rPr lang="zh-CN" altLang="en-US" dirty="0" smtClean="0">
-                <a:latin typeface="Consolas" panose="020B0609020204030204" pitchFamily="49" charset="0"/>
-              </a:rPr>
-              <a:t>组件是否需要重新渲染</a:t>
-            </a:r>
-            <a:endParaRPr lang="en-US" altLang="zh-CN" dirty="0">
+              <a:rPr lang="zh-CN" altLang="en-US" sz="2600" dirty="0" smtClean="0">
+                <a:latin typeface="Consolas" panose="020B0609020204030204" pitchFamily="49" charset="0"/>
+              </a:rPr>
+              <a:t>组件构造函数</a:t>
+            </a:r>
+            <a:endParaRPr lang="en-US" altLang="zh-CN" sz="2600" dirty="0">
               <a:latin typeface="Consolas" panose="020B0609020204030204" pitchFamily="49" charset="0"/>
             </a:endParaRPr>
           </a:p>
           <a:p>
             <a:r>
-              <a:rPr lang="en-US" altLang="zh-CN" strike="sngStrike" dirty="0" err="1">
-                <a:latin typeface="Consolas" panose="020B0609020204030204" pitchFamily="49" charset="0"/>
-              </a:rPr>
-              <a:t>componentWillUpdate</a:t>
-            </a:r>
-            <a:r>
-              <a:rPr lang="en-US" altLang="zh-CN" strike="sngStrike" dirty="0" smtClean="0">
-                <a:latin typeface="Consolas" panose="020B0609020204030204" pitchFamily="49" charset="0"/>
-              </a:rPr>
-              <a:t>()</a:t>
-            </a:r>
-            <a:r>
-              <a:rPr lang="en-US" altLang="zh-CN" dirty="0" smtClean="0">
+              <a:rPr lang="en-US" altLang="zh-CN" sz="2600" dirty="0" smtClean="0">
+                <a:latin typeface="Consolas" panose="020B0609020204030204" pitchFamily="49" charset="0"/>
+              </a:rPr>
+              <a:t>static </a:t>
+            </a:r>
+            <a:r>
+              <a:rPr lang="en-US" altLang="zh-CN" sz="2600" dirty="0" err="1" smtClean="0">
+                <a:latin typeface="Consolas" panose="020B0609020204030204" pitchFamily="49" charset="0"/>
+              </a:rPr>
+              <a:t>getDerivedStateFromProps</a:t>
+            </a:r>
+            <a:r>
+              <a:rPr lang="en-US" altLang="zh-CN" sz="2600" dirty="0" smtClean="0">
+                <a:latin typeface="Consolas" panose="020B0609020204030204" pitchFamily="49" charset="0"/>
+              </a:rPr>
+              <a:t>() </a:t>
+            </a:r>
+            <a:r>
+              <a:rPr lang="zh-CN" altLang="en-US" sz="2400" dirty="0" smtClean="0">
+                <a:latin typeface="Consolas" panose="020B0609020204030204" pitchFamily="49" charset="0"/>
+              </a:rPr>
+              <a:t>处理</a:t>
+            </a:r>
+            <a:r>
+              <a:rPr lang="zh-CN" altLang="en-US" sz="2400" dirty="0">
+                <a:latin typeface="Consolas" panose="020B0609020204030204" pitchFamily="49" charset="0"/>
+              </a:rPr>
+              <a:t>用到</a:t>
+            </a:r>
+            <a:r>
+              <a:rPr lang="zh-CN" altLang="en-US" sz="2400" dirty="0" smtClean="0">
                 <a:latin typeface="Consolas" panose="020B0609020204030204" pitchFamily="49" charset="0"/>
               </a:rPr>
               <a:t> </a:t>
             </a:r>
             <a:r>
-              <a:rPr lang="zh-CN" altLang="en-US" i="1" dirty="0" smtClean="0">
-                <a:latin typeface="Consolas" panose="020B0609020204030204" pitchFamily="49" charset="0"/>
-              </a:rPr>
-              <a:t>在 </a:t>
-            </a:r>
-            <a:r>
-              <a:rPr lang="en-US" altLang="zh-CN" i="1" dirty="0">
-                <a:latin typeface="Consolas" panose="020B0609020204030204" pitchFamily="49" charset="0"/>
-              </a:rPr>
-              <a:t>v17.0 </a:t>
-            </a:r>
-            <a:r>
-              <a:rPr lang="zh-CN" altLang="en-US" i="1" dirty="0">
-                <a:latin typeface="Consolas" panose="020B0609020204030204" pitchFamily="49" charset="0"/>
-              </a:rPr>
-              <a:t>中将被</a:t>
-            </a:r>
-            <a:r>
-              <a:rPr lang="zh-CN" altLang="en-US" i="1" dirty="0" smtClean="0">
-                <a:latin typeface="Consolas" panose="020B0609020204030204" pitchFamily="49" charset="0"/>
-              </a:rPr>
-              <a:t>废除</a:t>
-            </a:r>
-            <a:endParaRPr lang="en-US" altLang="zh-CN" dirty="0" smtClean="0">
+              <a:rPr lang="en-US" altLang="zh-CN" sz="2400" dirty="0" smtClean="0">
+                <a:latin typeface="Consolas" panose="020B0609020204030204" pitchFamily="49" charset="0"/>
+              </a:rPr>
+              <a:t>props </a:t>
+            </a:r>
+            <a:r>
+              <a:rPr lang="zh-CN" altLang="en-US" sz="2400" dirty="0" smtClean="0">
+                <a:latin typeface="Consolas" panose="020B0609020204030204" pitchFamily="49" charset="0"/>
+              </a:rPr>
+              <a:t>的 </a:t>
+            </a:r>
+            <a:r>
+              <a:rPr lang="en-US" altLang="zh-CN" sz="2400" dirty="0" smtClean="0">
+                <a:latin typeface="Consolas" panose="020B0609020204030204" pitchFamily="49" charset="0"/>
+              </a:rPr>
+              <a:t>state</a:t>
+            </a:r>
+            <a:endParaRPr lang="en-US" altLang="zh-CN" sz="2400" dirty="0">
               <a:latin typeface="Consolas" panose="020B0609020204030204" pitchFamily="49" charset="0"/>
             </a:endParaRPr>
           </a:p>
           <a:p>
             <a:r>
-              <a:rPr lang="en-US" altLang="zh-CN" dirty="0" smtClean="0">
-                <a:latin typeface="Consolas" panose="020B0609020204030204" pitchFamily="49" charset="0"/>
-              </a:rPr>
-              <a:t>render() </a:t>
-            </a:r>
-            <a:r>
-              <a:rPr lang="zh-CN" altLang="en-US" dirty="0" smtClean="0">
-                <a:latin typeface="Consolas" panose="020B0609020204030204" pitchFamily="49" charset="0"/>
-              </a:rPr>
-              <a:t>重新渲染</a:t>
-            </a:r>
-            <a:endParaRPr lang="en-US" altLang="zh-CN" dirty="0">
+              <a:rPr lang="en-US" altLang="zh-CN" sz="2600" strike="sngStrike" dirty="0" err="1">
+                <a:latin typeface="Consolas" panose="020B0609020204030204" pitchFamily="49" charset="0"/>
+              </a:rPr>
+              <a:t>componentWillMount</a:t>
+            </a:r>
+            <a:r>
+              <a:rPr lang="en-US" altLang="zh-CN" sz="2600" strike="sngStrike" dirty="0" smtClean="0">
+                <a:latin typeface="Consolas" panose="020B0609020204030204" pitchFamily="49" charset="0"/>
+              </a:rPr>
+              <a:t>()</a:t>
+            </a:r>
+            <a:r>
+              <a:rPr lang="en-US" altLang="zh-CN" sz="2600" dirty="0" smtClean="0">
+                <a:latin typeface="Consolas" panose="020B0609020204030204" pitchFamily="49" charset="0"/>
+              </a:rPr>
+              <a:t> </a:t>
+            </a:r>
+            <a:r>
+              <a:rPr lang="zh-CN" altLang="en-US" sz="2600" i="1" dirty="0" smtClean="0">
+                <a:latin typeface="Consolas" panose="020B0609020204030204" pitchFamily="49" charset="0"/>
+              </a:rPr>
+              <a:t>在 </a:t>
+            </a:r>
+            <a:r>
+              <a:rPr lang="en-US" altLang="zh-CN" sz="2600" i="1" dirty="0" smtClean="0">
+                <a:latin typeface="Consolas" panose="020B0609020204030204" pitchFamily="49" charset="0"/>
+              </a:rPr>
+              <a:t>v17.0 </a:t>
+            </a:r>
+            <a:r>
+              <a:rPr lang="zh-CN" altLang="en-US" sz="2600" i="1" dirty="0" smtClean="0">
+                <a:latin typeface="Consolas" panose="020B0609020204030204" pitchFamily="49" charset="0"/>
+              </a:rPr>
+              <a:t>中将被废除</a:t>
+            </a:r>
+            <a:endParaRPr lang="en-US" altLang="zh-CN" sz="2600" i="1" strike="sngStrike" dirty="0" smtClean="0">
               <a:latin typeface="Consolas" panose="020B0609020204030204" pitchFamily="49" charset="0"/>
             </a:endParaRPr>
           </a:p>
           <a:p>
             <a:r>
-              <a:rPr lang="en-US" altLang="zh-CN" dirty="0" err="1">
-                <a:latin typeface="Consolas" panose="020B0609020204030204" pitchFamily="49" charset="0"/>
-              </a:rPr>
-              <a:t>getSnapshotBeforeUpdate</a:t>
-            </a:r>
-            <a:r>
-              <a:rPr lang="en-US" altLang="zh-CN" dirty="0" smtClean="0">
-                <a:latin typeface="Consolas" panose="020B0609020204030204" pitchFamily="49" charset="0"/>
-              </a:rPr>
-              <a:t>() </a:t>
-            </a:r>
-            <a:r>
-              <a:rPr lang="zh-CN" altLang="en-US" sz="1600" dirty="0" smtClean="0">
-                <a:latin typeface="Consolas" panose="020B0609020204030204" pitchFamily="49" charset="0"/>
-              </a:rPr>
-              <a:t>为 </a:t>
-            </a:r>
-            <a:r>
-              <a:rPr lang="en-US" altLang="zh-CN" sz="1600" dirty="0" err="1" smtClean="0">
-                <a:latin typeface="Consolas" panose="020B0609020204030204" pitchFamily="49" charset="0"/>
-              </a:rPr>
-              <a:t>componentDidUpdate</a:t>
-            </a:r>
-            <a:r>
-              <a:rPr lang="en-US" altLang="zh-CN" sz="1600" dirty="0" smtClean="0">
-                <a:latin typeface="Consolas" panose="020B0609020204030204" pitchFamily="49" charset="0"/>
-              </a:rPr>
-              <a:t> </a:t>
-            </a:r>
-            <a:r>
-              <a:rPr lang="zh-CN" altLang="en-US" sz="1600" dirty="0" smtClean="0">
-                <a:latin typeface="Consolas" panose="020B0609020204030204" pitchFamily="49" charset="0"/>
-              </a:rPr>
-              <a:t>提供第三个参数</a:t>
-            </a:r>
-            <a:r>
-              <a:rPr lang="en-US" altLang="zh-CN" sz="1600" dirty="0" smtClean="0">
-                <a:latin typeface="Consolas" panose="020B0609020204030204" pitchFamily="49" charset="0"/>
-              </a:rPr>
-              <a:t>, </a:t>
-            </a:r>
-            <a:r>
-              <a:rPr lang="zh-CN" altLang="en-US" sz="1600" dirty="0" smtClean="0">
-                <a:latin typeface="Consolas" panose="020B0609020204030204" pitchFamily="49" charset="0"/>
-              </a:rPr>
-              <a:t>很少使用</a:t>
-            </a:r>
-            <a:endParaRPr lang="en-US" altLang="zh-CN" sz="1800" dirty="0" smtClean="0">
+              <a:rPr lang="en-US" altLang="zh-CN" sz="2600" dirty="0" smtClean="0">
+                <a:latin typeface="Consolas" panose="020B0609020204030204" pitchFamily="49" charset="0"/>
+              </a:rPr>
+              <a:t>render() </a:t>
+            </a:r>
+            <a:r>
+              <a:rPr lang="zh-CN" altLang="en-US" sz="2600" dirty="0" smtClean="0">
+                <a:latin typeface="Consolas" panose="020B0609020204030204" pitchFamily="49" charset="0"/>
+              </a:rPr>
+              <a:t>渲染</a:t>
+            </a:r>
+            <a:endParaRPr lang="en-US" altLang="zh-CN" sz="2600" dirty="0">
               <a:latin typeface="Consolas" panose="020B0609020204030204" pitchFamily="49" charset="0"/>
             </a:endParaRPr>
           </a:p>
           <a:p>
             <a:r>
-              <a:rPr lang="en-US" altLang="zh-CN" dirty="0" err="1" smtClean="0">
-                <a:latin typeface="Consolas" panose="020B0609020204030204" pitchFamily="49" charset="0"/>
-              </a:rPr>
-              <a:t>componentDidUpdate</a:t>
-            </a:r>
-            <a:r>
-              <a:rPr lang="en-US" altLang="zh-CN" dirty="0" smtClean="0">
+              <a:rPr lang="en-US" altLang="zh-CN" sz="2600" dirty="0" err="1">
+                <a:latin typeface="Consolas" panose="020B0609020204030204" pitchFamily="49" charset="0"/>
+              </a:rPr>
+              <a:t>componentDidMount</a:t>
+            </a:r>
+            <a:r>
+              <a:rPr lang="en-US" altLang="zh-CN" sz="2600" dirty="0" smtClean="0">
                 <a:latin typeface="Consolas" panose="020B0609020204030204" pitchFamily="49" charset="0"/>
               </a:rPr>
               <a:t>() </a:t>
             </a:r>
             <a:r>
-              <a:rPr lang="zh-CN" altLang="en-US" dirty="0" smtClean="0">
-                <a:latin typeface="Consolas" panose="020B0609020204030204" pitchFamily="49" charset="0"/>
-              </a:rPr>
-              <a:t>组件更新完毕</a:t>
-            </a:r>
-            <a:endParaRPr lang="zh-CN" altLang="en-US" dirty="0">
+              <a:rPr lang="zh-CN" altLang="en-US" sz="2600" dirty="0" smtClean="0">
+                <a:latin typeface="Consolas" panose="020B0609020204030204" pitchFamily="49" charset="0"/>
+              </a:rPr>
+              <a:t>组件插入真实 </a:t>
+            </a:r>
+            <a:r>
+              <a:rPr lang="en-US" altLang="zh-CN" sz="2600" dirty="0" smtClean="0">
+                <a:latin typeface="Consolas" panose="020B0609020204030204" pitchFamily="49" charset="0"/>
+              </a:rPr>
+              <a:t>DOM </a:t>
+            </a:r>
+            <a:r>
+              <a:rPr lang="zh-CN" altLang="en-US" sz="2600" dirty="0" smtClean="0">
+                <a:latin typeface="Consolas" panose="020B0609020204030204" pitchFamily="49" charset="0"/>
+              </a:rPr>
+              <a:t>完毕</a:t>
+            </a:r>
+            <a:endParaRPr lang="zh-CN" altLang="en-US" sz="2600" dirty="0">
               <a:latin typeface="Consolas" panose="020B0609020204030204" pitchFamily="49" charset="0"/>
             </a:endParaRPr>
           </a:p>
@@ -7776,7 +7791,7 @@
     </p:spTree>
     <p:extLst>
       <p:ext uri="{BB962C8B-B14F-4D97-AF65-F5344CB8AC3E}">
-        <p14:creationId xmlns:p14="http://schemas.microsoft.com/office/powerpoint/2010/main" val="178662957"/>
+        <p14:creationId xmlns:p14="http://schemas.microsoft.com/office/powerpoint/2010/main" val="734602917"/>
       </p:ext>
     </p:extLst>
   </p:cSld>
@@ -7865,6 +7880,347 @@
         </p:nvSpPr>
         <p:spPr/>
         <p:txBody>
+          <a:bodyPr>
+            <a:normAutofit/>
+          </a:bodyPr>
+          <a:lstStyle/>
+          <a:p>
+            <a:pPr marL="0" indent="0">
+              <a:buNone/>
+            </a:pPr>
+            <a:r>
+              <a:rPr lang="zh-CN" altLang="en-US" dirty="0" smtClean="0"/>
+              <a:t>组件更新时调用</a:t>
+            </a:r>
+            <a:endParaRPr lang="en-US" altLang="zh-CN" dirty="0" smtClean="0"/>
+          </a:p>
+          <a:p>
+            <a:r>
+              <a:rPr lang="en-US" altLang="zh-CN" strike="sngStrike" dirty="0" err="1">
+                <a:latin typeface="Consolas" panose="020B0609020204030204" pitchFamily="49" charset="0"/>
+              </a:rPr>
+              <a:t>componentWillReceiveProps</a:t>
+            </a:r>
+            <a:r>
+              <a:rPr lang="en-US" altLang="zh-CN" strike="sngStrike" dirty="0" smtClean="0">
+                <a:latin typeface="Consolas" panose="020B0609020204030204" pitchFamily="49" charset="0"/>
+              </a:rPr>
+              <a:t>()</a:t>
+            </a:r>
+            <a:r>
+              <a:rPr lang="en-US" altLang="zh-CN" dirty="0" smtClean="0">
+                <a:latin typeface="Consolas" panose="020B0609020204030204" pitchFamily="49" charset="0"/>
+              </a:rPr>
+              <a:t> </a:t>
+            </a:r>
+            <a:r>
+              <a:rPr lang="zh-CN" altLang="en-US" i="1" dirty="0" smtClean="0">
+                <a:latin typeface="Consolas" panose="020B0609020204030204" pitchFamily="49" charset="0"/>
+              </a:rPr>
+              <a:t>在 </a:t>
+            </a:r>
+            <a:r>
+              <a:rPr lang="en-US" altLang="zh-CN" i="1" dirty="0">
+                <a:latin typeface="Consolas" panose="020B0609020204030204" pitchFamily="49" charset="0"/>
+              </a:rPr>
+              <a:t>v17.0 </a:t>
+            </a:r>
+            <a:r>
+              <a:rPr lang="zh-CN" altLang="en-US" i="1" dirty="0">
+                <a:latin typeface="Consolas" panose="020B0609020204030204" pitchFamily="49" charset="0"/>
+              </a:rPr>
+              <a:t>中将被</a:t>
+            </a:r>
+            <a:r>
+              <a:rPr lang="zh-CN" altLang="en-US" i="1" dirty="0" smtClean="0">
+                <a:latin typeface="Consolas" panose="020B0609020204030204" pitchFamily="49" charset="0"/>
+              </a:rPr>
+              <a:t>废除</a:t>
+            </a:r>
+            <a:r>
+              <a:rPr lang="en-US" altLang="zh-CN" dirty="0" smtClean="0">
+                <a:latin typeface="Consolas" panose="020B0609020204030204" pitchFamily="49" charset="0"/>
+              </a:rPr>
+              <a:t> </a:t>
+            </a:r>
+          </a:p>
+          <a:p>
+            <a:r>
+              <a:rPr lang="en-US" altLang="zh-CN" dirty="0" smtClean="0">
+                <a:latin typeface="Consolas" panose="020B0609020204030204" pitchFamily="49" charset="0"/>
+              </a:rPr>
+              <a:t>static </a:t>
+            </a:r>
+            <a:r>
+              <a:rPr lang="en-US" altLang="zh-CN" dirty="0" err="1" smtClean="0">
+                <a:latin typeface="Consolas" panose="020B0609020204030204" pitchFamily="49" charset="0"/>
+              </a:rPr>
+              <a:t>getDerivedStateFromProps</a:t>
+            </a:r>
+            <a:r>
+              <a:rPr lang="en-US" altLang="zh-CN" dirty="0">
+                <a:latin typeface="Consolas" panose="020B0609020204030204" pitchFamily="49" charset="0"/>
+              </a:rPr>
+              <a:t>()</a:t>
+            </a:r>
+          </a:p>
+          <a:p>
+            <a:r>
+              <a:rPr lang="en-US" altLang="zh-CN" dirty="0" err="1">
+                <a:latin typeface="Consolas" panose="020B0609020204030204" pitchFamily="49" charset="0"/>
+              </a:rPr>
+              <a:t>shouldComponentUpdate</a:t>
+            </a:r>
+            <a:r>
+              <a:rPr lang="en-US" altLang="zh-CN" dirty="0" smtClean="0">
+                <a:latin typeface="Consolas" panose="020B0609020204030204" pitchFamily="49" charset="0"/>
+              </a:rPr>
+              <a:t>() </a:t>
+            </a:r>
+            <a:r>
+              <a:rPr lang="zh-CN" altLang="en-US" dirty="0" smtClean="0">
+                <a:latin typeface="Consolas" panose="020B0609020204030204" pitchFamily="49" charset="0"/>
+              </a:rPr>
+              <a:t>组件是否需要重新渲染</a:t>
+            </a:r>
+            <a:endParaRPr lang="en-US" altLang="zh-CN" dirty="0">
+              <a:latin typeface="Consolas" panose="020B0609020204030204" pitchFamily="49" charset="0"/>
+            </a:endParaRPr>
+          </a:p>
+          <a:p>
+            <a:r>
+              <a:rPr lang="en-US" altLang="zh-CN" strike="sngStrike" dirty="0" err="1">
+                <a:latin typeface="Consolas" panose="020B0609020204030204" pitchFamily="49" charset="0"/>
+              </a:rPr>
+              <a:t>componentWillUpdate</a:t>
+            </a:r>
+            <a:r>
+              <a:rPr lang="en-US" altLang="zh-CN" strike="sngStrike" dirty="0" smtClean="0">
+                <a:latin typeface="Consolas" panose="020B0609020204030204" pitchFamily="49" charset="0"/>
+              </a:rPr>
+              <a:t>()</a:t>
+            </a:r>
+            <a:r>
+              <a:rPr lang="en-US" altLang="zh-CN" dirty="0" smtClean="0">
+                <a:latin typeface="Consolas" panose="020B0609020204030204" pitchFamily="49" charset="0"/>
+              </a:rPr>
+              <a:t> </a:t>
+            </a:r>
+            <a:r>
+              <a:rPr lang="zh-CN" altLang="en-US" i="1" dirty="0" smtClean="0">
+                <a:latin typeface="Consolas" panose="020B0609020204030204" pitchFamily="49" charset="0"/>
+              </a:rPr>
+              <a:t>在 </a:t>
+            </a:r>
+            <a:r>
+              <a:rPr lang="en-US" altLang="zh-CN" i="1" dirty="0">
+                <a:latin typeface="Consolas" panose="020B0609020204030204" pitchFamily="49" charset="0"/>
+              </a:rPr>
+              <a:t>v17.0 </a:t>
+            </a:r>
+            <a:r>
+              <a:rPr lang="zh-CN" altLang="en-US" i="1" dirty="0">
+                <a:latin typeface="Consolas" panose="020B0609020204030204" pitchFamily="49" charset="0"/>
+              </a:rPr>
+              <a:t>中将被</a:t>
+            </a:r>
+            <a:r>
+              <a:rPr lang="zh-CN" altLang="en-US" i="1" dirty="0" smtClean="0">
+                <a:latin typeface="Consolas" panose="020B0609020204030204" pitchFamily="49" charset="0"/>
+              </a:rPr>
+              <a:t>废除</a:t>
+            </a:r>
+            <a:endParaRPr lang="en-US" altLang="zh-CN" dirty="0" smtClean="0">
+              <a:latin typeface="Consolas" panose="020B0609020204030204" pitchFamily="49" charset="0"/>
+            </a:endParaRPr>
+          </a:p>
+          <a:p>
+            <a:r>
+              <a:rPr lang="en-US" altLang="zh-CN" dirty="0" smtClean="0">
+                <a:latin typeface="Consolas" panose="020B0609020204030204" pitchFamily="49" charset="0"/>
+              </a:rPr>
+              <a:t>render() </a:t>
+            </a:r>
+            <a:r>
+              <a:rPr lang="zh-CN" altLang="en-US" dirty="0" smtClean="0">
+                <a:latin typeface="Consolas" panose="020B0609020204030204" pitchFamily="49" charset="0"/>
+              </a:rPr>
+              <a:t>重新渲染</a:t>
+            </a:r>
+            <a:endParaRPr lang="en-US" altLang="zh-CN" dirty="0">
+              <a:latin typeface="Consolas" panose="020B0609020204030204" pitchFamily="49" charset="0"/>
+            </a:endParaRPr>
+          </a:p>
+          <a:p>
+            <a:r>
+              <a:rPr lang="en-US" altLang="zh-CN" dirty="0" err="1">
+                <a:latin typeface="Consolas" panose="020B0609020204030204" pitchFamily="49" charset="0"/>
+              </a:rPr>
+              <a:t>getSnapshotBeforeUpdate</a:t>
+            </a:r>
+            <a:r>
+              <a:rPr lang="en-US" altLang="zh-CN" dirty="0" smtClean="0">
+                <a:latin typeface="Consolas" panose="020B0609020204030204" pitchFamily="49" charset="0"/>
+              </a:rPr>
+              <a:t>() </a:t>
+            </a:r>
+            <a:r>
+              <a:rPr lang="zh-CN" altLang="en-US" sz="1600" dirty="0" smtClean="0">
+                <a:latin typeface="Consolas" panose="020B0609020204030204" pitchFamily="49" charset="0"/>
+              </a:rPr>
+              <a:t>为 </a:t>
+            </a:r>
+            <a:r>
+              <a:rPr lang="en-US" altLang="zh-CN" sz="1600" dirty="0" err="1" smtClean="0">
+                <a:latin typeface="Consolas" panose="020B0609020204030204" pitchFamily="49" charset="0"/>
+              </a:rPr>
+              <a:t>componentDidUpdate</a:t>
+            </a:r>
+            <a:r>
+              <a:rPr lang="en-US" altLang="zh-CN" sz="1600" dirty="0" smtClean="0">
+                <a:latin typeface="Consolas" panose="020B0609020204030204" pitchFamily="49" charset="0"/>
+              </a:rPr>
+              <a:t> </a:t>
+            </a:r>
+            <a:r>
+              <a:rPr lang="zh-CN" altLang="en-US" sz="1600" dirty="0" smtClean="0">
+                <a:latin typeface="Consolas" panose="020B0609020204030204" pitchFamily="49" charset="0"/>
+              </a:rPr>
+              <a:t>提供第三个参数</a:t>
+            </a:r>
+            <a:r>
+              <a:rPr lang="en-US" altLang="zh-CN" sz="1600" dirty="0" smtClean="0">
+                <a:latin typeface="Consolas" panose="020B0609020204030204" pitchFamily="49" charset="0"/>
+              </a:rPr>
+              <a:t>, </a:t>
+            </a:r>
+            <a:r>
+              <a:rPr lang="zh-CN" altLang="en-US" sz="1600" dirty="0" smtClean="0">
+                <a:latin typeface="Consolas" panose="020B0609020204030204" pitchFamily="49" charset="0"/>
+              </a:rPr>
+              <a:t>很少使用</a:t>
+            </a:r>
+            <a:endParaRPr lang="en-US" altLang="zh-CN" sz="1800" dirty="0" smtClean="0">
+              <a:latin typeface="Consolas" panose="020B0609020204030204" pitchFamily="49" charset="0"/>
+            </a:endParaRPr>
+          </a:p>
+          <a:p>
+            <a:r>
+              <a:rPr lang="en-US" altLang="zh-CN" dirty="0" err="1" smtClean="0">
+                <a:latin typeface="Consolas" panose="020B0609020204030204" pitchFamily="49" charset="0"/>
+              </a:rPr>
+              <a:t>componentDidUpdate</a:t>
+            </a:r>
+            <a:r>
+              <a:rPr lang="en-US" altLang="zh-CN" dirty="0" smtClean="0">
+                <a:latin typeface="Consolas" panose="020B0609020204030204" pitchFamily="49" charset="0"/>
+              </a:rPr>
+              <a:t>() </a:t>
+            </a:r>
+            <a:r>
+              <a:rPr lang="zh-CN" altLang="en-US" dirty="0" smtClean="0">
+                <a:latin typeface="Consolas" panose="020B0609020204030204" pitchFamily="49" charset="0"/>
+              </a:rPr>
+              <a:t>组件更新完毕</a:t>
+            </a:r>
+            <a:endParaRPr lang="zh-CN" altLang="en-US" dirty="0">
+              <a:latin typeface="Consolas" panose="020B0609020204030204" pitchFamily="49" charset="0"/>
+            </a:endParaRPr>
+          </a:p>
+        </p:txBody>
+      </p:sp>
+    </p:spTree>
+    <p:extLst>
+      <p:ext uri="{BB962C8B-B14F-4D97-AF65-F5344CB8AC3E}">
+        <p14:creationId xmlns:p14="http://schemas.microsoft.com/office/powerpoint/2010/main" val="178662957"/>
+      </p:ext>
+    </p:extLst>
+  </p:cSld>
+  <p:clrMapOvr>
+    <a:masterClrMapping/>
+  </p:clrMapOvr>
+  <p:timing>
+    <p:tnLst>
+      <p:par>
+        <p:cTn id="1" dur="indefinite" restart="never" nodeType="tmRoot"/>
+      </p:par>
+    </p:tnLst>
+  </p:timing>
+</p:sld>
+</file>
+
+<file path=ppt/slides/slide17.xml><?xml version="1.0" encoding="utf-8"?>
+<p:sld xmlns:a="http://schemas.openxmlformats.org/drawingml/2006/main" xmlns:r="http://schemas.openxmlformats.org/officeDocument/2006/relationships" xmlns:p="http://schemas.openxmlformats.org/presentationml/2006/main">
+  <p:cSld>
+    <p:spTree>
+      <p:nvGrpSpPr>
+        <p:cNvPr id="1" name=""/>
+        <p:cNvGrpSpPr/>
+        <p:nvPr/>
+      </p:nvGrpSpPr>
+      <p:grpSpPr>
+        <a:xfrm>
+          <a:off x="0" y="0"/>
+          <a:ext cx="0" cy="0"/>
+          <a:chOff x="0" y="0"/>
+          <a:chExt cx="0" cy="0"/>
+        </a:xfrm>
+      </p:grpSpPr>
+      <p:sp>
+        <p:nvSpPr>
+          <p:cNvPr id="2" name="标题 1"/>
+          <p:cNvSpPr>
+            <a:spLocks noGrp="1"/>
+          </p:cNvSpPr>
+          <p:nvPr>
+            <p:ph type="title"/>
+          </p:nvPr>
+        </p:nvSpPr>
+        <p:spPr/>
+        <p:txBody>
+          <a:bodyPr/>
+          <a:lstStyle/>
+          <a:p>
+            <a:r>
+              <a:rPr lang="en-US" altLang="zh-CN" dirty="0" smtClean="0"/>
+              <a:t>2.5 </a:t>
+            </a:r>
+            <a:r>
+              <a:rPr lang="zh-CN" altLang="en-US" dirty="0" smtClean="0"/>
+              <a:t>组件</a:t>
+            </a:r>
+            <a:r>
+              <a:rPr lang="zh-CN" altLang="en-US" dirty="0"/>
+              <a:t>生命周期 </a:t>
+            </a:r>
+            <a:r>
+              <a:rPr lang="en-US" altLang="zh-CN" dirty="0"/>
+              <a:t>(v16.3</a:t>
+            </a:r>
+            <a:r>
+              <a:rPr lang="zh-CN" altLang="en-US" dirty="0"/>
+              <a:t>之后</a:t>
+            </a:r>
+            <a:r>
+              <a:rPr lang="en-US" altLang="zh-CN" dirty="0"/>
+              <a:t>)</a:t>
+            </a:r>
+            <a:endParaRPr lang="zh-CN" altLang="en-US" dirty="0"/>
+          </a:p>
+        </p:txBody>
+      </p:sp>
+      <p:sp>
+        <p:nvSpPr>
+          <p:cNvPr id="3" name="内容占位符 2"/>
+          <p:cNvSpPr>
+            <a:spLocks noGrp="1"/>
+          </p:cNvSpPr>
+          <p:nvPr>
+            <p:ph idx="1"/>
+          </p:nvPr>
+        </p:nvSpPr>
+        <p:spPr/>
+        <p:txBody>
           <a:bodyPr/>
           <a:lstStyle/>
           <a:p>
@@ -7976,7 +8332,7 @@
 </p:sld>
 </file>
 
-<file path=ppt/slides/slide17.xml><?xml version="1.0" encoding="utf-8"?>
+<file path=ppt/slides/slide18.xml><?xml version="1.0" encoding="utf-8"?>
 <p:sld xmlns:a="http://schemas.openxmlformats.org/drawingml/2006/main" xmlns:r="http://schemas.openxmlformats.org/officeDocument/2006/relationships" xmlns:p="http://schemas.openxmlformats.org/presentationml/2006/main">
   <p:cSld>
     <p:spTree>
@@ -8413,138 +8769,6 @@
 </p:sld>
 </file>
 
-<file path=ppt/slides/slide18.xml><?xml version="1.0" encoding="utf-8"?>
-<p:sld xmlns:a="http://schemas.openxmlformats.org/drawingml/2006/main" xmlns:r="http://schemas.openxmlformats.org/officeDocument/2006/relationships" xmlns:p="http://schemas.openxmlformats.org/presentationml/2006/main">
-  <p:cSld>
-    <p:spTree>
-      <p:nvGrpSpPr>
-        <p:cNvPr id="1" name=""/>
-        <p:cNvGrpSpPr/>
-        <p:nvPr/>
-      </p:nvGrpSpPr>
-      <p:grpSpPr>
-        <a:xfrm>
-          <a:off x="0" y="0"/>
-          <a:ext cx="0" cy="0"/>
-          <a:chOff x="0" y="0"/>
-          <a:chExt cx="0" cy="0"/>
-        </a:xfrm>
-      </p:grpSpPr>
-      <p:sp>
-        <p:nvSpPr>
-          <p:cNvPr id="2" name="标题 1"/>
-          <p:cNvSpPr>
-            <a:spLocks noGrp="1"/>
-          </p:cNvSpPr>
-          <p:nvPr>
-            <p:ph type="title"/>
-          </p:nvPr>
-        </p:nvSpPr>
-        <p:spPr/>
-        <p:txBody>
-          <a:bodyPr/>
-          <a:lstStyle/>
-          <a:p>
-            <a:r>
-              <a:rPr lang="en-US" altLang="zh-CN" dirty="0" smtClean="0"/>
-              <a:t>2.6 </a:t>
-            </a:r>
-            <a:r>
-              <a:rPr lang="zh-CN" altLang="en-US" dirty="0" smtClean="0"/>
-              <a:t>列表和 </a:t>
-            </a:r>
-            <a:r>
-              <a:rPr lang="en-US" altLang="zh-CN" dirty="0" smtClean="0"/>
-              <a:t>key </a:t>
-            </a:r>
-            <a:endParaRPr lang="zh-CN" altLang="en-US" dirty="0"/>
-          </a:p>
-        </p:txBody>
-      </p:sp>
-      <p:sp>
-        <p:nvSpPr>
-          <p:cNvPr id="3" name="内容占位符 2"/>
-          <p:cNvSpPr>
-            <a:spLocks noGrp="1"/>
-          </p:cNvSpPr>
-          <p:nvPr>
-            <p:ph idx="1"/>
-          </p:nvPr>
-        </p:nvSpPr>
-        <p:spPr/>
-        <p:txBody>
-          <a:bodyPr/>
-          <a:lstStyle/>
-          <a:p>
-            <a:r>
-              <a:rPr lang="en-US" altLang="zh-CN" dirty="0" smtClean="0"/>
-              <a:t>JSX </a:t>
-            </a:r>
-            <a:r>
-              <a:rPr lang="zh-CN" altLang="en-US" dirty="0" smtClean="0"/>
-              <a:t>中可以使用 </a:t>
-            </a:r>
-            <a:r>
-              <a:rPr lang="en-US" altLang="zh-CN" dirty="0" smtClean="0">
-                <a:latin typeface="Consolas" panose="020B0609020204030204" pitchFamily="49" charset="0"/>
-              </a:rPr>
-              <a:t>map</a:t>
-            </a:r>
-            <a:r>
-              <a:rPr lang="en-US" altLang="zh-CN" dirty="0" smtClean="0"/>
-              <a:t> </a:t>
-            </a:r>
-            <a:r>
-              <a:rPr lang="zh-CN" altLang="en-US" dirty="0"/>
-              <a:t>函</a:t>
-            </a:r>
-            <a:r>
-              <a:rPr lang="zh-CN" altLang="en-US" dirty="0" smtClean="0"/>
-              <a:t>数将数组渲染为列表</a:t>
-            </a:r>
-            <a:endParaRPr lang="en-US" altLang="zh-CN" dirty="0" smtClean="0"/>
-          </a:p>
-          <a:p>
-            <a:endParaRPr lang="en-US" altLang="zh-CN" dirty="0"/>
-          </a:p>
-          <a:p>
-            <a:r>
-              <a:rPr lang="zh-CN" altLang="en-US" dirty="0" smtClean="0"/>
-              <a:t>为列表中每一项指定 </a:t>
-            </a:r>
-            <a:r>
-              <a:rPr lang="en-US" altLang="zh-CN" dirty="0" smtClean="0"/>
-              <a:t>key </a:t>
-            </a:r>
-            <a:r>
-              <a:rPr lang="zh-CN" altLang="en-US" dirty="0" smtClean="0"/>
-              <a:t>便于 </a:t>
-            </a:r>
-            <a:r>
-              <a:rPr lang="en-US" altLang="zh-CN" dirty="0" smtClean="0"/>
-              <a:t>React </a:t>
-            </a:r>
-            <a:r>
-              <a:rPr lang="zh-CN" altLang="en-US" dirty="0" smtClean="0"/>
-              <a:t>进行优化</a:t>
-            </a:r>
-            <a:endParaRPr lang="zh-CN" altLang="en-US" dirty="0"/>
-          </a:p>
-        </p:txBody>
-      </p:sp>
-    </p:spTree>
-    <p:extLst>
-      <p:ext uri="{BB962C8B-B14F-4D97-AF65-F5344CB8AC3E}">
-        <p14:creationId xmlns:p14="http://schemas.microsoft.com/office/powerpoint/2010/main" val="2934084111"/>
-      </p:ext>
-    </p:extLst>
-  </p:cSld>
-  <p:clrMapOvr>
-    <a:masterClrMapping/>
-  </p:clrMapOvr>
-</p:sld>
-</file>
-
 <file path=ppt/slides/slide19.xml><?xml version="1.0" encoding="utf-8"?>
 <p:sld xmlns:a="http://schemas.openxmlformats.org/drawingml/2006/main" xmlns:r="http://schemas.openxmlformats.org/officeDocument/2006/relationships" xmlns:p="http://schemas.openxmlformats.org/presentationml/2006/main">
   <p:cSld>
@@ -8579,11 +8803,15 @@
           <a:p>
             <a:r>
               <a:rPr lang="en-US" altLang="zh-CN" dirty="0" smtClean="0"/>
-              <a:t>2.7 </a:t>
+              <a:t>2.6 </a:t>
             </a:r>
             <a:r>
               <a:rPr lang="zh-CN" altLang="en-US" dirty="0" smtClean="0"/>
-              <a:t>表单</a:t>
+              <a:t>列表和 </a:t>
+            </a:r>
+            <a:r>
+              <a:rPr lang="en-US" altLang="zh-CN" dirty="0" smtClean="0"/>
+              <a:t>key </a:t>
             </a:r>
             <a:endParaRPr lang="zh-CN" altLang="en-US" dirty="0"/>
           </a:p>
@@ -8605,9 +8833,133 @@
           <a:lstStyle/>
           <a:p>
             <a:r>
+              <a:rPr lang="en-US" altLang="zh-CN" dirty="0" smtClean="0"/>
+              <a:t>JSX </a:t>
+            </a:r>
+            <a:r>
               <a:rPr lang="zh-CN" altLang="en-US" dirty="0" smtClean="0"/>
-              <a:t>受控组件</a:t>
-            </a:r>
+              <a:t>中可以使用 </a:t>
+            </a:r>
+            <a:r>
+              <a:rPr lang="en-US" altLang="zh-CN" dirty="0" smtClean="0">
+                <a:latin typeface="Consolas" panose="020B0609020204030204" pitchFamily="49" charset="0"/>
+              </a:rPr>
+              <a:t>map</a:t>
+            </a:r>
+            <a:r>
+              <a:rPr lang="en-US" altLang="zh-CN" dirty="0" smtClean="0"/>
+              <a:t> </a:t>
+            </a:r>
+            <a:r>
+              <a:rPr lang="zh-CN" altLang="en-US" dirty="0"/>
+              <a:t>函</a:t>
+            </a:r>
+            <a:r>
+              <a:rPr lang="zh-CN" altLang="en-US" dirty="0" smtClean="0"/>
+              <a:t>数将数组渲染为列表</a:t>
+            </a:r>
+            <a:endParaRPr lang="en-US" altLang="zh-CN" dirty="0" smtClean="0"/>
+          </a:p>
+          <a:p>
+            <a:endParaRPr lang="en-US" altLang="zh-CN" dirty="0"/>
+          </a:p>
+          <a:p>
+            <a:r>
+              <a:rPr lang="zh-CN" altLang="en-US" dirty="0" smtClean="0"/>
+              <a:t>为列表中每一项指定 </a:t>
+            </a:r>
+            <a:r>
+              <a:rPr lang="en-US" altLang="zh-CN" dirty="0" smtClean="0"/>
+              <a:t>key </a:t>
+            </a:r>
+            <a:r>
+              <a:rPr lang="zh-CN" altLang="en-US" dirty="0" smtClean="0"/>
+              <a:t>便于 </a:t>
+            </a:r>
+            <a:r>
+              <a:rPr lang="en-US" altLang="zh-CN" dirty="0" smtClean="0"/>
+              <a:t>React </a:t>
+            </a:r>
+            <a:r>
+              <a:rPr lang="zh-CN" altLang="en-US" dirty="0" smtClean="0"/>
+              <a:t>进行优</a:t>
+            </a:r>
+            <a:r>
+              <a:rPr lang="zh-CN" altLang="en-US" dirty="0" smtClean="0"/>
+              <a:t>化</a:t>
+            </a:r>
+            <a:endParaRPr lang="en-US" altLang="zh-CN" dirty="0" smtClean="0"/>
+          </a:p>
+          <a:p>
+            <a:pPr lvl="1"/>
+            <a:r>
+              <a:rPr lang="en-US" altLang="zh-CN" dirty="0"/>
+              <a:t>Key </a:t>
+            </a:r>
+            <a:r>
+              <a:rPr lang="zh-CN" altLang="en-US" dirty="0"/>
+              <a:t>相同，若组件属性有所变化，</a:t>
+            </a:r>
+            <a:r>
+              <a:rPr lang="zh-CN" altLang="en-US" dirty="0" smtClean="0"/>
+              <a:t>则 </a:t>
+            </a:r>
+            <a:r>
+              <a:rPr lang="en-US" altLang="zh-CN" dirty="0" smtClean="0"/>
+              <a:t>React </a:t>
+            </a:r>
+            <a:r>
+              <a:rPr lang="zh-CN" altLang="en-US" dirty="0" smtClean="0"/>
+              <a:t>只</a:t>
+            </a:r>
+            <a:r>
+              <a:rPr lang="zh-CN" altLang="en-US" dirty="0"/>
+              <a:t>更新组件对应的属性；没有变化则不更</a:t>
+            </a:r>
+            <a:r>
+              <a:rPr lang="zh-CN" altLang="en-US" dirty="0" smtClean="0"/>
+              <a:t>新</a:t>
+            </a:r>
+            <a:endParaRPr lang="en-US" altLang="zh-CN" dirty="0" smtClean="0"/>
+          </a:p>
+          <a:p>
+            <a:pPr lvl="1"/>
+            <a:r>
+              <a:rPr lang="en-US" altLang="zh-CN" dirty="0"/>
+              <a:t>Key </a:t>
+            </a:r>
+            <a:r>
+              <a:rPr lang="zh-CN" altLang="en-US" dirty="0" smtClean="0"/>
+              <a:t>不</a:t>
+            </a:r>
+            <a:r>
+              <a:rPr lang="zh-CN" altLang="en-US" dirty="0"/>
+              <a:t>同，</a:t>
+            </a:r>
+            <a:r>
+              <a:rPr lang="zh-CN" altLang="en-US" dirty="0" smtClean="0"/>
+              <a:t>则</a:t>
+            </a:r>
+            <a:r>
+              <a:rPr lang="en-US" altLang="zh-CN" dirty="0" smtClean="0"/>
+              <a:t> React </a:t>
+            </a:r>
+            <a:r>
+              <a:rPr lang="zh-CN" altLang="en-US" dirty="0" smtClean="0"/>
+              <a:t>先</a:t>
+            </a:r>
+            <a:r>
+              <a:rPr lang="zh-CN" altLang="en-US" dirty="0"/>
+              <a:t>销毁该组件然后重新创建该组件</a:t>
+            </a:r>
+            <a:endParaRPr lang="en-US" altLang="zh-CN" dirty="0"/>
+          </a:p>
+          <a:p>
+            <a:pPr lvl="1"/>
+            <a:endParaRPr lang="zh-CN" altLang="en-US" dirty="0"/>
+          </a:p>
+          <a:p>
+            <a:pPr lvl="1"/>
             <a:endParaRPr lang="zh-CN" altLang="en-US" dirty="0"/>
           </a:p>
         </p:txBody>
@@ -8615,13 +8967,20 @@
     </p:spTree>
     <p:extLst>
       <p:ext uri="{BB962C8B-B14F-4D97-AF65-F5344CB8AC3E}">
-        <p14:creationId xmlns:p14="http://schemas.microsoft.com/office/powerpoint/2010/main" val="3755326394"/>
+        <p14:creationId xmlns:p14="http://schemas.microsoft.com/office/powerpoint/2010/main" val="2934084111"/>
       </p:ext>
     </p:extLst>
   </p:cSld>
   <p:clrMapOvr>
     <a:masterClrMapping/>
   </p:clrMapOvr>
+  <p:timing>
+    <p:tnLst>
+      <p:par>
+        <p:cTn id="1" dur="indefinite" restart="never" nodeType="tmRoot"/>
+      </p:par>
+    </p:tnLst>
+  </p:timing>
 </p:sld>
 </file>
 
@@ -8779,8 +9138,12 @@
           <a:lstStyle/>
           <a:p>
             <a:r>
+              <a:rPr lang="en-US" altLang="zh-CN" dirty="0" smtClean="0"/>
+              <a:t>2.7 </a:t>
+            </a:r>
+            <a:r>
               <a:rPr lang="zh-CN" altLang="en-US" dirty="0" smtClean="0"/>
-              <a:t>主要内容</a:t>
+              <a:t>表单</a:t>
             </a:r>
             <a:endParaRPr lang="zh-CN" altLang="en-US" dirty="0"/>
           </a:p>
@@ -8802,75 +9165,57 @@
           <a:lstStyle/>
           <a:p>
             <a:r>
+              <a:rPr lang="zh-CN" altLang="en-US" dirty="0" smtClean="0"/>
+              <a:t>受控组</a:t>
+            </a:r>
+            <a:r>
+              <a:rPr lang="zh-CN" altLang="en-US" dirty="0" smtClean="0"/>
+              <a:t>件</a:t>
+            </a:r>
+            <a:r>
               <a:rPr lang="en-US" altLang="zh-CN" dirty="0" smtClean="0"/>
-              <a:t>1. </a:t>
+              <a:t>: </a:t>
             </a:r>
             <a:r>
               <a:rPr lang="zh-CN" altLang="en-US" dirty="0" smtClean="0"/>
-              <a:t>关于 </a:t>
-            </a:r>
-            <a:r>
-              <a:rPr lang="en-US" altLang="zh-CN" dirty="0" smtClean="0"/>
-              <a:t>React</a:t>
-            </a:r>
-          </a:p>
-          <a:p>
-            <a:pPr marL="0" indent="0">
-              <a:buNone/>
-            </a:pPr>
-            <a:endParaRPr lang="en-US" altLang="zh-CN" dirty="0" smtClean="0"/>
-          </a:p>
-          <a:p>
-            <a:r>
-              <a:rPr lang="en-US" altLang="zh-CN" dirty="0" smtClean="0"/>
-              <a:t>2. React </a:t>
+              <a:t>负</a:t>
+            </a:r>
+            <a:r>
+              <a:rPr lang="zh-CN" altLang="en-US" dirty="0"/>
+              <a:t>责渲</a:t>
             </a:r>
             <a:r>
               <a:rPr lang="zh-CN" altLang="en-US" dirty="0" smtClean="0"/>
-              <a:t>语法简介</a:t>
-            </a:r>
-            <a:endParaRPr lang="en-US" altLang="zh-CN" dirty="0" smtClean="0"/>
-          </a:p>
-          <a:p>
-            <a:endParaRPr lang="en-US" altLang="zh-CN" dirty="0" smtClean="0"/>
-          </a:p>
-          <a:p>
-            <a:r>
-              <a:rPr lang="en-US" altLang="zh-CN" sz="4000" dirty="0">
-                <a:solidFill>
-                  <a:schemeClr val="accent5"/>
-                </a:solidFill>
-              </a:rPr>
-              <a:t>3. </a:t>
-            </a:r>
-            <a:r>
-              <a:rPr lang="zh-CN" altLang="en-US" sz="4000" dirty="0">
-                <a:solidFill>
-                  <a:schemeClr val="accent5"/>
-                </a:solidFill>
-              </a:rPr>
-              <a:t>相关技术</a:t>
-            </a:r>
+              <a:t>染</a:t>
+            </a:r>
+            <a:r>
+              <a:rPr lang="zh-CN" altLang="en-US" dirty="0"/>
+              <a:t>的</a:t>
+            </a:r>
+            <a:r>
+              <a:rPr lang="zh-CN" altLang="en-US" dirty="0" smtClean="0"/>
+              <a:t>组</a:t>
+            </a:r>
+            <a:r>
+              <a:rPr lang="zh-CN" altLang="en-US" dirty="0"/>
+              <a:t>件同时控制数据的变化</a:t>
+            </a:r>
+          </a:p>
+          <a:p>
+            <a:endParaRPr lang="zh-CN" altLang="en-US" dirty="0"/>
           </a:p>
         </p:txBody>
       </p:sp>
     </p:spTree>
     <p:extLst>
       <p:ext uri="{BB962C8B-B14F-4D97-AF65-F5344CB8AC3E}">
-        <p14:creationId xmlns:p14="http://schemas.microsoft.com/office/powerpoint/2010/main" val="2123684887"/>
+        <p14:creationId xmlns:p14="http://schemas.microsoft.com/office/powerpoint/2010/main" val="3755326394"/>
       </p:ext>
     </p:extLst>
   </p:cSld>
   <p:clrMapOvr>
     <a:masterClrMapping/>
   </p:clrMapOvr>
-  <p:timing>
-    <p:tnLst>
-      <p:par>
-        <p:cTn id="1" dur="indefinite" restart="never" nodeType="tmRoot"/>
-      </p:par>
-    </p:tnLst>
-  </p:timing>
 </p:sld>
 </file>
 
@@ -8901,495 +9246,91 @@
             <p:ph type="title"/>
           </p:nvPr>
         </p:nvSpPr>
-        <p:spPr>
-          <a:xfrm>
-            <a:off x="838200" y="365125"/>
-            <a:ext cx="5181600" cy="1325563"/>
-          </a:xfrm>
-        </p:spPr>
+        <p:spPr/>
         <p:txBody>
           <a:bodyPr/>
           <a:lstStyle/>
           <a:p>
             <a:r>
+              <a:rPr lang="zh-CN" altLang="en-US" dirty="0" smtClean="0"/>
+              <a:t>主要内容</a:t>
+            </a:r>
+            <a:endParaRPr lang="zh-CN" altLang="en-US" dirty="0"/>
+          </a:p>
+        </p:txBody>
+      </p:sp>
+      <p:sp>
+        <p:nvSpPr>
+          <p:cNvPr id="3" name="内容占位符 2"/>
+          <p:cNvSpPr>
+            <a:spLocks noGrp="1"/>
+          </p:cNvSpPr>
+          <p:nvPr>
+            <p:ph idx="1"/>
+          </p:nvPr>
+        </p:nvSpPr>
+        <p:spPr/>
+        <p:txBody>
+          <a:bodyPr/>
+          <a:lstStyle/>
+          <a:p>
+            <a:r>
               <a:rPr lang="en-US" altLang="zh-CN" dirty="0" smtClean="0"/>
-              <a:t>3.1 Redux </a:t>
-            </a:r>
-            <a:endParaRPr lang="zh-CN" altLang="en-US" dirty="0"/>
-          </a:p>
-        </p:txBody>
-      </p:sp>
-      <p:sp>
-        <p:nvSpPr>
-          <p:cNvPr id="6" name="内容占位符 5"/>
-          <p:cNvSpPr>
-            <a:spLocks noGrp="1"/>
-          </p:cNvSpPr>
-          <p:nvPr>
-            <p:ph sz="half" idx="1"/>
-          </p:nvPr>
-        </p:nvSpPr>
-        <p:spPr>
-          <a:xfrm>
-            <a:off x="838200" y="1825625"/>
-            <a:ext cx="5181600" cy="4351338"/>
-          </a:xfrm>
-          <a:solidFill>
-            <a:schemeClr val="tx2"/>
-          </a:solidFill>
-        </p:spPr>
-        <p:txBody>
-          <a:bodyPr>
-            <a:normAutofit lnSpcReduction="10000"/>
-          </a:bodyPr>
-          <a:lstStyle/>
+              <a:t>1. </a:t>
+            </a:r>
+            <a:r>
+              <a:rPr lang="zh-CN" altLang="en-US" dirty="0" smtClean="0"/>
+              <a:t>关于 </a:t>
+            </a:r>
+            <a:r>
+              <a:rPr lang="en-US" altLang="zh-CN" dirty="0" smtClean="0"/>
+              <a:t>React</a:t>
+            </a:r>
+          </a:p>
           <a:p>
             <a:pPr marL="0" indent="0">
               <a:buNone/>
             </a:pPr>
-            <a:r>
-              <a:rPr lang="en-US" altLang="zh-CN" dirty="0">
-                <a:solidFill>
-                  <a:schemeClr val="accent4">
-                    <a:lumMod val="60000"/>
-                    <a:lumOff val="40000"/>
-                  </a:schemeClr>
-                </a:solidFill>
-                <a:latin typeface="Consolas" panose="020B0609020204030204" pitchFamily="49" charset="0"/>
-              </a:rPr>
-              <a:t>&lt;FirstComp&gt;</a:t>
-            </a:r>
-          </a:p>
-          <a:p>
-            <a:pPr marL="0" indent="0">
-              <a:buNone/>
-            </a:pPr>
-            <a:r>
-              <a:rPr lang="en-US" altLang="zh-CN" dirty="0">
-                <a:solidFill>
-                  <a:schemeClr val="accent4">
-                    <a:lumMod val="60000"/>
-                    <a:lumOff val="40000"/>
-                  </a:schemeClr>
-                </a:solidFill>
-                <a:latin typeface="Consolas" panose="020B0609020204030204" pitchFamily="49" charset="0"/>
-              </a:rPr>
-              <a:t>  </a:t>
-            </a:r>
-            <a:r>
-              <a:rPr lang="en-US" altLang="zh-CN" dirty="0" smtClean="0">
-                <a:solidFill>
-                  <a:schemeClr val="accent4">
-                    <a:lumMod val="60000"/>
-                    <a:lumOff val="40000"/>
-                  </a:schemeClr>
-                </a:solidFill>
-                <a:latin typeface="Consolas" panose="020B0609020204030204" pitchFamily="49" charset="0"/>
-              </a:rPr>
-              <a:t>&lt;</a:t>
-            </a:r>
-            <a:r>
-              <a:rPr lang="en-US" altLang="zh-CN" dirty="0">
-                <a:solidFill>
-                  <a:schemeClr val="accent4">
-                    <a:lumMod val="60000"/>
-                    <a:lumOff val="40000"/>
-                  </a:schemeClr>
-                </a:solidFill>
-                <a:latin typeface="Consolas" panose="020B0609020204030204" pitchFamily="49" charset="0"/>
-              </a:rPr>
-              <a:t>SecondComp&gt;</a:t>
-            </a:r>
-          </a:p>
-          <a:p>
-            <a:pPr marL="0" indent="0">
-              <a:buNone/>
-            </a:pPr>
-            <a:r>
-              <a:rPr lang="en-US" altLang="zh-CN" dirty="0">
-                <a:solidFill>
-                  <a:schemeClr val="accent4">
-                    <a:lumMod val="60000"/>
-                    <a:lumOff val="40000"/>
-                  </a:schemeClr>
-                </a:solidFill>
-                <a:latin typeface="Consolas" panose="020B0609020204030204" pitchFamily="49" charset="0"/>
-              </a:rPr>
-              <a:t>    </a:t>
-            </a:r>
-            <a:r>
-              <a:rPr lang="en-US" altLang="zh-CN" dirty="0" smtClean="0">
-                <a:solidFill>
-                  <a:schemeClr val="accent4">
-                    <a:lumMod val="60000"/>
-                    <a:lumOff val="40000"/>
-                  </a:schemeClr>
-                </a:solidFill>
-                <a:latin typeface="Consolas" panose="020B0609020204030204" pitchFamily="49" charset="0"/>
-              </a:rPr>
-              <a:t>&lt;ThirdComp</a:t>
-            </a:r>
-            <a:r>
-              <a:rPr lang="en-US" altLang="zh-CN" dirty="0">
-                <a:solidFill>
-                  <a:schemeClr val="accent4">
-                    <a:lumMod val="60000"/>
-                    <a:lumOff val="40000"/>
-                  </a:schemeClr>
-                </a:solidFill>
-                <a:latin typeface="Consolas" panose="020B0609020204030204" pitchFamily="49" charset="0"/>
-              </a:rPr>
-              <a:t>&gt;</a:t>
-            </a:r>
-          </a:p>
-          <a:p>
-            <a:pPr marL="0" indent="0">
-              <a:buNone/>
-            </a:pPr>
-            <a:r>
-              <a:rPr lang="en-US" altLang="zh-CN" dirty="0">
-                <a:solidFill>
-                  <a:schemeClr val="accent4">
-                    <a:lumMod val="60000"/>
-                    <a:lumOff val="40000"/>
-                  </a:schemeClr>
-                </a:solidFill>
-                <a:latin typeface="Consolas" panose="020B0609020204030204" pitchFamily="49" charset="0"/>
-              </a:rPr>
-              <a:t>      </a:t>
-            </a:r>
-            <a:r>
-              <a:rPr lang="en-US" altLang="zh-CN" dirty="0" smtClean="0">
-                <a:solidFill>
-                  <a:schemeClr val="accent4">
-                    <a:lumMod val="60000"/>
-                    <a:lumOff val="40000"/>
-                  </a:schemeClr>
-                </a:solidFill>
-                <a:latin typeface="Consolas" panose="020B0609020204030204" pitchFamily="49" charset="0"/>
-              </a:rPr>
-              <a:t>&lt;</a:t>
-            </a:r>
-            <a:r>
-              <a:rPr lang="en-US" altLang="zh-CN" dirty="0">
-                <a:solidFill>
-                  <a:schemeClr val="accent4">
-                    <a:lumMod val="60000"/>
-                    <a:lumOff val="40000"/>
-                  </a:schemeClr>
-                </a:solidFill>
-                <a:latin typeface="Consolas" panose="020B0609020204030204" pitchFamily="49" charset="0"/>
-              </a:rPr>
-              <a:t>FourthComp&gt;</a:t>
-            </a:r>
-          </a:p>
-          <a:p>
-            <a:pPr marL="0" indent="0">
-              <a:buNone/>
-            </a:pPr>
-            <a:r>
-              <a:rPr lang="en-US" altLang="zh-CN" dirty="0">
-                <a:solidFill>
-                  <a:schemeClr val="accent4">
-                    <a:lumMod val="60000"/>
-                    <a:lumOff val="40000"/>
-                  </a:schemeClr>
-                </a:solidFill>
-                <a:latin typeface="Consolas" panose="020B0609020204030204" pitchFamily="49" charset="0"/>
-              </a:rPr>
-              <a:t>        </a:t>
-            </a:r>
-            <a:r>
-              <a:rPr lang="en-US" altLang="zh-CN" dirty="0" smtClean="0">
-                <a:solidFill>
-                  <a:schemeClr val="accent4">
-                    <a:lumMod val="60000"/>
-                    <a:lumOff val="40000"/>
-                  </a:schemeClr>
-                </a:solidFill>
-                <a:latin typeface="Consolas" panose="020B0609020204030204" pitchFamily="49" charset="0"/>
-              </a:rPr>
-              <a:t>&lt;</a:t>
-            </a:r>
-            <a:r>
-              <a:rPr lang="en-US" altLang="zh-CN" dirty="0">
-                <a:solidFill>
-                  <a:schemeClr val="accent4">
-                    <a:lumMod val="60000"/>
-                    <a:lumOff val="40000"/>
-                  </a:schemeClr>
-                </a:solidFill>
-                <a:latin typeface="Consolas" panose="020B0609020204030204" pitchFamily="49" charset="0"/>
-              </a:rPr>
-              <a:t>TargetComp /&gt;</a:t>
-            </a:r>
-          </a:p>
-          <a:p>
-            <a:pPr marL="0" indent="0">
-              <a:buNone/>
-            </a:pPr>
-            <a:r>
-              <a:rPr lang="en-US" altLang="zh-CN" dirty="0">
-                <a:solidFill>
-                  <a:schemeClr val="accent4">
-                    <a:lumMod val="60000"/>
-                    <a:lumOff val="40000"/>
-                  </a:schemeClr>
-                </a:solidFill>
-                <a:latin typeface="Consolas" panose="020B0609020204030204" pitchFamily="49" charset="0"/>
-              </a:rPr>
-              <a:t>      </a:t>
-            </a:r>
-            <a:r>
-              <a:rPr lang="en-US" altLang="zh-CN" dirty="0" smtClean="0">
-                <a:solidFill>
-                  <a:schemeClr val="accent4">
-                    <a:lumMod val="60000"/>
-                    <a:lumOff val="40000"/>
-                  </a:schemeClr>
-                </a:solidFill>
-                <a:latin typeface="Consolas" panose="020B0609020204030204" pitchFamily="49" charset="0"/>
-              </a:rPr>
-              <a:t>&lt;/</a:t>
-            </a:r>
-            <a:r>
-              <a:rPr lang="en-US" altLang="zh-CN" dirty="0">
-                <a:solidFill>
-                  <a:schemeClr val="accent4">
-                    <a:lumMod val="60000"/>
-                    <a:lumOff val="40000"/>
-                  </a:schemeClr>
-                </a:solidFill>
-                <a:latin typeface="Consolas" panose="020B0609020204030204" pitchFamily="49" charset="0"/>
-              </a:rPr>
-              <a:t>FourthComp&gt;</a:t>
-            </a:r>
-          </a:p>
-          <a:p>
-            <a:pPr marL="0" indent="0">
-              <a:buNone/>
-            </a:pPr>
-            <a:r>
-              <a:rPr lang="en-US" altLang="zh-CN" dirty="0">
-                <a:solidFill>
-                  <a:schemeClr val="accent4">
-                    <a:lumMod val="60000"/>
-                    <a:lumOff val="40000"/>
-                  </a:schemeClr>
-                </a:solidFill>
-                <a:latin typeface="Consolas" panose="020B0609020204030204" pitchFamily="49" charset="0"/>
-              </a:rPr>
-              <a:t>    </a:t>
-            </a:r>
-            <a:r>
-              <a:rPr lang="en-US" altLang="zh-CN" dirty="0" smtClean="0">
-                <a:solidFill>
-                  <a:schemeClr val="accent4">
-                    <a:lumMod val="60000"/>
-                    <a:lumOff val="40000"/>
-                  </a:schemeClr>
-                </a:solidFill>
-                <a:latin typeface="Consolas" panose="020B0609020204030204" pitchFamily="49" charset="0"/>
-              </a:rPr>
-              <a:t>&lt;/</a:t>
-            </a:r>
-            <a:r>
-              <a:rPr lang="en-US" altLang="zh-CN" dirty="0">
-                <a:solidFill>
-                  <a:schemeClr val="accent4">
-                    <a:lumMod val="60000"/>
-                    <a:lumOff val="40000"/>
-                  </a:schemeClr>
-                </a:solidFill>
-                <a:latin typeface="Consolas" panose="020B0609020204030204" pitchFamily="49" charset="0"/>
-              </a:rPr>
-              <a:t>ThirdComp&gt;</a:t>
-            </a:r>
-          </a:p>
-          <a:p>
-            <a:pPr marL="0" indent="0">
-              <a:buNone/>
-            </a:pPr>
-            <a:r>
-              <a:rPr lang="en-US" altLang="zh-CN" dirty="0">
-                <a:solidFill>
-                  <a:schemeClr val="accent4">
-                    <a:lumMod val="60000"/>
-                    <a:lumOff val="40000"/>
-                  </a:schemeClr>
-                </a:solidFill>
-                <a:latin typeface="Consolas" panose="020B0609020204030204" pitchFamily="49" charset="0"/>
-              </a:rPr>
-              <a:t>  </a:t>
-            </a:r>
-            <a:r>
-              <a:rPr lang="en-US" altLang="zh-CN" dirty="0" smtClean="0">
-                <a:solidFill>
-                  <a:schemeClr val="accent4">
-                    <a:lumMod val="60000"/>
-                    <a:lumOff val="40000"/>
-                  </a:schemeClr>
-                </a:solidFill>
-                <a:latin typeface="Consolas" panose="020B0609020204030204" pitchFamily="49" charset="0"/>
-              </a:rPr>
-              <a:t>&lt;/</a:t>
-            </a:r>
-            <a:r>
-              <a:rPr lang="en-US" altLang="zh-CN" dirty="0">
-                <a:solidFill>
-                  <a:schemeClr val="accent4">
-                    <a:lumMod val="60000"/>
-                    <a:lumOff val="40000"/>
-                  </a:schemeClr>
-                </a:solidFill>
-                <a:latin typeface="Consolas" panose="020B0609020204030204" pitchFamily="49" charset="0"/>
-              </a:rPr>
-              <a:t>SecondComp&gt;</a:t>
-            </a:r>
-          </a:p>
-          <a:p>
-            <a:pPr marL="0" indent="0">
-              <a:buNone/>
-            </a:pPr>
-            <a:r>
-              <a:rPr lang="en-US" altLang="zh-CN" dirty="0" smtClean="0">
-                <a:solidFill>
-                  <a:schemeClr val="accent4">
-                    <a:lumMod val="60000"/>
-                    <a:lumOff val="40000"/>
-                  </a:schemeClr>
-                </a:solidFill>
-                <a:latin typeface="Consolas" panose="020B0609020204030204" pitchFamily="49" charset="0"/>
-              </a:rPr>
-              <a:t>&lt;/</a:t>
-            </a:r>
-            <a:r>
-              <a:rPr lang="en-US" altLang="zh-CN" dirty="0">
-                <a:solidFill>
-                  <a:schemeClr val="accent4">
-                    <a:lumMod val="60000"/>
-                    <a:lumOff val="40000"/>
-                  </a:schemeClr>
-                </a:solidFill>
-                <a:latin typeface="Consolas" panose="020B0609020204030204" pitchFamily="49" charset="0"/>
-              </a:rPr>
-              <a:t>FirstComp&gt;</a:t>
-            </a:r>
-            <a:endParaRPr lang="zh-CN" altLang="en-US" dirty="0">
-              <a:solidFill>
-                <a:schemeClr val="accent4">
-                  <a:lumMod val="60000"/>
-                  <a:lumOff val="40000"/>
-                </a:schemeClr>
-              </a:solidFill>
-              <a:latin typeface="Consolas" panose="020B0609020204030204" pitchFamily="49" charset="0"/>
-            </a:endParaRPr>
-          </a:p>
-        </p:txBody>
-      </p:sp>
-      <p:pic>
-        <p:nvPicPr>
-          <p:cNvPr id="8" name="内容占位符 7"/>
-          <p:cNvPicPr>
-            <a:picLocks noGrp="1" noChangeAspect="1"/>
-          </p:cNvPicPr>
-          <p:nvPr>
-            <p:ph sz="half" idx="2"/>
-          </p:nvPr>
-        </p:nvPicPr>
-        <p:blipFill>
-          <a:blip r:embed="rId2">
-            <a:extLst>
-              <a:ext uri="{28A0092B-C50C-407E-A947-70E740481C1C}">
-                <a14:useLocalDpi xmlns:a14="http://schemas.microsoft.com/office/drawing/2010/main" val="0"/>
-              </a:ext>
-            </a:extLst>
-          </a:blip>
-          <a:stretch>
-            <a:fillRect/>
-          </a:stretch>
-        </p:blipFill>
-        <p:spPr>
-          <a:xfrm>
-            <a:off x="6243637" y="373063"/>
-            <a:ext cx="4875213" cy="1317625"/>
-          </a:xfrm>
-        </p:spPr>
-      </p:pic>
-      <p:sp>
-        <p:nvSpPr>
-          <p:cNvPr id="5" name="文本框 4"/>
-          <p:cNvSpPr txBox="1"/>
-          <p:nvPr/>
-        </p:nvSpPr>
-        <p:spPr>
-          <a:xfrm>
-            <a:off x="6243637" y="1825625"/>
-            <a:ext cx="4875213" cy="2092881"/>
-          </a:xfrm>
-          <a:prstGeom prst="rect">
-            <a:avLst/>
-          </a:prstGeom>
-          <a:noFill/>
-        </p:spPr>
-        <p:txBody>
-          <a:bodyPr wrap="square" rtlCol="0">
-            <a:spAutoFit/>
-          </a:bodyPr>
-          <a:lstStyle/>
-          <a:p>
-            <a:r>
-              <a:rPr lang="zh-CN" altLang="en-US" sz="2600" dirty="0" smtClean="0"/>
-              <a:t>如果 </a:t>
-            </a:r>
-            <a:r>
-              <a:rPr lang="en-US" altLang="zh-CN" sz="2600" dirty="0" smtClean="0"/>
-              <a:t>&lt;TargetComp /&gt; </a:t>
-            </a:r>
-            <a:r>
-              <a:rPr lang="zh-CN" altLang="en-US" sz="2600" dirty="0" smtClean="0"/>
-              <a:t>需要用到一个来自 </a:t>
-            </a:r>
-            <a:r>
-              <a:rPr lang="en-US" altLang="zh-CN" sz="2600" dirty="0" smtClean="0"/>
-              <a:t>&lt;FirstComp /&gt; </a:t>
-            </a:r>
-            <a:r>
-              <a:rPr lang="zh-CN" altLang="en-US" sz="2600" dirty="0" smtClean="0"/>
-              <a:t>的数据，需要以 </a:t>
-            </a:r>
-            <a:r>
-              <a:rPr lang="en-US" altLang="zh-CN" sz="2600" dirty="0" smtClean="0"/>
-              <a:t>props </a:t>
-            </a:r>
-            <a:r>
-              <a:rPr lang="zh-CN" altLang="en-US" sz="2600" dirty="0" smtClean="0"/>
-              <a:t>的方式将该数据传递 </a:t>
-            </a:r>
-            <a:r>
-              <a:rPr lang="en-US" altLang="zh-CN" sz="2600" dirty="0" smtClean="0"/>
-              <a:t>4 </a:t>
-            </a:r>
-            <a:r>
-              <a:rPr lang="zh-CN" altLang="en-US" sz="2600" dirty="0" smtClean="0"/>
-              <a:t>层，然而这个数据对于中间</a:t>
-            </a:r>
-            <a:r>
-              <a:rPr lang="en-US" altLang="zh-CN" sz="2600" dirty="0" smtClean="0"/>
-              <a:t>3 </a:t>
-            </a:r>
-            <a:r>
-              <a:rPr lang="zh-CN" altLang="en-US" sz="2600" dirty="0" smtClean="0"/>
-              <a:t>个组件来说是没有用的</a:t>
-            </a:r>
-            <a:endParaRPr lang="zh-CN" altLang="en-US" sz="2600" dirty="0"/>
+            <a:endParaRPr lang="en-US" altLang="zh-CN" dirty="0" smtClean="0"/>
+          </a:p>
+          <a:p>
+            <a:r>
+              <a:rPr lang="en-US" altLang="zh-CN" dirty="0" smtClean="0"/>
+              <a:t>2. React </a:t>
+            </a:r>
+            <a:r>
+              <a:rPr lang="zh-CN" altLang="en-US" dirty="0" smtClean="0"/>
+              <a:t>语法简介</a:t>
+            </a:r>
+            <a:endParaRPr lang="en-US" altLang="zh-CN" dirty="0" smtClean="0"/>
+          </a:p>
+          <a:p>
+            <a:endParaRPr lang="en-US" altLang="zh-CN" dirty="0" smtClean="0"/>
+          </a:p>
+          <a:p>
+            <a:r>
+              <a:rPr lang="en-US" altLang="zh-CN" sz="4000" dirty="0">
+                <a:solidFill>
+                  <a:schemeClr val="accent5"/>
+                </a:solidFill>
+              </a:rPr>
+              <a:t>3. </a:t>
+            </a:r>
+            <a:r>
+              <a:rPr lang="zh-CN" altLang="en-US" sz="4000" dirty="0">
+                <a:solidFill>
+                  <a:schemeClr val="accent5"/>
+                </a:solidFill>
+              </a:rPr>
+              <a:t>相关技术</a:t>
+            </a:r>
           </a:p>
         </p:txBody>
       </p:sp>
     </p:spTree>
     <p:extLst>
       <p:ext uri="{BB962C8B-B14F-4D97-AF65-F5344CB8AC3E}">
-        <p14:creationId xmlns:p14="http://schemas.microsoft.com/office/powerpoint/2010/main" val="1012171988"/>
+        <p14:creationId xmlns:p14="http://schemas.microsoft.com/office/powerpoint/2010/main" val="2123684887"/>
       </p:ext>
     </p:extLst>
   </p:cSld>
@@ -9472,7 +9413,7 @@
         </p:spPr>
         <p:txBody>
           <a:bodyPr>
-            <a:normAutofit fontScale="77500" lnSpcReduction="20000"/>
+            <a:normAutofit lnSpcReduction="10000"/>
           </a:bodyPr>
           <a:lstStyle/>
           <a:p>
@@ -9480,7 +9421,7 @@
               <a:buNone/>
             </a:pPr>
             <a:r>
-              <a:rPr lang="en-US" altLang="zh-CN" dirty="0" smtClean="0">
+              <a:rPr lang="en-US" altLang="zh-CN" dirty="0">
                 <a:solidFill>
                   <a:schemeClr val="accent4">
                     <a:lumMod val="60000"/>
@@ -9489,8 +9430,13 @@
                 </a:solidFill>
                 <a:latin typeface="Consolas" panose="020B0609020204030204" pitchFamily="49" charset="0"/>
               </a:rPr>
-              <a:t>&lt;</a:t>
-            </a:r>
+              <a:t>&lt;FirstComp&gt;</a:t>
+            </a:r>
+          </a:p>
+          <a:p>
+            <a:pPr marL="0" indent="0">
+              <a:buNone/>
+            </a:pPr>
             <a:r>
               <a:rPr lang="en-US" altLang="zh-CN" dirty="0">
                 <a:solidFill>
@@ -9501,13 +9447,8 @@
                 </a:solidFill>
                 <a:latin typeface="Consolas" panose="020B0609020204030204" pitchFamily="49" charset="0"/>
               </a:rPr>
-              <a:t>Comp1&gt;</a:t>
-            </a:r>
-          </a:p>
-          <a:p>
-            <a:pPr marL="0" indent="0">
-              <a:buNone/>
-            </a:pPr>
+              <a:t>  </a:t>
+            </a:r>
             <a:r>
               <a:rPr lang="en-US" altLang="zh-CN" dirty="0" smtClean="0">
                 <a:solidFill>
@@ -9518,7 +9459,7 @@
                 </a:solidFill>
                 <a:latin typeface="Consolas" panose="020B0609020204030204" pitchFamily="49" charset="0"/>
               </a:rPr>
-              <a:t>  &lt;</a:t>
+              <a:t>&lt;</a:t>
             </a:r>
             <a:r>
               <a:rPr lang="en-US" altLang="zh-CN" dirty="0">
@@ -9530,7 +9471,7 @@
                 </a:solidFill>
                 <a:latin typeface="Consolas" panose="020B0609020204030204" pitchFamily="49" charset="0"/>
               </a:rPr>
-              <a:t>Comp2&gt;</a:t>
+              <a:t>SecondComp&gt;</a:t>
             </a:r>
           </a:p>
           <a:p>
@@ -9538,7 +9479,7 @@
               <a:buNone/>
             </a:pPr>
             <a:r>
-              <a:rPr lang="en-US" altLang="zh-CN" dirty="0" smtClean="0">
+              <a:rPr lang="en-US" altLang="zh-CN" dirty="0">
                 <a:solidFill>
                   <a:schemeClr val="accent4">
                     <a:lumMod val="60000"/>
@@ -9550,23 +9491,6 @@
               <a:t>    </a:t>
             </a:r>
             <a:r>
-              <a:rPr lang="en-US" altLang="zh-CN" dirty="0">
-                <a:solidFill>
-                  <a:schemeClr val="accent6">
-                    <a:lumMod val="60000"/>
-                    <a:lumOff val="40000"/>
-                  </a:schemeClr>
-                </a:solidFill>
-                <a:latin typeface="Consolas" panose="020B0609020204030204" pitchFamily="49" charset="0"/>
-              </a:rPr>
-              <a:t>&lt;Comp3 /&gt;</a:t>
-            </a:r>
-          </a:p>
-          <a:p>
-            <a:pPr marL="0" indent="0">
-              <a:buNone/>
-            </a:pPr>
-            <a:r>
               <a:rPr lang="en-US" altLang="zh-CN" dirty="0" smtClean="0">
                 <a:solidFill>
                   <a:schemeClr val="accent4">
@@ -9576,7 +9500,7 @@
                 </a:solidFill>
                 <a:latin typeface="Consolas" panose="020B0609020204030204" pitchFamily="49" charset="0"/>
               </a:rPr>
-              <a:t>  &lt;/</a:t>
+              <a:t>&lt;ThirdComp</a:t>
             </a:r>
             <a:r>
               <a:rPr lang="en-US" altLang="zh-CN" dirty="0">
@@ -9588,7 +9512,7 @@
                 </a:solidFill>
                 <a:latin typeface="Consolas" panose="020B0609020204030204" pitchFamily="49" charset="0"/>
               </a:rPr>
-              <a:t>Comp2&gt;</a:t>
+              <a:t>&gt;</a:t>
             </a:r>
           </a:p>
           <a:p>
@@ -9596,7 +9520,7 @@
               <a:buNone/>
             </a:pPr>
             <a:r>
-              <a:rPr lang="en-US" altLang="zh-CN" dirty="0" smtClean="0">
+              <a:rPr lang="en-US" altLang="zh-CN" dirty="0">
                 <a:solidFill>
                   <a:schemeClr val="accent4">
                     <a:lumMod val="60000"/>
@@ -9605,25 +9529,8 @@
                 </a:solidFill>
                 <a:latin typeface="Consolas" panose="020B0609020204030204" pitchFamily="49" charset="0"/>
               </a:rPr>
-              <a:t>  </a:t>
-            </a:r>
-            <a:r>
-              <a:rPr lang="en-US" altLang="zh-CN" dirty="0">
-                <a:solidFill>
-                  <a:schemeClr val="accent6">
-                    <a:lumMod val="60000"/>
-                    <a:lumOff val="40000"/>
-                  </a:schemeClr>
-                </a:solidFill>
-                <a:latin typeface="Consolas" panose="020B0609020204030204" pitchFamily="49" charset="0"/>
-              </a:rPr>
-              <a:t>&lt;Comp4 /&gt;</a:t>
-            </a:r>
-          </a:p>
-          <a:p>
-            <a:pPr marL="0" indent="0">
-              <a:buNone/>
-            </a:pPr>
+              <a:t>      </a:t>
+            </a:r>
             <a:r>
               <a:rPr lang="en-US" altLang="zh-CN" dirty="0" smtClean="0">
                 <a:solidFill>
@@ -9634,7 +9541,7 @@
                 </a:solidFill>
                 <a:latin typeface="Consolas" panose="020B0609020204030204" pitchFamily="49" charset="0"/>
               </a:rPr>
-              <a:t>  </a:t>
+              <a:t>&lt;</a:t>
             </a:r>
             <a:r>
               <a:rPr lang="en-US" altLang="zh-CN" dirty="0">
@@ -9646,7 +9553,7 @@
                 </a:solidFill>
                 <a:latin typeface="Consolas" panose="020B0609020204030204" pitchFamily="49" charset="0"/>
               </a:rPr>
-              <a:t>&lt;Comp5 /&gt;</a:t>
+              <a:t>FourthComp&gt;</a:t>
             </a:r>
           </a:p>
           <a:p>
@@ -9654,7 +9561,7 @@
               <a:buNone/>
             </a:pPr>
             <a:r>
-              <a:rPr lang="en-US" altLang="zh-CN" dirty="0" smtClean="0">
+              <a:rPr lang="en-US" altLang="zh-CN" dirty="0">
                 <a:solidFill>
                   <a:schemeClr val="accent4">
                     <a:lumMod val="60000"/>
@@ -9663,10 +9570,10 @@
                 </a:solidFill>
                 <a:latin typeface="Consolas" panose="020B0609020204030204" pitchFamily="49" charset="0"/>
               </a:rPr>
-              <a:t>  &lt;</a:t>
-            </a:r>
-            <a:r>
-              <a:rPr lang="en-US" altLang="zh-CN" dirty="0">
+              <a:t>        </a:t>
+            </a:r>
+            <a:r>
+              <a:rPr lang="en-US" altLang="zh-CN" dirty="0" smtClean="0">
                 <a:solidFill>
                   <a:schemeClr val="accent4">
                     <a:lumMod val="60000"/>
@@ -9675,15 +9582,10 @@
                 </a:solidFill>
                 <a:latin typeface="Consolas" panose="020B0609020204030204" pitchFamily="49" charset="0"/>
               </a:rPr>
-              <a:t>Comp6&gt;</a:t>
-            </a:r>
-          </a:p>
-          <a:p>
-            <a:pPr marL="0" indent="0">
-              <a:buNone/>
-            </a:pPr>
-            <a:r>
-              <a:rPr lang="en-US" altLang="zh-CN" dirty="0" smtClean="0">
+              <a:t>&lt;</a:t>
+            </a:r>
+            <a:r>
+              <a:rPr lang="en-US" altLang="zh-CN" dirty="0">
                 <a:solidFill>
                   <a:schemeClr val="accent4">
                     <a:lumMod val="60000"/>
@@ -9692,19 +9594,7 @@
                 </a:solidFill>
                 <a:latin typeface="Consolas" panose="020B0609020204030204" pitchFamily="49" charset="0"/>
               </a:rPr>
-              <a:t>    </a:t>
-            </a:r>
-            <a:r>
-              <a:rPr lang="en-US" altLang="zh-CN" dirty="0">
-                <a:solidFill>
-                  <a:schemeClr val="accent6">
-                    <a:lumMod val="60000"/>
-                    <a:lumOff val="40000"/>
-                  </a:schemeClr>
-                </a:solidFill>
-                <a:latin typeface="Consolas" panose="020B0609020204030204" pitchFamily="49" charset="0"/>
-              </a:rPr>
-              <a:t>&lt;Comp7&gt;</a:t>
+              <a:t>TargetComp /&gt;</a:t>
             </a:r>
           </a:p>
           <a:p>
@@ -9712,7 +9602,7 @@
               <a:buNone/>
             </a:pPr>
             <a:r>
-              <a:rPr lang="en-US" altLang="zh-CN" dirty="0" smtClean="0">
+              <a:rPr lang="en-US" altLang="zh-CN" dirty="0">
                 <a:solidFill>
                   <a:schemeClr val="accent4">
                     <a:lumMod val="60000"/>
@@ -9724,24 +9614,7 @@
               <a:t>      </a:t>
             </a:r>
             <a:r>
-              <a:rPr lang="en-US" altLang="zh-CN" dirty="0">
-                <a:solidFill>
-                  <a:schemeClr val="accent6">
-                    <a:lumMod val="60000"/>
-                    <a:lumOff val="40000"/>
-                  </a:schemeClr>
-                </a:solidFill>
-                <a:latin typeface="Consolas" panose="020B0609020204030204" pitchFamily="49" charset="0"/>
-              </a:rPr>
-              <a:t>&lt;Comp8 /&gt;</a:t>
-            </a:r>
-          </a:p>
-          <a:p>
-            <a:pPr marL="0" indent="0">
-              <a:buNone/>
-            </a:pPr>
-            <a:r>
-              <a:rPr lang="en-US" altLang="zh-CN" dirty="0">
+              <a:rPr lang="en-US" altLang="zh-CN" dirty="0" smtClean="0">
                 <a:solidFill>
                   <a:schemeClr val="accent4">
                     <a:lumMod val="60000"/>
@@ -9750,10 +9623,10 @@
                 </a:solidFill>
                 <a:latin typeface="Consolas" panose="020B0609020204030204" pitchFamily="49" charset="0"/>
               </a:rPr>
-              <a:t>    </a:t>
-            </a:r>
-            <a:r>
-              <a:rPr lang="en-US" altLang="zh-CN" dirty="0" smtClean="0">
+              <a:t>&lt;/</a:t>
+            </a:r>
+            <a:r>
+              <a:rPr lang="en-US" altLang="zh-CN" dirty="0">
                 <a:solidFill>
                   <a:schemeClr val="accent4">
                     <a:lumMod val="60000"/>
@@ -9762,8 +9635,13 @@
                 </a:solidFill>
                 <a:latin typeface="Consolas" panose="020B0609020204030204" pitchFamily="49" charset="0"/>
               </a:rPr>
-              <a:t>&lt;/</a:t>
-            </a:r>
+              <a:t>FourthComp&gt;</a:t>
+            </a:r>
+          </a:p>
+          <a:p>
+            <a:pPr marL="0" indent="0">
+              <a:buNone/>
+            </a:pPr>
             <a:r>
               <a:rPr lang="en-US" altLang="zh-CN" dirty="0">
                 <a:solidFill>
@@ -9774,13 +9652,8 @@
                 </a:solidFill>
                 <a:latin typeface="Consolas" panose="020B0609020204030204" pitchFamily="49" charset="0"/>
               </a:rPr>
-              <a:t>Comp7&gt;</a:t>
-            </a:r>
-          </a:p>
-          <a:p>
-            <a:pPr marL="0" indent="0">
-              <a:buNone/>
-            </a:pPr>
+              <a:t>    </a:t>
+            </a:r>
             <a:r>
               <a:rPr lang="en-US" altLang="zh-CN" dirty="0" smtClean="0">
                 <a:solidFill>
@@ -9791,7 +9664,7 @@
                 </a:solidFill>
                 <a:latin typeface="Consolas" panose="020B0609020204030204" pitchFamily="49" charset="0"/>
               </a:rPr>
-              <a:t>   &lt;/</a:t>
+              <a:t>&lt;/</a:t>
             </a:r>
             <a:r>
               <a:rPr lang="en-US" altLang="zh-CN" dirty="0">
@@ -9803,7 +9676,7 @@
                 </a:solidFill>
                 <a:latin typeface="Consolas" panose="020B0609020204030204" pitchFamily="49" charset="0"/>
               </a:rPr>
-              <a:t>Comp6&gt;</a:t>
+              <a:t>ThirdComp&gt;</a:t>
             </a:r>
           </a:p>
           <a:p>
@@ -9811,7 +9684,7 @@
               <a:buNone/>
             </a:pPr>
             <a:r>
-              <a:rPr lang="en-US" altLang="zh-CN" dirty="0" smtClean="0">
+              <a:rPr lang="en-US" altLang="zh-CN" dirty="0">
                 <a:solidFill>
                   <a:schemeClr val="accent4">
                     <a:lumMod val="60000"/>
@@ -9820,10 +9693,10 @@
                 </a:solidFill>
                 <a:latin typeface="Consolas" panose="020B0609020204030204" pitchFamily="49" charset="0"/>
               </a:rPr>
-              <a:t>&lt;/</a:t>
-            </a:r>
-            <a:r>
-              <a:rPr lang="en-US" altLang="zh-CN" dirty="0">
+              <a:t>  </a:t>
+            </a:r>
+            <a:r>
+              <a:rPr lang="en-US" altLang="zh-CN" dirty="0" smtClean="0">
                 <a:solidFill>
                   <a:schemeClr val="accent4">
                     <a:lumMod val="60000"/>
@@ -9832,7 +9705,48 @@
                 </a:solidFill>
                 <a:latin typeface="Consolas" panose="020B0609020204030204" pitchFamily="49" charset="0"/>
               </a:rPr>
-              <a:t>Comp1&gt;</a:t>
+              <a:t>&lt;/</a:t>
+            </a:r>
+            <a:r>
+              <a:rPr lang="en-US" altLang="zh-CN" dirty="0">
+                <a:solidFill>
+                  <a:schemeClr val="accent4">
+                    <a:lumMod val="60000"/>
+                    <a:lumOff val="40000"/>
+                  </a:schemeClr>
+                </a:solidFill>
+                <a:latin typeface="Consolas" panose="020B0609020204030204" pitchFamily="49" charset="0"/>
+              </a:rPr>
+              <a:t>SecondComp&gt;</a:t>
+            </a:r>
+          </a:p>
+          <a:p>
+            <a:pPr marL="0" indent="0">
+              <a:buNone/>
+            </a:pPr>
+            <a:r>
+              <a:rPr lang="en-US" altLang="zh-CN" dirty="0" smtClean="0">
+                <a:solidFill>
+                  <a:schemeClr val="accent4">
+                    <a:lumMod val="60000"/>
+                    <a:lumOff val="40000"/>
+                  </a:schemeClr>
+                </a:solidFill>
+                <a:latin typeface="Consolas" panose="020B0609020204030204" pitchFamily="49" charset="0"/>
+              </a:rPr>
+              <a:t>&lt;/</a:t>
+            </a:r>
+            <a:r>
+              <a:rPr lang="en-US" altLang="zh-CN" dirty="0">
+                <a:solidFill>
+                  <a:schemeClr val="accent4">
+                    <a:lumMod val="60000"/>
+                    <a:lumOff val="40000"/>
+                  </a:schemeClr>
+                </a:solidFill>
+                <a:latin typeface="Consolas" panose="020B0609020204030204" pitchFamily="49" charset="0"/>
+              </a:rPr>
+              <a:t>FirstComp&gt;</a:t>
             </a:r>
             <a:endParaRPr lang="zh-CN" altLang="en-US" dirty="0">
               <a:solidFill>
@@ -9884,7 +9798,7 @@
         <p:spPr>
           <a:xfrm>
             <a:off x="6243637" y="1825625"/>
-            <a:ext cx="4875213" cy="892552"/>
+            <a:ext cx="4875213" cy="2092881"/>
           </a:xfrm>
           <a:prstGeom prst="rect">
             <a:avLst/>
@@ -9903,19 +9817,43 @@
             </a:r>
             <a:r>
               <a:rPr lang="en-US" altLang="zh-CN" sz="2600" dirty="0" smtClean="0"/>
-              <a:t>3, 4, 7, 8 </a:t>
+              <a:t>&lt;TargetComp /&gt; </a:t>
             </a:r>
             <a:r>
               <a:rPr lang="zh-CN" altLang="en-US" sz="2600" dirty="0" smtClean="0"/>
-              <a:t>需要用到 </a:t>
+              <a:t>需要用到一个来自 </a:t>
             </a:r>
             <a:r>
               <a:rPr lang="en-US" altLang="zh-CN" sz="2600" dirty="0" smtClean="0"/>
-              <a:t>1 </a:t>
+              <a:t>&lt;FirstComp /&gt; </a:t>
             </a:r>
             <a:r>
               <a:rPr lang="zh-CN" altLang="en-US" sz="2600" dirty="0" smtClean="0"/>
-              <a:t>的数据，并且需要修改数据</a:t>
+              <a:t>的数据，需要以 </a:t>
+            </a:r>
+            <a:r>
+              <a:rPr lang="en-US" altLang="zh-CN" sz="2600" dirty="0" smtClean="0"/>
+              <a:t>props </a:t>
+            </a:r>
+            <a:r>
+              <a:rPr lang="zh-CN" altLang="en-US" sz="2600" dirty="0" smtClean="0"/>
+              <a:t>的方式将该数据传递 </a:t>
+            </a:r>
+            <a:r>
+              <a:rPr lang="en-US" altLang="zh-CN" sz="2600" dirty="0" smtClean="0"/>
+              <a:t>4 </a:t>
+            </a:r>
+            <a:r>
+              <a:rPr lang="zh-CN" altLang="en-US" sz="2600" dirty="0" smtClean="0"/>
+              <a:t>层，然而这个数据对于中间</a:t>
+            </a:r>
+            <a:r>
+              <a:rPr lang="en-US" altLang="zh-CN" sz="2600" dirty="0" smtClean="0"/>
+              <a:t>3 </a:t>
+            </a:r>
+            <a:r>
+              <a:rPr lang="zh-CN" altLang="en-US" sz="2600" dirty="0" smtClean="0"/>
+              <a:t>个组件来说是没有用的</a:t>
             </a:r>
             <a:endParaRPr lang="zh-CN" altLang="en-US" sz="2600" dirty="0"/>
           </a:p>
@@ -9924,7 +9862,7 @@
     </p:spTree>
     <p:extLst>
       <p:ext uri="{BB962C8B-B14F-4D97-AF65-F5344CB8AC3E}">
-        <p14:creationId xmlns:p14="http://schemas.microsoft.com/office/powerpoint/2010/main" val="3782411436"/>
+        <p14:creationId xmlns:p14="http://schemas.microsoft.com/office/powerpoint/2010/main" val="1012171988"/>
       </p:ext>
     </p:extLst>
   </p:cSld>
@@ -9986,6 +9924,401 @@
           </a:p>
         </p:txBody>
       </p:sp>
+      <p:sp>
+        <p:nvSpPr>
+          <p:cNvPr id="6" name="内容占位符 5"/>
+          <p:cNvSpPr>
+            <a:spLocks noGrp="1"/>
+          </p:cNvSpPr>
+          <p:nvPr>
+            <p:ph sz="half" idx="1"/>
+          </p:nvPr>
+        </p:nvSpPr>
+        <p:spPr>
+          <a:xfrm>
+            <a:off x="838200" y="1825625"/>
+            <a:ext cx="5181600" cy="4351338"/>
+          </a:xfrm>
+          <a:solidFill>
+            <a:schemeClr val="tx2"/>
+          </a:solidFill>
+        </p:spPr>
+        <p:txBody>
+          <a:bodyPr>
+            <a:normAutofit fontScale="77500" lnSpcReduction="20000"/>
+          </a:bodyPr>
+          <a:lstStyle/>
+          <a:p>
+            <a:pPr marL="0" indent="0">
+              <a:buNone/>
+            </a:pPr>
+            <a:r>
+              <a:rPr lang="en-US" altLang="zh-CN" dirty="0" smtClean="0">
+                <a:solidFill>
+                  <a:schemeClr val="accent4">
+                    <a:lumMod val="60000"/>
+                    <a:lumOff val="40000"/>
+                  </a:schemeClr>
+                </a:solidFill>
+                <a:latin typeface="Consolas" panose="020B0609020204030204" pitchFamily="49" charset="0"/>
+              </a:rPr>
+              <a:t>&lt;</a:t>
+            </a:r>
+            <a:r>
+              <a:rPr lang="en-US" altLang="zh-CN" dirty="0">
+                <a:solidFill>
+                  <a:schemeClr val="accent4">
+                    <a:lumMod val="60000"/>
+                    <a:lumOff val="40000"/>
+                  </a:schemeClr>
+                </a:solidFill>
+                <a:latin typeface="Consolas" panose="020B0609020204030204" pitchFamily="49" charset="0"/>
+              </a:rPr>
+              <a:t>Comp1&gt;</a:t>
+            </a:r>
+          </a:p>
+          <a:p>
+            <a:pPr marL="0" indent="0">
+              <a:buNone/>
+            </a:pPr>
+            <a:r>
+              <a:rPr lang="en-US" altLang="zh-CN" dirty="0" smtClean="0">
+                <a:solidFill>
+                  <a:schemeClr val="accent4">
+                    <a:lumMod val="60000"/>
+                    <a:lumOff val="40000"/>
+                  </a:schemeClr>
+                </a:solidFill>
+                <a:latin typeface="Consolas" panose="020B0609020204030204" pitchFamily="49" charset="0"/>
+              </a:rPr>
+              <a:t>  &lt;</a:t>
+            </a:r>
+            <a:r>
+              <a:rPr lang="en-US" altLang="zh-CN" dirty="0">
+                <a:solidFill>
+                  <a:schemeClr val="accent4">
+                    <a:lumMod val="60000"/>
+                    <a:lumOff val="40000"/>
+                  </a:schemeClr>
+                </a:solidFill>
+                <a:latin typeface="Consolas" panose="020B0609020204030204" pitchFamily="49" charset="0"/>
+              </a:rPr>
+              <a:t>Comp2&gt;</a:t>
+            </a:r>
+          </a:p>
+          <a:p>
+            <a:pPr marL="0" indent="0">
+              <a:buNone/>
+            </a:pPr>
+            <a:r>
+              <a:rPr lang="en-US" altLang="zh-CN" dirty="0" smtClean="0">
+                <a:solidFill>
+                  <a:schemeClr val="accent4">
+                    <a:lumMod val="60000"/>
+                    <a:lumOff val="40000"/>
+                  </a:schemeClr>
+                </a:solidFill>
+                <a:latin typeface="Consolas" panose="020B0609020204030204" pitchFamily="49" charset="0"/>
+              </a:rPr>
+              <a:t>    </a:t>
+            </a:r>
+            <a:r>
+              <a:rPr lang="en-US" altLang="zh-CN" dirty="0">
+                <a:solidFill>
+                  <a:schemeClr val="accent6">
+                    <a:lumMod val="60000"/>
+                    <a:lumOff val="40000"/>
+                  </a:schemeClr>
+                </a:solidFill>
+                <a:latin typeface="Consolas" panose="020B0609020204030204" pitchFamily="49" charset="0"/>
+              </a:rPr>
+              <a:t>&lt;Comp3 /&gt;</a:t>
+            </a:r>
+          </a:p>
+          <a:p>
+            <a:pPr marL="0" indent="0">
+              <a:buNone/>
+            </a:pPr>
+            <a:r>
+              <a:rPr lang="en-US" altLang="zh-CN" dirty="0" smtClean="0">
+                <a:solidFill>
+                  <a:schemeClr val="accent4">
+                    <a:lumMod val="60000"/>
+                    <a:lumOff val="40000"/>
+                  </a:schemeClr>
+                </a:solidFill>
+                <a:latin typeface="Consolas" panose="020B0609020204030204" pitchFamily="49" charset="0"/>
+              </a:rPr>
+              <a:t>  &lt;/</a:t>
+            </a:r>
+            <a:r>
+              <a:rPr lang="en-US" altLang="zh-CN" dirty="0">
+                <a:solidFill>
+                  <a:schemeClr val="accent4">
+                    <a:lumMod val="60000"/>
+                    <a:lumOff val="40000"/>
+                  </a:schemeClr>
+                </a:solidFill>
+                <a:latin typeface="Consolas" panose="020B0609020204030204" pitchFamily="49" charset="0"/>
+              </a:rPr>
+              <a:t>Comp2&gt;</a:t>
+            </a:r>
+          </a:p>
+          <a:p>
+            <a:pPr marL="0" indent="0">
+              <a:buNone/>
+            </a:pPr>
+            <a:r>
+              <a:rPr lang="en-US" altLang="zh-CN" dirty="0" smtClean="0">
+                <a:solidFill>
+                  <a:schemeClr val="accent4">
+                    <a:lumMod val="60000"/>
+                    <a:lumOff val="40000"/>
+                  </a:schemeClr>
+                </a:solidFill>
+                <a:latin typeface="Consolas" panose="020B0609020204030204" pitchFamily="49" charset="0"/>
+              </a:rPr>
+              <a:t>  </a:t>
+            </a:r>
+            <a:r>
+              <a:rPr lang="en-US" altLang="zh-CN" dirty="0">
+                <a:solidFill>
+                  <a:schemeClr val="accent6">
+                    <a:lumMod val="60000"/>
+                    <a:lumOff val="40000"/>
+                  </a:schemeClr>
+                </a:solidFill>
+                <a:latin typeface="Consolas" panose="020B0609020204030204" pitchFamily="49" charset="0"/>
+              </a:rPr>
+              <a:t>&lt;Comp4 /&gt;</a:t>
+            </a:r>
+          </a:p>
+          <a:p>
+            <a:pPr marL="0" indent="0">
+              <a:buNone/>
+            </a:pPr>
+            <a:r>
+              <a:rPr lang="en-US" altLang="zh-CN" dirty="0" smtClean="0">
+                <a:solidFill>
+                  <a:schemeClr val="accent4">
+                    <a:lumMod val="60000"/>
+                    <a:lumOff val="40000"/>
+                  </a:schemeClr>
+                </a:solidFill>
+                <a:latin typeface="Consolas" panose="020B0609020204030204" pitchFamily="49" charset="0"/>
+              </a:rPr>
+              <a:t>  </a:t>
+            </a:r>
+            <a:r>
+              <a:rPr lang="en-US" altLang="zh-CN" dirty="0">
+                <a:solidFill>
+                  <a:schemeClr val="accent4">
+                    <a:lumMod val="60000"/>
+                    <a:lumOff val="40000"/>
+                  </a:schemeClr>
+                </a:solidFill>
+                <a:latin typeface="Consolas" panose="020B0609020204030204" pitchFamily="49" charset="0"/>
+              </a:rPr>
+              <a:t>&lt;Comp5 /&gt;</a:t>
+            </a:r>
+          </a:p>
+          <a:p>
+            <a:pPr marL="0" indent="0">
+              <a:buNone/>
+            </a:pPr>
+            <a:r>
+              <a:rPr lang="en-US" altLang="zh-CN" dirty="0" smtClean="0">
+                <a:solidFill>
+                  <a:schemeClr val="accent4">
+                    <a:lumMod val="60000"/>
+                    <a:lumOff val="40000"/>
+                  </a:schemeClr>
+                </a:solidFill>
+                <a:latin typeface="Consolas" panose="020B0609020204030204" pitchFamily="49" charset="0"/>
+              </a:rPr>
+              <a:t>  &lt;</a:t>
+            </a:r>
+            <a:r>
+              <a:rPr lang="en-US" altLang="zh-CN" dirty="0">
+                <a:solidFill>
+                  <a:schemeClr val="accent4">
+                    <a:lumMod val="60000"/>
+                    <a:lumOff val="40000"/>
+                  </a:schemeClr>
+                </a:solidFill>
+                <a:latin typeface="Consolas" panose="020B0609020204030204" pitchFamily="49" charset="0"/>
+              </a:rPr>
+              <a:t>Comp6&gt;</a:t>
+            </a:r>
+          </a:p>
+          <a:p>
+            <a:pPr marL="0" indent="0">
+              <a:buNone/>
+            </a:pPr>
+            <a:r>
+              <a:rPr lang="en-US" altLang="zh-CN" dirty="0" smtClean="0">
+                <a:solidFill>
+                  <a:schemeClr val="accent4">
+                    <a:lumMod val="60000"/>
+                    <a:lumOff val="40000"/>
+                  </a:schemeClr>
+                </a:solidFill>
+                <a:latin typeface="Consolas" panose="020B0609020204030204" pitchFamily="49" charset="0"/>
+              </a:rPr>
+              <a:t>    </a:t>
+            </a:r>
+            <a:r>
+              <a:rPr lang="en-US" altLang="zh-CN" dirty="0">
+                <a:solidFill>
+                  <a:schemeClr val="accent6">
+                    <a:lumMod val="60000"/>
+                    <a:lumOff val="40000"/>
+                  </a:schemeClr>
+                </a:solidFill>
+                <a:latin typeface="Consolas" panose="020B0609020204030204" pitchFamily="49" charset="0"/>
+              </a:rPr>
+              <a:t>&lt;Comp7&gt;</a:t>
+            </a:r>
+          </a:p>
+          <a:p>
+            <a:pPr marL="0" indent="0">
+              <a:buNone/>
+            </a:pPr>
+            <a:r>
+              <a:rPr lang="en-US" altLang="zh-CN" dirty="0" smtClean="0">
+                <a:solidFill>
+                  <a:schemeClr val="accent4">
+                    <a:lumMod val="60000"/>
+                    <a:lumOff val="40000"/>
+                  </a:schemeClr>
+                </a:solidFill>
+                <a:latin typeface="Consolas" panose="020B0609020204030204" pitchFamily="49" charset="0"/>
+              </a:rPr>
+              <a:t>      </a:t>
+            </a:r>
+            <a:r>
+              <a:rPr lang="en-US" altLang="zh-CN" dirty="0">
+                <a:solidFill>
+                  <a:schemeClr val="accent6">
+                    <a:lumMod val="60000"/>
+                    <a:lumOff val="40000"/>
+                  </a:schemeClr>
+                </a:solidFill>
+                <a:latin typeface="Consolas" panose="020B0609020204030204" pitchFamily="49" charset="0"/>
+              </a:rPr>
+              <a:t>&lt;Comp8 /&gt;</a:t>
+            </a:r>
+          </a:p>
+          <a:p>
+            <a:pPr marL="0" indent="0">
+              <a:buNone/>
+            </a:pPr>
+            <a:r>
+              <a:rPr lang="en-US" altLang="zh-CN" dirty="0">
+                <a:solidFill>
+                  <a:schemeClr val="accent4">
+                    <a:lumMod val="60000"/>
+                    <a:lumOff val="40000"/>
+                  </a:schemeClr>
+                </a:solidFill>
+                <a:latin typeface="Consolas" panose="020B0609020204030204" pitchFamily="49" charset="0"/>
+              </a:rPr>
+              <a:t>    </a:t>
+            </a:r>
+            <a:r>
+              <a:rPr lang="en-US" altLang="zh-CN" dirty="0" smtClean="0">
+                <a:solidFill>
+                  <a:schemeClr val="accent4">
+                    <a:lumMod val="60000"/>
+                    <a:lumOff val="40000"/>
+                  </a:schemeClr>
+                </a:solidFill>
+                <a:latin typeface="Consolas" panose="020B0609020204030204" pitchFamily="49" charset="0"/>
+              </a:rPr>
+              <a:t>&lt;/</a:t>
+            </a:r>
+            <a:r>
+              <a:rPr lang="en-US" altLang="zh-CN" dirty="0">
+                <a:solidFill>
+                  <a:schemeClr val="accent4">
+                    <a:lumMod val="60000"/>
+                    <a:lumOff val="40000"/>
+                  </a:schemeClr>
+                </a:solidFill>
+                <a:latin typeface="Consolas" panose="020B0609020204030204" pitchFamily="49" charset="0"/>
+              </a:rPr>
+              <a:t>Comp7&gt;</a:t>
+            </a:r>
+          </a:p>
+          <a:p>
+            <a:pPr marL="0" indent="0">
+              <a:buNone/>
+            </a:pPr>
+            <a:r>
+              <a:rPr lang="en-US" altLang="zh-CN" dirty="0" smtClean="0">
+                <a:solidFill>
+                  <a:schemeClr val="accent4">
+                    <a:lumMod val="60000"/>
+                    <a:lumOff val="40000"/>
+                  </a:schemeClr>
+                </a:solidFill>
+                <a:latin typeface="Consolas" panose="020B0609020204030204" pitchFamily="49" charset="0"/>
+              </a:rPr>
+              <a:t>   &lt;/</a:t>
+            </a:r>
+            <a:r>
+              <a:rPr lang="en-US" altLang="zh-CN" dirty="0">
+                <a:solidFill>
+                  <a:schemeClr val="accent4">
+                    <a:lumMod val="60000"/>
+                    <a:lumOff val="40000"/>
+                  </a:schemeClr>
+                </a:solidFill>
+                <a:latin typeface="Consolas" panose="020B0609020204030204" pitchFamily="49" charset="0"/>
+              </a:rPr>
+              <a:t>Comp6&gt;</a:t>
+            </a:r>
+          </a:p>
+          <a:p>
+            <a:pPr marL="0" indent="0">
+              <a:buNone/>
+            </a:pPr>
+            <a:r>
+              <a:rPr lang="en-US" altLang="zh-CN" dirty="0" smtClean="0">
+                <a:solidFill>
+                  <a:schemeClr val="accent4">
+                    <a:lumMod val="60000"/>
+                    <a:lumOff val="40000"/>
+                  </a:schemeClr>
+                </a:solidFill>
+                <a:latin typeface="Consolas" panose="020B0609020204030204" pitchFamily="49" charset="0"/>
+              </a:rPr>
+              <a:t>&lt;/</a:t>
+            </a:r>
+            <a:r>
+              <a:rPr lang="en-US" altLang="zh-CN" dirty="0">
+                <a:solidFill>
+                  <a:schemeClr val="accent4">
+                    <a:lumMod val="60000"/>
+                    <a:lumOff val="40000"/>
+                  </a:schemeClr>
+                </a:solidFill>
+                <a:latin typeface="Consolas" panose="020B0609020204030204" pitchFamily="49" charset="0"/>
+              </a:rPr>
+              <a:t>Comp1&gt;</a:t>
+            </a:r>
+            <a:endParaRPr lang="zh-CN" altLang="en-US" dirty="0">
+              <a:solidFill>
+                <a:schemeClr val="accent4">
+                  <a:lumMod val="60000"/>
+                  <a:lumOff val="40000"/>
+                </a:schemeClr>
+              </a:solidFill>
+              <a:latin typeface="Consolas" panose="020B0609020204030204" pitchFamily="49" charset="0"/>
+            </a:endParaRPr>
+          </a:p>
+        </p:txBody>
+      </p:sp>
       <p:pic>
         <p:nvPicPr>
           <p:cNvPr id="8" name="内容占位符 7"/>
@@ -10017,102 +10350,54 @@
       </p:pic>
       <p:sp>
         <p:nvSpPr>
-          <p:cNvPr id="4" name="内容占位符 3"/>
-          <p:cNvSpPr>
-            <a:spLocks noGrp="1"/>
-          </p:cNvSpPr>
-          <p:nvPr>
-            <p:ph sz="half" idx="1"/>
-          </p:nvPr>
+          <p:cNvPr id="5" name="文本框 4"/>
+          <p:cNvSpPr txBox="1"/>
+          <p:nvPr/>
         </p:nvSpPr>
         <p:spPr>
           <a:xfrm>
-            <a:off x="838200" y="1825625"/>
-            <a:ext cx="10280650" cy="4351338"/>
+            <a:off x="6243637" y="1825625"/>
+            <a:ext cx="4875213" cy="892552"/>
           </a:xfrm>
+          <a:prstGeom prst="rect">
+            <a:avLst/>
+          </a:prstGeom>
+          <a:noFill/>
         </p:spPr>
         <p:txBody>
-          <a:bodyPr/>
-          <a:lstStyle/>
-          <a:p>
-            <a:r>
-              <a:rPr lang="en-US" altLang="zh-CN" dirty="0" smtClean="0"/>
-              <a:t>Redux </a:t>
-            </a:r>
-            <a:r>
-              <a:rPr lang="zh-CN" altLang="en-US" dirty="0" smtClean="0"/>
-              <a:t>是对 </a:t>
-            </a:r>
-            <a:r>
-              <a:rPr lang="en-US" altLang="zh-CN" dirty="0" smtClean="0"/>
-              <a:t>Flux </a:t>
-            </a:r>
-            <a:r>
-              <a:rPr lang="zh-CN" altLang="en-US" dirty="0" smtClean="0"/>
-              <a:t>架构的一种实现</a:t>
-            </a:r>
-            <a:endParaRPr lang="en-US" altLang="zh-CN" dirty="0" smtClean="0"/>
-          </a:p>
-          <a:p>
-            <a:endParaRPr lang="en-US" altLang="zh-CN" dirty="0"/>
-          </a:p>
-          <a:p>
-            <a:r>
-              <a:rPr lang="en-US" altLang="zh-CN" dirty="0"/>
-              <a:t>"</a:t>
-            </a:r>
-            <a:r>
-              <a:rPr lang="zh-CN" altLang="en-US" dirty="0"/>
-              <a:t>如果你不知道是否需要 </a:t>
-            </a:r>
-            <a:r>
-              <a:rPr lang="en-US" altLang="zh-CN" dirty="0"/>
-              <a:t>Redux</a:t>
-            </a:r>
-            <a:r>
-              <a:rPr lang="zh-CN" altLang="en-US" dirty="0"/>
-              <a:t>，那就是不需要它</a:t>
-            </a:r>
-            <a:r>
-              <a:rPr lang="zh-CN" altLang="en-US" dirty="0" smtClean="0"/>
-              <a:t>。</a:t>
-            </a:r>
-            <a:r>
-              <a:rPr lang="en-US" altLang="zh-CN" dirty="0" smtClean="0"/>
-              <a:t>" </a:t>
-            </a:r>
-          </a:p>
-          <a:p>
-            <a:pPr marL="0" indent="0">
-              <a:buNone/>
-            </a:pPr>
-            <a:endParaRPr lang="en-US" altLang="zh-CN" dirty="0"/>
-          </a:p>
-          <a:p>
-            <a:r>
-              <a:rPr lang="en-US" altLang="zh-CN" dirty="0" smtClean="0"/>
-              <a:t>Redux </a:t>
-            </a:r>
-            <a:r>
-              <a:rPr lang="zh-CN" altLang="en-US" dirty="0" smtClean="0"/>
-              <a:t>用于解决 </a:t>
-            </a:r>
-            <a:r>
-              <a:rPr lang="en-US" altLang="zh-CN" dirty="0" smtClean="0"/>
-              <a:t>React </a:t>
-            </a:r>
-            <a:r>
-              <a:rPr lang="zh-CN" altLang="en-US" dirty="0" smtClean="0"/>
-              <a:t>应用中组件间复杂的数据交互问题</a:t>
-            </a:r>
-            <a:endParaRPr lang="zh-CN" altLang="en-US" dirty="0"/>
+          <a:bodyPr wrap="square" rtlCol="0">
+            <a:spAutoFit/>
+          </a:bodyPr>
+          <a:lstStyle/>
+          <a:p>
+            <a:r>
+              <a:rPr lang="zh-CN" altLang="en-US" sz="2600" dirty="0" smtClean="0"/>
+              <a:t>如果 </a:t>
+            </a:r>
+            <a:r>
+              <a:rPr lang="en-US" altLang="zh-CN" sz="2600" dirty="0" smtClean="0"/>
+              <a:t>3, 4, 7, 8 </a:t>
+            </a:r>
+            <a:r>
+              <a:rPr lang="zh-CN" altLang="en-US" sz="2600" dirty="0" smtClean="0"/>
+              <a:t>需要用到 </a:t>
+            </a:r>
+            <a:r>
+              <a:rPr lang="en-US" altLang="zh-CN" sz="2600" dirty="0" smtClean="0"/>
+              <a:t>1 </a:t>
+            </a:r>
+            <a:r>
+              <a:rPr lang="zh-CN" altLang="en-US" sz="2600" dirty="0" smtClean="0"/>
+              <a:t>的数据，并且需要修改数据</a:t>
+            </a:r>
+            <a:endParaRPr lang="zh-CN" altLang="en-US" sz="2600" dirty="0"/>
           </a:p>
         </p:txBody>
       </p:sp>
     </p:spTree>
     <p:extLst>
       <p:ext uri="{BB962C8B-B14F-4D97-AF65-F5344CB8AC3E}">
-        <p14:creationId xmlns:p14="http://schemas.microsoft.com/office/powerpoint/2010/main" val="1588314998"/>
+        <p14:creationId xmlns:p14="http://schemas.microsoft.com/office/powerpoint/2010/main" val="3782411436"/>
       </p:ext>
     </p:extLst>
   </p:cSld>
@@ -10203,6 +10488,201 @@
           </a:xfrm>
         </p:spPr>
       </p:pic>
+      <p:sp>
+        <p:nvSpPr>
+          <p:cNvPr id="4" name="内容占位符 3"/>
+          <p:cNvSpPr>
+            <a:spLocks noGrp="1"/>
+          </p:cNvSpPr>
+          <p:nvPr>
+            <p:ph sz="half" idx="1"/>
+          </p:nvPr>
+        </p:nvSpPr>
+        <p:spPr>
+          <a:xfrm>
+            <a:off x="838200" y="1825625"/>
+            <a:ext cx="10280650" cy="4351338"/>
+          </a:xfrm>
+        </p:spPr>
+        <p:txBody>
+          <a:bodyPr/>
+          <a:lstStyle/>
+          <a:p>
+            <a:r>
+              <a:rPr lang="en-US" altLang="zh-CN" dirty="0"/>
+              <a:t>Redux </a:t>
+            </a:r>
+            <a:r>
+              <a:rPr lang="zh-CN" altLang="en-US" dirty="0"/>
+              <a:t>用于解决 </a:t>
+            </a:r>
+            <a:r>
+              <a:rPr lang="en-US" altLang="zh-CN" dirty="0"/>
+              <a:t>React </a:t>
+            </a:r>
+            <a:r>
+              <a:rPr lang="zh-CN" altLang="en-US" dirty="0"/>
+              <a:t>应用中组件间复杂的数据交互问</a:t>
+            </a:r>
+            <a:r>
+              <a:rPr lang="zh-CN" altLang="en-US" dirty="0" smtClean="0"/>
+              <a:t>题</a:t>
+            </a:r>
+            <a:endParaRPr lang="en-US" altLang="zh-CN" dirty="0" smtClean="0"/>
+          </a:p>
+          <a:p>
+            <a:endParaRPr lang="zh-CN" altLang="en-US" dirty="0"/>
+          </a:p>
+          <a:p>
+            <a:r>
+              <a:rPr lang="en-US" altLang="zh-CN" dirty="0" smtClean="0"/>
+              <a:t>Redux </a:t>
+            </a:r>
+            <a:r>
+              <a:rPr lang="zh-CN" altLang="en-US" dirty="0" smtClean="0"/>
+              <a:t>是对 </a:t>
+            </a:r>
+            <a:r>
+              <a:rPr lang="en-US" altLang="zh-CN" dirty="0" smtClean="0"/>
+              <a:t>Flux </a:t>
+            </a:r>
+            <a:r>
+              <a:rPr lang="zh-CN" altLang="en-US" dirty="0" smtClean="0"/>
+              <a:t>架构的一种实现</a:t>
+            </a:r>
+            <a:endParaRPr lang="en-US" altLang="zh-CN" dirty="0" smtClean="0"/>
+          </a:p>
+          <a:p>
+            <a:endParaRPr lang="en-US" altLang="zh-CN" dirty="0"/>
+          </a:p>
+          <a:p>
+            <a:r>
+              <a:rPr lang="en-US" altLang="zh-CN" dirty="0"/>
+              <a:t>"</a:t>
+            </a:r>
+            <a:r>
+              <a:rPr lang="zh-CN" altLang="en-US" dirty="0"/>
+              <a:t>如果你不知道是否需要 </a:t>
+            </a:r>
+            <a:r>
+              <a:rPr lang="en-US" altLang="zh-CN" dirty="0"/>
+              <a:t>Redux</a:t>
+            </a:r>
+            <a:r>
+              <a:rPr lang="zh-CN" altLang="en-US" dirty="0"/>
+              <a:t>，那就是不需要它</a:t>
+            </a:r>
+            <a:r>
+              <a:rPr lang="zh-CN" altLang="en-US" dirty="0" smtClean="0"/>
+              <a:t>。</a:t>
+            </a:r>
+            <a:r>
+              <a:rPr lang="en-US" altLang="zh-CN" dirty="0" smtClean="0"/>
+              <a:t>" </a:t>
+            </a:r>
+          </a:p>
+          <a:p>
+            <a:pPr marL="0" indent="0">
+              <a:buNone/>
+            </a:pPr>
+            <a:endParaRPr lang="en-US" altLang="zh-CN" dirty="0"/>
+          </a:p>
+        </p:txBody>
+      </p:sp>
+    </p:spTree>
+    <p:extLst>
+      <p:ext uri="{BB962C8B-B14F-4D97-AF65-F5344CB8AC3E}">
+        <p14:creationId xmlns:p14="http://schemas.microsoft.com/office/powerpoint/2010/main" val="1588314998"/>
+      </p:ext>
+    </p:extLst>
+  </p:cSld>
+  <p:clrMapOvr>
+    <a:masterClrMapping/>
+  </p:clrMapOvr>
+  <p:timing>
+    <p:tnLst>
+      <p:par>
+        <p:cTn id="1" dur="indefinite" restart="never" nodeType="tmRoot"/>
+      </p:par>
+    </p:tnLst>
+  </p:timing>
+</p:sld>
+</file>
+
+<file path=ppt/slides/slide25.xml><?xml version="1.0" encoding="utf-8"?>
+<p:sld xmlns:a="http://schemas.openxmlformats.org/drawingml/2006/main" xmlns:r="http://schemas.openxmlformats.org/officeDocument/2006/relationships" xmlns:p="http://schemas.openxmlformats.org/presentationml/2006/main">
+  <p:cSld>
+    <p:spTree>
+      <p:nvGrpSpPr>
+        <p:cNvPr id="1" name=""/>
+        <p:cNvGrpSpPr/>
+        <p:nvPr/>
+      </p:nvGrpSpPr>
+      <p:grpSpPr>
+        <a:xfrm>
+          <a:off x="0" y="0"/>
+          <a:ext cx="0" cy="0"/>
+          <a:chOff x="0" y="0"/>
+          <a:chExt cx="0" cy="0"/>
+        </a:xfrm>
+      </p:grpSpPr>
+      <p:sp>
+        <p:nvSpPr>
+          <p:cNvPr id="2" name="标题 1"/>
+          <p:cNvSpPr>
+            <a:spLocks noGrp="1"/>
+          </p:cNvSpPr>
+          <p:nvPr>
+            <p:ph type="title"/>
+          </p:nvPr>
+        </p:nvSpPr>
+        <p:spPr>
+          <a:xfrm>
+            <a:off x="838200" y="365125"/>
+            <a:ext cx="5181600" cy="1325563"/>
+          </a:xfrm>
+        </p:spPr>
+        <p:txBody>
+          <a:bodyPr/>
+          <a:lstStyle/>
+          <a:p>
+            <a:r>
+              <a:rPr lang="en-US" altLang="zh-CN" dirty="0" smtClean="0"/>
+              <a:t>3.1 Redux </a:t>
+            </a:r>
+            <a:endParaRPr lang="zh-CN" altLang="en-US" dirty="0"/>
+          </a:p>
+        </p:txBody>
+      </p:sp>
+      <p:pic>
+        <p:nvPicPr>
+          <p:cNvPr id="8" name="内容占位符 7"/>
+          <p:cNvPicPr>
+            <a:picLocks noGrp="1" noChangeAspect="1"/>
+          </p:cNvPicPr>
+          <p:nvPr>
+            <p:ph sz="half" idx="2"/>
+          </p:nvPr>
+        </p:nvPicPr>
+        <p:blipFill>
+          <a:blip r:embed="rId3">
+            <a:extLst>
+              <a:ext uri="{28A0092B-C50C-407E-A947-70E740481C1C}">
+                <a14:useLocalDpi xmlns:a14="http://schemas.microsoft.com/office/drawing/2010/main" val="0"/>
+              </a:ext>
+            </a:extLst>
+          </a:blip>
+          <a:stretch>
+            <a:fillRect/>
+          </a:stretch>
+        </p:blipFill>
+        <p:spPr>
+          <a:xfrm>
+            <a:off x="6243637" y="373063"/>
+            <a:ext cx="4875213" cy="1317625"/>
+          </a:xfrm>
+        </p:spPr>
+      </p:pic>
       <p:pic>
         <p:nvPicPr>
           <p:cNvPr id="10" name="内容占位符 9"/>
@@ -10214,7 +10694,7 @@
           </p:nvPr>
         </p:nvPicPr>
         <p:blipFill>
-          <a:blip r:embed="rId3"/>
+          <a:blip r:embed="rId4"/>
           <a:stretch>
             <a:fillRect/>
           </a:stretch>
@@ -10249,7 +10729,7 @@
 </p:sld>
 </file>
 
-<file path=ppt/slides/slide25.xml><?xml version="1.0" encoding="utf-8"?>
+<file path=ppt/slides/slide26.xml><?xml version="1.0" encoding="utf-8"?>
 <p:sld xmlns:a="http://schemas.openxmlformats.org/drawingml/2006/main" xmlns:r="http://schemas.openxmlformats.org/officeDocument/2006/relationships" xmlns:p="http://schemas.openxmlformats.org/presentationml/2006/main">
   <p:cSld>
     <p:spTree>
@@ -10415,7 +10895,7 @@
 </p:sld>
 </file>
 
-<file path=ppt/slides/slide26.xml><?xml version="1.0" encoding="utf-8"?>
+<file path=ppt/slides/slide27.xml><?xml version="1.0" encoding="utf-8"?>
 <p:sld xmlns:a="http://schemas.openxmlformats.org/drawingml/2006/main" xmlns:r="http://schemas.openxmlformats.org/officeDocument/2006/relationships" xmlns:p="http://schemas.openxmlformats.org/presentationml/2006/main">
   <p:cSld>
     <p:spTree>
@@ -10597,7 +11077,7 @@
 </p:sld>
 </file>
 
-<file path=ppt/slides/slide27.xml><?xml version="1.0" encoding="utf-8"?>
+<file path=ppt/slides/slide28.xml><?xml version="1.0" encoding="utf-8"?>
 <p:sld xmlns:a="http://schemas.openxmlformats.org/drawingml/2006/main" xmlns:r="http://schemas.openxmlformats.org/officeDocument/2006/relationships" xmlns:p="http://schemas.openxmlformats.org/presentationml/2006/main">
   <p:cSld>
     <p:spTree>
@@ -12051,10 +12531,10 @@
               <a:rPr lang="en-US" altLang="zh-CN" sz="2300" dirty="0" smtClean="0">
                 <a:latin typeface="Consolas" panose="020B0609020204030204" pitchFamily="49" charset="0"/>
               </a:rPr>
-              <a:t>handleClick</a:t>
-            </a:r>
-            <a:r>
-              <a:rPr lang="en-US" altLang="zh-CN" sz="2300" dirty="0">
+              <a:t>handleClick()</a:t>
+            </a:r>
+            <a:r>
+              <a:rPr lang="en-US" altLang="zh-CN" sz="2300" dirty="0" smtClean="0">
                 <a:solidFill>
                   <a:srgbClr val="FF0000"/>
                 </a:solidFill>
@@ -12066,7 +12546,13 @@
               <a:rPr lang="en-US" altLang="zh-CN" sz="2300" dirty="0" smtClean="0">
                 <a:latin typeface="Consolas" panose="020B0609020204030204" pitchFamily="49" charset="0"/>
               </a:rPr>
-              <a:t>&gt;btn&lt;/button&gt;</a:t>
+              <a:t>&gt;</a:t>
+            </a:r>
+            <a:r>
+              <a:rPr lang="en-US" altLang="zh-CN" sz="2300" dirty="0" smtClean="0">
+                <a:latin typeface="Consolas" panose="020B0609020204030204" pitchFamily="49" charset="0"/>
+              </a:rPr>
+              <a:t>btn&lt;/button&gt;</a:t>
             </a:r>
             <a:endParaRPr lang="en-US" altLang="zh-CN" sz="2300" dirty="0" smtClean="0"/>
           </a:p>
